--- a/Smart_Bird_Feeder_Presentation.pptx
+++ b/Smart_Bird_Feeder_Presentation.pptx
@@ -5,25 +5,28 @@
     <p:sldMasterId id="2147483648" r:id="rId1"/>
   </p:sldMasterIdLst>
   <p:notesMasterIdLst>
-    <p:notesMasterId r:id="rId18"/>
+    <p:notesMasterId r:id="rId21"/>
   </p:notesMasterIdLst>
   <p:sldIdLst>
     <p:sldId id="256" r:id="rId2"/>
     <p:sldId id="257" r:id="rId3"/>
     <p:sldId id="258" r:id="rId4"/>
     <p:sldId id="259" r:id="rId5"/>
-    <p:sldId id="265" r:id="rId6"/>
-    <p:sldId id="261" r:id="rId7"/>
-    <p:sldId id="262" r:id="rId8"/>
+    <p:sldId id="277" r:id="rId6"/>
+    <p:sldId id="265" r:id="rId7"/>
+    <p:sldId id="261" r:id="rId8"/>
     <p:sldId id="273" r:id="rId9"/>
-    <p:sldId id="272" r:id="rId10"/>
-    <p:sldId id="264" r:id="rId11"/>
-    <p:sldId id="271" r:id="rId12"/>
-    <p:sldId id="270" r:id="rId13"/>
-    <p:sldId id="266" r:id="rId14"/>
-    <p:sldId id="267" r:id="rId15"/>
-    <p:sldId id="268" r:id="rId16"/>
-    <p:sldId id="269" r:id="rId17"/>
+    <p:sldId id="275" r:id="rId10"/>
+    <p:sldId id="274" r:id="rId11"/>
+    <p:sldId id="280" r:id="rId12"/>
+    <p:sldId id="279" r:id="rId13"/>
+    <p:sldId id="264" r:id="rId14"/>
+    <p:sldId id="271" r:id="rId15"/>
+    <p:sldId id="270" r:id="rId16"/>
+    <p:sldId id="268" r:id="rId17"/>
+    <p:sldId id="269" r:id="rId18"/>
+    <p:sldId id="276" r:id="rId19"/>
+    <p:sldId id="278" r:id="rId20"/>
   </p:sldIdLst>
   <p:sldSz cx="9144000" cy="6858000" type="screen4x3"/>
   <p:notesSz cx="6858000" cy="9144000"/>
@@ -223,7 +226,7 @@
           <a:p>
             <a:fld id="{7B7A2491-6BC3-4D84-8226-0E26EC5E46DF}" type="datetimeFigureOut">
               <a:rPr lang="en-US" smtClean="0"/>
-              <a:t>12/5/2020</a:t>
+              <a:t>12/8/2020</a:t>
             </a:fld>
             <a:endParaRPr lang="en-US"/>
           </a:p>
@@ -555,7 +558,7 @@
           <a:p>
             <a:fld id="{A771B80B-07BC-4537-8E23-F075034921BE}" type="slidenum">
               <a:rPr lang="en-US" smtClean="0"/>
-              <a:t>5</a:t>
+              <a:t>6</a:t>
             </a:fld>
             <a:endParaRPr lang="en-US"/>
           </a:p>
@@ -620,16 +623,11 @@
           <a:p>
             <a:r>
               <a:rPr lang="en-US" dirty="0"/>
-              <a:t>Calvin - I contributed to the schematic and board design. I did some tests using the </a:t>
-            </a:r>
-            <a:r>
-              <a:rPr lang="en-US" dirty="0" err="1"/>
-              <a:t>ATTiny</a:t>
-            </a:r>
-            <a:r>
-              <a:rPr lang="en-US" dirty="0"/>
-              <a:t> to control the servo motor, such as finding the PWM signal whose duty cycle is controlled by a 10K ohm potentiometer to get a clockwise rotation, counterclockwise rotation, and no rotation.</a:t>
-            </a:r>
+              <a:t>Total cost per person for this project was $43.58 x 4 = $174.32</a:t>
+            </a:r>
+          </a:p>
+          <a:p>
+            <a:endParaRPr lang="en-US" dirty="0"/>
           </a:p>
         </p:txBody>
       </p:sp>
@@ -659,7 +657,7 @@
     </p:spTree>
     <p:extLst>
       <p:ext uri="{BB962C8B-B14F-4D97-AF65-F5344CB8AC3E}">
-        <p14:creationId xmlns:p14="http://schemas.microsoft.com/office/powerpoint/2010/main" val="421054122"/>
+        <p14:creationId xmlns:p14="http://schemas.microsoft.com/office/powerpoint/2010/main" val="4250561587"/>
       </p:ext>
     </p:extLst>
   </p:cSld>
@@ -715,7 +713,15 @@
           <a:p>
             <a:r>
               <a:rPr lang="en-US" dirty="0"/>
-              <a:t>Calvin - I learned that you should always view the datasheet of a part before purchasing it, unless it is not provided. I would definitely change some parts to be more suited to prototyping. For example, the continuous rotation servo motor changed to a normal servo, and ATTiny13 to a different controller IC with more I/O pins, and more allocated memory for uploading programs.</a:t>
+              <a:t>Calvin - I contributed to the schematic and board design. I did some tests using the </a:t>
+            </a:r>
+            <a:r>
+              <a:rPr lang="en-US" dirty="0" err="1"/>
+              <a:t>ATTiny</a:t>
+            </a:r>
+            <a:r>
+              <a:rPr lang="en-US" dirty="0"/>
+              <a:t> to control the servo motor, such as finding the PWM signal whose duty cycle is controlled by a 10K ohm potentiometer to get a clockwise rotation, counterclockwise rotation, and no rotation.</a:t>
             </a:r>
           </a:p>
         </p:txBody>
@@ -746,7 +752,268 @@
     </p:spTree>
     <p:extLst>
       <p:ext uri="{BB962C8B-B14F-4D97-AF65-F5344CB8AC3E}">
+        <p14:creationId xmlns:p14="http://schemas.microsoft.com/office/powerpoint/2010/main" val="421054122"/>
+      </p:ext>
+    </p:extLst>
+  </p:cSld>
+  <p:clrMapOvr>
+    <a:masterClrMapping/>
+  </p:clrMapOvr>
+</p:notes>
+</file>
+
+<file path=ppt/notesSlides/notesSlide4.xml><?xml version="1.0" encoding="utf-8"?>
+<p:notes xmlns:a="http://schemas.openxmlformats.org/drawingml/2006/main" xmlns:r="http://schemas.openxmlformats.org/officeDocument/2006/relationships" xmlns:p="http://schemas.openxmlformats.org/presentationml/2006/main">
+  <p:cSld>
+    <p:spTree>
+      <p:nvGrpSpPr>
+        <p:cNvPr id="1" name=""/>
+        <p:cNvGrpSpPr/>
+        <p:nvPr/>
+      </p:nvGrpSpPr>
+      <p:grpSpPr>
+        <a:xfrm>
+          <a:off x="0" y="0"/>
+          <a:ext cx="0" cy="0"/>
+          <a:chOff x="0" y="0"/>
+          <a:chExt cx="0" cy="0"/>
+        </a:xfrm>
+      </p:grpSpPr>
+      <p:sp>
+        <p:nvSpPr>
+          <p:cNvPr id="2" name="Slide Image Placeholder 1"/>
+          <p:cNvSpPr>
+            <a:spLocks noGrp="1" noRot="1" noChangeAspect="1"/>
+          </p:cNvSpPr>
+          <p:nvPr>
+            <p:ph type="sldImg"/>
+          </p:nvPr>
+        </p:nvSpPr>
+        <p:spPr/>
+      </p:sp>
+      <p:sp>
+        <p:nvSpPr>
+          <p:cNvPr id="3" name="Notes Placeholder 2"/>
+          <p:cNvSpPr>
+            <a:spLocks noGrp="1"/>
+          </p:cNvSpPr>
+          <p:nvPr>
+            <p:ph type="body" idx="1"/>
+          </p:nvPr>
+        </p:nvSpPr>
+        <p:spPr/>
+        <p:txBody>
+          <a:bodyPr/>
+          <a:lstStyle/>
+          <a:p>
+            <a:r>
+              <a:rPr lang="en-US" dirty="0"/>
+              <a:t>Calvin - I learned that you should always view the datasheet of a part before purchasing it, unless it is not provided. I would definitely change some parts to be more suited to prototyping. For example, the continuous rotation servo motor changed to a normal servo, and ATTiny13 to a different controller IC with more I/O pins, and more allocated memory for uploading programs.</a:t>
+            </a:r>
+          </a:p>
+        </p:txBody>
+      </p:sp>
+      <p:sp>
+        <p:nvSpPr>
+          <p:cNvPr id="4" name="Slide Number Placeholder 3"/>
+          <p:cNvSpPr>
+            <a:spLocks noGrp="1"/>
+          </p:cNvSpPr>
+          <p:nvPr>
+            <p:ph type="sldNum" sz="quarter" idx="5"/>
+          </p:nvPr>
+        </p:nvSpPr>
+        <p:spPr/>
+        <p:txBody>
+          <a:bodyPr/>
+          <a:lstStyle/>
+          <a:p>
+            <a:fld id="{A771B80B-07BC-4537-8E23-F075034921BE}" type="slidenum">
+              <a:rPr lang="en-US" smtClean="0"/>
+              <a:t>17</a:t>
+            </a:fld>
+            <a:endParaRPr lang="en-US"/>
+          </a:p>
+        </p:txBody>
+      </p:sp>
+    </p:spTree>
+    <p:extLst>
+      <p:ext uri="{BB962C8B-B14F-4D97-AF65-F5344CB8AC3E}">
         <p14:creationId xmlns:p14="http://schemas.microsoft.com/office/powerpoint/2010/main" val="2730438272"/>
+      </p:ext>
+    </p:extLst>
+  </p:cSld>
+  <p:clrMapOvr>
+    <a:masterClrMapping/>
+  </p:clrMapOvr>
+</p:notes>
+</file>
+
+<file path=ppt/notesSlides/notesSlide5.xml><?xml version="1.0" encoding="utf-8"?>
+<p:notes xmlns:a="http://schemas.openxmlformats.org/drawingml/2006/main" xmlns:r="http://schemas.openxmlformats.org/officeDocument/2006/relationships" xmlns:p="http://schemas.openxmlformats.org/presentationml/2006/main">
+  <p:cSld>
+    <p:spTree>
+      <p:nvGrpSpPr>
+        <p:cNvPr id="1" name=""/>
+        <p:cNvGrpSpPr/>
+        <p:nvPr/>
+      </p:nvGrpSpPr>
+      <p:grpSpPr>
+        <a:xfrm>
+          <a:off x="0" y="0"/>
+          <a:ext cx="0" cy="0"/>
+          <a:chOff x="0" y="0"/>
+          <a:chExt cx="0" cy="0"/>
+        </a:xfrm>
+      </p:grpSpPr>
+      <p:sp>
+        <p:nvSpPr>
+          <p:cNvPr id="2" name="Slide Image Placeholder 1"/>
+          <p:cNvSpPr>
+            <a:spLocks noGrp="1" noRot="1" noChangeAspect="1"/>
+          </p:cNvSpPr>
+          <p:nvPr>
+            <p:ph type="sldImg"/>
+          </p:nvPr>
+        </p:nvSpPr>
+        <p:spPr/>
+      </p:sp>
+      <p:sp>
+        <p:nvSpPr>
+          <p:cNvPr id="3" name="Notes Placeholder 2"/>
+          <p:cNvSpPr>
+            <a:spLocks noGrp="1"/>
+          </p:cNvSpPr>
+          <p:nvPr>
+            <p:ph type="body" idx="1"/>
+          </p:nvPr>
+        </p:nvSpPr>
+        <p:spPr/>
+        <p:txBody>
+          <a:bodyPr/>
+          <a:lstStyle/>
+          <a:p>
+            <a:r>
+              <a:rPr lang="en-US" dirty="0"/>
+              <a:t>Calvin - I learned that you should always view the datasheet of a part before purchasing it, unless it is not provided. I would definitely change some parts to be more suited to prototyping. For example, the continuous rotation servo motor changed to a normal servo, and ATTiny13 to a different controller IC with more I/O pins, and more allocated memory for uploading programs.</a:t>
+            </a:r>
+          </a:p>
+        </p:txBody>
+      </p:sp>
+      <p:sp>
+        <p:nvSpPr>
+          <p:cNvPr id="4" name="Slide Number Placeholder 3"/>
+          <p:cNvSpPr>
+            <a:spLocks noGrp="1"/>
+          </p:cNvSpPr>
+          <p:nvPr>
+            <p:ph type="sldNum" sz="quarter" idx="5"/>
+          </p:nvPr>
+        </p:nvSpPr>
+        <p:spPr/>
+        <p:txBody>
+          <a:bodyPr/>
+          <a:lstStyle/>
+          <a:p>
+            <a:fld id="{A771B80B-07BC-4537-8E23-F075034921BE}" type="slidenum">
+              <a:rPr lang="en-US" smtClean="0"/>
+              <a:t>18</a:t>
+            </a:fld>
+            <a:endParaRPr lang="en-US"/>
+          </a:p>
+        </p:txBody>
+      </p:sp>
+    </p:spTree>
+    <p:extLst>
+      <p:ext uri="{BB962C8B-B14F-4D97-AF65-F5344CB8AC3E}">
+        <p14:creationId xmlns:p14="http://schemas.microsoft.com/office/powerpoint/2010/main" val="3926889390"/>
+      </p:ext>
+    </p:extLst>
+  </p:cSld>
+  <p:clrMapOvr>
+    <a:masterClrMapping/>
+  </p:clrMapOvr>
+</p:notes>
+</file>
+
+<file path=ppt/notesSlides/notesSlide6.xml><?xml version="1.0" encoding="utf-8"?>
+<p:notes xmlns:a="http://schemas.openxmlformats.org/drawingml/2006/main" xmlns:r="http://schemas.openxmlformats.org/officeDocument/2006/relationships" xmlns:p="http://schemas.openxmlformats.org/presentationml/2006/main">
+  <p:cSld>
+    <p:spTree>
+      <p:nvGrpSpPr>
+        <p:cNvPr id="1" name=""/>
+        <p:cNvGrpSpPr/>
+        <p:nvPr/>
+      </p:nvGrpSpPr>
+      <p:grpSpPr>
+        <a:xfrm>
+          <a:off x="0" y="0"/>
+          <a:ext cx="0" cy="0"/>
+          <a:chOff x="0" y="0"/>
+          <a:chExt cx="0" cy="0"/>
+        </a:xfrm>
+      </p:grpSpPr>
+      <p:sp>
+        <p:nvSpPr>
+          <p:cNvPr id="2" name="Slide Image Placeholder 1"/>
+          <p:cNvSpPr>
+            <a:spLocks noGrp="1" noRot="1" noChangeAspect="1"/>
+          </p:cNvSpPr>
+          <p:nvPr>
+            <p:ph type="sldImg"/>
+          </p:nvPr>
+        </p:nvSpPr>
+        <p:spPr/>
+      </p:sp>
+      <p:sp>
+        <p:nvSpPr>
+          <p:cNvPr id="3" name="Notes Placeholder 2"/>
+          <p:cNvSpPr>
+            <a:spLocks noGrp="1"/>
+          </p:cNvSpPr>
+          <p:nvPr>
+            <p:ph type="body" idx="1"/>
+          </p:nvPr>
+        </p:nvSpPr>
+        <p:spPr/>
+        <p:txBody>
+          <a:bodyPr/>
+          <a:lstStyle/>
+          <a:p>
+            <a:r>
+              <a:rPr lang="en-US" dirty="0"/>
+              <a:t>Calvin - I learned that you should always view the datasheet of a part before purchasing it, unless it is not provided. I would definitely change some parts to be more suited to prototyping. For example, the continuous rotation servo motor changed to a normal servo, and ATTiny13 to a different controller IC with more I/O pins, and more allocated memory for uploading programs.</a:t>
+            </a:r>
+          </a:p>
+        </p:txBody>
+      </p:sp>
+      <p:sp>
+        <p:nvSpPr>
+          <p:cNvPr id="4" name="Slide Number Placeholder 3"/>
+          <p:cNvSpPr>
+            <a:spLocks noGrp="1"/>
+          </p:cNvSpPr>
+          <p:nvPr>
+            <p:ph type="sldNum" sz="quarter" idx="5"/>
+          </p:nvPr>
+        </p:nvSpPr>
+        <p:spPr/>
+        <p:txBody>
+          <a:bodyPr/>
+          <a:lstStyle/>
+          <a:p>
+            <a:fld id="{A771B80B-07BC-4537-8E23-F075034921BE}" type="slidenum">
+              <a:rPr lang="en-US" smtClean="0"/>
+              <a:t>19</a:t>
+            </a:fld>
+            <a:endParaRPr lang="en-US"/>
+          </a:p>
+        </p:txBody>
+      </p:sp>
+    </p:spTree>
+    <p:extLst>
+      <p:ext uri="{BB962C8B-B14F-4D97-AF65-F5344CB8AC3E}">
+        <p14:creationId xmlns:p14="http://schemas.microsoft.com/office/powerpoint/2010/main" val="2080745144"/>
       </p:ext>
     </p:extLst>
   </p:cSld>
@@ -933,10 +1200,9 @@
           <a:bodyPr/>
           <a:lstStyle/>
           <a:p>
-            <a:fld id="{9945A6C4-3160-4EE4-B33F-F3BF159DFF5C}" type="datetimeFigureOut">
+            <a:fld id="{58ADA11F-D028-49FB-82E3-0E1313DD3B63}" type="datetime1">
               <a:rPr lang="en-US" smtClean="0"/>
-              <a:pPr/>
-              <a:t>12/5/2020</a:t>
+              <a:t>12/8/2020</a:t>
             </a:fld>
             <a:endParaRPr lang="en-US"/>
           </a:p>
@@ -1098,10 +1364,9 @@
           <a:bodyPr/>
           <a:lstStyle/>
           <a:p>
-            <a:fld id="{9945A6C4-3160-4EE4-B33F-F3BF159DFF5C}" type="datetimeFigureOut">
+            <a:fld id="{CAF4D56A-C93A-40D2-9141-B9414923C23A}" type="datetime1">
               <a:rPr lang="en-US" smtClean="0"/>
-              <a:pPr/>
-              <a:t>12/5/2020</a:t>
+              <a:t>12/8/2020</a:t>
             </a:fld>
             <a:endParaRPr lang="en-US"/>
           </a:p>
@@ -1273,10 +1538,9 @@
           <a:bodyPr/>
           <a:lstStyle/>
           <a:p>
-            <a:fld id="{9945A6C4-3160-4EE4-B33F-F3BF159DFF5C}" type="datetimeFigureOut">
+            <a:fld id="{0C9DBB5C-B250-4D53-A29E-9F291E5530FC}" type="datetime1">
               <a:rPr lang="en-US" smtClean="0"/>
-              <a:pPr/>
-              <a:t>12/5/2020</a:t>
+              <a:t>12/8/2020</a:t>
             </a:fld>
             <a:endParaRPr lang="en-US"/>
           </a:p>
@@ -1438,10 +1702,9 @@
           <a:bodyPr/>
           <a:lstStyle/>
           <a:p>
-            <a:fld id="{9945A6C4-3160-4EE4-B33F-F3BF159DFF5C}" type="datetimeFigureOut">
+            <a:fld id="{888201D8-B088-4678-984A-FD214388E10A}" type="datetime1">
               <a:rPr lang="en-US" smtClean="0"/>
-              <a:pPr/>
-              <a:t>12/5/2020</a:t>
+              <a:t>12/8/2020</a:t>
             </a:fld>
             <a:endParaRPr lang="en-US"/>
           </a:p>
@@ -1680,10 +1943,9 @@
           <a:bodyPr/>
           <a:lstStyle/>
           <a:p>
-            <a:fld id="{9945A6C4-3160-4EE4-B33F-F3BF159DFF5C}" type="datetimeFigureOut">
+            <a:fld id="{3DA9C1AE-C5FE-403D-9616-252B3E939B9C}" type="datetime1">
               <a:rPr lang="en-US" smtClean="0"/>
-              <a:pPr/>
-              <a:t>12/5/2020</a:t>
+              <a:t>12/8/2020</a:t>
             </a:fld>
             <a:endParaRPr lang="en-US"/>
           </a:p>
@@ -1962,10 +2224,9 @@
           <a:bodyPr/>
           <a:lstStyle/>
           <a:p>
-            <a:fld id="{9945A6C4-3160-4EE4-B33F-F3BF159DFF5C}" type="datetimeFigureOut">
+            <a:fld id="{33D47BFA-4EB7-4294-AD25-3525B2E09DD9}" type="datetime1">
               <a:rPr lang="en-US" smtClean="0"/>
-              <a:pPr/>
-              <a:t>12/5/2020</a:t>
+              <a:t>12/8/2020</a:t>
             </a:fld>
             <a:endParaRPr lang="en-US"/>
           </a:p>
@@ -2378,10 +2639,9 @@
           <a:bodyPr/>
           <a:lstStyle/>
           <a:p>
-            <a:fld id="{9945A6C4-3160-4EE4-B33F-F3BF159DFF5C}" type="datetimeFigureOut">
+            <a:fld id="{3D8E5353-6553-4EBF-9B9C-C3D2CEEE1008}" type="datetime1">
               <a:rPr lang="en-US" smtClean="0"/>
-              <a:pPr/>
-              <a:t>12/5/2020</a:t>
+              <a:t>12/8/2020</a:t>
             </a:fld>
             <a:endParaRPr lang="en-US"/>
           </a:p>
@@ -2492,10 +2752,9 @@
           <a:bodyPr/>
           <a:lstStyle/>
           <a:p>
-            <a:fld id="{9945A6C4-3160-4EE4-B33F-F3BF159DFF5C}" type="datetimeFigureOut">
+            <a:fld id="{84FF4387-5277-4EAA-92B7-DE343033E7F2}" type="datetime1">
               <a:rPr lang="en-US" smtClean="0"/>
-              <a:pPr/>
-              <a:t>12/5/2020</a:t>
+              <a:t>12/8/2020</a:t>
             </a:fld>
             <a:endParaRPr lang="en-US"/>
           </a:p>
@@ -2584,10 +2843,9 @@
           <a:bodyPr/>
           <a:lstStyle/>
           <a:p>
-            <a:fld id="{9945A6C4-3160-4EE4-B33F-F3BF159DFF5C}" type="datetimeFigureOut">
+            <a:fld id="{F5907194-666B-4BD0-A4F4-35EDC7BC0905}" type="datetime1">
               <a:rPr lang="en-US" smtClean="0"/>
-              <a:pPr/>
-              <a:t>12/5/2020</a:t>
+              <a:t>12/8/2020</a:t>
             </a:fld>
             <a:endParaRPr lang="en-US"/>
           </a:p>
@@ -2856,10 +3114,9 @@
           <a:bodyPr/>
           <a:lstStyle/>
           <a:p>
-            <a:fld id="{9945A6C4-3160-4EE4-B33F-F3BF159DFF5C}" type="datetimeFigureOut">
+            <a:fld id="{95D263B9-8873-4D4C-B12E-28C21EBAA17B}" type="datetime1">
               <a:rPr lang="en-US" smtClean="0"/>
-              <a:pPr/>
-              <a:t>12/5/2020</a:t>
+              <a:t>12/8/2020</a:t>
             </a:fld>
             <a:endParaRPr lang="en-US"/>
           </a:p>
@@ -3108,10 +3365,9 @@
           <a:bodyPr/>
           <a:lstStyle/>
           <a:p>
-            <a:fld id="{9945A6C4-3160-4EE4-B33F-F3BF159DFF5C}" type="datetimeFigureOut">
+            <a:fld id="{91466D9D-EA79-4202-9BB1-C077CFDDBA88}" type="datetime1">
               <a:rPr lang="en-US" smtClean="0"/>
-              <a:pPr/>
-              <a:t>12/5/2020</a:t>
+              <a:t>12/8/2020</a:t>
             </a:fld>
             <a:endParaRPr lang="en-US"/>
           </a:p>
@@ -3327,10 +3583,9 @@
             </a:lvl1pPr>
           </a:lstStyle>
           <a:p>
-            <a:fld id="{9945A6C4-3160-4EE4-B33F-F3BF159DFF5C}" type="datetimeFigureOut">
+            <a:fld id="{AB88C5A3-BB6E-4941-9169-FB16EF474FE6}" type="datetime1">
               <a:rPr lang="en-US" smtClean="0"/>
-              <a:pPr/>
-              <a:t>12/5/2020</a:t>
+              <a:t>12/8/2020</a:t>
             </a:fld>
             <a:endParaRPr lang="en-US"/>
           </a:p>
@@ -3431,6 +3686,7 @@
     <p:sldLayoutId id="2147483658" r:id="rId10"/>
     <p:sldLayoutId id="2147483659" r:id="rId11"/>
   </p:sldLayoutIdLst>
+  <p:hf hdr="0" ftr="0" dt="0"/>
   <p:txStyles>
     <p:titleStyle>
       <a:lvl1pPr algn="ctr" defTabSz="914400" rtl="0" eaLnBrk="1" latinLnBrk="0" hangingPunct="1">
@@ -4235,6 +4491,36 @@
           </a:p>
         </p:txBody>
       </p:sp>
+      <p:sp>
+        <p:nvSpPr>
+          <p:cNvPr id="2" name="Slide Number Placeholder 1">
+            <a:extLst>
+              <a:ext uri="{FF2B5EF4-FFF2-40B4-BE49-F238E27FC236}">
+                <a16:creationId xmlns:a16="http://schemas.microsoft.com/office/drawing/2014/main" id="{C3DDA51E-6418-42FE-B598-7E296E7B54F9}"/>
+              </a:ext>
+            </a:extLst>
+          </p:cNvPr>
+          <p:cNvSpPr>
+            <a:spLocks noGrp="1"/>
+          </p:cNvSpPr>
+          <p:nvPr>
+            <p:ph type="sldNum" sz="quarter" idx="12"/>
+          </p:nvPr>
+        </p:nvSpPr>
+        <p:spPr/>
+        <p:txBody>
+          <a:bodyPr/>
+          <a:lstStyle/>
+          <a:p>
+            <a:fld id="{C806B262-DE4B-41F2-8D27-37F2CF938DE7}" type="slidenum">
+              <a:rPr lang="en-US" smtClean="0"/>
+              <a:pPr/>
+              <a:t>1</a:t>
+            </a:fld>
+            <a:endParaRPr lang="en-US"/>
+          </a:p>
+        </p:txBody>
+      </p:sp>
     </p:spTree>
   </p:cSld>
   <p:clrMapOvr>
@@ -4265,7 +4551,7 @@
           <p:cNvPr id="2" name="Title 1">
             <a:extLst>
               <a:ext uri="{FF2B5EF4-FFF2-40B4-BE49-F238E27FC236}">
-                <a16:creationId xmlns:a16="http://schemas.microsoft.com/office/drawing/2014/main" id="{8D53AEC3-6004-4BB9-9242-82D16C61B05A}"/>
+                <a16:creationId xmlns:a16="http://schemas.microsoft.com/office/drawing/2014/main" id="{921059BB-0DC2-43C2-B023-209B234230BC}"/>
               </a:ext>
             </a:extLst>
           </p:cNvPr>
@@ -4276,38 +4562,99 @@
             <p:ph type="title"/>
           </p:nvPr>
         </p:nvSpPr>
-        <p:spPr>
-          <a:xfrm>
-            <a:off x="381000" y="381000"/>
-            <a:ext cx="6629400" cy="1143000"/>
-          </a:xfrm>
-        </p:spPr>
+        <p:spPr/>
         <p:txBody>
           <a:bodyPr>
-            <a:normAutofit/>
+            <a:normAutofit fontScale="90000"/>
           </a:bodyPr>
           <a:lstStyle/>
           <a:p>
             <a:r>
               <a:rPr lang="en-US" sz="4400" b="0" i="0" u="none" strike="noStrike" baseline="0" dirty="0">
+                <a:solidFill>
+                  <a:srgbClr val="FF0000"/>
+                </a:solidFill>
                 <a:latin typeface="Times New Roman" panose="02020603050405020304" pitchFamily="18" charset="0"/>
                 <a:cs typeface="Times New Roman" panose="02020603050405020304" pitchFamily="18" charset="0"/>
               </a:rPr>
-              <a:t>Implementation - Schematic</a:t>
+              <a:t>Design – </a:t>
+            </a:r>
+            <a:br>
+              <a:rPr lang="en-US" sz="4400" b="0" i="0" u="none" strike="noStrike" baseline="0" dirty="0">
+                <a:solidFill>
+                  <a:srgbClr val="FF0000"/>
+                </a:solidFill>
+                <a:latin typeface="Times New Roman" panose="02020603050405020304" pitchFamily="18" charset="0"/>
+                <a:cs typeface="Times New Roman" panose="02020603050405020304" pitchFamily="18" charset="0"/>
+              </a:rPr>
+            </a:br>
+            <a:r>
+              <a:rPr lang="en-US" sz="4400" b="0" i="0" u="none" strike="noStrike" baseline="0" dirty="0">
+                <a:solidFill>
+                  <a:srgbClr val="FF0000"/>
+                </a:solidFill>
+                <a:latin typeface="Times New Roman" panose="02020603050405020304" pitchFamily="18" charset="0"/>
+                <a:cs typeface="Times New Roman" panose="02020603050405020304" pitchFamily="18" charset="0"/>
+              </a:rPr>
+              <a:t>State Transition Diagram</a:t>
             </a:r>
             <a:endParaRPr lang="en-US" dirty="0">
+              <a:solidFill>
+                <a:srgbClr val="FF0000"/>
+              </a:solidFill>
               <a:latin typeface="Times New Roman" panose="02020603050405020304" pitchFamily="18" charset="0"/>
               <a:cs typeface="Times New Roman" panose="02020603050405020304" pitchFamily="18" charset="0"/>
             </a:endParaRPr>
           </a:p>
         </p:txBody>
       </p:sp>
+      <p:sp>
+        <p:nvSpPr>
+          <p:cNvPr id="3" name="Content Placeholder 2">
+            <a:extLst>
+              <a:ext uri="{FF2B5EF4-FFF2-40B4-BE49-F238E27FC236}">
+                <a16:creationId xmlns:a16="http://schemas.microsoft.com/office/drawing/2014/main" id="{92659F5A-FDC1-4BE8-97AE-6711D7AE2A44}"/>
+              </a:ext>
+            </a:extLst>
+          </p:cNvPr>
+          <p:cNvSpPr>
+            <a:spLocks noGrp="1"/>
+          </p:cNvSpPr>
+          <p:nvPr>
+            <p:ph idx="1"/>
+          </p:nvPr>
+        </p:nvSpPr>
+        <p:spPr/>
+        <p:txBody>
+          <a:bodyPr/>
+          <a:lstStyle/>
+          <a:p>
+            <a:pPr algn="l"/>
+            <a:r>
+              <a:rPr lang="en-US" sz="3200" b="0" i="1" u="none" strike="noStrike" baseline="0" dirty="0">
+                <a:latin typeface="Calibri-Italic"/>
+              </a:rPr>
+              <a:t>Describe design using appropriate methods (e.g. block diagrams, UML models, algorithms)</a:t>
+            </a:r>
+          </a:p>
+          <a:p>
+            <a:pPr algn="l"/>
+            <a:r>
+              <a:rPr lang="en-US" sz="3200" b="0" i="1" u="none" strike="noStrike" baseline="0" dirty="0">
+                <a:latin typeface="Calibri-Italic"/>
+              </a:rPr>
+              <a:t>Discuss design alternatives, trade-offs, decisions made</a:t>
+            </a:r>
+            <a:endParaRPr lang="en-US" dirty="0"/>
+          </a:p>
+        </p:txBody>
+      </p:sp>
       <p:pic>
         <p:nvPicPr>
           <p:cNvPr id="5" name="Picture 4">
             <a:extLst>
               <a:ext uri="{FF2B5EF4-FFF2-40B4-BE49-F238E27FC236}">
-                <a16:creationId xmlns:a16="http://schemas.microsoft.com/office/drawing/2014/main" id="{AD6CF8E9-A73C-463D-AB04-4DA37A3435E0}"/>
+                <a16:creationId xmlns:a16="http://schemas.microsoft.com/office/drawing/2014/main" id="{66655F1A-86C5-47EF-A382-5261D853C429}"/>
               </a:ext>
             </a:extLst>
           </p:cNvPr>
@@ -4338,46 +4685,73 @@
           </a:prstGeom>
         </p:spPr>
       </p:pic>
-      <p:pic>
-        <p:nvPicPr>
-          <p:cNvPr id="11" name="Picture 10" descr="Diagram, schematic&#10;&#10;Description automatically generated">
+      <p:sp>
+        <p:nvSpPr>
+          <p:cNvPr id="4" name="Slide Number Placeholder 3">
             <a:extLst>
               <a:ext uri="{FF2B5EF4-FFF2-40B4-BE49-F238E27FC236}">
-                <a16:creationId xmlns:a16="http://schemas.microsoft.com/office/drawing/2014/main" id="{E133610F-5107-4C39-B382-B734A3B39988}"/>
+                <a16:creationId xmlns:a16="http://schemas.microsoft.com/office/drawing/2014/main" id="{E6E396EA-07E4-4DFA-901F-155030FE1376}"/>
               </a:ext>
             </a:extLst>
           </p:cNvPr>
-          <p:cNvPicPr>
-            <a:picLocks noChangeAspect="1"/>
-          </p:cNvPicPr>
-          <p:nvPr/>
-        </p:nvPicPr>
-        <p:blipFill>
-          <a:blip r:embed="rId3">
-            <a:extLst>
-              <a:ext uri="{28A0092B-C50C-407E-A947-70E740481C1C}">
-                <a14:useLocalDpi xmlns:a14="http://schemas.microsoft.com/office/drawing/2010/main" val="0"/>
-              </a:ext>
-            </a:extLst>
-          </a:blip>
-          <a:stretch>
-            <a:fillRect/>
-          </a:stretch>
-        </p:blipFill>
+          <p:cNvSpPr>
+            <a:spLocks noGrp="1"/>
+          </p:cNvSpPr>
+          <p:nvPr>
+            <p:ph type="sldNum" sz="quarter" idx="12"/>
+          </p:nvPr>
+        </p:nvSpPr>
+        <p:spPr/>
+        <p:txBody>
+          <a:bodyPr/>
+          <a:lstStyle/>
+          <a:p>
+            <a:fld id="{C806B262-DE4B-41F2-8D27-37F2CF938DE7}" type="slidenum">
+              <a:rPr lang="en-US" smtClean="0"/>
+              <a:pPr/>
+              <a:t>10</a:t>
+            </a:fld>
+            <a:endParaRPr lang="en-US"/>
+          </a:p>
+        </p:txBody>
+      </p:sp>
+      <p:sp>
+        <p:nvSpPr>
+          <p:cNvPr id="6" name="Footer Placeholder 5">
+            <a:extLst>
+              <a:ext uri="{FF2B5EF4-FFF2-40B4-BE49-F238E27FC236}">
+                <a16:creationId xmlns:a16="http://schemas.microsoft.com/office/drawing/2014/main" id="{CC140960-66BE-435F-8C22-EF333883DA66}"/>
+              </a:ext>
+            </a:extLst>
+          </p:cNvPr>
+          <p:cNvSpPr>
+            <a:spLocks noGrp="1"/>
+          </p:cNvSpPr>
+          <p:nvPr>
+            <p:ph type="ftr" sz="quarter" idx="11"/>
+          </p:nvPr>
+        </p:nvSpPr>
         <p:spPr>
           <a:xfrm>
-            <a:off x="533400" y="1189170"/>
-            <a:ext cx="8153400" cy="5663529"/>
+            <a:off x="-990600" y="6370637"/>
+            <a:ext cx="2895600" cy="365125"/>
           </a:xfrm>
-          <a:prstGeom prst="rect">
-            <a:avLst/>
-          </a:prstGeom>
         </p:spPr>
-      </p:pic>
+        <p:txBody>
+          <a:bodyPr/>
+          <a:lstStyle/>
+          <a:p>
+            <a:r>
+              <a:rPr lang="en-US" dirty="0"/>
+              <a:t>NS</a:t>
+            </a:r>
+          </a:p>
+        </p:txBody>
+      </p:sp>
     </p:spTree>
     <p:extLst>
       <p:ext uri="{BB962C8B-B14F-4D97-AF65-F5344CB8AC3E}">
-        <p14:creationId xmlns:p14="http://schemas.microsoft.com/office/powerpoint/2010/main" val="1729076435"/>
+        <p14:creationId xmlns:p14="http://schemas.microsoft.com/office/powerpoint/2010/main" val="4226447215"/>
       </p:ext>
     </p:extLst>
   </p:cSld>
@@ -4409,7 +4783,7 @@
           <p:cNvPr id="2" name="Title 1">
             <a:extLst>
               <a:ext uri="{FF2B5EF4-FFF2-40B4-BE49-F238E27FC236}">
-                <a16:creationId xmlns:a16="http://schemas.microsoft.com/office/drawing/2014/main" id="{8D53AEC3-6004-4BB9-9242-82D16C61B05A}"/>
+                <a16:creationId xmlns:a16="http://schemas.microsoft.com/office/drawing/2014/main" id="{921059BB-0DC2-43C2-B023-209B234230BC}"/>
               </a:ext>
             </a:extLst>
           </p:cNvPr>
@@ -4422,17 +4796,45 @@
         </p:nvSpPr>
         <p:spPr/>
         <p:txBody>
-          <a:bodyPr/>
+          <a:bodyPr>
+            <a:normAutofit/>
+          </a:bodyPr>
           <a:lstStyle/>
           <a:p>
             <a:r>
               <a:rPr lang="en-US" sz="4400" b="0" i="0" u="none" strike="noStrike" baseline="0" dirty="0">
+                <a:solidFill>
+                  <a:srgbClr val="FF0000"/>
+                </a:solidFill>
                 <a:latin typeface="Times New Roman" panose="02020603050405020304" pitchFamily="18" charset="0"/>
                 <a:cs typeface="Times New Roman" panose="02020603050405020304" pitchFamily="18" charset="0"/>
               </a:rPr>
-              <a:t>Implementation - Tools</a:t>
+              <a:t>Design – </a:t>
+            </a:r>
+            <a:r>
+              <a:rPr lang="en-US" dirty="0">
+                <a:solidFill>
+                  <a:srgbClr val="FF0000"/>
+                </a:solidFill>
+                <a:latin typeface="Times New Roman" panose="02020603050405020304" pitchFamily="18" charset="0"/>
+                <a:cs typeface="Times New Roman" panose="02020603050405020304" pitchFamily="18" charset="0"/>
+              </a:rPr>
+              <a:t>Soft</a:t>
+            </a:r>
+            <a:r>
+              <a:rPr lang="en-US" sz="4400" b="0" i="0" u="none" strike="noStrike" baseline="0" dirty="0">
+                <a:solidFill>
+                  <a:srgbClr val="FF0000"/>
+                </a:solidFill>
+                <a:latin typeface="Times New Roman" panose="02020603050405020304" pitchFamily="18" charset="0"/>
+                <a:cs typeface="Times New Roman" panose="02020603050405020304" pitchFamily="18" charset="0"/>
+              </a:rPr>
+              <a:t>ware </a:t>
             </a:r>
             <a:endParaRPr lang="en-US" dirty="0">
+              <a:solidFill>
+                <a:srgbClr val="FF0000"/>
+              </a:solidFill>
               <a:latin typeface="Times New Roman" panose="02020603050405020304" pitchFamily="18" charset="0"/>
               <a:cs typeface="Times New Roman" panose="02020603050405020304" pitchFamily="18" charset="0"/>
             </a:endParaRPr>
@@ -4444,7 +4846,7 @@
           <p:cNvPr id="3" name="Content Placeholder 2">
             <a:extLst>
               <a:ext uri="{FF2B5EF4-FFF2-40B4-BE49-F238E27FC236}">
-                <a16:creationId xmlns:a16="http://schemas.microsoft.com/office/drawing/2014/main" id="{2CE334AC-69B0-4476-829F-723CA7B2CC1A}"/>
+                <a16:creationId xmlns:a16="http://schemas.microsoft.com/office/drawing/2014/main" id="{92659F5A-FDC1-4BE8-97AE-6711D7AE2A44}"/>
               </a:ext>
             </a:extLst>
           </p:cNvPr>
@@ -4457,73 +4859,26 @@
         </p:nvSpPr>
         <p:spPr/>
         <p:txBody>
-          <a:bodyPr>
-            <a:normAutofit/>
-          </a:bodyPr>
+          <a:bodyPr/>
           <a:lstStyle/>
           <a:p>
             <a:pPr algn="l"/>
             <a:r>
-              <a:rPr lang="en-US" sz="3200" b="0" u="none" strike="noStrike" baseline="0" dirty="0">
-                <a:latin typeface="Times New Roman" panose="02020603050405020304" pitchFamily="18" charset="0"/>
-                <a:cs typeface="Times New Roman" panose="02020603050405020304" pitchFamily="18" charset="0"/>
-              </a:rPr>
-              <a:t>Oscilloscope</a:t>
+              <a:rPr lang="en-US" sz="3200" b="0" i="1" u="none" strike="noStrike" baseline="0" dirty="0">
+                <a:latin typeface="Calibri-Italic"/>
+              </a:rPr>
+              <a:t>Describe design using appropriate methods (e.g. block diagrams, UML models, algorithms)</a:t>
             </a:r>
           </a:p>
           <a:p>
             <a:pPr algn="l"/>
             <a:r>
-              <a:rPr lang="en-US" dirty="0" err="1">
-                <a:latin typeface="Times New Roman" panose="02020603050405020304" pitchFamily="18" charset="0"/>
-                <a:cs typeface="Times New Roman" panose="02020603050405020304" pitchFamily="18" charset="0"/>
-              </a:rPr>
-              <a:t>EagleCAD</a:t>
-            </a:r>
-            <a:endParaRPr lang="en-US" dirty="0">
-              <a:latin typeface="Times New Roman" panose="02020603050405020304" pitchFamily="18" charset="0"/>
-              <a:cs typeface="Times New Roman" panose="02020603050405020304" pitchFamily="18" charset="0"/>
-            </a:endParaRPr>
-          </a:p>
-          <a:p>
-            <a:pPr algn="l"/>
-            <a:r>
-              <a:rPr lang="en-US" dirty="0">
-                <a:latin typeface="Times New Roman" panose="02020603050405020304" pitchFamily="18" charset="0"/>
-                <a:cs typeface="Times New Roman" panose="02020603050405020304" pitchFamily="18" charset="0"/>
-              </a:rPr>
-              <a:t>DMM</a:t>
-            </a:r>
-          </a:p>
-          <a:p>
-            <a:pPr algn="l"/>
-            <a:r>
-              <a:rPr lang="en-US" dirty="0">
-                <a:latin typeface="Times New Roman" panose="02020603050405020304" pitchFamily="18" charset="0"/>
-                <a:cs typeface="Times New Roman" panose="02020603050405020304" pitchFamily="18" charset="0"/>
-              </a:rPr>
-              <a:t>Power Supply</a:t>
-            </a:r>
-          </a:p>
-          <a:p>
-            <a:pPr algn="l"/>
-            <a:r>
-              <a:rPr lang="en-US" dirty="0">
-                <a:latin typeface="Times New Roman" panose="02020603050405020304" pitchFamily="18" charset="0"/>
-                <a:cs typeface="Times New Roman" panose="02020603050405020304" pitchFamily="18" charset="0"/>
-              </a:rPr>
-              <a:t>Fusion360</a:t>
-            </a:r>
-          </a:p>
-          <a:p>
-            <a:pPr algn="l"/>
-            <a:r>
-              <a:rPr lang="en-US" dirty="0">
-                <a:latin typeface="Times New Roman" panose="02020603050405020304" pitchFamily="18" charset="0"/>
-                <a:cs typeface="Times New Roman" panose="02020603050405020304" pitchFamily="18" charset="0"/>
-              </a:rPr>
-              <a:t>Arduino IDE</a:t>
-            </a:r>
+              <a:rPr lang="en-US" sz="3200" b="0" i="1" u="none" strike="noStrike" baseline="0" dirty="0">
+                <a:latin typeface="Calibri-Italic"/>
+              </a:rPr>
+              <a:t>Discuss design alternatives, trade-offs, decisions made</a:t>
+            </a:r>
+            <a:endParaRPr lang="en-US" dirty="0"/>
           </a:p>
         </p:txBody>
       </p:sp>
@@ -4532,7 +4887,7 @@
           <p:cNvPr id="5" name="Picture 4">
             <a:extLst>
               <a:ext uri="{FF2B5EF4-FFF2-40B4-BE49-F238E27FC236}">
-                <a16:creationId xmlns:a16="http://schemas.microsoft.com/office/drawing/2014/main" id="{E85C235A-D39D-4D10-AA4F-046FFC3C035E}"/>
+                <a16:creationId xmlns:a16="http://schemas.microsoft.com/office/drawing/2014/main" id="{66655F1A-86C5-47EF-A382-5261D853C429}"/>
               </a:ext>
             </a:extLst>
           </p:cNvPr>
@@ -4563,10 +4918,73 @@
           </a:prstGeom>
         </p:spPr>
       </p:pic>
+      <p:sp>
+        <p:nvSpPr>
+          <p:cNvPr id="4" name="Slide Number Placeholder 3">
+            <a:extLst>
+              <a:ext uri="{FF2B5EF4-FFF2-40B4-BE49-F238E27FC236}">
+                <a16:creationId xmlns:a16="http://schemas.microsoft.com/office/drawing/2014/main" id="{E6E396EA-07E4-4DFA-901F-155030FE1376}"/>
+              </a:ext>
+            </a:extLst>
+          </p:cNvPr>
+          <p:cNvSpPr>
+            <a:spLocks noGrp="1"/>
+          </p:cNvSpPr>
+          <p:nvPr>
+            <p:ph type="sldNum" sz="quarter" idx="12"/>
+          </p:nvPr>
+        </p:nvSpPr>
+        <p:spPr/>
+        <p:txBody>
+          <a:bodyPr/>
+          <a:lstStyle/>
+          <a:p>
+            <a:fld id="{C806B262-DE4B-41F2-8D27-37F2CF938DE7}" type="slidenum">
+              <a:rPr lang="en-US" smtClean="0"/>
+              <a:pPr/>
+              <a:t>11</a:t>
+            </a:fld>
+            <a:endParaRPr lang="en-US"/>
+          </a:p>
+        </p:txBody>
+      </p:sp>
+      <p:sp>
+        <p:nvSpPr>
+          <p:cNvPr id="6" name="Footer Placeholder 5">
+            <a:extLst>
+              <a:ext uri="{FF2B5EF4-FFF2-40B4-BE49-F238E27FC236}">
+                <a16:creationId xmlns:a16="http://schemas.microsoft.com/office/drawing/2014/main" id="{3DDAADEE-D706-48C3-80BF-A283C602A016}"/>
+              </a:ext>
+            </a:extLst>
+          </p:cNvPr>
+          <p:cNvSpPr>
+            <a:spLocks noGrp="1"/>
+          </p:cNvSpPr>
+          <p:nvPr>
+            <p:ph type="ftr" sz="quarter" idx="11"/>
+          </p:nvPr>
+        </p:nvSpPr>
+        <p:spPr>
+          <a:xfrm>
+            <a:off x="-990600" y="6370637"/>
+            <a:ext cx="2895600" cy="365125"/>
+          </a:xfrm>
+        </p:spPr>
+        <p:txBody>
+          <a:bodyPr/>
+          <a:lstStyle/>
+          <a:p>
+            <a:r>
+              <a:rPr lang="en-US" dirty="0"/>
+              <a:t>NS</a:t>
+            </a:r>
+          </a:p>
+        </p:txBody>
+      </p:sp>
     </p:spTree>
     <p:extLst>
       <p:ext uri="{BB962C8B-B14F-4D97-AF65-F5344CB8AC3E}">
-        <p14:creationId xmlns:p14="http://schemas.microsoft.com/office/powerpoint/2010/main" val="1305333851"/>
+        <p14:creationId xmlns:p14="http://schemas.microsoft.com/office/powerpoint/2010/main" val="3119158284"/>
       </p:ext>
     </p:extLst>
   </p:cSld>
@@ -4609,19 +5027,32 @@
             <p:ph type="title"/>
           </p:nvPr>
         </p:nvSpPr>
-        <p:spPr/>
-        <p:txBody>
-          <a:bodyPr/>
+        <p:spPr>
+          <a:xfrm>
+            <a:off x="344483" y="304800"/>
+            <a:ext cx="6629400" cy="1143000"/>
+          </a:xfrm>
+        </p:spPr>
+        <p:txBody>
+          <a:bodyPr>
+            <a:normAutofit/>
+          </a:bodyPr>
           <a:lstStyle/>
           <a:p>
             <a:r>
               <a:rPr lang="en-US" sz="4400" b="0" i="0" u="none" strike="noStrike" baseline="0" dirty="0">
+                <a:solidFill>
+                  <a:srgbClr val="FF0000"/>
+                </a:solidFill>
                 <a:latin typeface="Times New Roman" panose="02020603050405020304" pitchFamily="18" charset="0"/>
                 <a:cs typeface="Times New Roman" panose="02020603050405020304" pitchFamily="18" charset="0"/>
               </a:rPr>
-              <a:t>Implementation - BOM</a:t>
+              <a:t>Design - CAD</a:t>
             </a:r>
             <a:endParaRPr lang="en-US" dirty="0">
+              <a:solidFill>
+                <a:srgbClr val="FF0000"/>
+              </a:solidFill>
               <a:latin typeface="Times New Roman" panose="02020603050405020304" pitchFamily="18" charset="0"/>
               <a:cs typeface="Times New Roman" panose="02020603050405020304" pitchFamily="18" charset="0"/>
             </a:endParaRPr>
@@ -4630,45 +5061,10 @@
       </p:sp>
       <p:pic>
         <p:nvPicPr>
-          <p:cNvPr id="8" name="Content Placeholder 7" descr="Graphical user interface, application&#10;&#10;Description automatically generated">
+          <p:cNvPr id="5" name="Picture 4">
             <a:extLst>
               <a:ext uri="{FF2B5EF4-FFF2-40B4-BE49-F238E27FC236}">
-                <a16:creationId xmlns:a16="http://schemas.microsoft.com/office/drawing/2014/main" id="{099AFCCB-10C8-45AF-A056-ADF3EB441C48}"/>
-              </a:ext>
-            </a:extLst>
-          </p:cNvPr>
-          <p:cNvPicPr>
-            <a:picLocks noGrp="1" noChangeAspect="1"/>
-          </p:cNvPicPr>
-          <p:nvPr>
-            <p:ph idx="1"/>
-          </p:nvPr>
-        </p:nvPicPr>
-        <p:blipFill>
-          <a:blip r:embed="rId2">
-            <a:extLst>
-              <a:ext uri="{28A0092B-C50C-407E-A947-70E740481C1C}">
-                <a14:useLocalDpi xmlns:a14="http://schemas.microsoft.com/office/drawing/2010/main" val="0"/>
-              </a:ext>
-            </a:extLst>
-          </a:blip>
-          <a:stretch>
-            <a:fillRect/>
-          </a:stretch>
-        </p:blipFill>
-        <p:spPr>
-          <a:xfrm>
-            <a:off x="55034" y="1981200"/>
-            <a:ext cx="9033931" cy="1990196"/>
-          </a:xfrm>
-        </p:spPr>
-      </p:pic>
-      <p:pic>
-        <p:nvPicPr>
-          <p:cNvPr id="6" name="Picture 5">
-            <a:extLst>
-              <a:ext uri="{FF2B5EF4-FFF2-40B4-BE49-F238E27FC236}">
-                <a16:creationId xmlns:a16="http://schemas.microsoft.com/office/drawing/2014/main" id="{D9951B88-79ED-4421-9F1E-A94AB38524F8}"/>
+                <a16:creationId xmlns:a16="http://schemas.microsoft.com/office/drawing/2014/main" id="{AD6CF8E9-A73C-463D-AB04-4DA37A3435E0}"/>
               </a:ext>
             </a:extLst>
           </p:cNvPr>
@@ -4678,7 +5074,7 @@
           <p:nvPr/>
         </p:nvPicPr>
         <p:blipFill>
-          <a:blip r:embed="rId3">
+          <a:blip r:embed="rId2">
             <a:extLst>
               <a:ext uri="{28A0092B-C50C-407E-A947-70E740481C1C}">
                 <a14:useLocalDpi xmlns:a14="http://schemas.microsoft.com/office/drawing/2010/main" val="0"/>
@@ -4699,10 +5095,73 @@
           </a:prstGeom>
         </p:spPr>
       </p:pic>
+      <p:sp>
+        <p:nvSpPr>
+          <p:cNvPr id="3" name="Slide Number Placeholder 2">
+            <a:extLst>
+              <a:ext uri="{FF2B5EF4-FFF2-40B4-BE49-F238E27FC236}">
+                <a16:creationId xmlns:a16="http://schemas.microsoft.com/office/drawing/2014/main" id="{B2CCB504-4FE6-4A97-B95A-9323B1C4A41A}"/>
+              </a:ext>
+            </a:extLst>
+          </p:cNvPr>
+          <p:cNvSpPr>
+            <a:spLocks noGrp="1"/>
+          </p:cNvSpPr>
+          <p:nvPr>
+            <p:ph type="sldNum" sz="quarter" idx="12"/>
+          </p:nvPr>
+        </p:nvSpPr>
+        <p:spPr/>
+        <p:txBody>
+          <a:bodyPr/>
+          <a:lstStyle/>
+          <a:p>
+            <a:fld id="{C806B262-DE4B-41F2-8D27-37F2CF938DE7}" type="slidenum">
+              <a:rPr lang="en-US" smtClean="0"/>
+              <a:pPr/>
+              <a:t>12</a:t>
+            </a:fld>
+            <a:endParaRPr lang="en-US"/>
+          </a:p>
+        </p:txBody>
+      </p:sp>
+      <p:sp>
+        <p:nvSpPr>
+          <p:cNvPr id="6" name="Footer Placeholder 5">
+            <a:extLst>
+              <a:ext uri="{FF2B5EF4-FFF2-40B4-BE49-F238E27FC236}">
+                <a16:creationId xmlns:a16="http://schemas.microsoft.com/office/drawing/2014/main" id="{1FB6E9F7-882F-4D64-BD9B-78E3D1D9B078}"/>
+              </a:ext>
+            </a:extLst>
+          </p:cNvPr>
+          <p:cNvSpPr>
+            <a:spLocks noGrp="1"/>
+          </p:cNvSpPr>
+          <p:nvPr>
+            <p:ph type="ftr" sz="quarter" idx="11"/>
+          </p:nvPr>
+        </p:nvSpPr>
+        <p:spPr>
+          <a:xfrm>
+            <a:off x="-990600" y="6370637"/>
+            <a:ext cx="2895600" cy="365125"/>
+          </a:xfrm>
+        </p:spPr>
+        <p:txBody>
+          <a:bodyPr/>
+          <a:lstStyle/>
+          <a:p>
+            <a:r>
+              <a:rPr lang="en-US" dirty="0"/>
+              <a:t>NS</a:t>
+            </a:r>
+          </a:p>
+        </p:txBody>
+      </p:sp>
     </p:spTree>
     <p:extLst>
       <p:ext uri="{BB962C8B-B14F-4D97-AF65-F5344CB8AC3E}">
-        <p14:creationId xmlns:p14="http://schemas.microsoft.com/office/powerpoint/2010/main" val="427551570"/>
+        <p14:creationId xmlns:p14="http://schemas.microsoft.com/office/powerpoint/2010/main" val="3003600592"/>
       </p:ext>
     </p:extLst>
   </p:cSld>
@@ -4734,7 +5193,7 @@
           <p:cNvPr id="2" name="Title 1">
             <a:extLst>
               <a:ext uri="{FF2B5EF4-FFF2-40B4-BE49-F238E27FC236}">
-                <a16:creationId xmlns:a16="http://schemas.microsoft.com/office/drawing/2014/main" id="{C683DE32-F1E5-4C9A-96DC-B990E6EC9909}"/>
+                <a16:creationId xmlns:a16="http://schemas.microsoft.com/office/drawing/2014/main" id="{8D53AEC3-6004-4BB9-9242-82D16C61B05A}"/>
               </a:ext>
             </a:extLst>
           </p:cNvPr>
@@ -4745,9 +5204,16 @@
             <p:ph type="title"/>
           </p:nvPr>
         </p:nvSpPr>
-        <p:spPr/>
-        <p:txBody>
-          <a:bodyPr/>
+        <p:spPr>
+          <a:xfrm>
+            <a:off x="344483" y="304800"/>
+            <a:ext cx="6629400" cy="1143000"/>
+          </a:xfrm>
+        </p:spPr>
+        <p:txBody>
+          <a:bodyPr>
+            <a:normAutofit/>
+          </a:bodyPr>
           <a:lstStyle/>
           <a:p>
             <a:r>
@@ -4755,7 +5221,7 @@
                 <a:latin typeface="Times New Roman" panose="02020603050405020304" pitchFamily="18" charset="0"/>
                 <a:cs typeface="Times New Roman" panose="02020603050405020304" pitchFamily="18" charset="0"/>
               </a:rPr>
-              <a:t>Testing – The Test Cases</a:t>
+              <a:t>Implementation - Schematic</a:t>
             </a:r>
             <a:endParaRPr lang="en-US" dirty="0">
               <a:latin typeface="Times New Roman" panose="02020603050405020304" pitchFamily="18" charset="0"/>
@@ -4766,10 +5232,10 @@
       </p:sp>
       <p:pic>
         <p:nvPicPr>
-          <p:cNvPr id="4" name="Picture 3">
+          <p:cNvPr id="5" name="Picture 4">
             <a:extLst>
               <a:ext uri="{FF2B5EF4-FFF2-40B4-BE49-F238E27FC236}">
-                <a16:creationId xmlns:a16="http://schemas.microsoft.com/office/drawing/2014/main" id="{A3CCB6F4-430D-4EF5-93D2-CE17595CF895}"/>
+                <a16:creationId xmlns:a16="http://schemas.microsoft.com/office/drawing/2014/main" id="{AD6CF8E9-A73C-463D-AB04-4DA37A3435E0}"/>
               </a:ext>
             </a:extLst>
           </p:cNvPr>
@@ -4802,10 +5268,10 @@
       </p:pic>
       <p:pic>
         <p:nvPicPr>
-          <p:cNvPr id="9" name="Picture 8">
+          <p:cNvPr id="11" name="Picture 10" descr="Diagram, schematic&#10;&#10;Description automatically generated">
             <a:extLst>
               <a:ext uri="{FF2B5EF4-FFF2-40B4-BE49-F238E27FC236}">
-                <a16:creationId xmlns:a16="http://schemas.microsoft.com/office/drawing/2014/main" id="{118F9BAC-4013-4F3A-8E36-1E6632543485}"/>
+                <a16:creationId xmlns:a16="http://schemas.microsoft.com/office/drawing/2014/main" id="{E133610F-5107-4C39-B382-B734A3B39988}"/>
               </a:ext>
             </a:extLst>
           </p:cNvPr>
@@ -4822,59 +5288,87 @@
               </a:ext>
             </a:extLst>
           </a:blip>
-          <a:srcRect/>
-          <a:stretch/>
+          <a:stretch>
+            <a:fillRect/>
+          </a:stretch>
         </p:blipFill>
         <p:spPr>
           <a:xfrm>
-            <a:off x="762001" y="1310880"/>
-            <a:ext cx="5029200" cy="2254636"/>
+            <a:off x="533399" y="1189171"/>
+            <a:ext cx="7964485" cy="5532304"/>
           </a:xfrm>
           <a:prstGeom prst="rect">
             <a:avLst/>
           </a:prstGeom>
         </p:spPr>
       </p:pic>
-      <p:pic>
-        <p:nvPicPr>
-          <p:cNvPr id="11" name="Picture 10" descr="Table&#10;&#10;Description automatically generated">
+      <p:sp>
+        <p:nvSpPr>
+          <p:cNvPr id="3" name="Slide Number Placeholder 2">
             <a:extLst>
               <a:ext uri="{FF2B5EF4-FFF2-40B4-BE49-F238E27FC236}">
-                <a16:creationId xmlns:a16="http://schemas.microsoft.com/office/drawing/2014/main" id="{3FB90CDB-674B-48B0-A225-AFE9579ABB52}"/>
+                <a16:creationId xmlns:a16="http://schemas.microsoft.com/office/drawing/2014/main" id="{B2CCB504-4FE6-4A97-B95A-9323B1C4A41A}"/>
               </a:ext>
             </a:extLst>
           </p:cNvPr>
-          <p:cNvPicPr>
-            <a:picLocks noChangeAspect="1"/>
-          </p:cNvPicPr>
-          <p:nvPr/>
-        </p:nvPicPr>
-        <p:blipFill>
-          <a:blip r:embed="rId4">
-            <a:extLst>
-              <a:ext uri="{28A0092B-C50C-407E-A947-70E740481C1C}">
-                <a14:useLocalDpi xmlns:a14="http://schemas.microsoft.com/office/drawing/2010/main" val="0"/>
-              </a:ext>
-            </a:extLst>
-          </a:blip>
-          <a:stretch>
-            <a:fillRect/>
-          </a:stretch>
-        </p:blipFill>
+          <p:cNvSpPr>
+            <a:spLocks noGrp="1"/>
+          </p:cNvSpPr>
+          <p:nvPr>
+            <p:ph type="sldNum" sz="quarter" idx="12"/>
+          </p:nvPr>
+        </p:nvSpPr>
+        <p:spPr/>
+        <p:txBody>
+          <a:bodyPr/>
+          <a:lstStyle/>
+          <a:p>
+            <a:fld id="{C806B262-DE4B-41F2-8D27-37F2CF938DE7}" type="slidenum">
+              <a:rPr lang="en-US" smtClean="0"/>
+              <a:pPr/>
+              <a:t>13</a:t>
+            </a:fld>
+            <a:endParaRPr lang="en-US"/>
+          </a:p>
+        </p:txBody>
+      </p:sp>
+      <p:sp>
+        <p:nvSpPr>
+          <p:cNvPr id="6" name="Footer Placeholder 5">
+            <a:extLst>
+              <a:ext uri="{FF2B5EF4-FFF2-40B4-BE49-F238E27FC236}">
+                <a16:creationId xmlns:a16="http://schemas.microsoft.com/office/drawing/2014/main" id="{5297B28E-6707-4B6F-A3E2-983AE0138932}"/>
+              </a:ext>
+            </a:extLst>
+          </p:cNvPr>
+          <p:cNvSpPr>
+            <a:spLocks noGrp="1"/>
+          </p:cNvSpPr>
+          <p:nvPr>
+            <p:ph type="ftr" sz="quarter" idx="11"/>
+          </p:nvPr>
+        </p:nvSpPr>
         <p:spPr>
           <a:xfrm>
-            <a:off x="762000" y="3710542"/>
-            <a:ext cx="5029200" cy="2990216"/>
+            <a:off x="-990600" y="6370637"/>
+            <a:ext cx="2895600" cy="365125"/>
           </a:xfrm>
-          <a:prstGeom prst="rect">
-            <a:avLst/>
-          </a:prstGeom>
         </p:spPr>
-      </p:pic>
+        <p:txBody>
+          <a:bodyPr/>
+          <a:lstStyle/>
+          <a:p>
+            <a:r>
+              <a:rPr lang="en-US" dirty="0"/>
+              <a:t>CX</a:t>
+            </a:r>
+          </a:p>
+        </p:txBody>
+      </p:sp>
     </p:spTree>
     <p:extLst>
       <p:ext uri="{BB962C8B-B14F-4D97-AF65-F5344CB8AC3E}">
-        <p14:creationId xmlns:p14="http://schemas.microsoft.com/office/powerpoint/2010/main" val="1229632448"/>
+        <p14:creationId xmlns:p14="http://schemas.microsoft.com/office/powerpoint/2010/main" val="1729076435"/>
       </p:ext>
     </p:extLst>
   </p:cSld>
@@ -4906,7 +5400,7 @@
           <p:cNvPr id="2" name="Title 1">
             <a:extLst>
               <a:ext uri="{FF2B5EF4-FFF2-40B4-BE49-F238E27FC236}">
-                <a16:creationId xmlns:a16="http://schemas.microsoft.com/office/drawing/2014/main" id="{B3F0C6C0-2956-402B-83DC-3770408F7130}"/>
+                <a16:creationId xmlns:a16="http://schemas.microsoft.com/office/drawing/2014/main" id="{8D53AEC3-6004-4BB9-9242-82D16C61B05A}"/>
               </a:ext>
             </a:extLst>
           </p:cNvPr>
@@ -4927,7 +5421,7 @@
                 <a:latin typeface="Times New Roman" panose="02020603050405020304" pitchFamily="18" charset="0"/>
                 <a:cs typeface="Times New Roman" panose="02020603050405020304" pitchFamily="18" charset="0"/>
               </a:rPr>
-              <a:t>Results</a:t>
+              <a:t>Implementation - Tools</a:t>
             </a:r>
             <a:endParaRPr lang="en-US" dirty="0">
               <a:latin typeface="Times New Roman" panose="02020603050405020304" pitchFamily="18" charset="0"/>
@@ -4941,7 +5435,7 @@
           <p:cNvPr id="3" name="Content Placeholder 2">
             <a:extLst>
               <a:ext uri="{FF2B5EF4-FFF2-40B4-BE49-F238E27FC236}">
-                <a16:creationId xmlns:a16="http://schemas.microsoft.com/office/drawing/2014/main" id="{41D37CF9-3675-49D1-9BA3-CB7849AFF616}"/>
+                <a16:creationId xmlns:a16="http://schemas.microsoft.com/office/drawing/2014/main" id="{2CE334AC-69B0-4476-829F-723CA7B2CC1A}"/>
               </a:ext>
             </a:extLst>
           </p:cNvPr>
@@ -4954,63 +5448,135 @@
         </p:nvSpPr>
         <p:spPr>
           <a:xfrm>
-            <a:off x="609600" y="1204119"/>
-            <a:ext cx="6324600" cy="1600200"/>
+            <a:off x="457200" y="1417638"/>
+            <a:ext cx="6553200" cy="5211762"/>
           </a:xfrm>
         </p:spPr>
         <p:txBody>
           <a:bodyPr>
-            <a:normAutofit fontScale="47500" lnSpcReduction="20000"/>
+            <a:normAutofit fontScale="92500" lnSpcReduction="10000"/>
           </a:bodyPr>
           <a:lstStyle/>
           <a:p>
-            <a:pPr marL="0" indent="0">
+            <a:pPr marL="0" indent="0" algn="l">
               <a:buNone/>
             </a:pPr>
             <a:r>
+              <a:rPr lang="en-US" sz="3200" b="0" u="none" strike="noStrike" baseline="0" dirty="0">
+                <a:latin typeface="Times New Roman" panose="02020603050405020304" pitchFamily="18" charset="0"/>
+                <a:cs typeface="Times New Roman" panose="02020603050405020304" pitchFamily="18" charset="0"/>
+              </a:rPr>
+              <a:t>Hardware:</a:t>
+            </a:r>
+          </a:p>
+          <a:p>
+            <a:pPr algn="l"/>
+            <a:r>
+              <a:rPr lang="en-US" sz="3200" b="0" u="none" strike="noStrike" baseline="0" dirty="0">
+                <a:latin typeface="Times New Roman" panose="02020603050405020304" pitchFamily="18" charset="0"/>
+                <a:cs typeface="Times New Roman" panose="02020603050405020304" pitchFamily="18" charset="0"/>
+              </a:rPr>
+              <a:t>Oscilloscope</a:t>
+            </a:r>
+          </a:p>
+          <a:p>
+            <a:pPr algn="l"/>
+            <a:r>
               <a:rPr lang="en-US" dirty="0">
                 <a:latin typeface="Times New Roman" panose="02020603050405020304" pitchFamily="18" charset="0"/>
                 <a:cs typeface="Times New Roman" panose="02020603050405020304" pitchFamily="18" charset="0"/>
               </a:rPr>
-              <a:t>The first mass sensor  resistor values had to be modified to get a decent response. The 10k resistors forced too rapid of a rise and we would have been close to the maximum signal at 500g. The resistor in parallel with the sensor is a 12kohm resistor and the one to ground is a 1kohm resistor. </a:t>
-            </a:r>
-          </a:p>
-          <a:p>
-            <a:pPr marL="0" indent="0">
+              <a:t>Digital Multimeter</a:t>
+            </a:r>
+          </a:p>
+          <a:p>
+            <a:pPr algn="l"/>
+            <a:r>
+              <a:rPr lang="en-US" dirty="0">
+                <a:latin typeface="Times New Roman" panose="02020603050405020304" pitchFamily="18" charset="0"/>
+                <a:cs typeface="Times New Roman" panose="02020603050405020304" pitchFamily="18" charset="0"/>
+              </a:rPr>
+              <a:t>Power Supply</a:t>
+            </a:r>
+          </a:p>
+          <a:p>
+            <a:pPr marL="0" indent="0" algn="l">
               <a:buNone/>
             </a:pPr>
             <a:r>
-              <a:rPr lang="en-US" dirty="0">
+              <a:rPr lang="en-US" sz="3200" b="0" u="none" strike="noStrike" baseline="0" dirty="0">
                 <a:latin typeface="Times New Roman" panose="02020603050405020304" pitchFamily="18" charset="0"/>
                 <a:cs typeface="Times New Roman" panose="02020603050405020304" pitchFamily="18" charset="0"/>
               </a:rPr>
-              <a:t>With these changes after the first failed test, we were able to successfully test the mass sensor and achieve results within our threshold.</a:t>
-            </a:r>
-            <a:br>
-              <a:rPr lang="en-US" dirty="0">
+              <a:t>Software:</a:t>
+            </a:r>
+          </a:p>
+          <a:p>
+            <a:pPr algn="l"/>
+            <a:r>
+              <a:rPr lang="en-US" dirty="0" err="1">
                 <a:latin typeface="Times New Roman" panose="02020603050405020304" pitchFamily="18" charset="0"/>
                 <a:cs typeface="Times New Roman" panose="02020603050405020304" pitchFamily="18" charset="0"/>
               </a:rPr>
-            </a:br>
-            <a:br>
-              <a:rPr lang="en-US" dirty="0">
-                <a:latin typeface="Times New Roman" panose="02020603050405020304" pitchFamily="18" charset="0"/>
-                <a:cs typeface="Times New Roman" panose="02020603050405020304" pitchFamily="18" charset="0"/>
-              </a:rPr>
-            </a:br>
+              <a:t>EagleCAD</a:t>
+            </a:r>
             <a:endParaRPr lang="en-US" dirty="0">
               <a:latin typeface="Times New Roman" panose="02020603050405020304" pitchFamily="18" charset="0"/>
               <a:cs typeface="Times New Roman" panose="02020603050405020304" pitchFamily="18" charset="0"/>
             </a:endParaRPr>
           </a:p>
+          <a:p>
+            <a:pPr algn="l"/>
+            <a:r>
+              <a:rPr lang="en-US" dirty="0">
+                <a:latin typeface="Times New Roman" panose="02020603050405020304" pitchFamily="18" charset="0"/>
+                <a:cs typeface="Times New Roman" panose="02020603050405020304" pitchFamily="18" charset="0"/>
+              </a:rPr>
+              <a:t>Fusion360</a:t>
+            </a:r>
+          </a:p>
+          <a:p>
+            <a:pPr algn="l"/>
+            <a:r>
+              <a:rPr lang="en-US" dirty="0">
+                <a:latin typeface="Times New Roman" panose="02020603050405020304" pitchFamily="18" charset="0"/>
+                <a:cs typeface="Times New Roman" panose="02020603050405020304" pitchFamily="18" charset="0"/>
+              </a:rPr>
+              <a:t>Arduino IDE</a:t>
+            </a:r>
+          </a:p>
+          <a:p>
+            <a:pPr algn="l"/>
+            <a:r>
+              <a:rPr lang="en-US" dirty="0" err="1">
+                <a:latin typeface="Times New Roman" panose="02020603050405020304" pitchFamily="18" charset="0"/>
+                <a:cs typeface="Times New Roman" panose="02020603050405020304" pitchFamily="18" charset="0"/>
+              </a:rPr>
+              <a:t>LTSpice</a:t>
+            </a:r>
+            <a:endParaRPr lang="en-US" dirty="0">
+              <a:latin typeface="Times New Roman" panose="02020603050405020304" pitchFamily="18" charset="0"/>
+              <a:cs typeface="Times New Roman" panose="02020603050405020304" pitchFamily="18" charset="0"/>
+            </a:endParaRPr>
+          </a:p>
+          <a:p>
+            <a:pPr algn="l"/>
+            <a:r>
+              <a:rPr lang="en-US" dirty="0">
+                <a:latin typeface="Times New Roman" panose="02020603050405020304" pitchFamily="18" charset="0"/>
+                <a:cs typeface="Times New Roman" panose="02020603050405020304" pitchFamily="18" charset="0"/>
+              </a:rPr>
+              <a:t>Microsoft Project</a:t>
+            </a:r>
+          </a:p>
         </p:txBody>
       </p:sp>
       <p:pic>
         <p:nvPicPr>
-          <p:cNvPr id="4" name="Picture 3">
+          <p:cNvPr id="5" name="Picture 4">
             <a:extLst>
               <a:ext uri="{FF2B5EF4-FFF2-40B4-BE49-F238E27FC236}">
-                <a16:creationId xmlns:a16="http://schemas.microsoft.com/office/drawing/2014/main" id="{3972CC13-D575-4E29-8DA2-5B73D747604A}"/>
+                <a16:creationId xmlns:a16="http://schemas.microsoft.com/office/drawing/2014/main" id="{E85C235A-D39D-4D10-AA4F-046FFC3C035E}"/>
               </a:ext>
             </a:extLst>
           </p:cNvPr>
@@ -5041,45 +5607,73 @@
           </a:prstGeom>
         </p:spPr>
       </p:pic>
-      <p:pic>
-        <p:nvPicPr>
-          <p:cNvPr id="5" name="Content Placeholder 5">
+      <p:sp>
+        <p:nvSpPr>
+          <p:cNvPr id="4" name="Slide Number Placeholder 3">
             <a:extLst>
               <a:ext uri="{FF2B5EF4-FFF2-40B4-BE49-F238E27FC236}">
-                <a16:creationId xmlns:a16="http://schemas.microsoft.com/office/drawing/2014/main" id="{3871F6CF-C060-46FB-9D8D-23819764A737}"/>
+                <a16:creationId xmlns:a16="http://schemas.microsoft.com/office/drawing/2014/main" id="{F23543F6-65F1-4CF4-8113-1BE3830D711B}"/>
               </a:ext>
             </a:extLst>
           </p:cNvPr>
-          <p:cNvPicPr>
-            <a:picLocks noChangeAspect="1"/>
-          </p:cNvPicPr>
-          <p:nvPr/>
-        </p:nvPicPr>
-        <p:blipFill>
-          <a:blip r:embed="rId3">
-            <a:extLst>
-              <a:ext uri="{28A0092B-C50C-407E-A947-70E740481C1C}">
-                <a14:useLocalDpi xmlns:a14="http://schemas.microsoft.com/office/drawing/2010/main" val="0"/>
-              </a:ext>
-            </a:extLst>
-          </a:blip>
-          <a:srcRect/>
-          <a:stretch/>
-        </p:blipFill>
+          <p:cNvSpPr>
+            <a:spLocks noGrp="1"/>
+          </p:cNvSpPr>
+          <p:nvPr>
+            <p:ph type="sldNum" sz="quarter" idx="12"/>
+          </p:nvPr>
+        </p:nvSpPr>
+        <p:spPr/>
+        <p:txBody>
+          <a:bodyPr/>
+          <a:lstStyle/>
+          <a:p>
+            <a:fld id="{C806B262-DE4B-41F2-8D27-37F2CF938DE7}" type="slidenum">
+              <a:rPr lang="en-US" smtClean="0"/>
+              <a:pPr/>
+              <a:t>14</a:t>
+            </a:fld>
+            <a:endParaRPr lang="en-US"/>
+          </a:p>
+        </p:txBody>
+      </p:sp>
+      <p:sp>
+        <p:nvSpPr>
+          <p:cNvPr id="6" name="Footer Placeholder 5">
+            <a:extLst>
+              <a:ext uri="{FF2B5EF4-FFF2-40B4-BE49-F238E27FC236}">
+                <a16:creationId xmlns:a16="http://schemas.microsoft.com/office/drawing/2014/main" id="{88A6D16B-FADE-4476-BDEB-DEFB11022205}"/>
+              </a:ext>
+            </a:extLst>
+          </p:cNvPr>
+          <p:cNvSpPr>
+            <a:spLocks noGrp="1"/>
+          </p:cNvSpPr>
+          <p:nvPr>
+            <p:ph type="ftr" sz="quarter" idx="11"/>
+          </p:nvPr>
+        </p:nvSpPr>
         <p:spPr>
           <a:xfrm>
-            <a:off x="762001" y="2590800"/>
-            <a:ext cx="6324599" cy="3692522"/>
+            <a:off x="-990600" y="6370637"/>
+            <a:ext cx="2895600" cy="365125"/>
           </a:xfrm>
-          <a:prstGeom prst="rect">
-            <a:avLst/>
-          </a:prstGeom>
         </p:spPr>
-      </p:pic>
+        <p:txBody>
+          <a:bodyPr/>
+          <a:lstStyle/>
+          <a:p>
+            <a:r>
+              <a:rPr lang="en-US" dirty="0"/>
+              <a:t>CX</a:t>
+            </a:r>
+          </a:p>
+        </p:txBody>
+      </p:sp>
     </p:spTree>
     <p:extLst>
       <p:ext uri="{BB962C8B-B14F-4D97-AF65-F5344CB8AC3E}">
-        <p14:creationId xmlns:p14="http://schemas.microsoft.com/office/powerpoint/2010/main" val="1899397800"/>
+        <p14:creationId xmlns:p14="http://schemas.microsoft.com/office/powerpoint/2010/main" val="1305333851"/>
       </p:ext>
     </p:extLst>
   </p:cSld>
@@ -5111,7 +5705,7 @@
           <p:cNvPr id="2" name="Title 1">
             <a:extLst>
               <a:ext uri="{FF2B5EF4-FFF2-40B4-BE49-F238E27FC236}">
-                <a16:creationId xmlns:a16="http://schemas.microsoft.com/office/drawing/2014/main" id="{1604D6F3-E18E-42C3-B5C2-4852526B749D}"/>
+                <a16:creationId xmlns:a16="http://schemas.microsoft.com/office/drawing/2014/main" id="{8D53AEC3-6004-4BB9-9242-82D16C61B05A}"/>
               </a:ext>
             </a:extLst>
           </p:cNvPr>
@@ -5132,7 +5726,7 @@
                 <a:latin typeface="Times New Roman" panose="02020603050405020304" pitchFamily="18" charset="0"/>
                 <a:cs typeface="Times New Roman" panose="02020603050405020304" pitchFamily="18" charset="0"/>
               </a:rPr>
-              <a:t>Contributions</a:t>
+              <a:t>Implementation - BOM</a:t>
             </a:r>
             <a:endParaRPr lang="en-US" dirty="0">
               <a:latin typeface="Times New Roman" panose="02020603050405020304" pitchFamily="18" charset="0"/>
@@ -5141,155 +5735,46 @@
           </a:p>
         </p:txBody>
       </p:sp>
-      <p:sp>
-        <p:nvSpPr>
-          <p:cNvPr id="3" name="Content Placeholder 2">
+      <p:pic>
+        <p:nvPicPr>
+          <p:cNvPr id="8" name="Content Placeholder 7">
             <a:extLst>
               <a:ext uri="{FF2B5EF4-FFF2-40B4-BE49-F238E27FC236}">
-                <a16:creationId xmlns:a16="http://schemas.microsoft.com/office/drawing/2014/main" id="{7994B5ED-F394-4538-A156-ED91E6DDE6DC}"/>
+                <a16:creationId xmlns:a16="http://schemas.microsoft.com/office/drawing/2014/main" id="{099AFCCB-10C8-45AF-A056-ADF3EB441C48}"/>
               </a:ext>
             </a:extLst>
           </p:cNvPr>
-          <p:cNvSpPr>
-            <a:spLocks noGrp="1"/>
-          </p:cNvSpPr>
+          <p:cNvPicPr>
+            <a:picLocks noGrp="1" noChangeAspect="1"/>
+          </p:cNvPicPr>
           <p:nvPr>
             <p:ph idx="1"/>
           </p:nvPr>
-        </p:nvSpPr>
+        </p:nvPicPr>
+        <p:blipFill>
+          <a:blip r:embed="rId3">
+            <a:extLst>
+              <a:ext uri="{28A0092B-C50C-407E-A947-70E740481C1C}">
+                <a14:useLocalDpi xmlns:a14="http://schemas.microsoft.com/office/drawing/2010/main" val="0"/>
+              </a:ext>
+            </a:extLst>
+          </a:blip>
+          <a:srcRect/>
+          <a:stretch/>
+        </p:blipFill>
         <p:spPr>
           <a:xfrm>
-            <a:off x="457200" y="1600200"/>
-            <a:ext cx="6705600" cy="4525963"/>
+            <a:off x="176984" y="3017049"/>
+            <a:ext cx="8790031" cy="1990196"/>
           </a:xfrm>
         </p:spPr>
-        <p:txBody>
-          <a:bodyPr>
-            <a:normAutofit fontScale="85000" lnSpcReduction="10000"/>
-          </a:bodyPr>
-          <a:lstStyle/>
-          <a:p>
-            <a:r>
-              <a:rPr lang="en-US" sz="3200" b="0" i="1" u="none" strike="noStrike" baseline="0" dirty="0">
-                <a:latin typeface="Times New Roman" panose="02020603050405020304" pitchFamily="18" charset="0"/>
-                <a:cs typeface="Times New Roman" panose="02020603050405020304" pitchFamily="18" charset="0"/>
-              </a:rPr>
-              <a:t>Calvin – </a:t>
-            </a:r>
-            <a:r>
-              <a:rPr lang="en-US" sz="3200" b="0" u="none" strike="noStrike" baseline="0" dirty="0">
-                <a:latin typeface="Times New Roman" panose="02020603050405020304" pitchFamily="18" charset="0"/>
-                <a:cs typeface="Times New Roman" panose="02020603050405020304" pitchFamily="18" charset="0"/>
-              </a:rPr>
-              <a:t>Schematic, </a:t>
-            </a:r>
-            <a:r>
-              <a:rPr lang="en-US" dirty="0">
-                <a:latin typeface="Times New Roman" panose="02020603050405020304" pitchFamily="18" charset="0"/>
-                <a:cs typeface="Times New Roman" panose="02020603050405020304" pitchFamily="18" charset="0"/>
-              </a:rPr>
-              <a:t>board design, testing the </a:t>
-            </a:r>
-            <a:r>
-              <a:rPr lang="en-US" dirty="0" err="1">
-                <a:latin typeface="Times New Roman" panose="02020603050405020304" pitchFamily="18" charset="0"/>
-                <a:cs typeface="Times New Roman" panose="02020603050405020304" pitchFamily="18" charset="0"/>
-              </a:rPr>
-              <a:t>ATTiny</a:t>
-            </a:r>
-            <a:r>
-              <a:rPr lang="en-US" dirty="0">
-                <a:latin typeface="Times New Roman" panose="02020603050405020304" pitchFamily="18" charset="0"/>
-                <a:cs typeface="Times New Roman" panose="02020603050405020304" pitchFamily="18" charset="0"/>
-              </a:rPr>
-              <a:t> to control the servo motor</a:t>
-            </a:r>
-            <a:endParaRPr lang="en-US" sz="3200" b="0" u="none" strike="noStrike" baseline="0" dirty="0">
-              <a:latin typeface="Times New Roman" panose="02020603050405020304" pitchFamily="18" charset="0"/>
-              <a:cs typeface="Times New Roman" panose="02020603050405020304" pitchFamily="18" charset="0"/>
-            </a:endParaRPr>
-          </a:p>
-          <a:p>
-            <a:endParaRPr lang="en-US" i="1" dirty="0">
-              <a:latin typeface="Times New Roman" panose="02020603050405020304" pitchFamily="18" charset="0"/>
-              <a:cs typeface="Times New Roman" panose="02020603050405020304" pitchFamily="18" charset="0"/>
-            </a:endParaRPr>
-          </a:p>
-          <a:p>
-            <a:r>
-              <a:rPr lang="en-US" i="1" dirty="0">
-                <a:latin typeface="Times New Roman" panose="02020603050405020304" pitchFamily="18" charset="0"/>
-                <a:cs typeface="Times New Roman" panose="02020603050405020304" pitchFamily="18" charset="0"/>
-              </a:rPr>
-              <a:t>Stevie – </a:t>
-            </a:r>
-            <a:r>
-              <a:rPr lang="en-US" dirty="0">
-                <a:latin typeface="Times New Roman" panose="02020603050405020304" pitchFamily="18" charset="0"/>
-                <a:cs typeface="Times New Roman" panose="02020603050405020304" pitchFamily="18" charset="0"/>
-              </a:rPr>
-              <a:t>Organizing, ordering parts, prototyping, writing</a:t>
-            </a:r>
-          </a:p>
-          <a:p>
-            <a:endParaRPr lang="en-US" i="1" dirty="0">
-              <a:latin typeface="Times New Roman" panose="02020603050405020304" pitchFamily="18" charset="0"/>
-              <a:cs typeface="Times New Roman" panose="02020603050405020304" pitchFamily="18" charset="0"/>
-            </a:endParaRPr>
-          </a:p>
-          <a:p>
-            <a:r>
-              <a:rPr lang="en-US" i="1" dirty="0" err="1">
-                <a:latin typeface="Times New Roman" panose="02020603050405020304" pitchFamily="18" charset="0"/>
-                <a:cs typeface="Times New Roman" panose="02020603050405020304" pitchFamily="18" charset="0"/>
-              </a:rPr>
-              <a:t>Zeming</a:t>
-            </a:r>
-            <a:r>
-              <a:rPr lang="en-US" i="1" dirty="0">
-                <a:latin typeface="Times New Roman" panose="02020603050405020304" pitchFamily="18" charset="0"/>
-                <a:cs typeface="Times New Roman" panose="02020603050405020304" pitchFamily="18" charset="0"/>
-              </a:rPr>
-              <a:t> – </a:t>
-            </a:r>
-            <a:r>
-              <a:rPr lang="en-US" dirty="0">
-                <a:latin typeface="Times New Roman" panose="02020603050405020304" pitchFamily="18" charset="0"/>
-                <a:cs typeface="Times New Roman" panose="02020603050405020304" pitchFamily="18" charset="0"/>
-              </a:rPr>
-              <a:t>Ordering parts, prototyping, writing</a:t>
-            </a:r>
-          </a:p>
-          <a:p>
-            <a:endParaRPr lang="en-US" dirty="0">
-              <a:latin typeface="Times New Roman" panose="02020603050405020304" pitchFamily="18" charset="0"/>
-              <a:cs typeface="Times New Roman" panose="02020603050405020304" pitchFamily="18" charset="0"/>
-            </a:endParaRPr>
-          </a:p>
-          <a:p>
-            <a:r>
-              <a:rPr lang="en-US" i="1" dirty="0">
-                <a:latin typeface="Times New Roman" panose="02020603050405020304" pitchFamily="18" charset="0"/>
-                <a:cs typeface="Times New Roman" panose="02020603050405020304" pitchFamily="18" charset="0"/>
-              </a:rPr>
-              <a:t>Nick – </a:t>
-            </a:r>
-            <a:r>
-              <a:rPr lang="en-US" dirty="0">
-                <a:latin typeface="Times New Roman" panose="02020603050405020304" pitchFamily="18" charset="0"/>
-                <a:cs typeface="Times New Roman" panose="02020603050405020304" pitchFamily="18" charset="0"/>
-              </a:rPr>
-              <a:t>Prototyping, coding, testing</a:t>
-            </a:r>
-          </a:p>
-        </p:txBody>
-      </p:sp>
+      </p:pic>
       <p:pic>
         <p:nvPicPr>
-          <p:cNvPr id="4" name="Picture 3">
+          <p:cNvPr id="6" name="Picture 5">
             <a:extLst>
               <a:ext uri="{FF2B5EF4-FFF2-40B4-BE49-F238E27FC236}">
-                <a16:creationId xmlns:a16="http://schemas.microsoft.com/office/drawing/2014/main" id="{1277042D-0BD1-4AB7-AD37-CA22BD1261AF}"/>
+                <a16:creationId xmlns:a16="http://schemas.microsoft.com/office/drawing/2014/main" id="{D9951B88-79ED-4421-9F1E-A94AB38524F8}"/>
               </a:ext>
             </a:extLst>
           </p:cNvPr>
@@ -5299,7 +5784,7 @@
           <p:nvPr/>
         </p:nvPicPr>
         <p:blipFill>
-          <a:blip r:embed="rId3">
+          <a:blip r:embed="rId4">
             <a:extLst>
               <a:ext uri="{28A0092B-C50C-407E-A947-70E740481C1C}">
                 <a14:useLocalDpi xmlns:a14="http://schemas.microsoft.com/office/drawing/2010/main" val="0"/>
@@ -5320,10 +5805,73 @@
           </a:prstGeom>
         </p:spPr>
       </p:pic>
+      <p:sp>
+        <p:nvSpPr>
+          <p:cNvPr id="3" name="Slide Number Placeholder 2">
+            <a:extLst>
+              <a:ext uri="{FF2B5EF4-FFF2-40B4-BE49-F238E27FC236}">
+                <a16:creationId xmlns:a16="http://schemas.microsoft.com/office/drawing/2014/main" id="{0227E7FC-AFC2-4451-80CA-79B41D917576}"/>
+              </a:ext>
+            </a:extLst>
+          </p:cNvPr>
+          <p:cNvSpPr>
+            <a:spLocks noGrp="1"/>
+          </p:cNvSpPr>
+          <p:nvPr>
+            <p:ph type="sldNum" sz="quarter" idx="12"/>
+          </p:nvPr>
+        </p:nvSpPr>
+        <p:spPr/>
+        <p:txBody>
+          <a:bodyPr/>
+          <a:lstStyle/>
+          <a:p>
+            <a:fld id="{C806B262-DE4B-41F2-8D27-37F2CF938DE7}" type="slidenum">
+              <a:rPr lang="en-US" smtClean="0"/>
+              <a:pPr/>
+              <a:t>15</a:t>
+            </a:fld>
+            <a:endParaRPr lang="en-US"/>
+          </a:p>
+        </p:txBody>
+      </p:sp>
+      <p:sp>
+        <p:nvSpPr>
+          <p:cNvPr id="7" name="Footer Placeholder 5">
+            <a:extLst>
+              <a:ext uri="{FF2B5EF4-FFF2-40B4-BE49-F238E27FC236}">
+                <a16:creationId xmlns:a16="http://schemas.microsoft.com/office/drawing/2014/main" id="{D694C948-62EF-41DB-8931-6578229A7D59}"/>
+              </a:ext>
+            </a:extLst>
+          </p:cNvPr>
+          <p:cNvSpPr>
+            <a:spLocks noGrp="1"/>
+          </p:cNvSpPr>
+          <p:nvPr>
+            <p:ph type="ftr" sz="quarter" idx="11"/>
+          </p:nvPr>
+        </p:nvSpPr>
+        <p:spPr>
+          <a:xfrm>
+            <a:off x="-990600" y="6370637"/>
+            <a:ext cx="2895600" cy="365125"/>
+          </a:xfrm>
+        </p:spPr>
+        <p:txBody>
+          <a:bodyPr/>
+          <a:lstStyle/>
+          <a:p>
+            <a:r>
+              <a:rPr lang="en-US" dirty="0"/>
+              <a:t>CX</a:t>
+            </a:r>
+          </a:p>
+        </p:txBody>
+      </p:sp>
     </p:spTree>
     <p:extLst>
       <p:ext uri="{BB962C8B-B14F-4D97-AF65-F5344CB8AC3E}">
-        <p14:creationId xmlns:p14="http://schemas.microsoft.com/office/powerpoint/2010/main" val="95278259"/>
+        <p14:creationId xmlns:p14="http://schemas.microsoft.com/office/powerpoint/2010/main" val="427551570"/>
       </p:ext>
     </p:extLst>
   </p:cSld>
@@ -5355,7 +5903,7 @@
           <p:cNvPr id="2" name="Title 1">
             <a:extLst>
               <a:ext uri="{FF2B5EF4-FFF2-40B4-BE49-F238E27FC236}">
-                <a16:creationId xmlns:a16="http://schemas.microsoft.com/office/drawing/2014/main" id="{ACDD6BBA-DAD5-4495-86CC-1991D3C4CE9D}"/>
+                <a16:creationId xmlns:a16="http://schemas.microsoft.com/office/drawing/2014/main" id="{1604D6F3-E18E-42C3-B5C2-4852526B749D}"/>
               </a:ext>
             </a:extLst>
           </p:cNvPr>
@@ -5373,18 +5921,12 @@
           <a:p>
             <a:r>
               <a:rPr lang="en-US" sz="4400" b="0" i="0" u="none" strike="noStrike" baseline="0" dirty="0">
-                <a:solidFill>
-                  <a:srgbClr val="FF0000"/>
-                </a:solidFill>
                 <a:latin typeface="Times New Roman" panose="02020603050405020304" pitchFamily="18" charset="0"/>
                 <a:cs typeface="Times New Roman" panose="02020603050405020304" pitchFamily="18" charset="0"/>
               </a:rPr>
-              <a:t>Lessons Learned</a:t>
+              <a:t>Contributions</a:t>
             </a:r>
             <a:endParaRPr lang="en-US" dirty="0">
-              <a:solidFill>
-                <a:srgbClr val="FF0000"/>
-              </a:solidFill>
               <a:latin typeface="Times New Roman" panose="02020603050405020304" pitchFamily="18" charset="0"/>
               <a:cs typeface="Times New Roman" panose="02020603050405020304" pitchFamily="18" charset="0"/>
             </a:endParaRPr>
@@ -5396,7 +5938,7 @@
           <p:cNvPr id="3" name="Content Placeholder 2">
             <a:extLst>
               <a:ext uri="{FF2B5EF4-FFF2-40B4-BE49-F238E27FC236}">
-                <a16:creationId xmlns:a16="http://schemas.microsoft.com/office/drawing/2014/main" id="{CA270141-D2BB-44ED-B917-2F0F25B353EF}"/>
+                <a16:creationId xmlns:a16="http://schemas.microsoft.com/office/drawing/2014/main" id="{7994B5ED-F394-4538-A156-ED91E6DDE6DC}"/>
               </a:ext>
             </a:extLst>
           </p:cNvPr>
@@ -5407,14 +5949,18 @@
             <p:ph idx="1"/>
           </p:nvPr>
         </p:nvSpPr>
-        <p:spPr/>
+        <p:spPr>
+          <a:xfrm>
+            <a:off x="457200" y="1600200"/>
+            <a:ext cx="6705600" cy="4191000"/>
+          </a:xfrm>
+        </p:spPr>
         <p:txBody>
           <a:bodyPr>
             <a:normAutofit fontScale="77500" lnSpcReduction="20000"/>
           </a:bodyPr>
           <a:lstStyle/>
           <a:p>
-            <a:pPr algn="l"/>
             <a:r>
               <a:rPr lang="en-US" sz="3200" b="0" i="1" u="none" strike="noStrike" baseline="0" dirty="0">
                 <a:latin typeface="Times New Roman" panose="02020603050405020304" pitchFamily="18" charset="0"/>
@@ -5423,32 +5969,67 @@
               <a:t>Calvin – </a:t>
             </a:r>
             <a:r>
+              <a:rPr lang="en-US" sz="3200" b="0" u="none" strike="noStrike" baseline="0" dirty="0">
+                <a:latin typeface="Times New Roman" panose="02020603050405020304" pitchFamily="18" charset="0"/>
+                <a:cs typeface="Times New Roman" panose="02020603050405020304" pitchFamily="18" charset="0"/>
+              </a:rPr>
+              <a:t>Schematic, </a:t>
+            </a:r>
+            <a:r>
               <a:rPr lang="en-US" dirty="0">
                 <a:latin typeface="Times New Roman" panose="02020603050405020304" pitchFamily="18" charset="0"/>
                 <a:cs typeface="Times New Roman" panose="02020603050405020304" pitchFamily="18" charset="0"/>
               </a:rPr>
-              <a:t>Always view the datasheet of a part before purchasing it and use parts more suitable for prototyping. </a:t>
-            </a:r>
-          </a:p>
-          <a:p>
-            <a:pPr algn="l"/>
+              <a:t>board design, prototyping the </a:t>
+            </a:r>
+            <a:r>
+              <a:rPr lang="en-US" dirty="0" err="1">
+                <a:latin typeface="Times New Roman" panose="02020603050405020304" pitchFamily="18" charset="0"/>
+                <a:cs typeface="Times New Roman" panose="02020603050405020304" pitchFamily="18" charset="0"/>
+              </a:rPr>
+              <a:t>ATTiny</a:t>
+            </a:r>
+            <a:r>
+              <a:rPr lang="en-US" dirty="0">
+                <a:latin typeface="Times New Roman" panose="02020603050405020304" pitchFamily="18" charset="0"/>
+                <a:cs typeface="Times New Roman" panose="02020603050405020304" pitchFamily="18" charset="0"/>
+              </a:rPr>
+              <a:t> to control the servo motor</a:t>
+            </a:r>
+            <a:endParaRPr lang="en-US" sz="3200" b="0" u="none" strike="noStrike" baseline="0" dirty="0">
+              <a:latin typeface="Times New Roman" panose="02020603050405020304" pitchFamily="18" charset="0"/>
+              <a:cs typeface="Times New Roman" panose="02020603050405020304" pitchFamily="18" charset="0"/>
+            </a:endParaRPr>
+          </a:p>
+          <a:p>
+            <a:endParaRPr lang="en-US" i="1" dirty="0">
+              <a:latin typeface="Times New Roman" panose="02020603050405020304" pitchFamily="18" charset="0"/>
+              <a:cs typeface="Times New Roman" panose="02020603050405020304" pitchFamily="18" charset="0"/>
+            </a:endParaRPr>
+          </a:p>
+          <a:p>
             <a:r>
               <a:rPr lang="en-US" i="1" dirty="0">
                 <a:latin typeface="Times New Roman" panose="02020603050405020304" pitchFamily="18" charset="0"/>
                 <a:cs typeface="Times New Roman" panose="02020603050405020304" pitchFamily="18" charset="0"/>
               </a:rPr>
-              <a:t>Stevie</a:t>
+              <a:t>Stevie – </a:t>
             </a:r>
             <a:r>
               <a:rPr lang="en-US" dirty="0">
                 <a:latin typeface="Times New Roman" panose="02020603050405020304" pitchFamily="18" charset="0"/>
                 <a:cs typeface="Times New Roman" panose="02020603050405020304" pitchFamily="18" charset="0"/>
               </a:rPr>
-              <a:t> – Do better research on parts before purchasing and check rubrics (i.e. client emails, paperwork explaining the requirements) before turning in homework (paperwork the client asked for).</a:t>
-            </a:r>
-          </a:p>
-          <a:p>
-            <a:pPr algn="l"/>
+              <a:t>Organizing, ordering parts, prototyping, writing</a:t>
+            </a:r>
+          </a:p>
+          <a:p>
+            <a:endParaRPr lang="en-US" i="1" dirty="0">
+              <a:latin typeface="Times New Roman" panose="02020603050405020304" pitchFamily="18" charset="0"/>
+              <a:cs typeface="Times New Roman" panose="02020603050405020304" pitchFamily="18" charset="0"/>
+            </a:endParaRPr>
+          </a:p>
+          <a:p>
             <a:r>
               <a:rPr lang="en-US" i="1" dirty="0" err="1">
                 <a:latin typeface="Times New Roman" panose="02020603050405020304" pitchFamily="18" charset="0"/>
@@ -5457,28 +6038,40 @@
               <a:t>Zeming</a:t>
             </a:r>
             <a:r>
+              <a:rPr lang="en-US" i="1" dirty="0">
+                <a:latin typeface="Times New Roman" panose="02020603050405020304" pitchFamily="18" charset="0"/>
+                <a:cs typeface="Times New Roman" panose="02020603050405020304" pitchFamily="18" charset="0"/>
+              </a:rPr>
+              <a:t> – </a:t>
+            </a:r>
+            <a:r>
               <a:rPr lang="en-US" dirty="0">
                 <a:latin typeface="Times New Roman" panose="02020603050405020304" pitchFamily="18" charset="0"/>
                 <a:cs typeface="Times New Roman" panose="02020603050405020304" pitchFamily="18" charset="0"/>
               </a:rPr>
-              <a:t> - How to communicate effectively with teammates, look for electrical components, and design some simple PCBs.</a:t>
-            </a:r>
-          </a:p>
-          <a:p>
-            <a:pPr algn="l"/>
+              <a:t>Ordering parts, prototyping, writing</a:t>
+            </a:r>
+          </a:p>
+          <a:p>
+            <a:endParaRPr lang="en-US" dirty="0">
+              <a:latin typeface="Times New Roman" panose="02020603050405020304" pitchFamily="18" charset="0"/>
+              <a:cs typeface="Times New Roman" panose="02020603050405020304" pitchFamily="18" charset="0"/>
+            </a:endParaRPr>
+          </a:p>
+          <a:p>
             <a:r>
               <a:rPr lang="en-US" i="1" dirty="0">
                 <a:latin typeface="Times New Roman" panose="02020603050405020304" pitchFamily="18" charset="0"/>
                 <a:cs typeface="Times New Roman" panose="02020603050405020304" pitchFamily="18" charset="0"/>
               </a:rPr>
-              <a:t>Nick</a:t>
+              <a:t>Nick – </a:t>
             </a:r>
             <a:r>
               <a:rPr lang="en-US" dirty="0">
                 <a:latin typeface="Times New Roman" panose="02020603050405020304" pitchFamily="18" charset="0"/>
                 <a:cs typeface="Times New Roman" panose="02020603050405020304" pitchFamily="18" charset="0"/>
               </a:rPr>
-              <a:t> - </a:t>
+              <a:t>Prototyping, coding, testing, board layout</a:t>
             </a:r>
           </a:p>
         </p:txBody>
@@ -5488,7 +6081,7 @@
           <p:cNvPr id="4" name="Picture 3">
             <a:extLst>
               <a:ext uri="{FF2B5EF4-FFF2-40B4-BE49-F238E27FC236}">
-                <a16:creationId xmlns:a16="http://schemas.microsoft.com/office/drawing/2014/main" id="{426FF380-471C-4574-A280-A8AEFB776DC5}"/>
+                <a16:creationId xmlns:a16="http://schemas.microsoft.com/office/drawing/2014/main" id="{1277042D-0BD1-4AB7-AD37-CA22BD1261AF}"/>
               </a:ext>
             </a:extLst>
           </p:cNvPr>
@@ -5519,10 +6112,883 @@
           </a:prstGeom>
         </p:spPr>
       </p:pic>
+      <p:sp>
+        <p:nvSpPr>
+          <p:cNvPr id="5" name="Slide Number Placeholder 4">
+            <a:extLst>
+              <a:ext uri="{FF2B5EF4-FFF2-40B4-BE49-F238E27FC236}">
+                <a16:creationId xmlns:a16="http://schemas.microsoft.com/office/drawing/2014/main" id="{74C9E313-DE36-46CD-8A03-E0AC827CBBEC}"/>
+              </a:ext>
+            </a:extLst>
+          </p:cNvPr>
+          <p:cNvSpPr>
+            <a:spLocks noGrp="1"/>
+          </p:cNvSpPr>
+          <p:nvPr>
+            <p:ph type="sldNum" sz="quarter" idx="12"/>
+          </p:nvPr>
+        </p:nvSpPr>
+        <p:spPr/>
+        <p:txBody>
+          <a:bodyPr/>
+          <a:lstStyle/>
+          <a:p>
+            <a:fld id="{C806B262-DE4B-41F2-8D27-37F2CF938DE7}" type="slidenum">
+              <a:rPr lang="en-US" smtClean="0"/>
+              <a:pPr/>
+              <a:t>16</a:t>
+            </a:fld>
+            <a:endParaRPr lang="en-US"/>
+          </a:p>
+        </p:txBody>
+      </p:sp>
+      <p:sp>
+        <p:nvSpPr>
+          <p:cNvPr id="6" name="Footer Placeholder 5">
+            <a:extLst>
+              <a:ext uri="{FF2B5EF4-FFF2-40B4-BE49-F238E27FC236}">
+                <a16:creationId xmlns:a16="http://schemas.microsoft.com/office/drawing/2014/main" id="{9706436D-3FD8-4E31-8693-A9804BD05C59}"/>
+              </a:ext>
+            </a:extLst>
+          </p:cNvPr>
+          <p:cNvSpPr>
+            <a:spLocks noGrp="1"/>
+          </p:cNvSpPr>
+          <p:nvPr>
+            <p:ph type="ftr" sz="quarter" idx="11"/>
+          </p:nvPr>
+        </p:nvSpPr>
+        <p:spPr>
+          <a:xfrm>
+            <a:off x="-990600" y="6370637"/>
+            <a:ext cx="2895600" cy="365125"/>
+          </a:xfrm>
+        </p:spPr>
+        <p:txBody>
+          <a:bodyPr/>
+          <a:lstStyle/>
+          <a:p>
+            <a:r>
+              <a:rPr lang="en-US" dirty="0"/>
+              <a:t>ZZ</a:t>
+            </a:r>
+          </a:p>
+        </p:txBody>
+      </p:sp>
+    </p:spTree>
+    <p:extLst>
+      <p:ext uri="{BB962C8B-B14F-4D97-AF65-F5344CB8AC3E}">
+        <p14:creationId xmlns:p14="http://schemas.microsoft.com/office/powerpoint/2010/main" val="95278259"/>
+      </p:ext>
+    </p:extLst>
+  </p:cSld>
+  <p:clrMapOvr>
+    <a:masterClrMapping/>
+  </p:clrMapOvr>
+</p:sld>
+</file>
+
+<file path=ppt/slides/slide17.xml><?xml version="1.0" encoding="utf-8"?>
+<p:sld xmlns:a="http://schemas.openxmlformats.org/drawingml/2006/main" xmlns:r="http://schemas.openxmlformats.org/officeDocument/2006/relationships" xmlns:p="http://schemas.openxmlformats.org/presentationml/2006/main">
+  <p:cSld>
+    <p:spTree>
+      <p:nvGrpSpPr>
+        <p:cNvPr id="1" name=""/>
+        <p:cNvGrpSpPr/>
+        <p:nvPr/>
+      </p:nvGrpSpPr>
+      <p:grpSpPr>
+        <a:xfrm>
+          <a:off x="0" y="0"/>
+          <a:ext cx="0" cy="0"/>
+          <a:chOff x="0" y="0"/>
+          <a:chExt cx="0" cy="0"/>
+        </a:xfrm>
+      </p:grpSpPr>
+      <p:sp>
+        <p:nvSpPr>
+          <p:cNvPr id="2" name="Title 1">
+            <a:extLst>
+              <a:ext uri="{FF2B5EF4-FFF2-40B4-BE49-F238E27FC236}">
+                <a16:creationId xmlns:a16="http://schemas.microsoft.com/office/drawing/2014/main" id="{ACDD6BBA-DAD5-4495-86CC-1991D3C4CE9D}"/>
+              </a:ext>
+            </a:extLst>
+          </p:cNvPr>
+          <p:cNvSpPr>
+            <a:spLocks noGrp="1"/>
+          </p:cNvSpPr>
+          <p:nvPr>
+            <p:ph type="title"/>
+          </p:nvPr>
+        </p:nvSpPr>
+        <p:spPr/>
+        <p:txBody>
+          <a:bodyPr/>
+          <a:lstStyle/>
+          <a:p>
+            <a:r>
+              <a:rPr lang="en-US" dirty="0">
+                <a:latin typeface="Times New Roman" panose="02020603050405020304" pitchFamily="18" charset="0"/>
+                <a:cs typeface="Times New Roman" panose="02020603050405020304" pitchFamily="18" charset="0"/>
+              </a:rPr>
+              <a:t>Lessons Learned</a:t>
+            </a:r>
+          </a:p>
+        </p:txBody>
+      </p:sp>
+      <p:sp>
+        <p:nvSpPr>
+          <p:cNvPr id="3" name="Content Placeholder 2">
+            <a:extLst>
+              <a:ext uri="{FF2B5EF4-FFF2-40B4-BE49-F238E27FC236}">
+                <a16:creationId xmlns:a16="http://schemas.microsoft.com/office/drawing/2014/main" id="{CA270141-D2BB-44ED-B917-2F0F25B353EF}"/>
+              </a:ext>
+            </a:extLst>
+          </p:cNvPr>
+          <p:cNvSpPr>
+            <a:spLocks noGrp="1"/>
+          </p:cNvSpPr>
+          <p:nvPr>
+            <p:ph idx="1"/>
+          </p:nvPr>
+        </p:nvSpPr>
+        <p:spPr>
+          <a:xfrm>
+            <a:off x="457200" y="1600200"/>
+            <a:ext cx="6324600" cy="5105400"/>
+          </a:xfrm>
+        </p:spPr>
+        <p:txBody>
+          <a:bodyPr>
+            <a:normAutofit fontScale="77500" lnSpcReduction="20000"/>
+          </a:bodyPr>
+          <a:lstStyle/>
+          <a:p>
+            <a:pPr algn="l"/>
+            <a:r>
+              <a:rPr lang="en-US" sz="3200" b="0" i="1" u="none" strike="noStrike" baseline="0" dirty="0">
+                <a:latin typeface="Times New Roman" panose="02020603050405020304" pitchFamily="18" charset="0"/>
+                <a:cs typeface="Times New Roman" panose="02020603050405020304" pitchFamily="18" charset="0"/>
+              </a:rPr>
+              <a:t>Calvin – </a:t>
+            </a:r>
+            <a:r>
+              <a:rPr lang="en-US" dirty="0">
+                <a:latin typeface="Times New Roman" panose="02020603050405020304" pitchFamily="18" charset="0"/>
+                <a:cs typeface="Times New Roman" panose="02020603050405020304" pitchFamily="18" charset="0"/>
+              </a:rPr>
+              <a:t>Always view the datasheet of a part before purchasing it and use parts more suitable for prototyping. </a:t>
+            </a:r>
+          </a:p>
+          <a:p>
+            <a:pPr algn="l"/>
+            <a:r>
+              <a:rPr lang="en-US" i="1" dirty="0">
+                <a:latin typeface="Times New Roman" panose="02020603050405020304" pitchFamily="18" charset="0"/>
+                <a:cs typeface="Times New Roman" panose="02020603050405020304" pitchFamily="18" charset="0"/>
+              </a:rPr>
+              <a:t>Stevie</a:t>
+            </a:r>
+            <a:r>
+              <a:rPr lang="en-US" dirty="0">
+                <a:latin typeface="Times New Roman" panose="02020603050405020304" pitchFamily="18" charset="0"/>
+                <a:cs typeface="Times New Roman" panose="02020603050405020304" pitchFamily="18" charset="0"/>
+              </a:rPr>
+              <a:t> – Do better research on parts before purchasing and check rubrics (i.e. client emails, paperwork explaining the requirements) before turning in homework (paperwork the client asked for).</a:t>
+            </a:r>
+          </a:p>
+          <a:p>
+            <a:pPr algn="l"/>
+            <a:r>
+              <a:rPr lang="en-US" i="1" dirty="0" err="1">
+                <a:latin typeface="Times New Roman" panose="02020603050405020304" pitchFamily="18" charset="0"/>
+                <a:cs typeface="Times New Roman" panose="02020603050405020304" pitchFamily="18" charset="0"/>
+              </a:rPr>
+              <a:t>Zeming</a:t>
+            </a:r>
+            <a:r>
+              <a:rPr lang="en-US" dirty="0">
+                <a:latin typeface="Times New Roman" panose="02020603050405020304" pitchFamily="18" charset="0"/>
+                <a:cs typeface="Times New Roman" panose="02020603050405020304" pitchFamily="18" charset="0"/>
+              </a:rPr>
+              <a:t> - How to communicate effectively with teammates, look for electrical components, and design some simple PCBs.</a:t>
+            </a:r>
+          </a:p>
+          <a:p>
+            <a:r>
+              <a:rPr lang="en-US" i="1" dirty="0">
+                <a:latin typeface="Times New Roman" panose="02020603050405020304" pitchFamily="18" charset="0"/>
+                <a:cs typeface="Times New Roman" panose="02020603050405020304" pitchFamily="18" charset="0"/>
+              </a:rPr>
+              <a:t>Nick</a:t>
+            </a:r>
+            <a:r>
+              <a:rPr lang="en-US" dirty="0">
+                <a:latin typeface="Times New Roman" panose="02020603050405020304" pitchFamily="18" charset="0"/>
+                <a:cs typeface="Times New Roman" panose="02020603050405020304" pitchFamily="18" charset="0"/>
+              </a:rPr>
+              <a:t> –I</a:t>
+            </a:r>
+            <a:r>
+              <a:rPr lang="en-US" dirty="0"/>
+              <a:t>mplement the 1-wire Debug functionality in the device to allow for outputting register values. </a:t>
+            </a:r>
+          </a:p>
+        </p:txBody>
+      </p:sp>
+      <p:pic>
+        <p:nvPicPr>
+          <p:cNvPr id="4" name="Picture 3">
+            <a:extLst>
+              <a:ext uri="{FF2B5EF4-FFF2-40B4-BE49-F238E27FC236}">
+                <a16:creationId xmlns:a16="http://schemas.microsoft.com/office/drawing/2014/main" id="{426FF380-471C-4574-A280-A8AEFB776DC5}"/>
+              </a:ext>
+            </a:extLst>
+          </p:cNvPr>
+          <p:cNvPicPr>
+            <a:picLocks noChangeAspect="1"/>
+          </p:cNvPicPr>
+          <p:nvPr/>
+        </p:nvPicPr>
+        <p:blipFill>
+          <a:blip r:embed="rId3">
+            <a:extLst>
+              <a:ext uri="{28A0092B-C50C-407E-A947-70E740481C1C}">
+                <a14:useLocalDpi xmlns:a14="http://schemas.microsoft.com/office/drawing/2010/main" val="0"/>
+              </a:ext>
+            </a:extLst>
+          </a:blip>
+          <a:stretch>
+            <a:fillRect/>
+          </a:stretch>
+        </p:blipFill>
+        <p:spPr>
+          <a:xfrm>
+            <a:off x="6477000" y="6543810"/>
+            <a:ext cx="2667000" cy="308889"/>
+          </a:xfrm>
+          <a:prstGeom prst="rect">
+            <a:avLst/>
+          </a:prstGeom>
+        </p:spPr>
+      </p:pic>
+      <p:sp>
+        <p:nvSpPr>
+          <p:cNvPr id="5" name="Slide Number Placeholder 4">
+            <a:extLst>
+              <a:ext uri="{FF2B5EF4-FFF2-40B4-BE49-F238E27FC236}">
+                <a16:creationId xmlns:a16="http://schemas.microsoft.com/office/drawing/2014/main" id="{5DE65BDC-5E62-416A-BBE6-A9C175D17A0D}"/>
+              </a:ext>
+            </a:extLst>
+          </p:cNvPr>
+          <p:cNvSpPr>
+            <a:spLocks noGrp="1"/>
+          </p:cNvSpPr>
+          <p:nvPr>
+            <p:ph type="sldNum" sz="quarter" idx="12"/>
+          </p:nvPr>
+        </p:nvSpPr>
+        <p:spPr/>
+        <p:txBody>
+          <a:bodyPr/>
+          <a:lstStyle/>
+          <a:p>
+            <a:fld id="{C806B262-DE4B-41F2-8D27-37F2CF938DE7}" type="slidenum">
+              <a:rPr lang="en-US" smtClean="0"/>
+              <a:pPr/>
+              <a:t>17</a:t>
+            </a:fld>
+            <a:endParaRPr lang="en-US"/>
+          </a:p>
+        </p:txBody>
+      </p:sp>
+      <p:sp>
+        <p:nvSpPr>
+          <p:cNvPr id="6" name="Footer Placeholder 5">
+            <a:extLst>
+              <a:ext uri="{FF2B5EF4-FFF2-40B4-BE49-F238E27FC236}">
+                <a16:creationId xmlns:a16="http://schemas.microsoft.com/office/drawing/2014/main" id="{4E25BE10-08B6-40FA-921D-6C5BAA2A2EE4}"/>
+              </a:ext>
+            </a:extLst>
+          </p:cNvPr>
+          <p:cNvSpPr>
+            <a:spLocks noGrp="1"/>
+          </p:cNvSpPr>
+          <p:nvPr>
+            <p:ph type="ftr" sz="quarter" idx="11"/>
+          </p:nvPr>
+        </p:nvSpPr>
+        <p:spPr>
+          <a:xfrm>
+            <a:off x="-990600" y="6370637"/>
+            <a:ext cx="2895600" cy="365125"/>
+          </a:xfrm>
+        </p:spPr>
+        <p:txBody>
+          <a:bodyPr/>
+          <a:lstStyle/>
+          <a:p>
+            <a:r>
+              <a:rPr lang="en-US" dirty="0"/>
+              <a:t>ZZ</a:t>
+            </a:r>
+          </a:p>
+        </p:txBody>
+      </p:sp>
     </p:spTree>
     <p:extLst>
       <p:ext uri="{BB962C8B-B14F-4D97-AF65-F5344CB8AC3E}">
         <p14:creationId xmlns:p14="http://schemas.microsoft.com/office/powerpoint/2010/main" val="1961006897"/>
+      </p:ext>
+    </p:extLst>
+  </p:cSld>
+  <p:clrMapOvr>
+    <a:masterClrMapping/>
+  </p:clrMapOvr>
+</p:sld>
+</file>
+
+<file path=ppt/slides/slide18.xml><?xml version="1.0" encoding="utf-8"?>
+<p:sld xmlns:a="http://schemas.openxmlformats.org/drawingml/2006/main" xmlns:r="http://schemas.openxmlformats.org/officeDocument/2006/relationships" xmlns:p="http://schemas.openxmlformats.org/presentationml/2006/main">
+  <p:cSld>
+    <p:spTree>
+      <p:nvGrpSpPr>
+        <p:cNvPr id="1" name=""/>
+        <p:cNvGrpSpPr/>
+        <p:nvPr/>
+      </p:nvGrpSpPr>
+      <p:grpSpPr>
+        <a:xfrm>
+          <a:off x="0" y="0"/>
+          <a:ext cx="0" cy="0"/>
+          <a:chOff x="0" y="0"/>
+          <a:chExt cx="0" cy="0"/>
+        </a:xfrm>
+      </p:grpSpPr>
+      <p:sp>
+        <p:nvSpPr>
+          <p:cNvPr id="2" name="Title 1">
+            <a:extLst>
+              <a:ext uri="{FF2B5EF4-FFF2-40B4-BE49-F238E27FC236}">
+                <a16:creationId xmlns:a16="http://schemas.microsoft.com/office/drawing/2014/main" id="{ACDD6BBA-DAD5-4495-86CC-1991D3C4CE9D}"/>
+              </a:ext>
+            </a:extLst>
+          </p:cNvPr>
+          <p:cNvSpPr>
+            <a:spLocks noGrp="1"/>
+          </p:cNvSpPr>
+          <p:nvPr>
+            <p:ph type="title"/>
+          </p:nvPr>
+        </p:nvSpPr>
+        <p:spPr/>
+        <p:txBody>
+          <a:bodyPr>
+            <a:normAutofit fontScale="90000"/>
+          </a:bodyPr>
+          <a:lstStyle/>
+          <a:p>
+            <a:r>
+              <a:rPr lang="en-US" dirty="0">
+                <a:latin typeface="Times New Roman" panose="02020603050405020304" pitchFamily="18" charset="0"/>
+                <a:cs typeface="Times New Roman" panose="02020603050405020304" pitchFamily="18" charset="0"/>
+              </a:rPr>
+              <a:t>Lessons Learned – </a:t>
+            </a:r>
+            <a:br>
+              <a:rPr lang="en-US" dirty="0">
+                <a:latin typeface="Times New Roman" panose="02020603050405020304" pitchFamily="18" charset="0"/>
+                <a:cs typeface="Times New Roman" panose="02020603050405020304" pitchFamily="18" charset="0"/>
+              </a:rPr>
+            </a:br>
+            <a:r>
+              <a:rPr lang="en-US" dirty="0">
+                <a:latin typeface="Times New Roman" panose="02020603050405020304" pitchFamily="18" charset="0"/>
+                <a:cs typeface="Times New Roman" panose="02020603050405020304" pitchFamily="18" charset="0"/>
+              </a:rPr>
+              <a:t>Design Review</a:t>
+            </a:r>
+          </a:p>
+        </p:txBody>
+      </p:sp>
+      <p:sp>
+        <p:nvSpPr>
+          <p:cNvPr id="3" name="Content Placeholder 2">
+            <a:extLst>
+              <a:ext uri="{FF2B5EF4-FFF2-40B4-BE49-F238E27FC236}">
+                <a16:creationId xmlns:a16="http://schemas.microsoft.com/office/drawing/2014/main" id="{CA270141-D2BB-44ED-B917-2F0F25B353EF}"/>
+              </a:ext>
+            </a:extLst>
+          </p:cNvPr>
+          <p:cNvSpPr>
+            <a:spLocks noGrp="1"/>
+          </p:cNvSpPr>
+          <p:nvPr>
+            <p:ph idx="1"/>
+          </p:nvPr>
+        </p:nvSpPr>
+        <p:spPr>
+          <a:xfrm>
+            <a:off x="457200" y="1600200"/>
+            <a:ext cx="6324600" cy="5105400"/>
+          </a:xfrm>
+        </p:spPr>
+        <p:txBody>
+          <a:bodyPr>
+            <a:normAutofit/>
+          </a:bodyPr>
+          <a:lstStyle/>
+          <a:p>
+            <a:pPr marL="742950" marR="0" lvl="1" indent="-285750">
+              <a:lnSpc>
+                <a:spcPct val="107000"/>
+              </a:lnSpc>
+              <a:spcBef>
+                <a:spcPts val="0"/>
+              </a:spcBef>
+              <a:spcAft>
+                <a:spcPts val="0"/>
+              </a:spcAft>
+              <a:buFont typeface="Courier New" panose="02070309020205020404" pitchFamily="49" charset="0"/>
+              <a:buChar char="o"/>
+            </a:pPr>
+            <a:r>
+              <a:rPr lang="en-US" sz="2500" dirty="0">
+                <a:latin typeface="Times New Roman" panose="02020603050405020304" pitchFamily="18" charset="0"/>
+                <a:cs typeface="Times New Roman" panose="02020603050405020304" pitchFamily="18" charset="0"/>
+              </a:rPr>
+              <a:t>Schematic:</a:t>
+            </a:r>
+          </a:p>
+          <a:p>
+            <a:pPr marL="1143000" marR="0" lvl="2" indent="-228600">
+              <a:lnSpc>
+                <a:spcPct val="107000"/>
+              </a:lnSpc>
+              <a:spcBef>
+                <a:spcPts val="0"/>
+              </a:spcBef>
+              <a:spcAft>
+                <a:spcPts val="0"/>
+              </a:spcAft>
+              <a:buFont typeface="Wingdings" panose="05000000000000000000" pitchFamily="2" charset="2"/>
+              <a:buChar char=""/>
+            </a:pPr>
+            <a:r>
+              <a:rPr lang="en-US" sz="2500" dirty="0">
+                <a:latin typeface="Times New Roman" panose="02020603050405020304" pitchFamily="18" charset="0"/>
+                <a:cs typeface="Times New Roman" panose="02020603050405020304" pitchFamily="18" charset="0"/>
+              </a:rPr>
+              <a:t>Need to add linear regulator and make sure voltage nets are applied properly.</a:t>
+            </a:r>
+          </a:p>
+          <a:p>
+            <a:pPr marL="1143000" marR="0" lvl="2" indent="-228600">
+              <a:lnSpc>
+                <a:spcPct val="107000"/>
+              </a:lnSpc>
+              <a:spcBef>
+                <a:spcPts val="0"/>
+              </a:spcBef>
+              <a:spcAft>
+                <a:spcPts val="0"/>
+              </a:spcAft>
+              <a:buFont typeface="Wingdings" panose="05000000000000000000" pitchFamily="2" charset="2"/>
+              <a:buChar char=""/>
+            </a:pPr>
+            <a:r>
+              <a:rPr lang="en-US" sz="2500" dirty="0">
+                <a:latin typeface="Times New Roman" panose="02020603050405020304" pitchFamily="18" charset="0"/>
+                <a:cs typeface="Times New Roman" panose="02020603050405020304" pitchFamily="18" charset="0"/>
+              </a:rPr>
+              <a:t>Add ISP header.</a:t>
+            </a:r>
+          </a:p>
+          <a:p>
+            <a:pPr marL="742950" marR="0" lvl="1" indent="-285750">
+              <a:lnSpc>
+                <a:spcPct val="107000"/>
+              </a:lnSpc>
+              <a:spcBef>
+                <a:spcPts val="0"/>
+              </a:spcBef>
+              <a:spcAft>
+                <a:spcPts val="0"/>
+              </a:spcAft>
+              <a:buFont typeface="Courier New" panose="02070309020205020404" pitchFamily="49" charset="0"/>
+              <a:buChar char="o"/>
+            </a:pPr>
+            <a:r>
+              <a:rPr lang="en-US" sz="2500" dirty="0">
+                <a:latin typeface="Times New Roman" panose="02020603050405020304" pitchFamily="18" charset="0"/>
+                <a:cs typeface="Times New Roman" panose="02020603050405020304" pitchFamily="18" charset="0"/>
+              </a:rPr>
+              <a:t>Board:</a:t>
+            </a:r>
+          </a:p>
+          <a:p>
+            <a:pPr marL="1143000" marR="0" lvl="2" indent="-228600">
+              <a:lnSpc>
+                <a:spcPct val="107000"/>
+              </a:lnSpc>
+              <a:spcBef>
+                <a:spcPts val="0"/>
+              </a:spcBef>
+              <a:spcAft>
+                <a:spcPts val="0"/>
+              </a:spcAft>
+              <a:buFont typeface="Wingdings" panose="05000000000000000000" pitchFamily="2" charset="2"/>
+              <a:buChar char=""/>
+            </a:pPr>
+            <a:r>
+              <a:rPr lang="en-US" sz="2500" dirty="0">
+                <a:latin typeface="Times New Roman" panose="02020603050405020304" pitchFamily="18" charset="0"/>
+                <a:cs typeface="Times New Roman" panose="02020603050405020304" pitchFamily="18" charset="0"/>
+              </a:rPr>
+              <a:t>Need thicker traces all around.</a:t>
+            </a:r>
+          </a:p>
+          <a:p>
+            <a:pPr marL="1143000" marR="0" lvl="2" indent="-228600">
+              <a:lnSpc>
+                <a:spcPct val="107000"/>
+              </a:lnSpc>
+              <a:spcBef>
+                <a:spcPts val="0"/>
+              </a:spcBef>
+              <a:spcAft>
+                <a:spcPts val="800"/>
+              </a:spcAft>
+              <a:buFont typeface="Wingdings" panose="05000000000000000000" pitchFamily="2" charset="2"/>
+              <a:buChar char=""/>
+            </a:pPr>
+            <a:r>
+              <a:rPr lang="en-US" sz="2500" dirty="0">
+                <a:latin typeface="Times New Roman" panose="02020603050405020304" pitchFamily="18" charset="0"/>
+                <a:cs typeface="Times New Roman" panose="02020603050405020304" pitchFamily="18" charset="0"/>
+              </a:rPr>
+              <a:t>Primarily surface mount components.</a:t>
+            </a:r>
+          </a:p>
+          <a:p>
+            <a:pPr marL="1143000" marR="0" lvl="2" indent="-228600">
+              <a:lnSpc>
+                <a:spcPct val="107000"/>
+              </a:lnSpc>
+              <a:spcBef>
+                <a:spcPts val="0"/>
+              </a:spcBef>
+              <a:spcAft>
+                <a:spcPts val="800"/>
+              </a:spcAft>
+              <a:buFont typeface="Wingdings" panose="05000000000000000000" pitchFamily="2" charset="2"/>
+              <a:buChar char=""/>
+            </a:pPr>
+            <a:r>
+              <a:rPr lang="en-US" sz="2500" dirty="0">
+                <a:latin typeface="Times New Roman" panose="02020603050405020304" pitchFamily="18" charset="0"/>
+                <a:cs typeface="Times New Roman" panose="02020603050405020304" pitchFamily="18" charset="0"/>
+              </a:rPr>
+              <a:t>Need to add stitching vias.</a:t>
+            </a:r>
+          </a:p>
+        </p:txBody>
+      </p:sp>
+      <p:pic>
+        <p:nvPicPr>
+          <p:cNvPr id="4" name="Picture 3">
+            <a:extLst>
+              <a:ext uri="{FF2B5EF4-FFF2-40B4-BE49-F238E27FC236}">
+                <a16:creationId xmlns:a16="http://schemas.microsoft.com/office/drawing/2014/main" id="{426FF380-471C-4574-A280-A8AEFB776DC5}"/>
+              </a:ext>
+            </a:extLst>
+          </p:cNvPr>
+          <p:cNvPicPr>
+            <a:picLocks noChangeAspect="1"/>
+          </p:cNvPicPr>
+          <p:nvPr/>
+        </p:nvPicPr>
+        <p:blipFill>
+          <a:blip r:embed="rId3">
+            <a:extLst>
+              <a:ext uri="{28A0092B-C50C-407E-A947-70E740481C1C}">
+                <a14:useLocalDpi xmlns:a14="http://schemas.microsoft.com/office/drawing/2010/main" val="0"/>
+              </a:ext>
+            </a:extLst>
+          </a:blip>
+          <a:stretch>
+            <a:fillRect/>
+          </a:stretch>
+        </p:blipFill>
+        <p:spPr>
+          <a:xfrm>
+            <a:off x="6477000" y="6543810"/>
+            <a:ext cx="2667000" cy="308889"/>
+          </a:xfrm>
+          <a:prstGeom prst="rect">
+            <a:avLst/>
+          </a:prstGeom>
+        </p:spPr>
+      </p:pic>
+      <p:sp>
+        <p:nvSpPr>
+          <p:cNvPr id="5" name="Slide Number Placeholder 4">
+            <a:extLst>
+              <a:ext uri="{FF2B5EF4-FFF2-40B4-BE49-F238E27FC236}">
+                <a16:creationId xmlns:a16="http://schemas.microsoft.com/office/drawing/2014/main" id="{5DE65BDC-5E62-416A-BBE6-A9C175D17A0D}"/>
+              </a:ext>
+            </a:extLst>
+          </p:cNvPr>
+          <p:cNvSpPr>
+            <a:spLocks noGrp="1"/>
+          </p:cNvSpPr>
+          <p:nvPr>
+            <p:ph type="sldNum" sz="quarter" idx="12"/>
+          </p:nvPr>
+        </p:nvSpPr>
+        <p:spPr/>
+        <p:txBody>
+          <a:bodyPr/>
+          <a:lstStyle/>
+          <a:p>
+            <a:fld id="{C806B262-DE4B-41F2-8D27-37F2CF938DE7}" type="slidenum">
+              <a:rPr lang="en-US" smtClean="0"/>
+              <a:pPr/>
+              <a:t>18</a:t>
+            </a:fld>
+            <a:endParaRPr lang="en-US"/>
+          </a:p>
+        </p:txBody>
+      </p:sp>
+      <p:sp>
+        <p:nvSpPr>
+          <p:cNvPr id="6" name="Footer Placeholder 5">
+            <a:extLst>
+              <a:ext uri="{FF2B5EF4-FFF2-40B4-BE49-F238E27FC236}">
+                <a16:creationId xmlns:a16="http://schemas.microsoft.com/office/drawing/2014/main" id="{FC5CE9E1-3554-451F-8981-7785F5DB01D7}"/>
+              </a:ext>
+            </a:extLst>
+          </p:cNvPr>
+          <p:cNvSpPr>
+            <a:spLocks noGrp="1"/>
+          </p:cNvSpPr>
+          <p:nvPr>
+            <p:ph type="ftr" sz="quarter" idx="11"/>
+          </p:nvPr>
+        </p:nvSpPr>
+        <p:spPr>
+          <a:xfrm>
+            <a:off x="-990600" y="6370637"/>
+            <a:ext cx="2895600" cy="365125"/>
+          </a:xfrm>
+        </p:spPr>
+        <p:txBody>
+          <a:bodyPr/>
+          <a:lstStyle/>
+          <a:p>
+            <a:r>
+              <a:rPr lang="en-US" dirty="0"/>
+              <a:t>ZZ</a:t>
+            </a:r>
+          </a:p>
+        </p:txBody>
+      </p:sp>
+    </p:spTree>
+    <p:extLst>
+      <p:ext uri="{BB962C8B-B14F-4D97-AF65-F5344CB8AC3E}">
+        <p14:creationId xmlns:p14="http://schemas.microsoft.com/office/powerpoint/2010/main" val="2126547274"/>
+      </p:ext>
+    </p:extLst>
+  </p:cSld>
+  <p:clrMapOvr>
+    <a:masterClrMapping/>
+  </p:clrMapOvr>
+</p:sld>
+</file>
+
+<file path=ppt/slides/slide19.xml><?xml version="1.0" encoding="utf-8"?>
+<p:sld xmlns:a="http://schemas.openxmlformats.org/drawingml/2006/main" xmlns:r="http://schemas.openxmlformats.org/officeDocument/2006/relationships" xmlns:p="http://schemas.openxmlformats.org/presentationml/2006/main">
+  <p:cSld>
+    <p:spTree>
+      <p:nvGrpSpPr>
+        <p:cNvPr id="1" name=""/>
+        <p:cNvGrpSpPr/>
+        <p:nvPr/>
+      </p:nvGrpSpPr>
+      <p:grpSpPr>
+        <a:xfrm>
+          <a:off x="0" y="0"/>
+          <a:ext cx="0" cy="0"/>
+          <a:chOff x="0" y="0"/>
+          <a:chExt cx="0" cy="0"/>
+        </a:xfrm>
+      </p:grpSpPr>
+      <p:sp>
+        <p:nvSpPr>
+          <p:cNvPr id="2" name="Title 1">
+            <a:extLst>
+              <a:ext uri="{FF2B5EF4-FFF2-40B4-BE49-F238E27FC236}">
+                <a16:creationId xmlns:a16="http://schemas.microsoft.com/office/drawing/2014/main" id="{ACDD6BBA-DAD5-4495-86CC-1991D3C4CE9D}"/>
+              </a:ext>
+            </a:extLst>
+          </p:cNvPr>
+          <p:cNvSpPr>
+            <a:spLocks noGrp="1"/>
+          </p:cNvSpPr>
+          <p:nvPr>
+            <p:ph type="title"/>
+          </p:nvPr>
+        </p:nvSpPr>
+        <p:spPr>
+          <a:xfrm>
+            <a:off x="762000" y="2362200"/>
+            <a:ext cx="6324600" cy="1143000"/>
+          </a:xfrm>
+        </p:spPr>
+        <p:txBody>
+          <a:bodyPr>
+            <a:normAutofit fontScale="90000"/>
+          </a:bodyPr>
+          <a:lstStyle/>
+          <a:p>
+            <a:r>
+              <a:rPr lang="en-US" dirty="0">
+                <a:latin typeface="Times New Roman" panose="02020603050405020304" pitchFamily="18" charset="0"/>
+                <a:cs typeface="Times New Roman" panose="02020603050405020304" pitchFamily="18" charset="0"/>
+              </a:rPr>
+              <a:t>Questions?</a:t>
+            </a:r>
+            <a:br>
+              <a:rPr lang="en-US" dirty="0">
+                <a:latin typeface="Times New Roman" panose="02020603050405020304" pitchFamily="18" charset="0"/>
+                <a:cs typeface="Times New Roman" panose="02020603050405020304" pitchFamily="18" charset="0"/>
+              </a:rPr>
+            </a:br>
+            <a:br>
+              <a:rPr lang="en-US" dirty="0">
+                <a:latin typeface="Times New Roman" panose="02020603050405020304" pitchFamily="18" charset="0"/>
+                <a:cs typeface="Times New Roman" panose="02020603050405020304" pitchFamily="18" charset="0"/>
+              </a:rPr>
+            </a:br>
+            <a:br>
+              <a:rPr lang="en-US" dirty="0">
+                <a:latin typeface="Times New Roman" panose="02020603050405020304" pitchFamily="18" charset="0"/>
+                <a:cs typeface="Times New Roman" panose="02020603050405020304" pitchFamily="18" charset="0"/>
+              </a:rPr>
+            </a:br>
+            <a:r>
+              <a:rPr lang="en-US" dirty="0">
+                <a:latin typeface="Times New Roman" panose="02020603050405020304" pitchFamily="18" charset="0"/>
+                <a:cs typeface="Times New Roman" panose="02020603050405020304" pitchFamily="18" charset="0"/>
+              </a:rPr>
+              <a:t>…On to the demo!</a:t>
+            </a:r>
+          </a:p>
+        </p:txBody>
+      </p:sp>
+      <p:pic>
+        <p:nvPicPr>
+          <p:cNvPr id="4" name="Picture 3">
+            <a:extLst>
+              <a:ext uri="{FF2B5EF4-FFF2-40B4-BE49-F238E27FC236}">
+                <a16:creationId xmlns:a16="http://schemas.microsoft.com/office/drawing/2014/main" id="{426FF380-471C-4574-A280-A8AEFB776DC5}"/>
+              </a:ext>
+            </a:extLst>
+          </p:cNvPr>
+          <p:cNvPicPr>
+            <a:picLocks noChangeAspect="1"/>
+          </p:cNvPicPr>
+          <p:nvPr/>
+        </p:nvPicPr>
+        <p:blipFill>
+          <a:blip r:embed="rId3">
+            <a:extLst>
+              <a:ext uri="{28A0092B-C50C-407E-A947-70E740481C1C}">
+                <a14:useLocalDpi xmlns:a14="http://schemas.microsoft.com/office/drawing/2010/main" val="0"/>
+              </a:ext>
+            </a:extLst>
+          </a:blip>
+          <a:stretch>
+            <a:fillRect/>
+          </a:stretch>
+        </p:blipFill>
+        <p:spPr>
+          <a:xfrm>
+            <a:off x="6477000" y="6543810"/>
+            <a:ext cx="2667000" cy="308889"/>
+          </a:xfrm>
+          <a:prstGeom prst="rect">
+            <a:avLst/>
+          </a:prstGeom>
+        </p:spPr>
+      </p:pic>
+      <p:sp>
+        <p:nvSpPr>
+          <p:cNvPr id="5" name="Slide Number Placeholder 4">
+            <a:extLst>
+              <a:ext uri="{FF2B5EF4-FFF2-40B4-BE49-F238E27FC236}">
+                <a16:creationId xmlns:a16="http://schemas.microsoft.com/office/drawing/2014/main" id="{5DE65BDC-5E62-416A-BBE6-A9C175D17A0D}"/>
+              </a:ext>
+            </a:extLst>
+          </p:cNvPr>
+          <p:cNvSpPr>
+            <a:spLocks noGrp="1"/>
+          </p:cNvSpPr>
+          <p:nvPr>
+            <p:ph type="sldNum" sz="quarter" idx="12"/>
+          </p:nvPr>
+        </p:nvSpPr>
+        <p:spPr/>
+        <p:txBody>
+          <a:bodyPr/>
+          <a:lstStyle/>
+          <a:p>
+            <a:fld id="{C806B262-DE4B-41F2-8D27-37F2CF938DE7}" type="slidenum">
+              <a:rPr lang="en-US" smtClean="0"/>
+              <a:pPr/>
+              <a:t>19</a:t>
+            </a:fld>
+            <a:endParaRPr lang="en-US"/>
+          </a:p>
+        </p:txBody>
+      </p:sp>
+      <p:sp>
+        <p:nvSpPr>
+          <p:cNvPr id="6" name="Footer Placeholder 5">
+            <a:extLst>
+              <a:ext uri="{FF2B5EF4-FFF2-40B4-BE49-F238E27FC236}">
+                <a16:creationId xmlns:a16="http://schemas.microsoft.com/office/drawing/2014/main" id="{4C2FEDDF-8F1A-4C35-B137-C3F01FF32137}"/>
+              </a:ext>
+            </a:extLst>
+          </p:cNvPr>
+          <p:cNvSpPr>
+            <a:spLocks noGrp="1"/>
+          </p:cNvSpPr>
+          <p:nvPr>
+            <p:ph type="ftr" sz="quarter" idx="11"/>
+          </p:nvPr>
+        </p:nvSpPr>
+        <p:spPr>
+          <a:xfrm>
+            <a:off x="-990600" y="6370637"/>
+            <a:ext cx="2895600" cy="365125"/>
+          </a:xfrm>
+        </p:spPr>
+        <p:txBody>
+          <a:bodyPr/>
+          <a:lstStyle/>
+          <a:p>
+            <a:r>
+              <a:rPr lang="en-US" dirty="0"/>
+              <a:t>ZZ</a:t>
+            </a:r>
+          </a:p>
+        </p:txBody>
+      </p:sp>
+    </p:spTree>
+    <p:extLst>
+      <p:ext uri="{BB962C8B-B14F-4D97-AF65-F5344CB8AC3E}">
+        <p14:creationId xmlns:p14="http://schemas.microsoft.com/office/powerpoint/2010/main" val="118471771"/>
       </p:ext>
     </p:extLst>
   </p:cSld>
@@ -5588,7 +7054,7 @@
         </p:nvSpPr>
         <p:spPr>
           <a:xfrm>
-            <a:off x="457200" y="1600200"/>
+            <a:off x="432062" y="1347383"/>
             <a:ext cx="6324600" cy="4943610"/>
           </a:xfrm>
         </p:spPr>
@@ -5614,7 +7080,7 @@
                 <a:ea typeface="Times New Roman" panose="02020603050405020304" pitchFamily="18" charset="0"/>
                 <a:cs typeface="Times New Roman" panose="02020603050405020304" pitchFamily="18" charset="0"/>
               </a:rPr>
-              <a:t>The problem is that crows and squirrels eat the seed meant for small birds. </a:t>
+              <a:t>The problem is that crows and squirrels eat the seed meant for small birds, and that this decreases the ability of bird feeder owners to increase the species richness of birds in their area. </a:t>
             </a:r>
           </a:p>
           <a:p>
@@ -5679,9 +7145,45 @@
               </a:rPr>
               <a:t> will be satisfied.</a:t>
             </a:r>
+          </a:p>
+          <a:p>
+            <a:pPr marL="0" marR="0" indent="0" algn="just">
+              <a:spcBef>
+                <a:spcPts val="0"/>
+              </a:spcBef>
+              <a:spcAft>
+                <a:spcPts val="0"/>
+              </a:spcAft>
+              <a:buNone/>
+            </a:pPr>
             <a:endParaRPr lang="en-US" sz="2400" kern="100" dirty="0">
               <a:effectLst/>
-              <a:latin typeface="DengXian" panose="02010600030101010101" pitchFamily="2" charset="-122"/>
+              <a:latin typeface="Times New Roman" panose="02020603050405020304" pitchFamily="18" charset="0"/>
+              <a:ea typeface="DengXian" panose="02010600030101010101" pitchFamily="2" charset="-122"/>
+              <a:cs typeface="Times New Roman" panose="02020603050405020304" pitchFamily="18" charset="0"/>
+            </a:endParaRPr>
+          </a:p>
+          <a:p>
+            <a:pPr marL="0" marR="0" indent="0" algn="just">
+              <a:spcBef>
+                <a:spcPts val="0"/>
+              </a:spcBef>
+              <a:spcAft>
+                <a:spcPts val="0"/>
+              </a:spcAft>
+              <a:buNone/>
+            </a:pPr>
+            <a:r>
+              <a:rPr lang="en-US" sz="2400" kern="100" dirty="0">
+                <a:latin typeface="Times New Roman" panose="02020603050405020304" pitchFamily="18" charset="0"/>
+                <a:ea typeface="DengXian" panose="02010600030101010101" pitchFamily="2" charset="-122"/>
+                <a:cs typeface="Times New Roman" panose="02020603050405020304" pitchFamily="18" charset="0"/>
+              </a:rPr>
+              <a:t>Concerned ecologists would also rest easier if more species were able to compete.</a:t>
+            </a:r>
+            <a:endParaRPr lang="en-US" sz="2400" kern="100" dirty="0">
+              <a:effectLst/>
+              <a:latin typeface="Times New Roman" panose="02020603050405020304" pitchFamily="18" charset="0"/>
               <a:ea typeface="DengXian" panose="02010600030101010101" pitchFamily="2" charset="-122"/>
               <a:cs typeface="Times New Roman" panose="02020603050405020304" pitchFamily="18" charset="0"/>
             </a:endParaRPr>
@@ -5724,6 +7226,69 @@
           </a:prstGeom>
         </p:spPr>
       </p:pic>
+      <p:sp>
+        <p:nvSpPr>
+          <p:cNvPr id="4" name="Slide Number Placeholder 3">
+            <a:extLst>
+              <a:ext uri="{FF2B5EF4-FFF2-40B4-BE49-F238E27FC236}">
+                <a16:creationId xmlns:a16="http://schemas.microsoft.com/office/drawing/2014/main" id="{9CC2D2B5-D9DA-49DE-8F4E-F5965C79D240}"/>
+              </a:ext>
+            </a:extLst>
+          </p:cNvPr>
+          <p:cNvSpPr>
+            <a:spLocks noGrp="1"/>
+          </p:cNvSpPr>
+          <p:nvPr>
+            <p:ph type="sldNum" sz="quarter" idx="12"/>
+          </p:nvPr>
+        </p:nvSpPr>
+        <p:spPr/>
+        <p:txBody>
+          <a:bodyPr/>
+          <a:lstStyle/>
+          <a:p>
+            <a:fld id="{C806B262-DE4B-41F2-8D27-37F2CF938DE7}" type="slidenum">
+              <a:rPr lang="en-US" smtClean="0"/>
+              <a:pPr/>
+              <a:t>2</a:t>
+            </a:fld>
+            <a:endParaRPr lang="en-US"/>
+          </a:p>
+        </p:txBody>
+      </p:sp>
+      <p:sp>
+        <p:nvSpPr>
+          <p:cNvPr id="8" name="Footer Placeholder 5">
+            <a:extLst>
+              <a:ext uri="{FF2B5EF4-FFF2-40B4-BE49-F238E27FC236}">
+                <a16:creationId xmlns:a16="http://schemas.microsoft.com/office/drawing/2014/main" id="{4D364442-1AF5-4167-8487-3B355B05C389}"/>
+              </a:ext>
+            </a:extLst>
+          </p:cNvPr>
+          <p:cNvSpPr>
+            <a:spLocks noGrp="1"/>
+          </p:cNvSpPr>
+          <p:nvPr>
+            <p:ph type="ftr" sz="quarter" idx="11"/>
+          </p:nvPr>
+        </p:nvSpPr>
+        <p:spPr>
+          <a:xfrm>
+            <a:off x="-990600" y="6370637"/>
+            <a:ext cx="2895600" cy="365125"/>
+          </a:xfrm>
+        </p:spPr>
+        <p:txBody>
+          <a:bodyPr/>
+          <a:lstStyle/>
+          <a:p>
+            <a:r>
+              <a:rPr lang="en-US" dirty="0"/>
+              <a:t>ST</a:t>
+            </a:r>
+          </a:p>
+        </p:txBody>
+      </p:sp>
     </p:spTree>
   </p:cSld>
   <p:clrMapOvr>
@@ -5962,6 +7527,69 @@
           </a:prstGeom>
         </p:spPr>
       </p:pic>
+      <p:sp>
+        <p:nvSpPr>
+          <p:cNvPr id="4" name="Slide Number Placeholder 3">
+            <a:extLst>
+              <a:ext uri="{FF2B5EF4-FFF2-40B4-BE49-F238E27FC236}">
+                <a16:creationId xmlns:a16="http://schemas.microsoft.com/office/drawing/2014/main" id="{743E191F-1ED2-47EF-82E6-735111CDAFE4}"/>
+              </a:ext>
+            </a:extLst>
+          </p:cNvPr>
+          <p:cNvSpPr>
+            <a:spLocks noGrp="1"/>
+          </p:cNvSpPr>
+          <p:nvPr>
+            <p:ph type="sldNum" sz="quarter" idx="12"/>
+          </p:nvPr>
+        </p:nvSpPr>
+        <p:spPr/>
+        <p:txBody>
+          <a:bodyPr/>
+          <a:lstStyle/>
+          <a:p>
+            <a:fld id="{C806B262-DE4B-41F2-8D27-37F2CF938DE7}" type="slidenum">
+              <a:rPr lang="en-US" smtClean="0"/>
+              <a:pPr/>
+              <a:t>3</a:t>
+            </a:fld>
+            <a:endParaRPr lang="en-US"/>
+          </a:p>
+        </p:txBody>
+      </p:sp>
+      <p:sp>
+        <p:nvSpPr>
+          <p:cNvPr id="6" name="Footer Placeholder 5">
+            <a:extLst>
+              <a:ext uri="{FF2B5EF4-FFF2-40B4-BE49-F238E27FC236}">
+                <a16:creationId xmlns:a16="http://schemas.microsoft.com/office/drawing/2014/main" id="{6B7DA70A-89D4-4ACE-BBD2-40225A757AE7}"/>
+              </a:ext>
+            </a:extLst>
+          </p:cNvPr>
+          <p:cNvSpPr>
+            <a:spLocks noGrp="1"/>
+          </p:cNvSpPr>
+          <p:nvPr>
+            <p:ph type="ftr" sz="quarter" idx="11"/>
+          </p:nvPr>
+        </p:nvSpPr>
+        <p:spPr>
+          <a:xfrm>
+            <a:off x="-990600" y="6370637"/>
+            <a:ext cx="2895600" cy="365125"/>
+          </a:xfrm>
+        </p:spPr>
+        <p:txBody>
+          <a:bodyPr/>
+          <a:lstStyle/>
+          <a:p>
+            <a:r>
+              <a:rPr lang="en-US" dirty="0"/>
+              <a:t>ST</a:t>
+            </a:r>
+          </a:p>
+        </p:txBody>
+      </p:sp>
     </p:spTree>
     <p:extLst>
       <p:ext uri="{BB962C8B-B14F-4D97-AF65-F5344CB8AC3E}">
@@ -6015,10 +7643,13 @@
           <a:p>
             <a:r>
               <a:rPr lang="en-US" dirty="0">
+                <a:solidFill>
+                  <a:srgbClr val="FF0000"/>
+                </a:solidFill>
                 <a:latin typeface="Times New Roman" panose="02020603050405020304" pitchFamily="18" charset="0"/>
                 <a:cs typeface="Times New Roman" panose="02020603050405020304" pitchFamily="18" charset="0"/>
               </a:rPr>
-              <a:t>Objective</a:t>
+              <a:t>Concept of Operation</a:t>
             </a:r>
           </a:p>
         </p:txBody>
@@ -6039,30 +7670,205 @@
             <p:ph idx="1"/>
           </p:nvPr>
         </p:nvSpPr>
-        <p:spPr/>
+        <p:spPr>
+          <a:xfrm>
+            <a:off x="457200" y="1371600"/>
+            <a:ext cx="5410200" cy="2743200"/>
+          </a:xfrm>
+        </p:spPr>
         <p:txBody>
           <a:bodyPr>
-            <a:normAutofit/>
+            <a:normAutofit fontScale="70000" lnSpcReduction="20000"/>
           </a:bodyPr>
           <a:lstStyle/>
           <a:p>
-            <a:pPr marL="0" marR="0" indent="0" algn="l">
+            <a:pPr>
               <a:spcBef>
                 <a:spcPts val="0"/>
               </a:spcBef>
-              <a:spcAft>
-                <a:spcPts val="0"/>
-              </a:spcAft>
-              <a:buNone/>
             </a:pPr>
             <a:r>
               <a:rPr lang="en-US" sz="2800" kern="0" dirty="0">
+                <a:solidFill>
+                  <a:srgbClr val="FF0000"/>
+                </a:solidFill>
                 <a:effectLst/>
                 <a:latin typeface="Times New Roman" panose="02020603050405020304" pitchFamily="18" charset="0"/>
                 <a:ea typeface="Times New Roman" panose="02020603050405020304" pitchFamily="18" charset="0"/>
                 <a:cs typeface="Times New Roman" panose="02020603050405020304" pitchFamily="18" charset="0"/>
               </a:rPr>
-              <a:t>Use a microcontroller to only release seed if the microphone is activated above a threshold frequency, which is to check that a bird is chirping, and the weight sensor feels a weight less than the threshold, above which is assumed to be a crow or squirrel.</a:t>
+              <a:t>Bird feeder device with the following:</a:t>
+            </a:r>
+          </a:p>
+          <a:p>
+            <a:pPr lvl="1">
+              <a:spcBef>
+                <a:spcPts val="0"/>
+              </a:spcBef>
+            </a:pPr>
+            <a:r>
+              <a:rPr lang="en-US" sz="2400" kern="0" dirty="0">
+                <a:solidFill>
+                  <a:srgbClr val="FF0000"/>
+                </a:solidFill>
+                <a:effectLst/>
+                <a:latin typeface="Times New Roman" panose="02020603050405020304" pitchFamily="18" charset="0"/>
+                <a:ea typeface="Times New Roman" panose="02020603050405020304" pitchFamily="18" charset="0"/>
+                <a:cs typeface="Times New Roman" panose="02020603050405020304" pitchFamily="18" charset="0"/>
+              </a:rPr>
+              <a:t>Microphone </a:t>
+            </a:r>
+          </a:p>
+          <a:p>
+            <a:pPr lvl="1">
+              <a:spcBef>
+                <a:spcPts val="0"/>
+              </a:spcBef>
+            </a:pPr>
+            <a:r>
+              <a:rPr lang="en-US" kern="0" dirty="0">
+                <a:solidFill>
+                  <a:srgbClr val="FF0000"/>
+                </a:solidFill>
+                <a:latin typeface="Times New Roman" panose="02020603050405020304" pitchFamily="18" charset="0"/>
+                <a:ea typeface="Times New Roman" panose="02020603050405020304" pitchFamily="18" charset="0"/>
+                <a:cs typeface="Times New Roman" panose="02020603050405020304" pitchFamily="18" charset="0"/>
+              </a:rPr>
+              <a:t>L</a:t>
+            </a:r>
+            <a:r>
+              <a:rPr lang="en-US" kern="0" dirty="0">
+                <a:solidFill>
+                  <a:srgbClr val="FF0000"/>
+                </a:solidFill>
+                <a:effectLst/>
+                <a:latin typeface="Times New Roman" panose="02020603050405020304" pitchFamily="18" charset="0"/>
+                <a:ea typeface="Times New Roman" panose="02020603050405020304" pitchFamily="18" charset="0"/>
+                <a:cs typeface="Times New Roman" panose="02020603050405020304" pitchFamily="18" charset="0"/>
+              </a:rPr>
+              <a:t>anding spot on or just above the weight sensor</a:t>
+            </a:r>
+          </a:p>
+          <a:p>
+            <a:pPr>
+              <a:spcBef>
+                <a:spcPts val="0"/>
+              </a:spcBef>
+            </a:pPr>
+            <a:r>
+              <a:rPr lang="en-US" sz="2800" kern="0" dirty="0">
+                <a:solidFill>
+                  <a:srgbClr val="FF0000"/>
+                </a:solidFill>
+                <a:latin typeface="Times New Roman" panose="02020603050405020304" pitchFamily="18" charset="0"/>
+                <a:ea typeface="DengXian" panose="02010600030101010101" pitchFamily="2" charset="-122"/>
+                <a:cs typeface="Times New Roman" panose="02020603050405020304" pitchFamily="18" charset="0"/>
+              </a:rPr>
+              <a:t>Device turns on when connected to battery</a:t>
+            </a:r>
+          </a:p>
+          <a:p>
+            <a:pPr>
+              <a:spcBef>
+                <a:spcPts val="0"/>
+              </a:spcBef>
+            </a:pPr>
+            <a:r>
+              <a:rPr lang="en-US" sz="2800" kern="0" dirty="0">
+                <a:solidFill>
+                  <a:srgbClr val="FF0000"/>
+                </a:solidFill>
+                <a:effectLst/>
+                <a:latin typeface="Times New Roman" panose="02020603050405020304" pitchFamily="18" charset="0"/>
+                <a:ea typeface="DengXian" panose="02010600030101010101" pitchFamily="2" charset="-122"/>
+                <a:cs typeface="Times New Roman" panose="02020603050405020304" pitchFamily="18" charset="0"/>
+              </a:rPr>
+              <a:t>Once on, is listening for the microphone</a:t>
+            </a:r>
+          </a:p>
+          <a:p>
+            <a:pPr lvl="1">
+              <a:spcBef>
+                <a:spcPts val="0"/>
+              </a:spcBef>
+            </a:pPr>
+            <a:r>
+              <a:rPr lang="en-US" sz="2400" kern="0" dirty="0">
+                <a:solidFill>
+                  <a:srgbClr val="FF0000"/>
+                </a:solidFill>
+                <a:latin typeface="Times New Roman" panose="02020603050405020304" pitchFamily="18" charset="0"/>
+                <a:ea typeface="DengXian" panose="02010600030101010101" pitchFamily="2" charset="-122"/>
+                <a:cs typeface="Times New Roman" panose="02020603050405020304" pitchFamily="18" charset="0"/>
+              </a:rPr>
+              <a:t>If above the frequency range, checks weight sensor</a:t>
+            </a:r>
+          </a:p>
+          <a:p>
+            <a:pPr lvl="2">
+              <a:spcBef>
+                <a:spcPts val="0"/>
+              </a:spcBef>
+            </a:pPr>
+            <a:r>
+              <a:rPr lang="en-US" sz="2000" kern="0" dirty="0">
+                <a:solidFill>
+                  <a:srgbClr val="FF0000"/>
+                </a:solidFill>
+                <a:effectLst/>
+                <a:latin typeface="Times New Roman" panose="02020603050405020304" pitchFamily="18" charset="0"/>
+                <a:ea typeface="DengXian" panose="02010600030101010101" pitchFamily="2" charset="-122"/>
+                <a:cs typeface="Times New Roman" panose="02020603050405020304" pitchFamily="18" charset="0"/>
+              </a:rPr>
+              <a:t>If weight sensor returns a value under the threshold, </a:t>
+            </a:r>
+            <a:r>
+              <a:rPr lang="en-US" sz="2000" kern="0" dirty="0">
+                <a:solidFill>
+                  <a:srgbClr val="FF0000"/>
+                </a:solidFill>
+                <a:latin typeface="Times New Roman" panose="02020603050405020304" pitchFamily="18" charset="0"/>
+                <a:ea typeface="DengXian" panose="02010600030101010101" pitchFamily="2" charset="-122"/>
+                <a:cs typeface="Times New Roman" panose="02020603050405020304" pitchFamily="18" charset="0"/>
+              </a:rPr>
+              <a:t>runs servo</a:t>
+            </a:r>
+          </a:p>
+          <a:p>
+            <a:pPr lvl="1">
+              <a:spcBef>
+                <a:spcPts val="0"/>
+              </a:spcBef>
+            </a:pPr>
+            <a:r>
+              <a:rPr lang="en-US" sz="2400" kern="0" dirty="0">
+                <a:solidFill>
+                  <a:srgbClr val="FF0000"/>
+                </a:solidFill>
+                <a:latin typeface="Times New Roman" panose="02020603050405020304" pitchFamily="18" charset="0"/>
+                <a:ea typeface="DengXian" panose="02010600030101010101" pitchFamily="2" charset="-122"/>
+                <a:cs typeface="Times New Roman" panose="02020603050405020304" pitchFamily="18" charset="0"/>
+              </a:rPr>
+              <a:t>If below the frequency range, returns to listening mode</a:t>
+            </a:r>
+          </a:p>
+          <a:p>
+            <a:pPr>
+              <a:spcBef>
+                <a:spcPts val="0"/>
+              </a:spcBef>
+            </a:pPr>
+            <a:r>
+              <a:rPr lang="en-US" sz="2800" kern="0" dirty="0">
+                <a:solidFill>
+                  <a:srgbClr val="FF0000"/>
+                </a:solidFill>
+                <a:effectLst/>
+                <a:latin typeface="Times New Roman" panose="02020603050405020304" pitchFamily="18" charset="0"/>
+                <a:ea typeface="DengXian" panose="02010600030101010101" pitchFamily="2" charset="-122"/>
+                <a:cs typeface="Times New Roman" panose="02020603050405020304" pitchFamily="18" charset="0"/>
+              </a:rPr>
+              <a:t>Servo opens and closes, releasing seed</a:t>
             </a:r>
             <a:endParaRPr lang="en-US" sz="2800" kern="100" dirty="0">
               <a:effectLst/>
@@ -6109,6 +7915,99 @@
           </a:prstGeom>
         </p:spPr>
       </p:pic>
+      <p:sp>
+        <p:nvSpPr>
+          <p:cNvPr id="4" name="Slide Number Placeholder 3">
+            <a:extLst>
+              <a:ext uri="{FF2B5EF4-FFF2-40B4-BE49-F238E27FC236}">
+                <a16:creationId xmlns:a16="http://schemas.microsoft.com/office/drawing/2014/main" id="{1812E259-F835-4C5E-8CA9-4D4EFDA7EA82}"/>
+              </a:ext>
+            </a:extLst>
+          </p:cNvPr>
+          <p:cNvSpPr>
+            <a:spLocks noGrp="1"/>
+          </p:cNvSpPr>
+          <p:nvPr>
+            <p:ph type="sldNum" sz="quarter" idx="12"/>
+          </p:nvPr>
+        </p:nvSpPr>
+        <p:spPr/>
+        <p:txBody>
+          <a:bodyPr/>
+          <a:lstStyle/>
+          <a:p>
+            <a:fld id="{C806B262-DE4B-41F2-8D27-37F2CF938DE7}" type="slidenum">
+              <a:rPr lang="en-US" smtClean="0"/>
+              <a:pPr/>
+              <a:t>4</a:t>
+            </a:fld>
+            <a:endParaRPr lang="en-US"/>
+          </a:p>
+        </p:txBody>
+      </p:sp>
+      <p:pic>
+        <p:nvPicPr>
+          <p:cNvPr id="6" name="Picture 5">
+            <a:extLst>
+              <a:ext uri="{FF2B5EF4-FFF2-40B4-BE49-F238E27FC236}">
+                <a16:creationId xmlns:a16="http://schemas.microsoft.com/office/drawing/2014/main" id="{E777E111-C06A-45AA-A300-9D97279E19E2}"/>
+              </a:ext>
+            </a:extLst>
+          </p:cNvPr>
+          <p:cNvPicPr>
+            <a:picLocks noChangeAspect="1"/>
+          </p:cNvPicPr>
+          <p:nvPr/>
+        </p:nvPicPr>
+        <p:blipFill>
+          <a:blip r:embed="rId3"/>
+          <a:stretch>
+            <a:fillRect/>
+          </a:stretch>
+        </p:blipFill>
+        <p:spPr>
+          <a:xfrm>
+            <a:off x="6096000" y="2853856"/>
+            <a:ext cx="4389100" cy="4038600"/>
+          </a:xfrm>
+          <a:prstGeom prst="rect">
+            <a:avLst/>
+          </a:prstGeom>
+        </p:spPr>
+      </p:pic>
+      <p:sp>
+        <p:nvSpPr>
+          <p:cNvPr id="7" name="Footer Placeholder 5">
+            <a:extLst>
+              <a:ext uri="{FF2B5EF4-FFF2-40B4-BE49-F238E27FC236}">
+                <a16:creationId xmlns:a16="http://schemas.microsoft.com/office/drawing/2014/main" id="{11D0F55E-261F-48BC-AE89-082CB3736E1A}"/>
+              </a:ext>
+            </a:extLst>
+          </p:cNvPr>
+          <p:cNvSpPr>
+            <a:spLocks noGrp="1"/>
+          </p:cNvSpPr>
+          <p:nvPr>
+            <p:ph type="ftr" sz="quarter" idx="11"/>
+          </p:nvPr>
+        </p:nvSpPr>
+        <p:spPr>
+          <a:xfrm>
+            <a:off x="-990600" y="6370637"/>
+            <a:ext cx="2895600" cy="365125"/>
+          </a:xfrm>
+        </p:spPr>
+        <p:txBody>
+          <a:bodyPr/>
+          <a:lstStyle/>
+          <a:p>
+            <a:r>
+              <a:rPr lang="en-US" dirty="0"/>
+              <a:t>ST</a:t>
+            </a:r>
+          </a:p>
+        </p:txBody>
+      </p:sp>
     </p:spTree>
     <p:extLst>
       <p:ext uri="{BB962C8B-B14F-4D97-AF65-F5344CB8AC3E}">
@@ -6144,7 +8043,7 @@
           <p:cNvPr id="2" name="Title 1">
             <a:extLst>
               <a:ext uri="{FF2B5EF4-FFF2-40B4-BE49-F238E27FC236}">
-                <a16:creationId xmlns:a16="http://schemas.microsoft.com/office/drawing/2014/main" id="{9CBD3FEA-DAAA-4E85-9D60-CF8F5E46AFBA}"/>
+                <a16:creationId xmlns:a16="http://schemas.microsoft.com/office/drawing/2014/main" id="{6527CF0A-63AC-44CC-882C-1EC8586A9367}"/>
               </a:ext>
             </a:extLst>
           </p:cNvPr>
@@ -6153,6 +8052,37 @@
           </p:cNvSpPr>
           <p:nvPr>
             <p:ph type="title"/>
+          </p:nvPr>
+        </p:nvSpPr>
+        <p:spPr/>
+        <p:txBody>
+          <a:bodyPr/>
+          <a:lstStyle/>
+          <a:p>
+            <a:r>
+              <a:rPr lang="en-US" dirty="0">
+                <a:latin typeface="Times New Roman" panose="02020603050405020304" pitchFamily="18" charset="0"/>
+                <a:cs typeface="Times New Roman" panose="02020603050405020304" pitchFamily="18" charset="0"/>
+              </a:rPr>
+              <a:t>Objective</a:t>
+            </a:r>
+          </a:p>
+        </p:txBody>
+      </p:sp>
+      <p:sp>
+        <p:nvSpPr>
+          <p:cNvPr id="3" name="Content Placeholder 2">
+            <a:extLst>
+              <a:ext uri="{FF2B5EF4-FFF2-40B4-BE49-F238E27FC236}">
+                <a16:creationId xmlns:a16="http://schemas.microsoft.com/office/drawing/2014/main" id="{A2CD3AE9-A0B9-49FE-ADFE-B7DFEA16F7E5}"/>
+              </a:ext>
+            </a:extLst>
+          </p:cNvPr>
+          <p:cNvSpPr>
+            <a:spLocks noGrp="1"/>
+          </p:cNvSpPr>
+          <p:nvPr>
+            <p:ph idx="1"/>
           </p:nvPr>
         </p:nvSpPr>
         <p:spPr/>
@@ -6162,58 +8092,30 @@
           </a:bodyPr>
           <a:lstStyle/>
           <a:p>
-            <a:r>
-              <a:rPr lang="en-US" sz="4400" b="0" i="0" u="none" strike="noStrike" baseline="0" dirty="0">
-                <a:latin typeface="Times New Roman" panose="02020603050405020304" pitchFamily="18" charset="0"/>
+            <a:pPr marL="0" marR="0" indent="0" algn="l">
+              <a:spcBef>
+                <a:spcPts val="0"/>
+              </a:spcBef>
+              <a:spcAft>
+                <a:spcPts val="0"/>
+              </a:spcAft>
+              <a:buNone/>
+            </a:pPr>
+            <a:r>
+              <a:rPr lang="en-US" sz="2800" kern="0" dirty="0">
+                <a:effectLst/>
+                <a:latin typeface="Times New Roman" panose="02020603050405020304" pitchFamily="18" charset="0"/>
+                <a:ea typeface="Times New Roman" panose="02020603050405020304" pitchFamily="18" charset="0"/>
                 <a:cs typeface="Times New Roman" panose="02020603050405020304" pitchFamily="18" charset="0"/>
               </a:rPr>
-              <a:t>Alternatives</a:t>
-            </a:r>
-            <a:endParaRPr lang="en-US" dirty="0">
-              <a:latin typeface="Times New Roman" panose="02020603050405020304" pitchFamily="18" charset="0"/>
+              <a:t>Feed small birds and not squirrels or crows. </a:t>
+            </a:r>
+            <a:endParaRPr lang="en-US" sz="2800" kern="100" dirty="0">
+              <a:effectLst/>
+              <a:latin typeface="DengXian" panose="02010600030101010101" pitchFamily="2" charset="-122"/>
+              <a:ea typeface="DengXian" panose="02010600030101010101" pitchFamily="2" charset="-122"/>
               <a:cs typeface="Times New Roman" panose="02020603050405020304" pitchFamily="18" charset="0"/>
             </a:endParaRPr>
-          </a:p>
-        </p:txBody>
-      </p:sp>
-      <p:sp>
-        <p:nvSpPr>
-          <p:cNvPr id="3" name="Content Placeholder 2">
-            <a:extLst>
-              <a:ext uri="{FF2B5EF4-FFF2-40B4-BE49-F238E27FC236}">
-                <a16:creationId xmlns:a16="http://schemas.microsoft.com/office/drawing/2014/main" id="{9E3C7773-D7F0-4DE4-96D2-61950A303263}"/>
-              </a:ext>
-            </a:extLst>
-          </p:cNvPr>
-          <p:cNvSpPr>
-            <a:spLocks noGrp="1"/>
-          </p:cNvSpPr>
-          <p:nvPr>
-            <p:ph idx="1"/>
-          </p:nvPr>
-        </p:nvSpPr>
-        <p:spPr>
-          <a:xfrm>
-            <a:off x="457200" y="1600201"/>
-            <a:ext cx="6019800" cy="1295400"/>
-          </a:xfrm>
-        </p:spPr>
-        <p:txBody>
-          <a:bodyPr>
-            <a:normAutofit fontScale="70000" lnSpcReduction="20000"/>
-          </a:bodyPr>
-          <a:lstStyle/>
-          <a:p>
-            <a:pPr marL="0" indent="0" algn="l">
-              <a:buNone/>
-            </a:pPr>
-            <a:r>
-              <a:rPr lang="en-US" dirty="0">
-                <a:latin typeface="Times New Roman" panose="02020603050405020304" pitchFamily="18" charset="0"/>
-                <a:cs typeface="Times New Roman" panose="02020603050405020304" pitchFamily="18" charset="0"/>
-              </a:rPr>
-              <a:t>The existing smart bird feeders are focused on bird watchers with smart cameras – none focus on smart selectivity in using weight to not feed squirrels and crows.</a:t>
-            </a:r>
           </a:p>
         </p:txBody>
       </p:sp>
@@ -6222,7 +8124,7 @@
           <p:cNvPr id="5" name="Picture 4">
             <a:extLst>
               <a:ext uri="{FF2B5EF4-FFF2-40B4-BE49-F238E27FC236}">
-                <a16:creationId xmlns:a16="http://schemas.microsoft.com/office/drawing/2014/main" id="{978461DD-35BD-4BCE-ABDC-030B6FA99D65}"/>
+                <a16:creationId xmlns:a16="http://schemas.microsoft.com/office/drawing/2014/main" id="{AFF789E2-B0C8-43E8-8708-F263EC8F34C4}"/>
               </a:ext>
             </a:extLst>
           </p:cNvPr>
@@ -6232,7 +8134,7 @@
           <p:nvPr/>
         </p:nvPicPr>
         <p:blipFill>
-          <a:blip r:embed="rId3">
+          <a:blip r:embed="rId2">
             <a:extLst>
               <a:ext uri="{28A0092B-C50C-407E-A947-70E740481C1C}">
                 <a14:useLocalDpi xmlns:a14="http://schemas.microsoft.com/office/drawing/2010/main" val="0"/>
@@ -6253,40 +8155,73 @@
           </a:prstGeom>
         </p:spPr>
       </p:pic>
-      <p:pic>
-        <p:nvPicPr>
-          <p:cNvPr id="7" name="Picture 6">
+      <p:sp>
+        <p:nvSpPr>
+          <p:cNvPr id="4" name="Slide Number Placeholder 3">
             <a:extLst>
               <a:ext uri="{FF2B5EF4-FFF2-40B4-BE49-F238E27FC236}">
-                <a16:creationId xmlns:a16="http://schemas.microsoft.com/office/drawing/2014/main" id="{62E29751-7E9B-4146-A9A2-F5DD0AEA8EE8}"/>
+                <a16:creationId xmlns:a16="http://schemas.microsoft.com/office/drawing/2014/main" id="{1812E259-F835-4C5E-8CA9-4D4EFDA7EA82}"/>
               </a:ext>
             </a:extLst>
           </p:cNvPr>
-          <p:cNvPicPr>
-            <a:picLocks noChangeAspect="1"/>
-          </p:cNvPicPr>
-          <p:nvPr/>
-        </p:nvPicPr>
-        <p:blipFill>
-          <a:blip r:embed="rId4"/>
-          <a:stretch>
-            <a:fillRect/>
-          </a:stretch>
-        </p:blipFill>
+          <p:cNvSpPr>
+            <a:spLocks noGrp="1"/>
+          </p:cNvSpPr>
+          <p:nvPr>
+            <p:ph type="sldNum" sz="quarter" idx="12"/>
+          </p:nvPr>
+        </p:nvSpPr>
+        <p:spPr/>
+        <p:txBody>
+          <a:bodyPr/>
+          <a:lstStyle/>
+          <a:p>
+            <a:fld id="{C806B262-DE4B-41F2-8D27-37F2CF938DE7}" type="slidenum">
+              <a:rPr lang="en-US" smtClean="0"/>
+              <a:pPr/>
+              <a:t>5</a:t>
+            </a:fld>
+            <a:endParaRPr lang="en-US"/>
+          </a:p>
+        </p:txBody>
+      </p:sp>
+      <p:sp>
+        <p:nvSpPr>
+          <p:cNvPr id="6" name="Footer Placeholder 5">
+            <a:extLst>
+              <a:ext uri="{FF2B5EF4-FFF2-40B4-BE49-F238E27FC236}">
+                <a16:creationId xmlns:a16="http://schemas.microsoft.com/office/drawing/2014/main" id="{2D537FBB-3568-4808-BBD4-FB46BA96EB40}"/>
+              </a:ext>
+            </a:extLst>
+          </p:cNvPr>
+          <p:cNvSpPr>
+            <a:spLocks noGrp="1"/>
+          </p:cNvSpPr>
+          <p:nvPr>
+            <p:ph type="ftr" sz="quarter" idx="11"/>
+          </p:nvPr>
+        </p:nvSpPr>
         <p:spPr>
           <a:xfrm>
-            <a:off x="761999" y="2971768"/>
-            <a:ext cx="7153523" cy="3470390"/>
+            <a:off x="-990600" y="6370637"/>
+            <a:ext cx="2895600" cy="365125"/>
           </a:xfrm>
-          <a:prstGeom prst="rect">
-            <a:avLst/>
-          </a:prstGeom>
         </p:spPr>
-      </p:pic>
+        <p:txBody>
+          <a:bodyPr/>
+          <a:lstStyle/>
+          <a:p>
+            <a:r>
+              <a:rPr lang="en-US" dirty="0"/>
+              <a:t>ST</a:t>
+            </a:r>
+          </a:p>
+        </p:txBody>
+      </p:sp>
     </p:spTree>
     <p:extLst>
       <p:ext uri="{BB962C8B-B14F-4D97-AF65-F5344CB8AC3E}">
-        <p14:creationId xmlns:p14="http://schemas.microsoft.com/office/powerpoint/2010/main" val="99756877"/>
+        <p14:creationId xmlns:p14="http://schemas.microsoft.com/office/powerpoint/2010/main" val="1191213919"/>
       </p:ext>
     </p:extLst>
   </p:cSld>
@@ -6318,7 +8253,7 @@
           <p:cNvPr id="2" name="Title 1">
             <a:extLst>
               <a:ext uri="{FF2B5EF4-FFF2-40B4-BE49-F238E27FC236}">
-                <a16:creationId xmlns:a16="http://schemas.microsoft.com/office/drawing/2014/main" id="{325D915F-2F40-485E-926D-7CCABF3773EA}"/>
+                <a16:creationId xmlns:a16="http://schemas.microsoft.com/office/drawing/2014/main" id="{9CBD3FEA-DAAA-4E85-9D60-CF8F5E46AFBA}"/>
               </a:ext>
             </a:extLst>
           </p:cNvPr>
@@ -6331,7 +8266,9 @@
         </p:nvSpPr>
         <p:spPr/>
         <p:txBody>
-          <a:bodyPr/>
+          <a:bodyPr>
+            <a:normAutofit/>
+          </a:bodyPr>
           <a:lstStyle/>
           <a:p>
             <a:r>
@@ -6339,7 +8276,7 @@
                 <a:latin typeface="Times New Roman" panose="02020603050405020304" pitchFamily="18" charset="0"/>
                 <a:cs typeface="Times New Roman" panose="02020603050405020304" pitchFamily="18" charset="0"/>
               </a:rPr>
-              <a:t>Requirements</a:t>
+              <a:t>Alternatives</a:t>
             </a:r>
             <a:endParaRPr lang="en-US" dirty="0">
               <a:latin typeface="Times New Roman" panose="02020603050405020304" pitchFamily="18" charset="0"/>
@@ -6353,7 +8290,7 @@
           <p:cNvPr id="3" name="Content Placeholder 2">
             <a:extLst>
               <a:ext uri="{FF2B5EF4-FFF2-40B4-BE49-F238E27FC236}">
-                <a16:creationId xmlns:a16="http://schemas.microsoft.com/office/drawing/2014/main" id="{1AD02A7B-7E90-429C-A065-3F40FA8B660B}"/>
+                <a16:creationId xmlns:a16="http://schemas.microsoft.com/office/drawing/2014/main" id="{9E3C7773-D7F0-4DE4-96D2-61950A303263}"/>
               </a:ext>
             </a:extLst>
           </p:cNvPr>
@@ -6364,63 +8301,27 @@
             <p:ph idx="1"/>
           </p:nvPr>
         </p:nvSpPr>
-        <p:spPr/>
+        <p:spPr>
+          <a:xfrm>
+            <a:off x="457200" y="1600201"/>
+            <a:ext cx="6019800" cy="1295400"/>
+          </a:xfrm>
+        </p:spPr>
         <p:txBody>
           <a:bodyPr>
-            <a:normAutofit/>
+            <a:normAutofit fontScale="70000" lnSpcReduction="20000"/>
           </a:bodyPr>
           <a:lstStyle/>
           <a:p>
-            <a:pPr marL="0" marR="0"/>
-            <a:r>
-              <a:rPr lang="en-US" sz="2800" dirty="0">
-                <a:effectLst/>
-                <a:latin typeface="Times New Roman" panose="02020603050405020304" pitchFamily="18" charset="0"/>
-                <a:ea typeface="Times New Roman" panose="02020603050405020304" pitchFamily="18" charset="0"/>
-              </a:rPr>
-              <a:t>Must automatically dispense bird feed when a bird is "detected“</a:t>
-            </a:r>
-          </a:p>
-          <a:p>
-            <a:pPr marL="0" marR="0" indent="0">
+            <a:pPr marL="0" indent="0" algn="l">
               <a:buNone/>
             </a:pPr>
-            <a:endParaRPr lang="en-US" sz="2800" dirty="0">
-              <a:effectLst/>
-              <a:latin typeface="Times New Roman" panose="02020603050405020304" pitchFamily="18" charset="0"/>
-              <a:ea typeface="Times New Roman" panose="02020603050405020304" pitchFamily="18" charset="0"/>
-            </a:endParaRPr>
-          </a:p>
-          <a:p>
-            <a:pPr marL="0" marR="0"/>
-            <a:r>
-              <a:rPr lang="en-US" sz="2800" dirty="0">
-                <a:effectLst/>
-                <a:latin typeface="Times New Roman" panose="02020603050405020304" pitchFamily="18" charset="0"/>
-                <a:ea typeface="Times New Roman" panose="02020603050405020304" pitchFamily="18" charset="0"/>
-              </a:rPr>
-              <a:t>Must be able to "feed" only small birds</a:t>
-            </a:r>
-          </a:p>
-          <a:p>
-            <a:pPr marL="0" marR="0" indent="0">
-              <a:buNone/>
-            </a:pPr>
-            <a:endParaRPr lang="en-US" sz="2800" dirty="0">
-              <a:effectLst/>
-              <a:latin typeface="Times New Roman" panose="02020603050405020304" pitchFamily="18" charset="0"/>
-              <a:ea typeface="Times New Roman" panose="02020603050405020304" pitchFamily="18" charset="0"/>
-            </a:endParaRPr>
-          </a:p>
-          <a:p>
-            <a:pPr marL="0" marR="0"/>
-            <a:r>
-              <a:rPr lang="en-US" sz="2800" dirty="0">
-                <a:effectLst/>
-                <a:latin typeface="Times New Roman" panose="02020603050405020304" pitchFamily="18" charset="0"/>
-                <a:ea typeface="Times New Roman" panose="02020603050405020304" pitchFamily="18" charset="0"/>
-              </a:rPr>
-              <a:t>Must use a microcontroller to control servo based on microphone and weight sensor</a:t>
+            <a:r>
+              <a:rPr lang="en-US" dirty="0">
+                <a:latin typeface="Times New Roman" panose="02020603050405020304" pitchFamily="18" charset="0"/>
+                <a:cs typeface="Times New Roman" panose="02020603050405020304" pitchFamily="18" charset="0"/>
+              </a:rPr>
+              <a:t>The existing smart bird feeders are focused on bird watchers with smart cameras – none focus on smart selectivity in using weight to not feed squirrels and crows.</a:t>
             </a:r>
           </a:p>
         </p:txBody>
@@ -6430,7 +8331,7 @@
           <p:cNvPr id="5" name="Picture 4">
             <a:extLst>
               <a:ext uri="{FF2B5EF4-FFF2-40B4-BE49-F238E27FC236}">
-                <a16:creationId xmlns:a16="http://schemas.microsoft.com/office/drawing/2014/main" id="{DF9AB3A6-4011-418D-83F4-FA74FF291EF2}"/>
+                <a16:creationId xmlns:a16="http://schemas.microsoft.com/office/drawing/2014/main" id="{978461DD-35BD-4BCE-ABDC-030B6FA99D65}"/>
               </a:ext>
             </a:extLst>
           </p:cNvPr>
@@ -6440,7 +8341,7 @@
           <p:nvPr/>
         </p:nvPicPr>
         <p:blipFill>
-          <a:blip r:embed="rId2">
+          <a:blip r:embed="rId3">
             <a:extLst>
               <a:ext uri="{28A0092B-C50C-407E-A947-70E740481C1C}">
                 <a14:useLocalDpi xmlns:a14="http://schemas.microsoft.com/office/drawing/2010/main" val="0"/>
@@ -6461,10 +8362,103 @@
           </a:prstGeom>
         </p:spPr>
       </p:pic>
+      <p:pic>
+        <p:nvPicPr>
+          <p:cNvPr id="7" name="Picture 6">
+            <a:extLst>
+              <a:ext uri="{FF2B5EF4-FFF2-40B4-BE49-F238E27FC236}">
+                <a16:creationId xmlns:a16="http://schemas.microsoft.com/office/drawing/2014/main" id="{62E29751-7E9B-4146-A9A2-F5DD0AEA8EE8}"/>
+              </a:ext>
+            </a:extLst>
+          </p:cNvPr>
+          <p:cNvPicPr>
+            <a:picLocks noChangeAspect="1"/>
+          </p:cNvPicPr>
+          <p:nvPr/>
+        </p:nvPicPr>
+        <p:blipFill>
+          <a:blip r:embed="rId4"/>
+          <a:stretch>
+            <a:fillRect/>
+          </a:stretch>
+        </p:blipFill>
+        <p:spPr>
+          <a:xfrm>
+            <a:off x="761999" y="2971768"/>
+            <a:ext cx="7153523" cy="3470390"/>
+          </a:xfrm>
+          <a:prstGeom prst="rect">
+            <a:avLst/>
+          </a:prstGeom>
+        </p:spPr>
+      </p:pic>
+      <p:sp>
+        <p:nvSpPr>
+          <p:cNvPr id="4" name="Slide Number Placeholder 3">
+            <a:extLst>
+              <a:ext uri="{FF2B5EF4-FFF2-40B4-BE49-F238E27FC236}">
+                <a16:creationId xmlns:a16="http://schemas.microsoft.com/office/drawing/2014/main" id="{93C0ADDF-BABA-4EF6-8B74-C9F8107712DD}"/>
+              </a:ext>
+            </a:extLst>
+          </p:cNvPr>
+          <p:cNvSpPr>
+            <a:spLocks noGrp="1"/>
+          </p:cNvSpPr>
+          <p:nvPr>
+            <p:ph type="sldNum" sz="quarter" idx="12"/>
+          </p:nvPr>
+        </p:nvSpPr>
+        <p:spPr/>
+        <p:txBody>
+          <a:bodyPr/>
+          <a:lstStyle/>
+          <a:p>
+            <a:fld id="{C806B262-DE4B-41F2-8D27-37F2CF938DE7}" type="slidenum">
+              <a:rPr lang="en-US" smtClean="0"/>
+              <a:pPr/>
+              <a:t>6</a:t>
+            </a:fld>
+            <a:endParaRPr lang="en-US"/>
+          </a:p>
+        </p:txBody>
+      </p:sp>
+      <p:sp>
+        <p:nvSpPr>
+          <p:cNvPr id="8" name="Footer Placeholder 5">
+            <a:extLst>
+              <a:ext uri="{FF2B5EF4-FFF2-40B4-BE49-F238E27FC236}">
+                <a16:creationId xmlns:a16="http://schemas.microsoft.com/office/drawing/2014/main" id="{E06F82C7-6505-466B-83B3-C64E65CDB2AC}"/>
+              </a:ext>
+            </a:extLst>
+          </p:cNvPr>
+          <p:cNvSpPr>
+            <a:spLocks noGrp="1"/>
+          </p:cNvSpPr>
+          <p:nvPr>
+            <p:ph type="ftr" sz="quarter" idx="11"/>
+          </p:nvPr>
+        </p:nvSpPr>
+        <p:spPr>
+          <a:xfrm>
+            <a:off x="-990600" y="6370637"/>
+            <a:ext cx="2895600" cy="365125"/>
+          </a:xfrm>
+        </p:spPr>
+        <p:txBody>
+          <a:bodyPr/>
+          <a:lstStyle/>
+          <a:p>
+            <a:r>
+              <a:rPr lang="en-US" dirty="0"/>
+              <a:t>ST</a:t>
+            </a:r>
+          </a:p>
+        </p:txBody>
+      </p:sp>
     </p:spTree>
     <p:extLst>
       <p:ext uri="{BB962C8B-B14F-4D97-AF65-F5344CB8AC3E}">
-        <p14:creationId xmlns:p14="http://schemas.microsoft.com/office/powerpoint/2010/main" val="2803105342"/>
+        <p14:creationId xmlns:p14="http://schemas.microsoft.com/office/powerpoint/2010/main" val="99756877"/>
       </p:ext>
     </p:extLst>
   </p:cSld>
@@ -6496,7 +8490,7 @@
           <p:cNvPr id="2" name="Title 1">
             <a:extLst>
               <a:ext uri="{FF2B5EF4-FFF2-40B4-BE49-F238E27FC236}">
-                <a16:creationId xmlns:a16="http://schemas.microsoft.com/office/drawing/2014/main" id="{085F669A-6B34-4BEA-B717-1DBB79EF731A}"/>
+                <a16:creationId xmlns:a16="http://schemas.microsoft.com/office/drawing/2014/main" id="{325D915F-2F40-485E-926D-7CCABF3773EA}"/>
               </a:ext>
             </a:extLst>
           </p:cNvPr>
@@ -6505,6 +8499,41 @@
           </p:cNvSpPr>
           <p:nvPr>
             <p:ph type="title"/>
+          </p:nvPr>
+        </p:nvSpPr>
+        <p:spPr/>
+        <p:txBody>
+          <a:bodyPr/>
+          <a:lstStyle/>
+          <a:p>
+            <a:r>
+              <a:rPr lang="en-US" sz="4400" b="0" i="0" u="none" strike="noStrike" baseline="0" dirty="0">
+                <a:latin typeface="Times New Roman" panose="02020603050405020304" pitchFamily="18" charset="0"/>
+                <a:cs typeface="Times New Roman" panose="02020603050405020304" pitchFamily="18" charset="0"/>
+              </a:rPr>
+              <a:t>Requirements</a:t>
+            </a:r>
+            <a:endParaRPr lang="en-US" dirty="0">
+              <a:latin typeface="Times New Roman" panose="02020603050405020304" pitchFamily="18" charset="0"/>
+              <a:cs typeface="Times New Roman" panose="02020603050405020304" pitchFamily="18" charset="0"/>
+            </a:endParaRPr>
+          </a:p>
+        </p:txBody>
+      </p:sp>
+      <p:sp>
+        <p:nvSpPr>
+          <p:cNvPr id="3" name="Content Placeholder 2">
+            <a:extLst>
+              <a:ext uri="{FF2B5EF4-FFF2-40B4-BE49-F238E27FC236}">
+                <a16:creationId xmlns:a16="http://schemas.microsoft.com/office/drawing/2014/main" id="{1AD02A7B-7E90-429C-A065-3F40FA8B660B}"/>
+              </a:ext>
+            </a:extLst>
+          </p:cNvPr>
+          <p:cNvSpPr>
+            <a:spLocks noGrp="1"/>
+          </p:cNvSpPr>
+          <p:nvPr>
+            <p:ph idx="1"/>
           </p:nvPr>
         </p:nvSpPr>
         <p:spPr/>
@@ -6514,47 +8543,57 @@
           </a:bodyPr>
           <a:lstStyle/>
           <a:p>
-            <a:r>
-              <a:rPr lang="en-US" dirty="0">
-                <a:solidFill>
-                  <a:srgbClr val="FF0000"/>
-                </a:solidFill>
-                <a:latin typeface="Times New Roman" panose="02020603050405020304" pitchFamily="18" charset="0"/>
-                <a:cs typeface="Times New Roman" panose="02020603050405020304" pitchFamily="18" charset="0"/>
-              </a:rPr>
-              <a:t>Project Schedule</a:t>
-            </a:r>
-          </a:p>
-        </p:txBody>
-      </p:sp>
-      <p:sp>
-        <p:nvSpPr>
-          <p:cNvPr id="3" name="Content Placeholder 2">
-            <a:extLst>
-              <a:ext uri="{FF2B5EF4-FFF2-40B4-BE49-F238E27FC236}">
-                <a16:creationId xmlns:a16="http://schemas.microsoft.com/office/drawing/2014/main" id="{6AD761D7-F26B-40FB-B1CF-0D12A2B4221C}"/>
-              </a:ext>
-            </a:extLst>
-          </p:cNvPr>
-          <p:cNvSpPr>
-            <a:spLocks noGrp="1"/>
-          </p:cNvSpPr>
-          <p:nvPr>
-            <p:ph idx="1"/>
-          </p:nvPr>
-        </p:nvSpPr>
-        <p:spPr/>
-        <p:txBody>
-          <a:bodyPr/>
-          <a:lstStyle/>
-          <a:p>
-            <a:r>
-              <a:rPr lang="en-US" sz="3200" b="0" i="1" u="none" strike="noStrike" baseline="0" dirty="0">
-                <a:latin typeface="Calibri-Italic"/>
-              </a:rPr>
-              <a:t>Brief overview of your approach and your project schedule</a:t>
-            </a:r>
-            <a:endParaRPr lang="en-US" dirty="0"/>
+            <a:pPr marL="0" marR="0"/>
+            <a:r>
+              <a:rPr lang="en-US" sz="2800" dirty="0">
+                <a:effectLst/>
+                <a:latin typeface="Times New Roman" panose="02020603050405020304" pitchFamily="18" charset="0"/>
+                <a:ea typeface="Times New Roman" panose="02020603050405020304" pitchFamily="18" charset="0"/>
+              </a:rPr>
+              <a:t>Must automatically dispense bird feed when a bird is "detected“</a:t>
+            </a:r>
+          </a:p>
+          <a:p>
+            <a:pPr marL="0" marR="0" indent="0">
+              <a:buNone/>
+            </a:pPr>
+            <a:endParaRPr lang="en-US" sz="2800" dirty="0">
+              <a:effectLst/>
+              <a:latin typeface="Times New Roman" panose="02020603050405020304" pitchFamily="18" charset="0"/>
+              <a:ea typeface="Times New Roman" panose="02020603050405020304" pitchFamily="18" charset="0"/>
+            </a:endParaRPr>
+          </a:p>
+          <a:p>
+            <a:pPr marL="0" marR="0"/>
+            <a:r>
+              <a:rPr lang="en-US" sz="2800" dirty="0">
+                <a:effectLst/>
+                <a:latin typeface="Times New Roman" panose="02020603050405020304" pitchFamily="18" charset="0"/>
+                <a:ea typeface="Times New Roman" panose="02020603050405020304" pitchFamily="18" charset="0"/>
+              </a:rPr>
+              <a:t>Must be able to "feed" only small birds</a:t>
+            </a:r>
+          </a:p>
+          <a:p>
+            <a:pPr marL="0" marR="0" indent="0">
+              <a:buNone/>
+            </a:pPr>
+            <a:endParaRPr lang="en-US" sz="2800" dirty="0">
+              <a:effectLst/>
+              <a:latin typeface="Times New Roman" panose="02020603050405020304" pitchFamily="18" charset="0"/>
+              <a:ea typeface="Times New Roman" panose="02020603050405020304" pitchFamily="18" charset="0"/>
+            </a:endParaRPr>
+          </a:p>
+          <a:p>
+            <a:pPr marL="0" marR="0"/>
+            <a:r>
+              <a:rPr lang="en-US" sz="2800" dirty="0">
+                <a:effectLst/>
+                <a:latin typeface="Times New Roman" panose="02020603050405020304" pitchFamily="18" charset="0"/>
+                <a:ea typeface="Times New Roman" panose="02020603050405020304" pitchFamily="18" charset="0"/>
+              </a:rPr>
+              <a:t>Must use a microcontroller to control servo based on microphone and weight sensor</a:t>
+            </a:r>
           </a:p>
         </p:txBody>
       </p:sp>
@@ -6563,7 +8602,7 @@
           <p:cNvPr id="5" name="Picture 4">
             <a:extLst>
               <a:ext uri="{FF2B5EF4-FFF2-40B4-BE49-F238E27FC236}">
-                <a16:creationId xmlns:a16="http://schemas.microsoft.com/office/drawing/2014/main" id="{DF2FB085-761B-4BE2-8B0D-D9C95242393F}"/>
+                <a16:creationId xmlns:a16="http://schemas.microsoft.com/office/drawing/2014/main" id="{DF9AB3A6-4011-418D-83F4-FA74FF291EF2}"/>
               </a:ext>
             </a:extLst>
           </p:cNvPr>
@@ -6594,10 +8633,73 @@
           </a:prstGeom>
         </p:spPr>
       </p:pic>
+      <p:sp>
+        <p:nvSpPr>
+          <p:cNvPr id="4" name="Slide Number Placeholder 3">
+            <a:extLst>
+              <a:ext uri="{FF2B5EF4-FFF2-40B4-BE49-F238E27FC236}">
+                <a16:creationId xmlns:a16="http://schemas.microsoft.com/office/drawing/2014/main" id="{238AF00E-A8A1-442E-B647-819839D2F61A}"/>
+              </a:ext>
+            </a:extLst>
+          </p:cNvPr>
+          <p:cNvSpPr>
+            <a:spLocks noGrp="1"/>
+          </p:cNvSpPr>
+          <p:nvPr>
+            <p:ph type="sldNum" sz="quarter" idx="12"/>
+          </p:nvPr>
+        </p:nvSpPr>
+        <p:spPr/>
+        <p:txBody>
+          <a:bodyPr/>
+          <a:lstStyle/>
+          <a:p>
+            <a:fld id="{C806B262-DE4B-41F2-8D27-37F2CF938DE7}" type="slidenum">
+              <a:rPr lang="en-US" smtClean="0"/>
+              <a:pPr/>
+              <a:t>7</a:t>
+            </a:fld>
+            <a:endParaRPr lang="en-US"/>
+          </a:p>
+        </p:txBody>
+      </p:sp>
+      <p:sp>
+        <p:nvSpPr>
+          <p:cNvPr id="6" name="Footer Placeholder 5">
+            <a:extLst>
+              <a:ext uri="{FF2B5EF4-FFF2-40B4-BE49-F238E27FC236}">
+                <a16:creationId xmlns:a16="http://schemas.microsoft.com/office/drawing/2014/main" id="{DF19F39E-CEE0-4601-ADFC-BA2486F79E5F}"/>
+              </a:ext>
+            </a:extLst>
+          </p:cNvPr>
+          <p:cNvSpPr>
+            <a:spLocks noGrp="1"/>
+          </p:cNvSpPr>
+          <p:nvPr>
+            <p:ph type="ftr" sz="quarter" idx="11"/>
+          </p:nvPr>
+        </p:nvSpPr>
+        <p:spPr>
+          <a:xfrm>
+            <a:off x="-990600" y="6370637"/>
+            <a:ext cx="2895600" cy="365125"/>
+          </a:xfrm>
+        </p:spPr>
+        <p:txBody>
+          <a:bodyPr/>
+          <a:lstStyle/>
+          <a:p>
+            <a:r>
+              <a:rPr lang="en-US" dirty="0"/>
+              <a:t>ST</a:t>
+            </a:r>
+          </a:p>
+        </p:txBody>
+      </p:sp>
     </p:spTree>
     <p:extLst>
       <p:ext uri="{BB962C8B-B14F-4D97-AF65-F5344CB8AC3E}">
-        <p14:creationId xmlns:p14="http://schemas.microsoft.com/office/powerpoint/2010/main" val="1484143016"/>
+        <p14:creationId xmlns:p14="http://schemas.microsoft.com/office/powerpoint/2010/main" val="2803105342"/>
       </p:ext>
     </p:extLst>
   </p:cSld>
@@ -6686,12 +8788,12 @@
         <p:spPr>
           <a:xfrm>
             <a:off x="419431" y="1166019"/>
-            <a:ext cx="6324600" cy="1653382"/>
+            <a:ext cx="6604360" cy="1653382"/>
           </a:xfrm>
         </p:spPr>
         <p:txBody>
           <a:bodyPr>
-            <a:normAutofit fontScale="77500" lnSpcReduction="20000"/>
+            <a:normAutofit lnSpcReduction="10000"/>
           </a:bodyPr>
           <a:lstStyle/>
           <a:p>
@@ -6699,11 +8801,23 @@
               <a:buNone/>
             </a:pPr>
             <a:r>
-              <a:rPr lang="en-US" dirty="0">
+              <a:rPr lang="en-US" sz="2000" dirty="0">
                 <a:latin typeface="Times New Roman" panose="02020603050405020304" pitchFamily="18" charset="0"/>
                 <a:cs typeface="Times New Roman" panose="02020603050405020304" pitchFamily="18" charset="0"/>
               </a:rPr>
               <a:t>We had to redesign to use a weight/force sensor to determine small bird vs crow/squirrel instead of only frequency. There isn’t sufficient difference between frequency of squirrels to birds to only use audio. </a:t>
+            </a:r>
+          </a:p>
+          <a:p>
+            <a:pPr marL="0" indent="0" algn="l">
+              <a:buNone/>
+            </a:pPr>
+            <a:r>
+              <a:rPr lang="en-US" sz="2000" dirty="0">
+                <a:latin typeface="Times New Roman" panose="02020603050405020304" pitchFamily="18" charset="0"/>
+                <a:cs typeface="Times New Roman" panose="02020603050405020304" pitchFamily="18" charset="0"/>
+              </a:rPr>
+              <a:t> </a:t>
             </a:r>
           </a:p>
         </p:txBody>
@@ -6744,12 +8858,42 @@
           </a:prstGeom>
         </p:spPr>
       </p:pic>
+      <p:sp>
+        <p:nvSpPr>
+          <p:cNvPr id="4" name="Slide Number Placeholder 3">
+            <a:extLst>
+              <a:ext uri="{FF2B5EF4-FFF2-40B4-BE49-F238E27FC236}">
+                <a16:creationId xmlns:a16="http://schemas.microsoft.com/office/drawing/2014/main" id="{4662A9BF-CB90-4AF5-B0B9-FBF186D962EF}"/>
+              </a:ext>
+            </a:extLst>
+          </p:cNvPr>
+          <p:cNvSpPr>
+            <a:spLocks noGrp="1"/>
+          </p:cNvSpPr>
+          <p:nvPr>
+            <p:ph type="sldNum" sz="quarter" idx="12"/>
+          </p:nvPr>
+        </p:nvSpPr>
+        <p:spPr/>
+        <p:txBody>
+          <a:bodyPr/>
+          <a:lstStyle/>
+          <a:p>
+            <a:fld id="{C806B262-DE4B-41F2-8D27-37F2CF938DE7}" type="slidenum">
+              <a:rPr lang="en-US" smtClean="0"/>
+              <a:pPr/>
+              <a:t>8</a:t>
+            </a:fld>
+            <a:endParaRPr lang="en-US"/>
+          </a:p>
+        </p:txBody>
+      </p:sp>
       <p:pic>
         <p:nvPicPr>
           <p:cNvPr id="7" name="Picture 6">
             <a:extLst>
               <a:ext uri="{FF2B5EF4-FFF2-40B4-BE49-F238E27FC236}">
-                <a16:creationId xmlns:a16="http://schemas.microsoft.com/office/drawing/2014/main" id="{B60ADAF2-8EB1-4013-B0CD-32F559D215AF}"/>
+                <a16:creationId xmlns:a16="http://schemas.microsoft.com/office/drawing/2014/main" id="{EEC7F126-BF2F-4683-A8EC-D1681D09128A}"/>
               </a:ext>
             </a:extLst>
           </p:cNvPr>
@@ -6766,14 +8910,47 @@
         </p:blipFill>
         <p:spPr>
           <a:xfrm>
-            <a:off x="2120209" y="2717071"/>
-            <a:ext cx="4903582" cy="3979195"/>
+            <a:off x="1752600" y="2819401"/>
+            <a:ext cx="5264100" cy="3405725"/>
           </a:xfrm>
           <a:prstGeom prst="rect">
             <a:avLst/>
           </a:prstGeom>
         </p:spPr>
       </p:pic>
+      <p:sp>
+        <p:nvSpPr>
+          <p:cNvPr id="8" name="Footer Placeholder 5">
+            <a:extLst>
+              <a:ext uri="{FF2B5EF4-FFF2-40B4-BE49-F238E27FC236}">
+                <a16:creationId xmlns:a16="http://schemas.microsoft.com/office/drawing/2014/main" id="{23B2B4DB-A9C3-4F73-82D8-9F828FF63369}"/>
+              </a:ext>
+            </a:extLst>
+          </p:cNvPr>
+          <p:cNvSpPr>
+            <a:spLocks noGrp="1"/>
+          </p:cNvSpPr>
+          <p:nvPr>
+            <p:ph type="ftr" sz="quarter" idx="11"/>
+          </p:nvPr>
+        </p:nvSpPr>
+        <p:spPr>
+          <a:xfrm>
+            <a:off x="-990600" y="6370637"/>
+            <a:ext cx="2895600" cy="365125"/>
+          </a:xfrm>
+        </p:spPr>
+        <p:txBody>
+          <a:bodyPr/>
+          <a:lstStyle/>
+          <a:p>
+            <a:r>
+              <a:rPr lang="en-US" dirty="0"/>
+              <a:t>NS</a:t>
+            </a:r>
+          </a:p>
+        </p:txBody>
+      </p:sp>
     </p:spTree>
     <p:extLst>
       <p:ext uri="{BB962C8B-B14F-4D97-AF65-F5344CB8AC3E}">
@@ -6822,7 +8999,9 @@
         </p:nvSpPr>
         <p:spPr/>
         <p:txBody>
-          <a:bodyPr/>
+          <a:bodyPr>
+            <a:normAutofit fontScale="90000"/>
+          </a:bodyPr>
           <a:lstStyle/>
           <a:p>
             <a:r>
@@ -6833,27 +9012,7 @@
                 <a:latin typeface="Times New Roman" panose="02020603050405020304" pitchFamily="18" charset="0"/>
                 <a:cs typeface="Times New Roman" panose="02020603050405020304" pitchFamily="18" charset="0"/>
               </a:rPr>
-              <a:t>Design - </a:t>
-            </a:r>
-            <a:r>
-              <a:rPr lang="en-US" dirty="0">
-                <a:solidFill>
-                  <a:srgbClr val="FF0000"/>
-                </a:solidFill>
-                <a:latin typeface="Times New Roman" panose="02020603050405020304" pitchFamily="18" charset="0"/>
-                <a:cs typeface="Times New Roman" panose="02020603050405020304" pitchFamily="18" charset="0"/>
-              </a:rPr>
-              <a:t>Soft</a:t>
-            </a:r>
-            <a:r>
-              <a:rPr lang="en-US" sz="4400" b="0" i="0" u="none" strike="noStrike" baseline="0" dirty="0">
-                <a:solidFill>
-                  <a:srgbClr val="FF0000"/>
-                </a:solidFill>
-                <a:latin typeface="Times New Roman" panose="02020603050405020304" pitchFamily="18" charset="0"/>
-                <a:cs typeface="Times New Roman" panose="02020603050405020304" pitchFamily="18" charset="0"/>
-              </a:rPr>
-              <a:t>ware</a:t>
+              <a:t>Design – Hardware – Level 1</a:t>
             </a:r>
             <a:endParaRPr lang="en-US" dirty="0">
               <a:solidFill>
@@ -6862,47 +9021,6 @@
               <a:latin typeface="Times New Roman" panose="02020603050405020304" pitchFamily="18" charset="0"/>
               <a:cs typeface="Times New Roman" panose="02020603050405020304" pitchFamily="18" charset="0"/>
             </a:endParaRPr>
-          </a:p>
-        </p:txBody>
-      </p:sp>
-      <p:sp>
-        <p:nvSpPr>
-          <p:cNvPr id="3" name="Content Placeholder 2">
-            <a:extLst>
-              <a:ext uri="{FF2B5EF4-FFF2-40B4-BE49-F238E27FC236}">
-                <a16:creationId xmlns:a16="http://schemas.microsoft.com/office/drawing/2014/main" id="{92659F5A-FDC1-4BE8-97AE-6711D7AE2A44}"/>
-              </a:ext>
-            </a:extLst>
-          </p:cNvPr>
-          <p:cNvSpPr>
-            <a:spLocks noGrp="1"/>
-          </p:cNvSpPr>
-          <p:nvPr>
-            <p:ph idx="1"/>
-          </p:nvPr>
-        </p:nvSpPr>
-        <p:spPr/>
-        <p:txBody>
-          <a:bodyPr/>
-          <a:lstStyle/>
-          <a:p>
-            <a:pPr algn="l"/>
-            <a:r>
-              <a:rPr lang="en-US" sz="3200" b="0" i="1" u="none" strike="noStrike" baseline="0" dirty="0">
-                <a:latin typeface="Calibri-Italic"/>
-              </a:rPr>
-              <a:t>Describe design using appropriate methods (e.g. block diagrams, UML models, algorithms)</a:t>
-            </a:r>
-          </a:p>
-          <a:p>
-            <a:pPr algn="l"/>
-            <a:r>
-              <a:rPr lang="en-US" sz="3200" b="0" i="1" u="none" strike="noStrike" baseline="0" dirty="0">
-                <a:latin typeface="Calibri-Italic"/>
-              </a:rPr>
-              <a:t>Discuss design alternatives, trade-offs, decisions made</a:t>
-            </a:r>
-            <a:endParaRPr lang="en-US" dirty="0"/>
           </a:p>
         </p:txBody>
       </p:sp>
@@ -6942,10 +9060,73 @@
           </a:prstGeom>
         </p:spPr>
       </p:pic>
+      <p:sp>
+        <p:nvSpPr>
+          <p:cNvPr id="4" name="Slide Number Placeholder 3">
+            <a:extLst>
+              <a:ext uri="{FF2B5EF4-FFF2-40B4-BE49-F238E27FC236}">
+                <a16:creationId xmlns:a16="http://schemas.microsoft.com/office/drawing/2014/main" id="{4662A9BF-CB90-4AF5-B0B9-FBF186D962EF}"/>
+              </a:ext>
+            </a:extLst>
+          </p:cNvPr>
+          <p:cNvSpPr>
+            <a:spLocks noGrp="1"/>
+          </p:cNvSpPr>
+          <p:nvPr>
+            <p:ph type="sldNum" sz="quarter" idx="12"/>
+          </p:nvPr>
+        </p:nvSpPr>
+        <p:spPr/>
+        <p:txBody>
+          <a:bodyPr/>
+          <a:lstStyle/>
+          <a:p>
+            <a:fld id="{C806B262-DE4B-41F2-8D27-37F2CF938DE7}" type="slidenum">
+              <a:rPr lang="en-US" smtClean="0"/>
+              <a:pPr/>
+              <a:t>9</a:t>
+            </a:fld>
+            <a:endParaRPr lang="en-US"/>
+          </a:p>
+        </p:txBody>
+      </p:sp>
+      <p:sp>
+        <p:nvSpPr>
+          <p:cNvPr id="6" name="Footer Placeholder 5">
+            <a:extLst>
+              <a:ext uri="{FF2B5EF4-FFF2-40B4-BE49-F238E27FC236}">
+                <a16:creationId xmlns:a16="http://schemas.microsoft.com/office/drawing/2014/main" id="{22E79C5A-5D48-4EF3-913F-D27102483181}"/>
+              </a:ext>
+            </a:extLst>
+          </p:cNvPr>
+          <p:cNvSpPr>
+            <a:spLocks noGrp="1"/>
+          </p:cNvSpPr>
+          <p:nvPr>
+            <p:ph type="ftr" sz="quarter" idx="11"/>
+          </p:nvPr>
+        </p:nvSpPr>
+        <p:spPr>
+          <a:xfrm>
+            <a:off x="-990600" y="6370637"/>
+            <a:ext cx="2895600" cy="365125"/>
+          </a:xfrm>
+        </p:spPr>
+        <p:txBody>
+          <a:bodyPr/>
+          <a:lstStyle/>
+          <a:p>
+            <a:r>
+              <a:rPr lang="en-US" dirty="0"/>
+              <a:t>NS</a:t>
+            </a:r>
+          </a:p>
+        </p:txBody>
+      </p:sp>
     </p:spTree>
     <p:extLst>
       <p:ext uri="{BB962C8B-B14F-4D97-AF65-F5344CB8AC3E}">
-        <p14:creationId xmlns:p14="http://schemas.microsoft.com/office/powerpoint/2010/main" val="3051085111"/>
+        <p14:creationId xmlns:p14="http://schemas.microsoft.com/office/powerpoint/2010/main" val="4286155860"/>
       </p:ext>
     </p:extLst>
   </p:cSld>

--- a/Smart_Bird_Feeder_Presentation.pptx
+++ b/Smart_Bird_Feeder_Presentation.pptx
@@ -12,17 +12,17 @@
     <p:sldId id="257" r:id="rId3"/>
     <p:sldId id="258" r:id="rId4"/>
     <p:sldId id="259" r:id="rId5"/>
-    <p:sldId id="277" r:id="rId6"/>
-    <p:sldId id="265" r:id="rId7"/>
-    <p:sldId id="261" r:id="rId8"/>
-    <p:sldId id="273" r:id="rId9"/>
-    <p:sldId id="275" r:id="rId10"/>
-    <p:sldId id="274" r:id="rId11"/>
-    <p:sldId id="280" r:id="rId12"/>
-    <p:sldId id="279" r:id="rId13"/>
-    <p:sldId id="264" r:id="rId14"/>
-    <p:sldId id="271" r:id="rId15"/>
-    <p:sldId id="270" r:id="rId16"/>
+    <p:sldId id="265" r:id="rId6"/>
+    <p:sldId id="261" r:id="rId7"/>
+    <p:sldId id="273" r:id="rId8"/>
+    <p:sldId id="275" r:id="rId9"/>
+    <p:sldId id="274" r:id="rId10"/>
+    <p:sldId id="280" r:id="rId11"/>
+    <p:sldId id="279" r:id="rId12"/>
+    <p:sldId id="264" r:id="rId13"/>
+    <p:sldId id="271" r:id="rId14"/>
+    <p:sldId id="270" r:id="rId15"/>
+    <p:sldId id="281" r:id="rId16"/>
     <p:sldId id="268" r:id="rId17"/>
     <p:sldId id="269" r:id="rId18"/>
     <p:sldId id="276" r:id="rId19"/>
@@ -537,6 +537,31 @@
           <a:bodyPr/>
           <a:lstStyle/>
           <a:p>
+            <a:r>
+              <a:rPr lang="en-US" sz="1200" kern="100" dirty="0">
+                <a:effectLst/>
+                <a:latin typeface="Times New Roman" panose="02020603050405020304" pitchFamily="18" charset="0"/>
+                <a:ea typeface="DengXian" panose="02010600030101010101" pitchFamily="2" charset="-122"/>
+                <a:cs typeface="Times New Roman" panose="02020603050405020304" pitchFamily="18" charset="0"/>
+              </a:rPr>
+              <a:t>per the </a:t>
+            </a:r>
+            <a:r>
+              <a:rPr lang="en-US" sz="1200" dirty="0">
+                <a:effectLst/>
+                <a:latin typeface="Times New Roman" panose="02020603050405020304" pitchFamily="18" charset="0"/>
+                <a:ea typeface="DengXian" panose="02010600030101010101" pitchFamily="2" charset="-122"/>
+              </a:rPr>
+              <a:t>2016 National Survey of Fishing, Hunting, and Wildlife-Associated Recreation</a:t>
+            </a:r>
+            <a:r>
+              <a:rPr lang="en-US" sz="1200" kern="100" dirty="0">
+                <a:latin typeface="Times New Roman" panose="02020603050405020304" pitchFamily="18" charset="0"/>
+                <a:ea typeface="DengXian" panose="02010600030101010101" pitchFamily="2" charset="-122"/>
+                <a:cs typeface="Times New Roman" panose="02020603050405020304" pitchFamily="18" charset="0"/>
+              </a:rPr>
+              <a:t> </a:t>
+            </a:r>
             <a:endParaRPr lang="en-US" dirty="0"/>
           </a:p>
         </p:txBody>
@@ -558,7 +583,7 @@
           <a:p>
             <a:fld id="{A771B80B-07BC-4537-8E23-F075034921BE}" type="slidenum">
               <a:rPr lang="en-US" smtClean="0"/>
-              <a:t>6</a:t>
+              <a:t>2</a:t>
             </a:fld>
             <a:endParaRPr lang="en-US"/>
           </a:p>
@@ -567,7 +592,7 @@
     </p:spTree>
     <p:extLst>
       <p:ext uri="{BB962C8B-B14F-4D97-AF65-F5344CB8AC3E}">
-        <p14:creationId xmlns:p14="http://schemas.microsoft.com/office/powerpoint/2010/main" val="3341938650"/>
+        <p14:creationId xmlns:p14="http://schemas.microsoft.com/office/powerpoint/2010/main" val="1565346485"/>
       </p:ext>
     </p:extLst>
   </p:cSld>
@@ -621,12 +646,6 @@
           <a:bodyPr/>
           <a:lstStyle/>
           <a:p>
-            <a:r>
-              <a:rPr lang="en-US" dirty="0"/>
-              <a:t>Total cost per person for this project was $43.58 x 4 = $174.32</a:t>
-            </a:r>
-          </a:p>
-          <a:p>
             <a:endParaRPr lang="en-US" dirty="0"/>
           </a:p>
         </p:txBody>
@@ -648,7 +667,7 @@
           <a:p>
             <a:fld id="{A771B80B-07BC-4537-8E23-F075034921BE}" type="slidenum">
               <a:rPr lang="en-US" smtClean="0"/>
-              <a:t>15</a:t>
+              <a:t>5</a:t>
             </a:fld>
             <a:endParaRPr lang="en-US"/>
           </a:p>
@@ -657,7 +676,7 @@
     </p:spTree>
     <p:extLst>
       <p:ext uri="{BB962C8B-B14F-4D97-AF65-F5344CB8AC3E}">
-        <p14:creationId xmlns:p14="http://schemas.microsoft.com/office/powerpoint/2010/main" val="4250561587"/>
+        <p14:creationId xmlns:p14="http://schemas.microsoft.com/office/powerpoint/2010/main" val="3341938650"/>
       </p:ext>
     </p:extLst>
   </p:cSld>
@@ -713,16 +732,11 @@
           <a:p>
             <a:r>
               <a:rPr lang="en-US" dirty="0"/>
-              <a:t>Calvin - I contributed to the schematic and board design. I did some tests using the </a:t>
-            </a:r>
-            <a:r>
-              <a:rPr lang="en-US" dirty="0" err="1"/>
-              <a:t>ATTiny</a:t>
-            </a:r>
-            <a:r>
-              <a:rPr lang="en-US" dirty="0"/>
-              <a:t> to control the servo motor, such as finding the PWM signal whose duty cycle is controlled by a 10K ohm potentiometer to get a clockwise rotation, counterclockwise rotation, and no rotation.</a:t>
-            </a:r>
+              <a:t>Total cost per person for this project was $43.58 x 4 = $174.32</a:t>
+            </a:r>
+          </a:p>
+          <a:p>
+            <a:endParaRPr lang="en-US" dirty="0"/>
           </a:p>
         </p:txBody>
       </p:sp>
@@ -743,7 +757,7 @@
           <a:p>
             <a:fld id="{A771B80B-07BC-4537-8E23-F075034921BE}" type="slidenum">
               <a:rPr lang="en-US" smtClean="0"/>
-              <a:t>16</a:t>
+              <a:t>14</a:t>
             </a:fld>
             <a:endParaRPr lang="en-US"/>
           </a:p>
@@ -752,7 +766,7 @@
     </p:spTree>
     <p:extLst>
       <p:ext uri="{BB962C8B-B14F-4D97-AF65-F5344CB8AC3E}">
-        <p14:creationId xmlns:p14="http://schemas.microsoft.com/office/powerpoint/2010/main" val="421054122"/>
+        <p14:creationId xmlns:p14="http://schemas.microsoft.com/office/powerpoint/2010/main" val="4250561587"/>
       </p:ext>
     </p:extLst>
   </p:cSld>
@@ -806,10 +820,7 @@
           <a:bodyPr/>
           <a:lstStyle/>
           <a:p>
-            <a:r>
-              <a:rPr lang="en-US" dirty="0"/>
-              <a:t>Calvin - I learned that you should always view the datasheet of a part before purchasing it, unless it is not provided. I would definitely change some parts to be more suited to prototyping. For example, the continuous rotation servo motor changed to a normal servo, and ATTiny13 to a different controller IC with more I/O pins, and more allocated memory for uploading programs.</a:t>
-            </a:r>
+            <a:endParaRPr lang="en-US" dirty="0"/>
           </a:p>
         </p:txBody>
       </p:sp>
@@ -830,7 +841,7 @@
           <a:p>
             <a:fld id="{A771B80B-07BC-4537-8E23-F075034921BE}" type="slidenum">
               <a:rPr lang="en-US" smtClean="0"/>
-              <a:t>17</a:t>
+              <a:t>15</a:t>
             </a:fld>
             <a:endParaRPr lang="en-US"/>
           </a:p>
@@ -839,7 +850,7 @@
     </p:spTree>
     <p:extLst>
       <p:ext uri="{BB962C8B-B14F-4D97-AF65-F5344CB8AC3E}">
-        <p14:creationId xmlns:p14="http://schemas.microsoft.com/office/powerpoint/2010/main" val="2730438272"/>
+        <p14:creationId xmlns:p14="http://schemas.microsoft.com/office/powerpoint/2010/main" val="4032914445"/>
       </p:ext>
     </p:extLst>
   </p:cSld>
@@ -895,6 +906,188 @@
           <a:p>
             <a:r>
               <a:rPr lang="en-US" dirty="0"/>
+              <a:t>Calvin - I contributed to the schematic and board design. I did some tests using the </a:t>
+            </a:r>
+            <a:r>
+              <a:rPr lang="en-US" dirty="0" err="1"/>
+              <a:t>ATTiny</a:t>
+            </a:r>
+            <a:r>
+              <a:rPr lang="en-US" dirty="0"/>
+              <a:t> to control the servo motor, such as finding the PWM signal whose duty cycle is controlled by a 10K ohm potentiometer to get a clockwise rotation, counterclockwise rotation, and no rotation.</a:t>
+            </a:r>
+          </a:p>
+        </p:txBody>
+      </p:sp>
+      <p:sp>
+        <p:nvSpPr>
+          <p:cNvPr id="4" name="Slide Number Placeholder 3"/>
+          <p:cNvSpPr>
+            <a:spLocks noGrp="1"/>
+          </p:cNvSpPr>
+          <p:nvPr>
+            <p:ph type="sldNum" sz="quarter" idx="5"/>
+          </p:nvPr>
+        </p:nvSpPr>
+        <p:spPr/>
+        <p:txBody>
+          <a:bodyPr/>
+          <a:lstStyle/>
+          <a:p>
+            <a:fld id="{A771B80B-07BC-4537-8E23-F075034921BE}" type="slidenum">
+              <a:rPr lang="en-US" smtClean="0"/>
+              <a:t>16</a:t>
+            </a:fld>
+            <a:endParaRPr lang="en-US"/>
+          </a:p>
+        </p:txBody>
+      </p:sp>
+    </p:spTree>
+    <p:extLst>
+      <p:ext uri="{BB962C8B-B14F-4D97-AF65-F5344CB8AC3E}">
+        <p14:creationId xmlns:p14="http://schemas.microsoft.com/office/powerpoint/2010/main" val="421054122"/>
+      </p:ext>
+    </p:extLst>
+  </p:cSld>
+  <p:clrMapOvr>
+    <a:masterClrMapping/>
+  </p:clrMapOvr>
+</p:notes>
+</file>
+
+<file path=ppt/notesSlides/notesSlide6.xml><?xml version="1.0" encoding="utf-8"?>
+<p:notes xmlns:a="http://schemas.openxmlformats.org/drawingml/2006/main" xmlns:r="http://schemas.openxmlformats.org/officeDocument/2006/relationships" xmlns:p="http://schemas.openxmlformats.org/presentationml/2006/main">
+  <p:cSld>
+    <p:spTree>
+      <p:nvGrpSpPr>
+        <p:cNvPr id="1" name=""/>
+        <p:cNvGrpSpPr/>
+        <p:nvPr/>
+      </p:nvGrpSpPr>
+      <p:grpSpPr>
+        <a:xfrm>
+          <a:off x="0" y="0"/>
+          <a:ext cx="0" cy="0"/>
+          <a:chOff x="0" y="0"/>
+          <a:chExt cx="0" cy="0"/>
+        </a:xfrm>
+      </p:grpSpPr>
+      <p:sp>
+        <p:nvSpPr>
+          <p:cNvPr id="2" name="Slide Image Placeholder 1"/>
+          <p:cNvSpPr>
+            <a:spLocks noGrp="1" noRot="1" noChangeAspect="1"/>
+          </p:cNvSpPr>
+          <p:nvPr>
+            <p:ph type="sldImg"/>
+          </p:nvPr>
+        </p:nvSpPr>
+        <p:spPr/>
+      </p:sp>
+      <p:sp>
+        <p:nvSpPr>
+          <p:cNvPr id="3" name="Notes Placeholder 2"/>
+          <p:cNvSpPr>
+            <a:spLocks noGrp="1"/>
+          </p:cNvSpPr>
+          <p:nvPr>
+            <p:ph type="body" idx="1"/>
+          </p:nvPr>
+        </p:nvSpPr>
+        <p:spPr/>
+        <p:txBody>
+          <a:bodyPr/>
+          <a:lstStyle/>
+          <a:p>
+            <a:r>
+              <a:rPr lang="en-US" dirty="0"/>
+              <a:t>Calvin - I learned that you should always view the datasheet of a part before purchasing it, unless it is not provided. I would definitely change some parts to be more suited to prototyping. For example, the continuous rotation servo motor changed to a normal servo, and ATTiny13 to a different controller IC with more I/O pins, and more allocated memory for uploading programs.</a:t>
+            </a:r>
+          </a:p>
+        </p:txBody>
+      </p:sp>
+      <p:sp>
+        <p:nvSpPr>
+          <p:cNvPr id="4" name="Slide Number Placeholder 3"/>
+          <p:cNvSpPr>
+            <a:spLocks noGrp="1"/>
+          </p:cNvSpPr>
+          <p:nvPr>
+            <p:ph type="sldNum" sz="quarter" idx="5"/>
+          </p:nvPr>
+        </p:nvSpPr>
+        <p:spPr/>
+        <p:txBody>
+          <a:bodyPr/>
+          <a:lstStyle/>
+          <a:p>
+            <a:fld id="{A771B80B-07BC-4537-8E23-F075034921BE}" type="slidenum">
+              <a:rPr lang="en-US" smtClean="0"/>
+              <a:t>17</a:t>
+            </a:fld>
+            <a:endParaRPr lang="en-US"/>
+          </a:p>
+        </p:txBody>
+      </p:sp>
+    </p:spTree>
+    <p:extLst>
+      <p:ext uri="{BB962C8B-B14F-4D97-AF65-F5344CB8AC3E}">
+        <p14:creationId xmlns:p14="http://schemas.microsoft.com/office/powerpoint/2010/main" val="2730438272"/>
+      </p:ext>
+    </p:extLst>
+  </p:cSld>
+  <p:clrMapOvr>
+    <a:masterClrMapping/>
+  </p:clrMapOvr>
+</p:notes>
+</file>
+
+<file path=ppt/notesSlides/notesSlide7.xml><?xml version="1.0" encoding="utf-8"?>
+<p:notes xmlns:a="http://schemas.openxmlformats.org/drawingml/2006/main" xmlns:r="http://schemas.openxmlformats.org/officeDocument/2006/relationships" xmlns:p="http://schemas.openxmlformats.org/presentationml/2006/main">
+  <p:cSld>
+    <p:spTree>
+      <p:nvGrpSpPr>
+        <p:cNvPr id="1" name=""/>
+        <p:cNvGrpSpPr/>
+        <p:nvPr/>
+      </p:nvGrpSpPr>
+      <p:grpSpPr>
+        <a:xfrm>
+          <a:off x="0" y="0"/>
+          <a:ext cx="0" cy="0"/>
+          <a:chOff x="0" y="0"/>
+          <a:chExt cx="0" cy="0"/>
+        </a:xfrm>
+      </p:grpSpPr>
+      <p:sp>
+        <p:nvSpPr>
+          <p:cNvPr id="2" name="Slide Image Placeholder 1"/>
+          <p:cNvSpPr>
+            <a:spLocks noGrp="1" noRot="1" noChangeAspect="1"/>
+          </p:cNvSpPr>
+          <p:nvPr>
+            <p:ph type="sldImg"/>
+          </p:nvPr>
+        </p:nvSpPr>
+        <p:spPr/>
+      </p:sp>
+      <p:sp>
+        <p:nvSpPr>
+          <p:cNvPr id="3" name="Notes Placeholder 2"/>
+          <p:cNvSpPr>
+            <a:spLocks noGrp="1"/>
+          </p:cNvSpPr>
+          <p:nvPr>
+            <p:ph type="body" idx="1"/>
+          </p:nvPr>
+        </p:nvSpPr>
+        <p:spPr/>
+        <p:txBody>
+          <a:bodyPr/>
+          <a:lstStyle/>
+          <a:p>
+            <a:r>
+              <a:rPr lang="en-US" dirty="0"/>
               <a:t>Calvin - I learned that you should always view the datasheet of a part before purchasing it, unless it is not provided. I would definitely change some parts to be more suited to prototyping. For example, the continuous rotation servo motor changed to a normal servo, and ATTiny13 to a different controller IC with more I/O pins, and more allocated memory for uploading programs.</a:t>
             </a:r>
           </a:p>
@@ -936,7 +1129,7 @@
 </p:notes>
 </file>
 
-<file path=ppt/notesSlides/notesSlide6.xml><?xml version="1.0" encoding="utf-8"?>
+<file path=ppt/notesSlides/notesSlide8.xml><?xml version="1.0" encoding="utf-8"?>
 <p:notes xmlns:a="http://schemas.openxmlformats.org/drawingml/2006/main" xmlns:r="http://schemas.openxmlformats.org/officeDocument/2006/relationships" xmlns:p="http://schemas.openxmlformats.org/presentationml/2006/main">
   <p:cSld>
     <p:spTree>
@@ -4565,7 +4758,7 @@
         <p:spPr/>
         <p:txBody>
           <a:bodyPr>
-            <a:normAutofit fontScale="90000"/>
+            <a:normAutofit/>
           </a:bodyPr>
           <a:lstStyle/>
           <a:p>
@@ -4579,7 +4772,17 @@
               </a:rPr>
               <a:t>Design – </a:t>
             </a:r>
-            <a:br>
+            <a:r>
+              <a:rPr lang="en-US" dirty="0">
+                <a:solidFill>
+                  <a:srgbClr val="FF0000"/>
+                </a:solidFill>
+                <a:latin typeface="Times New Roman" panose="02020603050405020304" pitchFamily="18" charset="0"/>
+                <a:cs typeface="Times New Roman" panose="02020603050405020304" pitchFamily="18" charset="0"/>
+              </a:rPr>
+              <a:t>Soft</a:t>
+            </a:r>
+            <a:r>
               <a:rPr lang="en-US" sz="4400" b="0" i="0" u="none" strike="noStrike" baseline="0" dirty="0">
                 <a:solidFill>
                   <a:srgbClr val="FF0000"/>
@@ -4587,16 +4790,7 @@
                 <a:latin typeface="Times New Roman" panose="02020603050405020304" pitchFamily="18" charset="0"/>
                 <a:cs typeface="Times New Roman" panose="02020603050405020304" pitchFamily="18" charset="0"/>
               </a:rPr>
-            </a:br>
-            <a:r>
-              <a:rPr lang="en-US" sz="4400" b="0" i="0" u="none" strike="noStrike" baseline="0" dirty="0">
-                <a:solidFill>
-                  <a:srgbClr val="FF0000"/>
-                </a:solidFill>
-                <a:latin typeface="Times New Roman" panose="02020603050405020304" pitchFamily="18" charset="0"/>
-                <a:cs typeface="Times New Roman" panose="02020603050405020304" pitchFamily="18" charset="0"/>
-              </a:rPr>
-              <a:t>State Transition Diagram</a:t>
+              <a:t>ware </a:t>
             </a:r>
             <a:endParaRPr lang="en-US" dirty="0">
               <a:solidFill>
@@ -4720,7 +4914,7 @@
           <p:cNvPr id="6" name="Footer Placeholder 5">
             <a:extLst>
               <a:ext uri="{FF2B5EF4-FFF2-40B4-BE49-F238E27FC236}">
-                <a16:creationId xmlns:a16="http://schemas.microsoft.com/office/drawing/2014/main" id="{CC140960-66BE-435F-8C22-EF333883DA66}"/>
+                <a16:creationId xmlns:a16="http://schemas.microsoft.com/office/drawing/2014/main" id="{3DDAADEE-D706-48C3-80BF-A283C602A016}"/>
               </a:ext>
             </a:extLst>
           </p:cNvPr>
@@ -4751,7 +4945,7 @@
     </p:spTree>
     <p:extLst>
       <p:ext uri="{BB962C8B-B14F-4D97-AF65-F5344CB8AC3E}">
-        <p14:creationId xmlns:p14="http://schemas.microsoft.com/office/powerpoint/2010/main" val="4226447215"/>
+        <p14:creationId xmlns:p14="http://schemas.microsoft.com/office/powerpoint/2010/main" val="3119158284"/>
       </p:ext>
     </p:extLst>
   </p:cSld>
@@ -4783,7 +4977,7 @@
           <p:cNvPr id="2" name="Title 1">
             <a:extLst>
               <a:ext uri="{FF2B5EF4-FFF2-40B4-BE49-F238E27FC236}">
-                <a16:creationId xmlns:a16="http://schemas.microsoft.com/office/drawing/2014/main" id="{921059BB-0DC2-43C2-B023-209B234230BC}"/>
+                <a16:creationId xmlns:a16="http://schemas.microsoft.com/office/drawing/2014/main" id="{8D53AEC3-6004-4BB9-9242-82D16C61B05A}"/>
               </a:ext>
             </a:extLst>
           </p:cNvPr>
@@ -4794,7 +4988,12 @@
             <p:ph type="title"/>
           </p:nvPr>
         </p:nvSpPr>
-        <p:spPr/>
+        <p:spPr>
+          <a:xfrm>
+            <a:off x="344483" y="304800"/>
+            <a:ext cx="6629400" cy="1143000"/>
+          </a:xfrm>
+        </p:spPr>
         <p:txBody>
           <a:bodyPr>
             <a:normAutofit/>
@@ -4809,27 +5008,7 @@
                 <a:latin typeface="Times New Roman" panose="02020603050405020304" pitchFamily="18" charset="0"/>
                 <a:cs typeface="Times New Roman" panose="02020603050405020304" pitchFamily="18" charset="0"/>
               </a:rPr>
-              <a:t>Design – </a:t>
-            </a:r>
-            <a:r>
-              <a:rPr lang="en-US" dirty="0">
-                <a:solidFill>
-                  <a:srgbClr val="FF0000"/>
-                </a:solidFill>
-                <a:latin typeface="Times New Roman" panose="02020603050405020304" pitchFamily="18" charset="0"/>
-                <a:cs typeface="Times New Roman" panose="02020603050405020304" pitchFamily="18" charset="0"/>
-              </a:rPr>
-              <a:t>Soft</a:t>
-            </a:r>
-            <a:r>
-              <a:rPr lang="en-US" sz="4400" b="0" i="0" u="none" strike="noStrike" baseline="0" dirty="0">
-                <a:solidFill>
-                  <a:srgbClr val="FF0000"/>
-                </a:solidFill>
-                <a:latin typeface="Times New Roman" panose="02020603050405020304" pitchFamily="18" charset="0"/>
-                <a:cs typeface="Times New Roman" panose="02020603050405020304" pitchFamily="18" charset="0"/>
-              </a:rPr>
-              <a:t>ware </a:t>
+              <a:t>Design - CAD</a:t>
             </a:r>
             <a:endParaRPr lang="en-US" dirty="0">
               <a:solidFill>
@@ -4841,53 +5020,12 @@
           </a:p>
         </p:txBody>
       </p:sp>
-      <p:sp>
-        <p:nvSpPr>
-          <p:cNvPr id="3" name="Content Placeholder 2">
-            <a:extLst>
-              <a:ext uri="{FF2B5EF4-FFF2-40B4-BE49-F238E27FC236}">
-                <a16:creationId xmlns:a16="http://schemas.microsoft.com/office/drawing/2014/main" id="{92659F5A-FDC1-4BE8-97AE-6711D7AE2A44}"/>
-              </a:ext>
-            </a:extLst>
-          </p:cNvPr>
-          <p:cNvSpPr>
-            <a:spLocks noGrp="1"/>
-          </p:cNvSpPr>
-          <p:nvPr>
-            <p:ph idx="1"/>
-          </p:nvPr>
-        </p:nvSpPr>
-        <p:spPr/>
-        <p:txBody>
-          <a:bodyPr/>
-          <a:lstStyle/>
-          <a:p>
-            <a:pPr algn="l"/>
-            <a:r>
-              <a:rPr lang="en-US" sz="3200" b="0" i="1" u="none" strike="noStrike" baseline="0" dirty="0">
-                <a:latin typeface="Calibri-Italic"/>
-              </a:rPr>
-              <a:t>Describe design using appropriate methods (e.g. block diagrams, UML models, algorithms)</a:t>
-            </a:r>
-          </a:p>
-          <a:p>
-            <a:pPr algn="l"/>
-            <a:r>
-              <a:rPr lang="en-US" sz="3200" b="0" i="1" u="none" strike="noStrike" baseline="0" dirty="0">
-                <a:latin typeface="Calibri-Italic"/>
-              </a:rPr>
-              <a:t>Discuss design alternatives, trade-offs, decisions made</a:t>
-            </a:r>
-            <a:endParaRPr lang="en-US" dirty="0"/>
-          </a:p>
-        </p:txBody>
-      </p:sp>
       <p:pic>
         <p:nvPicPr>
           <p:cNvPr id="5" name="Picture 4">
             <a:extLst>
               <a:ext uri="{FF2B5EF4-FFF2-40B4-BE49-F238E27FC236}">
-                <a16:creationId xmlns:a16="http://schemas.microsoft.com/office/drawing/2014/main" id="{66655F1A-86C5-47EF-A382-5261D853C429}"/>
+                <a16:creationId xmlns:a16="http://schemas.microsoft.com/office/drawing/2014/main" id="{AD6CF8E9-A73C-463D-AB04-4DA37A3435E0}"/>
               </a:ext>
             </a:extLst>
           </p:cNvPr>
@@ -4920,10 +5058,10 @@
       </p:pic>
       <p:sp>
         <p:nvSpPr>
-          <p:cNvPr id="4" name="Slide Number Placeholder 3">
+          <p:cNvPr id="3" name="Slide Number Placeholder 2">
             <a:extLst>
               <a:ext uri="{FF2B5EF4-FFF2-40B4-BE49-F238E27FC236}">
-                <a16:creationId xmlns:a16="http://schemas.microsoft.com/office/drawing/2014/main" id="{E6E396EA-07E4-4DFA-901F-155030FE1376}"/>
+                <a16:creationId xmlns:a16="http://schemas.microsoft.com/office/drawing/2014/main" id="{B2CCB504-4FE6-4A97-B95A-9323B1C4A41A}"/>
               </a:ext>
             </a:extLst>
           </p:cNvPr>
@@ -4953,7 +5091,7 @@
           <p:cNvPr id="6" name="Footer Placeholder 5">
             <a:extLst>
               <a:ext uri="{FF2B5EF4-FFF2-40B4-BE49-F238E27FC236}">
-                <a16:creationId xmlns:a16="http://schemas.microsoft.com/office/drawing/2014/main" id="{3DDAADEE-D706-48C3-80BF-A283C602A016}"/>
+                <a16:creationId xmlns:a16="http://schemas.microsoft.com/office/drawing/2014/main" id="{1FB6E9F7-882F-4D64-BD9B-78E3D1D9B078}"/>
               </a:ext>
             </a:extLst>
           </p:cNvPr>
@@ -4984,7 +5122,7 @@
     </p:spTree>
     <p:extLst>
       <p:ext uri="{BB962C8B-B14F-4D97-AF65-F5344CB8AC3E}">
-        <p14:creationId xmlns:p14="http://schemas.microsoft.com/office/powerpoint/2010/main" val="3119158284"/>
+        <p14:creationId xmlns:p14="http://schemas.microsoft.com/office/powerpoint/2010/main" val="3003600592"/>
       </p:ext>
     </p:extLst>
   </p:cSld>
@@ -5041,18 +5179,12 @@
           <a:p>
             <a:r>
               <a:rPr lang="en-US" sz="4400" b="0" i="0" u="none" strike="noStrike" baseline="0" dirty="0">
-                <a:solidFill>
-                  <a:srgbClr val="FF0000"/>
-                </a:solidFill>
-                <a:latin typeface="Times New Roman" panose="02020603050405020304" pitchFamily="18" charset="0"/>
-                <a:cs typeface="Times New Roman" panose="02020603050405020304" pitchFamily="18" charset="0"/>
-              </a:rPr>
-              <a:t>Design - CAD</a:t>
+                <a:latin typeface="Times New Roman" panose="02020603050405020304" pitchFamily="18" charset="0"/>
+                <a:cs typeface="Times New Roman" panose="02020603050405020304" pitchFamily="18" charset="0"/>
+              </a:rPr>
+              <a:t>Implementation - Schematic</a:t>
             </a:r>
             <a:endParaRPr lang="en-US" dirty="0">
-              <a:solidFill>
-                <a:srgbClr val="FF0000"/>
-              </a:solidFill>
               <a:latin typeface="Times New Roman" panose="02020603050405020304" pitchFamily="18" charset="0"/>
               <a:cs typeface="Times New Roman" panose="02020603050405020304" pitchFamily="18" charset="0"/>
             </a:endParaRPr>
@@ -5095,6 +5227,42 @@
           </a:prstGeom>
         </p:spPr>
       </p:pic>
+      <p:pic>
+        <p:nvPicPr>
+          <p:cNvPr id="11" name="Picture 10" descr="Diagram, schematic&#10;&#10;Description automatically generated">
+            <a:extLst>
+              <a:ext uri="{FF2B5EF4-FFF2-40B4-BE49-F238E27FC236}">
+                <a16:creationId xmlns:a16="http://schemas.microsoft.com/office/drawing/2014/main" id="{E133610F-5107-4C39-B382-B734A3B39988}"/>
+              </a:ext>
+            </a:extLst>
+          </p:cNvPr>
+          <p:cNvPicPr>
+            <a:picLocks noChangeAspect="1"/>
+          </p:cNvPicPr>
+          <p:nvPr/>
+        </p:nvPicPr>
+        <p:blipFill>
+          <a:blip r:embed="rId3">
+            <a:extLst>
+              <a:ext uri="{28A0092B-C50C-407E-A947-70E740481C1C}">
+                <a14:useLocalDpi xmlns:a14="http://schemas.microsoft.com/office/drawing/2010/main" val="0"/>
+              </a:ext>
+            </a:extLst>
+          </a:blip>
+          <a:stretch>
+            <a:fillRect/>
+          </a:stretch>
+        </p:blipFill>
+        <p:spPr>
+          <a:xfrm>
+            <a:off x="533399" y="1189171"/>
+            <a:ext cx="7964485" cy="5532304"/>
+          </a:xfrm>
+          <a:prstGeom prst="rect">
+            <a:avLst/>
+          </a:prstGeom>
+        </p:spPr>
+      </p:pic>
       <p:sp>
         <p:nvSpPr>
           <p:cNvPr id="3" name="Slide Number Placeholder 2">
@@ -5130,7 +5298,7 @@
           <p:cNvPr id="6" name="Footer Placeholder 5">
             <a:extLst>
               <a:ext uri="{FF2B5EF4-FFF2-40B4-BE49-F238E27FC236}">
-                <a16:creationId xmlns:a16="http://schemas.microsoft.com/office/drawing/2014/main" id="{1FB6E9F7-882F-4D64-BD9B-78E3D1D9B078}"/>
+                <a16:creationId xmlns:a16="http://schemas.microsoft.com/office/drawing/2014/main" id="{5297B28E-6707-4B6F-A3E2-983AE0138932}"/>
               </a:ext>
             </a:extLst>
           </p:cNvPr>
@@ -5153,7 +5321,7 @@
           <a:p>
             <a:r>
               <a:rPr lang="en-US" dirty="0"/>
-              <a:t>NS</a:t>
+              <a:t>CX</a:t>
             </a:r>
           </a:p>
         </p:txBody>
@@ -5161,7 +5329,7 @@
     </p:spTree>
     <p:extLst>
       <p:ext uri="{BB962C8B-B14F-4D97-AF65-F5344CB8AC3E}">
-        <p14:creationId xmlns:p14="http://schemas.microsoft.com/office/powerpoint/2010/main" val="3003600592"/>
+        <p14:creationId xmlns:p14="http://schemas.microsoft.com/office/powerpoint/2010/main" val="1729076435"/>
       </p:ext>
     </p:extLst>
   </p:cSld>
@@ -5204,16 +5372,9 @@
             <p:ph type="title"/>
           </p:nvPr>
         </p:nvSpPr>
-        <p:spPr>
-          <a:xfrm>
-            <a:off x="344483" y="304800"/>
-            <a:ext cx="6629400" cy="1143000"/>
-          </a:xfrm>
-        </p:spPr>
-        <p:txBody>
-          <a:bodyPr>
-            <a:normAutofit/>
-          </a:bodyPr>
+        <p:spPr/>
+        <p:txBody>
+          <a:bodyPr/>
           <a:lstStyle/>
           <a:p>
             <a:r>
@@ -5221,7 +5382,7 @@
                 <a:latin typeface="Times New Roman" panose="02020603050405020304" pitchFamily="18" charset="0"/>
                 <a:cs typeface="Times New Roman" panose="02020603050405020304" pitchFamily="18" charset="0"/>
               </a:rPr>
-              <a:t>Implementation - Schematic</a:t>
+              <a:t>Implementation - Tools</a:t>
             </a:r>
             <a:endParaRPr lang="en-US" dirty="0">
               <a:latin typeface="Times New Roman" panose="02020603050405020304" pitchFamily="18" charset="0"/>
@@ -5230,12 +5391,153 @@
           </a:p>
         </p:txBody>
       </p:sp>
+      <p:sp>
+        <p:nvSpPr>
+          <p:cNvPr id="3" name="Content Placeholder 2">
+            <a:extLst>
+              <a:ext uri="{FF2B5EF4-FFF2-40B4-BE49-F238E27FC236}">
+                <a16:creationId xmlns:a16="http://schemas.microsoft.com/office/drawing/2014/main" id="{2CE334AC-69B0-4476-829F-723CA7B2CC1A}"/>
+              </a:ext>
+            </a:extLst>
+          </p:cNvPr>
+          <p:cNvSpPr>
+            <a:spLocks noGrp="1"/>
+          </p:cNvSpPr>
+          <p:nvPr>
+            <p:ph idx="1"/>
+          </p:nvPr>
+        </p:nvSpPr>
+        <p:spPr>
+          <a:xfrm>
+            <a:off x="457200" y="1417638"/>
+            <a:ext cx="6553200" cy="5211762"/>
+          </a:xfrm>
+        </p:spPr>
+        <p:txBody>
+          <a:bodyPr>
+            <a:normAutofit fontScale="92500" lnSpcReduction="10000"/>
+          </a:bodyPr>
+          <a:lstStyle/>
+          <a:p>
+            <a:pPr marL="0" indent="0" algn="l">
+              <a:buNone/>
+            </a:pPr>
+            <a:r>
+              <a:rPr lang="en-US" sz="3200" b="0" u="none" strike="noStrike" baseline="0" dirty="0">
+                <a:latin typeface="Times New Roman" panose="02020603050405020304" pitchFamily="18" charset="0"/>
+                <a:cs typeface="Times New Roman" panose="02020603050405020304" pitchFamily="18" charset="0"/>
+              </a:rPr>
+              <a:t>Hardware:</a:t>
+            </a:r>
+          </a:p>
+          <a:p>
+            <a:pPr algn="l"/>
+            <a:r>
+              <a:rPr lang="en-US" sz="3200" b="0" u="none" strike="noStrike" baseline="0" dirty="0">
+                <a:latin typeface="Times New Roman" panose="02020603050405020304" pitchFamily="18" charset="0"/>
+                <a:cs typeface="Times New Roman" panose="02020603050405020304" pitchFamily="18" charset="0"/>
+              </a:rPr>
+              <a:t>Oscilloscope</a:t>
+            </a:r>
+          </a:p>
+          <a:p>
+            <a:pPr algn="l"/>
+            <a:r>
+              <a:rPr lang="en-US" dirty="0">
+                <a:latin typeface="Times New Roman" panose="02020603050405020304" pitchFamily="18" charset="0"/>
+                <a:cs typeface="Times New Roman" panose="02020603050405020304" pitchFamily="18" charset="0"/>
+              </a:rPr>
+              <a:t>Digital Multimeter</a:t>
+            </a:r>
+          </a:p>
+          <a:p>
+            <a:pPr algn="l"/>
+            <a:r>
+              <a:rPr lang="en-US" dirty="0">
+                <a:latin typeface="Times New Roman" panose="02020603050405020304" pitchFamily="18" charset="0"/>
+                <a:cs typeface="Times New Roman" panose="02020603050405020304" pitchFamily="18" charset="0"/>
+              </a:rPr>
+              <a:t>Power Supply</a:t>
+            </a:r>
+          </a:p>
+          <a:p>
+            <a:pPr marL="0" indent="0" algn="l">
+              <a:buNone/>
+            </a:pPr>
+            <a:r>
+              <a:rPr lang="en-US" sz="3200" b="0" u="none" strike="noStrike" baseline="0" dirty="0">
+                <a:latin typeface="Times New Roman" panose="02020603050405020304" pitchFamily="18" charset="0"/>
+                <a:cs typeface="Times New Roman" panose="02020603050405020304" pitchFamily="18" charset="0"/>
+              </a:rPr>
+              <a:t>Software:</a:t>
+            </a:r>
+          </a:p>
+          <a:p>
+            <a:pPr algn="l"/>
+            <a:r>
+              <a:rPr lang="en-US" dirty="0" err="1">
+                <a:latin typeface="Times New Roman" panose="02020603050405020304" pitchFamily="18" charset="0"/>
+                <a:cs typeface="Times New Roman" panose="02020603050405020304" pitchFamily="18" charset="0"/>
+              </a:rPr>
+              <a:t>EagleCAD</a:t>
+            </a:r>
+            <a:endParaRPr lang="en-US" dirty="0">
+              <a:latin typeface="Times New Roman" panose="02020603050405020304" pitchFamily="18" charset="0"/>
+              <a:cs typeface="Times New Roman" panose="02020603050405020304" pitchFamily="18" charset="0"/>
+            </a:endParaRPr>
+          </a:p>
+          <a:p>
+            <a:pPr algn="l"/>
+            <a:r>
+              <a:rPr lang="en-US" dirty="0">
+                <a:latin typeface="Times New Roman" panose="02020603050405020304" pitchFamily="18" charset="0"/>
+                <a:cs typeface="Times New Roman" panose="02020603050405020304" pitchFamily="18" charset="0"/>
+              </a:rPr>
+              <a:t>Fusion360</a:t>
+            </a:r>
+          </a:p>
+          <a:p>
+            <a:pPr algn="l"/>
+            <a:r>
+              <a:rPr lang="en-US" dirty="0">
+                <a:latin typeface="Times New Roman" panose="02020603050405020304" pitchFamily="18" charset="0"/>
+                <a:cs typeface="Times New Roman" panose="02020603050405020304" pitchFamily="18" charset="0"/>
+              </a:rPr>
+              <a:t>Arduino IDE</a:t>
+            </a:r>
+          </a:p>
+          <a:p>
+            <a:pPr algn="l"/>
+            <a:r>
+              <a:rPr lang="en-US" dirty="0" err="1">
+                <a:latin typeface="Times New Roman" panose="02020603050405020304" pitchFamily="18" charset="0"/>
+                <a:cs typeface="Times New Roman" panose="02020603050405020304" pitchFamily="18" charset="0"/>
+              </a:rPr>
+              <a:t>LTSpice</a:t>
+            </a:r>
+            <a:endParaRPr lang="en-US" dirty="0">
+              <a:latin typeface="Times New Roman" panose="02020603050405020304" pitchFamily="18" charset="0"/>
+              <a:cs typeface="Times New Roman" panose="02020603050405020304" pitchFamily="18" charset="0"/>
+            </a:endParaRPr>
+          </a:p>
+          <a:p>
+            <a:pPr algn="l"/>
+            <a:r>
+              <a:rPr lang="en-US" dirty="0">
+                <a:latin typeface="Times New Roman" panose="02020603050405020304" pitchFamily="18" charset="0"/>
+                <a:cs typeface="Times New Roman" panose="02020603050405020304" pitchFamily="18" charset="0"/>
+              </a:rPr>
+              <a:t>Microsoft Project</a:t>
+            </a:r>
+          </a:p>
+        </p:txBody>
+      </p:sp>
       <p:pic>
         <p:nvPicPr>
           <p:cNvPr id="5" name="Picture 4">
             <a:extLst>
               <a:ext uri="{FF2B5EF4-FFF2-40B4-BE49-F238E27FC236}">
-                <a16:creationId xmlns:a16="http://schemas.microsoft.com/office/drawing/2014/main" id="{AD6CF8E9-A73C-463D-AB04-4DA37A3435E0}"/>
+                <a16:creationId xmlns:a16="http://schemas.microsoft.com/office/drawing/2014/main" id="{E85C235A-D39D-4D10-AA4F-046FFC3C035E}"/>
               </a:ext>
             </a:extLst>
           </p:cNvPr>
@@ -5266,48 +5568,12 @@
           </a:prstGeom>
         </p:spPr>
       </p:pic>
-      <p:pic>
-        <p:nvPicPr>
-          <p:cNvPr id="11" name="Picture 10" descr="Diagram, schematic&#10;&#10;Description automatically generated">
+      <p:sp>
+        <p:nvSpPr>
+          <p:cNvPr id="4" name="Slide Number Placeholder 3">
             <a:extLst>
               <a:ext uri="{FF2B5EF4-FFF2-40B4-BE49-F238E27FC236}">
-                <a16:creationId xmlns:a16="http://schemas.microsoft.com/office/drawing/2014/main" id="{E133610F-5107-4C39-B382-B734A3B39988}"/>
-              </a:ext>
-            </a:extLst>
-          </p:cNvPr>
-          <p:cNvPicPr>
-            <a:picLocks noChangeAspect="1"/>
-          </p:cNvPicPr>
-          <p:nvPr/>
-        </p:nvPicPr>
-        <p:blipFill>
-          <a:blip r:embed="rId3">
-            <a:extLst>
-              <a:ext uri="{28A0092B-C50C-407E-A947-70E740481C1C}">
-                <a14:useLocalDpi xmlns:a14="http://schemas.microsoft.com/office/drawing/2010/main" val="0"/>
-              </a:ext>
-            </a:extLst>
-          </a:blip>
-          <a:stretch>
-            <a:fillRect/>
-          </a:stretch>
-        </p:blipFill>
-        <p:spPr>
-          <a:xfrm>
-            <a:off x="533399" y="1189171"/>
-            <a:ext cx="7964485" cy="5532304"/>
-          </a:xfrm>
-          <a:prstGeom prst="rect">
-            <a:avLst/>
-          </a:prstGeom>
-        </p:spPr>
-      </p:pic>
-      <p:sp>
-        <p:nvSpPr>
-          <p:cNvPr id="3" name="Slide Number Placeholder 2">
-            <a:extLst>
-              <a:ext uri="{FF2B5EF4-FFF2-40B4-BE49-F238E27FC236}">
-                <a16:creationId xmlns:a16="http://schemas.microsoft.com/office/drawing/2014/main" id="{B2CCB504-4FE6-4A97-B95A-9323B1C4A41A}"/>
+                <a16:creationId xmlns:a16="http://schemas.microsoft.com/office/drawing/2014/main" id="{F23543F6-65F1-4CF4-8113-1BE3830D711B}"/>
               </a:ext>
             </a:extLst>
           </p:cNvPr>
@@ -5337,7 +5603,7 @@
           <p:cNvPr id="6" name="Footer Placeholder 5">
             <a:extLst>
               <a:ext uri="{FF2B5EF4-FFF2-40B4-BE49-F238E27FC236}">
-                <a16:creationId xmlns:a16="http://schemas.microsoft.com/office/drawing/2014/main" id="{5297B28E-6707-4B6F-A3E2-983AE0138932}"/>
+                <a16:creationId xmlns:a16="http://schemas.microsoft.com/office/drawing/2014/main" id="{88A6D16B-FADE-4476-BDEB-DEFB11022205}"/>
               </a:ext>
             </a:extLst>
           </p:cNvPr>
@@ -5368,7 +5634,7 @@
     </p:spTree>
     <p:extLst>
       <p:ext uri="{BB962C8B-B14F-4D97-AF65-F5344CB8AC3E}">
-        <p14:creationId xmlns:p14="http://schemas.microsoft.com/office/powerpoint/2010/main" val="1729076435"/>
+        <p14:creationId xmlns:p14="http://schemas.microsoft.com/office/powerpoint/2010/main" val="1305333851"/>
       </p:ext>
     </p:extLst>
   </p:cSld>
@@ -5421,7 +5687,7 @@
                 <a:latin typeface="Times New Roman" panose="02020603050405020304" pitchFamily="18" charset="0"/>
                 <a:cs typeface="Times New Roman" panose="02020603050405020304" pitchFamily="18" charset="0"/>
               </a:rPr>
-              <a:t>Implementation - Tools</a:t>
+              <a:t>Implementation - BOM</a:t>
             </a:r>
             <a:endParaRPr lang="en-US" dirty="0">
               <a:latin typeface="Times New Roman" panose="02020603050405020304" pitchFamily="18" charset="0"/>
@@ -5430,153 +5696,46 @@
           </a:p>
         </p:txBody>
       </p:sp>
-      <p:sp>
-        <p:nvSpPr>
-          <p:cNvPr id="3" name="Content Placeholder 2">
+      <p:pic>
+        <p:nvPicPr>
+          <p:cNvPr id="8" name="Content Placeholder 7">
             <a:extLst>
               <a:ext uri="{FF2B5EF4-FFF2-40B4-BE49-F238E27FC236}">
-                <a16:creationId xmlns:a16="http://schemas.microsoft.com/office/drawing/2014/main" id="{2CE334AC-69B0-4476-829F-723CA7B2CC1A}"/>
+                <a16:creationId xmlns:a16="http://schemas.microsoft.com/office/drawing/2014/main" id="{099AFCCB-10C8-45AF-A056-ADF3EB441C48}"/>
               </a:ext>
             </a:extLst>
           </p:cNvPr>
-          <p:cNvSpPr>
-            <a:spLocks noGrp="1"/>
-          </p:cNvSpPr>
+          <p:cNvPicPr>
+            <a:picLocks noGrp="1" noChangeAspect="1"/>
+          </p:cNvPicPr>
           <p:nvPr>
             <p:ph idx="1"/>
           </p:nvPr>
-        </p:nvSpPr>
+        </p:nvPicPr>
+        <p:blipFill>
+          <a:blip r:embed="rId3">
+            <a:extLst>
+              <a:ext uri="{28A0092B-C50C-407E-A947-70E740481C1C}">
+                <a14:useLocalDpi xmlns:a14="http://schemas.microsoft.com/office/drawing/2010/main" val="0"/>
+              </a:ext>
+            </a:extLst>
+          </a:blip>
+          <a:srcRect/>
+          <a:stretch/>
+        </p:blipFill>
         <p:spPr>
           <a:xfrm>
-            <a:off x="457200" y="1417638"/>
-            <a:ext cx="6553200" cy="5211762"/>
+            <a:off x="176984" y="3017049"/>
+            <a:ext cx="8790031" cy="1990196"/>
           </a:xfrm>
         </p:spPr>
-        <p:txBody>
-          <a:bodyPr>
-            <a:normAutofit fontScale="92500" lnSpcReduction="10000"/>
-          </a:bodyPr>
-          <a:lstStyle/>
-          <a:p>
-            <a:pPr marL="0" indent="0" algn="l">
-              <a:buNone/>
-            </a:pPr>
-            <a:r>
-              <a:rPr lang="en-US" sz="3200" b="0" u="none" strike="noStrike" baseline="0" dirty="0">
-                <a:latin typeface="Times New Roman" panose="02020603050405020304" pitchFamily="18" charset="0"/>
-                <a:cs typeface="Times New Roman" panose="02020603050405020304" pitchFamily="18" charset="0"/>
-              </a:rPr>
-              <a:t>Hardware:</a:t>
-            </a:r>
-          </a:p>
-          <a:p>
-            <a:pPr algn="l"/>
-            <a:r>
-              <a:rPr lang="en-US" sz="3200" b="0" u="none" strike="noStrike" baseline="0" dirty="0">
-                <a:latin typeface="Times New Roman" panose="02020603050405020304" pitchFamily="18" charset="0"/>
-                <a:cs typeface="Times New Roman" panose="02020603050405020304" pitchFamily="18" charset="0"/>
-              </a:rPr>
-              <a:t>Oscilloscope</a:t>
-            </a:r>
-          </a:p>
-          <a:p>
-            <a:pPr algn="l"/>
-            <a:r>
-              <a:rPr lang="en-US" dirty="0">
-                <a:latin typeface="Times New Roman" panose="02020603050405020304" pitchFamily="18" charset="0"/>
-                <a:cs typeface="Times New Roman" panose="02020603050405020304" pitchFamily="18" charset="0"/>
-              </a:rPr>
-              <a:t>Digital Multimeter</a:t>
-            </a:r>
-          </a:p>
-          <a:p>
-            <a:pPr algn="l"/>
-            <a:r>
-              <a:rPr lang="en-US" dirty="0">
-                <a:latin typeface="Times New Roman" panose="02020603050405020304" pitchFamily="18" charset="0"/>
-                <a:cs typeface="Times New Roman" panose="02020603050405020304" pitchFamily="18" charset="0"/>
-              </a:rPr>
-              <a:t>Power Supply</a:t>
-            </a:r>
-          </a:p>
-          <a:p>
-            <a:pPr marL="0" indent="0" algn="l">
-              <a:buNone/>
-            </a:pPr>
-            <a:r>
-              <a:rPr lang="en-US" sz="3200" b="0" u="none" strike="noStrike" baseline="0" dirty="0">
-                <a:latin typeface="Times New Roman" panose="02020603050405020304" pitchFamily="18" charset="0"/>
-                <a:cs typeface="Times New Roman" panose="02020603050405020304" pitchFamily="18" charset="0"/>
-              </a:rPr>
-              <a:t>Software:</a:t>
-            </a:r>
-          </a:p>
-          <a:p>
-            <a:pPr algn="l"/>
-            <a:r>
-              <a:rPr lang="en-US" dirty="0" err="1">
-                <a:latin typeface="Times New Roman" panose="02020603050405020304" pitchFamily="18" charset="0"/>
-                <a:cs typeface="Times New Roman" panose="02020603050405020304" pitchFamily="18" charset="0"/>
-              </a:rPr>
-              <a:t>EagleCAD</a:t>
-            </a:r>
-            <a:endParaRPr lang="en-US" dirty="0">
-              <a:latin typeface="Times New Roman" panose="02020603050405020304" pitchFamily="18" charset="0"/>
-              <a:cs typeface="Times New Roman" panose="02020603050405020304" pitchFamily="18" charset="0"/>
-            </a:endParaRPr>
-          </a:p>
-          <a:p>
-            <a:pPr algn="l"/>
-            <a:r>
-              <a:rPr lang="en-US" dirty="0">
-                <a:latin typeface="Times New Roman" panose="02020603050405020304" pitchFamily="18" charset="0"/>
-                <a:cs typeface="Times New Roman" panose="02020603050405020304" pitchFamily="18" charset="0"/>
-              </a:rPr>
-              <a:t>Fusion360</a:t>
-            </a:r>
-          </a:p>
-          <a:p>
-            <a:pPr algn="l"/>
-            <a:r>
-              <a:rPr lang="en-US" dirty="0">
-                <a:latin typeface="Times New Roman" panose="02020603050405020304" pitchFamily="18" charset="0"/>
-                <a:cs typeface="Times New Roman" panose="02020603050405020304" pitchFamily="18" charset="0"/>
-              </a:rPr>
-              <a:t>Arduino IDE</a:t>
-            </a:r>
-          </a:p>
-          <a:p>
-            <a:pPr algn="l"/>
-            <a:r>
-              <a:rPr lang="en-US" dirty="0" err="1">
-                <a:latin typeface="Times New Roman" panose="02020603050405020304" pitchFamily="18" charset="0"/>
-                <a:cs typeface="Times New Roman" panose="02020603050405020304" pitchFamily="18" charset="0"/>
-              </a:rPr>
-              <a:t>LTSpice</a:t>
-            </a:r>
-            <a:endParaRPr lang="en-US" dirty="0">
-              <a:latin typeface="Times New Roman" panose="02020603050405020304" pitchFamily="18" charset="0"/>
-              <a:cs typeface="Times New Roman" panose="02020603050405020304" pitchFamily="18" charset="0"/>
-            </a:endParaRPr>
-          </a:p>
-          <a:p>
-            <a:pPr algn="l"/>
-            <a:r>
-              <a:rPr lang="en-US" dirty="0">
-                <a:latin typeface="Times New Roman" panose="02020603050405020304" pitchFamily="18" charset="0"/>
-                <a:cs typeface="Times New Roman" panose="02020603050405020304" pitchFamily="18" charset="0"/>
-              </a:rPr>
-              <a:t>Microsoft Project</a:t>
-            </a:r>
-          </a:p>
-        </p:txBody>
-      </p:sp>
+      </p:pic>
       <p:pic>
         <p:nvPicPr>
-          <p:cNvPr id="5" name="Picture 4">
+          <p:cNvPr id="6" name="Picture 5">
             <a:extLst>
               <a:ext uri="{FF2B5EF4-FFF2-40B4-BE49-F238E27FC236}">
-                <a16:creationId xmlns:a16="http://schemas.microsoft.com/office/drawing/2014/main" id="{E85C235A-D39D-4D10-AA4F-046FFC3C035E}"/>
+                <a16:creationId xmlns:a16="http://schemas.microsoft.com/office/drawing/2014/main" id="{D9951B88-79ED-4421-9F1E-A94AB38524F8}"/>
               </a:ext>
             </a:extLst>
           </p:cNvPr>
@@ -5586,7 +5745,7 @@
           <p:nvPr/>
         </p:nvPicPr>
         <p:blipFill>
-          <a:blip r:embed="rId2">
+          <a:blip r:embed="rId4">
             <a:extLst>
               <a:ext uri="{28A0092B-C50C-407E-A947-70E740481C1C}">
                 <a14:useLocalDpi xmlns:a14="http://schemas.microsoft.com/office/drawing/2010/main" val="0"/>
@@ -5609,10 +5768,10 @@
       </p:pic>
       <p:sp>
         <p:nvSpPr>
-          <p:cNvPr id="4" name="Slide Number Placeholder 3">
+          <p:cNvPr id="3" name="Slide Number Placeholder 2">
             <a:extLst>
               <a:ext uri="{FF2B5EF4-FFF2-40B4-BE49-F238E27FC236}">
-                <a16:creationId xmlns:a16="http://schemas.microsoft.com/office/drawing/2014/main" id="{F23543F6-65F1-4CF4-8113-1BE3830D711B}"/>
+                <a16:creationId xmlns:a16="http://schemas.microsoft.com/office/drawing/2014/main" id="{0227E7FC-AFC2-4451-80CA-79B41D917576}"/>
               </a:ext>
             </a:extLst>
           </p:cNvPr>
@@ -5639,10 +5798,10 @@
       </p:sp>
       <p:sp>
         <p:nvSpPr>
-          <p:cNvPr id="6" name="Footer Placeholder 5">
+          <p:cNvPr id="7" name="Footer Placeholder 5">
             <a:extLst>
               <a:ext uri="{FF2B5EF4-FFF2-40B4-BE49-F238E27FC236}">
-                <a16:creationId xmlns:a16="http://schemas.microsoft.com/office/drawing/2014/main" id="{88A6D16B-FADE-4476-BDEB-DEFB11022205}"/>
+                <a16:creationId xmlns:a16="http://schemas.microsoft.com/office/drawing/2014/main" id="{D694C948-62EF-41DB-8931-6578229A7D59}"/>
               </a:ext>
             </a:extLst>
           </p:cNvPr>
@@ -5673,7 +5832,7 @@
     </p:spTree>
     <p:extLst>
       <p:ext uri="{BB962C8B-B14F-4D97-AF65-F5344CB8AC3E}">
-        <p14:creationId xmlns:p14="http://schemas.microsoft.com/office/powerpoint/2010/main" val="1305333851"/>
+        <p14:creationId xmlns:p14="http://schemas.microsoft.com/office/powerpoint/2010/main" val="427551570"/>
       </p:ext>
     </p:extLst>
   </p:cSld>
@@ -5705,7 +5864,7 @@
           <p:cNvPr id="2" name="Title 1">
             <a:extLst>
               <a:ext uri="{FF2B5EF4-FFF2-40B4-BE49-F238E27FC236}">
-                <a16:creationId xmlns:a16="http://schemas.microsoft.com/office/drawing/2014/main" id="{8D53AEC3-6004-4BB9-9242-82D16C61B05A}"/>
+                <a16:creationId xmlns:a16="http://schemas.microsoft.com/office/drawing/2014/main" id="{9CBD3FEA-DAAA-4E85-9D60-CF8F5E46AFBA}"/>
               </a:ext>
             </a:extLst>
           </p:cNvPr>
@@ -5718,7 +5877,9 @@
         </p:nvSpPr>
         <p:spPr/>
         <p:txBody>
-          <a:bodyPr/>
+          <a:bodyPr>
+            <a:normAutofit/>
+          </a:bodyPr>
           <a:lstStyle/>
           <a:p>
             <a:r>
@@ -5726,7 +5887,7 @@
                 <a:latin typeface="Times New Roman" panose="02020603050405020304" pitchFamily="18" charset="0"/>
                 <a:cs typeface="Times New Roman" panose="02020603050405020304" pitchFamily="18" charset="0"/>
               </a:rPr>
-              <a:t>Implementation - BOM</a:t>
+              <a:t>Prior Work</a:t>
             </a:r>
             <a:endParaRPr lang="en-US" dirty="0">
               <a:latin typeface="Times New Roman" panose="02020603050405020304" pitchFamily="18" charset="0"/>
@@ -5735,46 +5896,65 @@
           </a:p>
         </p:txBody>
       </p:sp>
+      <p:sp>
+        <p:nvSpPr>
+          <p:cNvPr id="3" name="Content Placeholder 2">
+            <a:extLst>
+              <a:ext uri="{FF2B5EF4-FFF2-40B4-BE49-F238E27FC236}">
+                <a16:creationId xmlns:a16="http://schemas.microsoft.com/office/drawing/2014/main" id="{9E3C7773-D7F0-4DE4-96D2-61950A303263}"/>
+              </a:ext>
+            </a:extLst>
+          </p:cNvPr>
+          <p:cNvSpPr>
+            <a:spLocks noGrp="1"/>
+          </p:cNvSpPr>
+          <p:nvPr>
+            <p:ph idx="1"/>
+          </p:nvPr>
+        </p:nvSpPr>
+        <p:spPr>
+          <a:xfrm>
+            <a:off x="457200" y="1372648"/>
+            <a:ext cx="6629400" cy="1522952"/>
+          </a:xfrm>
+        </p:spPr>
+        <p:txBody>
+          <a:bodyPr>
+            <a:normAutofit fontScale="62500" lnSpcReduction="20000"/>
+          </a:bodyPr>
+          <a:lstStyle/>
+          <a:p>
+            <a:pPr marL="0" indent="0" algn="l">
+              <a:buNone/>
+            </a:pPr>
+            <a:r>
+              <a:rPr lang="en-US" dirty="0">
+                <a:latin typeface="Times New Roman" panose="02020603050405020304" pitchFamily="18" charset="0"/>
+                <a:cs typeface="Times New Roman" panose="02020603050405020304" pitchFamily="18" charset="0"/>
+              </a:rPr>
+              <a:t>The competition for smart bird feeders are focused on bird watchers with smart cameras – none focus on smart selectivity in using weight to not feed squirrels and crows.</a:t>
+            </a:r>
+          </a:p>
+          <a:p>
+            <a:pPr marL="0" indent="0" algn="l">
+              <a:buNone/>
+            </a:pPr>
+            <a:r>
+              <a:rPr lang="en-US" dirty="0">
+                <a:latin typeface="Times New Roman" panose="02020603050405020304" pitchFamily="18" charset="0"/>
+                <a:cs typeface="Times New Roman" panose="02020603050405020304" pitchFamily="18" charset="0"/>
+              </a:rPr>
+              <a:t>These are currently in development, there is no existing smart bird feeder that a user can buy off the market.</a:t>
+            </a:r>
+          </a:p>
+        </p:txBody>
+      </p:sp>
       <p:pic>
         <p:nvPicPr>
-          <p:cNvPr id="8" name="Content Placeholder 7">
+          <p:cNvPr id="5" name="Picture 4">
             <a:extLst>
               <a:ext uri="{FF2B5EF4-FFF2-40B4-BE49-F238E27FC236}">
-                <a16:creationId xmlns:a16="http://schemas.microsoft.com/office/drawing/2014/main" id="{099AFCCB-10C8-45AF-A056-ADF3EB441C48}"/>
-              </a:ext>
-            </a:extLst>
-          </p:cNvPr>
-          <p:cNvPicPr>
-            <a:picLocks noGrp="1" noChangeAspect="1"/>
-          </p:cNvPicPr>
-          <p:nvPr>
-            <p:ph idx="1"/>
-          </p:nvPr>
-        </p:nvPicPr>
-        <p:blipFill>
-          <a:blip r:embed="rId3">
-            <a:extLst>
-              <a:ext uri="{28A0092B-C50C-407E-A947-70E740481C1C}">
-                <a14:useLocalDpi xmlns:a14="http://schemas.microsoft.com/office/drawing/2010/main" val="0"/>
-              </a:ext>
-            </a:extLst>
-          </a:blip>
-          <a:srcRect/>
-          <a:stretch/>
-        </p:blipFill>
-        <p:spPr>
-          <a:xfrm>
-            <a:off x="176984" y="3017049"/>
-            <a:ext cx="8790031" cy="1990196"/>
-          </a:xfrm>
-        </p:spPr>
-      </p:pic>
-      <p:pic>
-        <p:nvPicPr>
-          <p:cNvPr id="6" name="Picture 5">
-            <a:extLst>
-              <a:ext uri="{FF2B5EF4-FFF2-40B4-BE49-F238E27FC236}">
-                <a16:creationId xmlns:a16="http://schemas.microsoft.com/office/drawing/2014/main" id="{D9951B88-79ED-4421-9F1E-A94AB38524F8}"/>
+                <a16:creationId xmlns:a16="http://schemas.microsoft.com/office/drawing/2014/main" id="{978461DD-35BD-4BCE-ABDC-030B6FA99D65}"/>
               </a:ext>
             </a:extLst>
           </p:cNvPr>
@@ -5784,7 +5964,7 @@
           <p:nvPr/>
         </p:nvPicPr>
         <p:blipFill>
-          <a:blip r:embed="rId4">
+          <a:blip r:embed="rId3">
             <a:extLst>
               <a:ext uri="{28A0092B-C50C-407E-A947-70E740481C1C}">
                 <a14:useLocalDpi xmlns:a14="http://schemas.microsoft.com/office/drawing/2010/main" val="0"/>
@@ -5805,12 +5985,42 @@
           </a:prstGeom>
         </p:spPr>
       </p:pic>
-      <p:sp>
-        <p:nvSpPr>
-          <p:cNvPr id="3" name="Slide Number Placeholder 2">
+      <p:pic>
+        <p:nvPicPr>
+          <p:cNvPr id="7" name="Picture 6">
             <a:extLst>
               <a:ext uri="{FF2B5EF4-FFF2-40B4-BE49-F238E27FC236}">
-                <a16:creationId xmlns:a16="http://schemas.microsoft.com/office/drawing/2014/main" id="{0227E7FC-AFC2-4451-80CA-79B41D917576}"/>
+                <a16:creationId xmlns:a16="http://schemas.microsoft.com/office/drawing/2014/main" id="{62E29751-7E9B-4146-A9A2-F5DD0AEA8EE8}"/>
+              </a:ext>
+            </a:extLst>
+          </p:cNvPr>
+          <p:cNvPicPr>
+            <a:picLocks noChangeAspect="1"/>
+          </p:cNvPicPr>
+          <p:nvPr/>
+        </p:nvPicPr>
+        <p:blipFill>
+          <a:blip r:embed="rId4"/>
+          <a:stretch>
+            <a:fillRect/>
+          </a:stretch>
+        </p:blipFill>
+        <p:spPr>
+          <a:xfrm>
+            <a:off x="761999" y="2971768"/>
+            <a:ext cx="7153523" cy="3470390"/>
+          </a:xfrm>
+          <a:prstGeom prst="rect">
+            <a:avLst/>
+          </a:prstGeom>
+        </p:spPr>
+      </p:pic>
+      <p:sp>
+        <p:nvSpPr>
+          <p:cNvPr id="4" name="Slide Number Placeholder 3">
+            <a:extLst>
+              <a:ext uri="{FF2B5EF4-FFF2-40B4-BE49-F238E27FC236}">
+                <a16:creationId xmlns:a16="http://schemas.microsoft.com/office/drawing/2014/main" id="{93C0ADDF-BABA-4EF6-8B74-C9F8107712DD}"/>
               </a:ext>
             </a:extLst>
           </p:cNvPr>
@@ -5837,10 +6047,10 @@
       </p:sp>
       <p:sp>
         <p:nvSpPr>
-          <p:cNvPr id="7" name="Footer Placeholder 5">
+          <p:cNvPr id="8" name="Footer Placeholder 5">
             <a:extLst>
               <a:ext uri="{FF2B5EF4-FFF2-40B4-BE49-F238E27FC236}">
-                <a16:creationId xmlns:a16="http://schemas.microsoft.com/office/drawing/2014/main" id="{D694C948-62EF-41DB-8931-6578229A7D59}"/>
+                <a16:creationId xmlns:a16="http://schemas.microsoft.com/office/drawing/2014/main" id="{E06F82C7-6505-466B-83B3-C64E65CDB2AC}"/>
               </a:ext>
             </a:extLst>
           </p:cNvPr>
@@ -5863,7 +6073,7 @@
           <a:p>
             <a:r>
               <a:rPr lang="en-US" dirty="0"/>
-              <a:t>CX</a:t>
+              <a:t>ST</a:t>
             </a:r>
           </a:p>
         </p:txBody>
@@ -5871,7 +6081,7 @@
     </p:spTree>
     <p:extLst>
       <p:ext uri="{BB962C8B-B14F-4D97-AF65-F5344CB8AC3E}">
-        <p14:creationId xmlns:p14="http://schemas.microsoft.com/office/powerpoint/2010/main" val="427551570"/>
+        <p14:creationId xmlns:p14="http://schemas.microsoft.com/office/powerpoint/2010/main" val="3979472189"/>
       </p:ext>
     </p:extLst>
   </p:cSld>
@@ -7037,7 +7247,7 @@
                 <a:latin typeface="Times New Roman" panose="02020603050405020304" pitchFamily="18" charset="0"/>
                 <a:cs typeface="Times New Roman" panose="02020603050405020304" pitchFamily="18" charset="0"/>
               </a:rPr>
-              <a:t>Problem or Need</a:t>
+              <a:t>Problem Statement</a:t>
             </a:r>
           </a:p>
         </p:txBody>
@@ -7117,7 +7327,24 @@
                 <a:ea typeface="Times New Roman" panose="02020603050405020304" pitchFamily="18" charset="0"/>
                 <a:cs typeface="Times New Roman" panose="02020603050405020304" pitchFamily="18" charset="0"/>
               </a:rPr>
-              <a:t>If squirrels and crows were trained by the device not feeding them to keep away from the smart bird feeder, the </a:t>
+              <a:t>If squirrels and crows </a:t>
+            </a:r>
+            <a:r>
+              <a:rPr lang="en-US" sz="2400" kern="0" dirty="0">
+                <a:latin typeface="Times New Roman" panose="02020603050405020304" pitchFamily="18" charset="0"/>
+                <a:ea typeface="Times New Roman" panose="02020603050405020304" pitchFamily="18" charset="0"/>
+                <a:cs typeface="Times New Roman" panose="02020603050405020304" pitchFamily="18" charset="0"/>
+              </a:rPr>
+              <a:t>learned</a:t>
+            </a:r>
+            <a:r>
+              <a:rPr lang="en-US" sz="2400" kern="0" dirty="0">
+                <a:effectLst/>
+                <a:latin typeface="Times New Roman" panose="02020603050405020304" pitchFamily="18" charset="0"/>
+                <a:ea typeface="Times New Roman" panose="02020603050405020304" pitchFamily="18" charset="0"/>
+                <a:cs typeface="Times New Roman" panose="02020603050405020304" pitchFamily="18" charset="0"/>
+              </a:rPr>
+              <a:t> the device will not feed them, they will keep away from the smart bird feeder and that will satisfy </a:t>
             </a:r>
             <a:r>
               <a:rPr lang="en-US" sz="2400" kern="100" dirty="0">
@@ -7126,24 +7353,7 @@
                 <a:ea typeface="DengXian" panose="02010600030101010101" pitchFamily="2" charset="-122"/>
                 <a:cs typeface="Times New Roman" panose="02020603050405020304" pitchFamily="18" charset="0"/>
               </a:rPr>
-              <a:t>around 46 million Americans considering themselves bird watchers per the </a:t>
-            </a:r>
-            <a:r>
-              <a:rPr lang="en-US" sz="2400" dirty="0">
-                <a:effectLst/>
-                <a:latin typeface="Times New Roman" panose="02020603050405020304" pitchFamily="18" charset="0"/>
-                <a:ea typeface="DengXian" panose="02010600030101010101" pitchFamily="2" charset="-122"/>
-              </a:rPr>
-              <a:t>2016 National Survey of Fishing, Hunting, and Wildlife-Associated Recreation</a:t>
-            </a:r>
-            <a:r>
-              <a:rPr lang="en-US" sz="2400" kern="100" dirty="0">
-                <a:effectLst/>
-                <a:latin typeface="Times New Roman" panose="02020603050405020304" pitchFamily="18" charset="0"/>
-                <a:ea typeface="DengXian" panose="02010600030101010101" pitchFamily="2" charset="-122"/>
-                <a:cs typeface="Times New Roman" panose="02020603050405020304" pitchFamily="18" charset="0"/>
-              </a:rPr>
-              <a:t> will be satisfied.</a:t>
+              <a:t>bird watchers.</a:t>
             </a:r>
           </a:p>
           <a:p>
@@ -7205,7 +7415,7 @@
           <p:nvPr/>
         </p:nvPicPr>
         <p:blipFill>
-          <a:blip r:embed="rId2">
+          <a:blip r:embed="rId3">
             <a:extLst>
               <a:ext uri="{28A0092B-C50C-407E-A947-70E740481C1C}">
                 <a14:useLocalDpi xmlns:a14="http://schemas.microsoft.com/office/drawing/2010/main" val="0"/>
@@ -7376,15 +7586,36 @@
         </p:nvSpPr>
         <p:spPr>
           <a:xfrm>
-            <a:off x="457200" y="1600201"/>
-            <a:ext cx="6324600" cy="1676400"/>
+            <a:off x="432232" y="1274233"/>
+            <a:ext cx="6581522" cy="1676400"/>
           </a:xfrm>
         </p:spPr>
         <p:txBody>
           <a:bodyPr>
-            <a:normAutofit/>
+            <a:normAutofit lnSpcReduction="10000"/>
           </a:bodyPr>
           <a:lstStyle/>
+          <a:p>
+            <a:pPr marL="0" indent="0">
+              <a:buNone/>
+            </a:pPr>
+            <a:r>
+              <a:rPr lang="en-US" sz="2400" kern="0" dirty="0">
+                <a:latin typeface="Times New Roman" panose="02020603050405020304" pitchFamily="18" charset="0"/>
+                <a:cs typeface="Times New Roman" panose="02020603050405020304" pitchFamily="18" charset="0"/>
+              </a:rPr>
+              <a:t>An easy way for bird watchers to feed small birds.</a:t>
+            </a:r>
+          </a:p>
+          <a:p>
+            <a:pPr marL="0" indent="0">
+              <a:buNone/>
+            </a:pPr>
+            <a:endParaRPr lang="en-US" sz="2400" kern="0" dirty="0">
+              <a:latin typeface="Times New Roman" panose="02020603050405020304" pitchFamily="18" charset="0"/>
+              <a:cs typeface="Times New Roman" panose="02020603050405020304" pitchFamily="18" charset="0"/>
+            </a:endParaRPr>
+          </a:p>
           <a:p>
             <a:pPr marL="0" indent="0">
               <a:buNone/>
@@ -7519,8 +7750,8 @@
         </p:blipFill>
         <p:spPr>
           <a:xfrm>
-            <a:off x="2057400" y="3276601"/>
-            <a:ext cx="4048125" cy="2457450"/>
+            <a:off x="1752600" y="2972886"/>
+            <a:ext cx="4926789" cy="2990851"/>
           </a:xfrm>
           <a:prstGeom prst="rect">
             <a:avLst/>
@@ -8043,7 +8274,7 @@
           <p:cNvPr id="2" name="Title 1">
             <a:extLst>
               <a:ext uri="{FF2B5EF4-FFF2-40B4-BE49-F238E27FC236}">
-                <a16:creationId xmlns:a16="http://schemas.microsoft.com/office/drawing/2014/main" id="{6527CF0A-63AC-44CC-882C-1EC8586A9367}"/>
+                <a16:creationId xmlns:a16="http://schemas.microsoft.com/office/drawing/2014/main" id="{9CBD3FEA-DAAA-4E85-9D60-CF8F5E46AFBA}"/>
               </a:ext>
             </a:extLst>
           </p:cNvPr>
@@ -8052,37 +8283,6 @@
           </p:cNvSpPr>
           <p:nvPr>
             <p:ph type="title"/>
-          </p:nvPr>
-        </p:nvSpPr>
-        <p:spPr/>
-        <p:txBody>
-          <a:bodyPr/>
-          <a:lstStyle/>
-          <a:p>
-            <a:r>
-              <a:rPr lang="en-US" dirty="0">
-                <a:latin typeface="Times New Roman" panose="02020603050405020304" pitchFamily="18" charset="0"/>
-                <a:cs typeface="Times New Roman" panose="02020603050405020304" pitchFamily="18" charset="0"/>
-              </a:rPr>
-              <a:t>Objective</a:t>
-            </a:r>
-          </a:p>
-        </p:txBody>
-      </p:sp>
-      <p:sp>
-        <p:nvSpPr>
-          <p:cNvPr id="3" name="Content Placeholder 2">
-            <a:extLst>
-              <a:ext uri="{FF2B5EF4-FFF2-40B4-BE49-F238E27FC236}">
-                <a16:creationId xmlns:a16="http://schemas.microsoft.com/office/drawing/2014/main" id="{A2CD3AE9-A0B9-49FE-ADFE-B7DFEA16F7E5}"/>
-              </a:ext>
-            </a:extLst>
-          </p:cNvPr>
-          <p:cNvSpPr>
-            <a:spLocks noGrp="1"/>
-          </p:cNvSpPr>
-          <p:nvPr>
-            <p:ph idx="1"/>
           </p:nvPr>
         </p:nvSpPr>
         <p:spPr/>
@@ -8092,30 +8292,58 @@
           </a:bodyPr>
           <a:lstStyle/>
           <a:p>
-            <a:pPr marL="0" marR="0" indent="0" algn="l">
-              <a:spcBef>
-                <a:spcPts val="0"/>
-              </a:spcBef>
-              <a:spcAft>
-                <a:spcPts val="0"/>
-              </a:spcAft>
+            <a:r>
+              <a:rPr lang="en-US" sz="4400" b="0" i="0" u="none" strike="noStrike" baseline="0" dirty="0">
+                <a:latin typeface="Times New Roman" panose="02020603050405020304" pitchFamily="18" charset="0"/>
+                <a:cs typeface="Times New Roman" panose="02020603050405020304" pitchFamily="18" charset="0"/>
+              </a:rPr>
+              <a:t>Alternatives</a:t>
+            </a:r>
+            <a:endParaRPr lang="en-US" dirty="0">
+              <a:latin typeface="Times New Roman" panose="02020603050405020304" pitchFamily="18" charset="0"/>
+              <a:cs typeface="Times New Roman" panose="02020603050405020304" pitchFamily="18" charset="0"/>
+            </a:endParaRPr>
+          </a:p>
+        </p:txBody>
+      </p:sp>
+      <p:sp>
+        <p:nvSpPr>
+          <p:cNvPr id="3" name="Content Placeholder 2">
+            <a:extLst>
+              <a:ext uri="{FF2B5EF4-FFF2-40B4-BE49-F238E27FC236}">
+                <a16:creationId xmlns:a16="http://schemas.microsoft.com/office/drawing/2014/main" id="{9E3C7773-D7F0-4DE4-96D2-61950A303263}"/>
+              </a:ext>
+            </a:extLst>
+          </p:cNvPr>
+          <p:cNvSpPr>
+            <a:spLocks noGrp="1"/>
+          </p:cNvSpPr>
+          <p:nvPr>
+            <p:ph idx="1"/>
+          </p:nvPr>
+        </p:nvSpPr>
+        <p:spPr>
+          <a:xfrm>
+            <a:off x="457200" y="1303337"/>
+            <a:ext cx="6705600" cy="2590800"/>
+          </a:xfrm>
+        </p:spPr>
+        <p:txBody>
+          <a:bodyPr>
+            <a:normAutofit/>
+          </a:bodyPr>
+          <a:lstStyle/>
+          <a:p>
+            <a:pPr marL="0" indent="0" algn="l">
               <a:buNone/>
             </a:pPr>
             <a:r>
-              <a:rPr lang="en-US" sz="2800" kern="0" dirty="0">
-                <a:effectLst/>
-                <a:latin typeface="Times New Roman" panose="02020603050405020304" pitchFamily="18" charset="0"/>
-                <a:ea typeface="Times New Roman" panose="02020603050405020304" pitchFamily="18" charset="0"/>
-                <a:cs typeface="Times New Roman" panose="02020603050405020304" pitchFamily="18" charset="0"/>
-              </a:rPr>
-              <a:t>Feed small birds and not squirrels or crows. </a:t>
-            </a:r>
-            <a:endParaRPr lang="en-US" sz="2800" kern="100" dirty="0">
-              <a:effectLst/>
-              <a:latin typeface="DengXian" panose="02010600030101010101" pitchFamily="2" charset="-122"/>
-              <a:ea typeface="DengXian" panose="02010600030101010101" pitchFamily="2" charset="-122"/>
-              <a:cs typeface="Times New Roman" panose="02020603050405020304" pitchFamily="18" charset="0"/>
-            </a:endParaRPr>
+              <a:rPr lang="en-US" sz="2400" dirty="0">
+                <a:latin typeface="Times New Roman" panose="02020603050405020304" pitchFamily="18" charset="0"/>
+                <a:cs typeface="Times New Roman" panose="02020603050405020304" pitchFamily="18" charset="0"/>
+              </a:rPr>
+              <a:t>Bird feeders already available on the market can feed small birds. The success or even attempt to repel squirrels and crows depends on the bird feeder, but in all cases they don’t also teach the bird to chirp for its food.</a:t>
+            </a:r>
           </a:p>
         </p:txBody>
       </p:sp>
@@ -8124,7 +8352,7 @@
           <p:cNvPr id="5" name="Picture 4">
             <a:extLst>
               <a:ext uri="{FF2B5EF4-FFF2-40B4-BE49-F238E27FC236}">
-                <a16:creationId xmlns:a16="http://schemas.microsoft.com/office/drawing/2014/main" id="{AFF789E2-B0C8-43E8-8708-F263EC8F34C4}"/>
+                <a16:creationId xmlns:a16="http://schemas.microsoft.com/office/drawing/2014/main" id="{978461DD-35BD-4BCE-ABDC-030B6FA99D65}"/>
               </a:ext>
             </a:extLst>
           </p:cNvPr>
@@ -8134,7 +8362,7 @@
           <p:nvPr/>
         </p:nvPicPr>
         <p:blipFill>
-          <a:blip r:embed="rId2">
+          <a:blip r:embed="rId3">
             <a:extLst>
               <a:ext uri="{28A0092B-C50C-407E-A947-70E740481C1C}">
                 <a14:useLocalDpi xmlns:a14="http://schemas.microsoft.com/office/drawing/2010/main" val="0"/>
@@ -8160,7 +8388,7 @@
           <p:cNvPr id="4" name="Slide Number Placeholder 3">
             <a:extLst>
               <a:ext uri="{FF2B5EF4-FFF2-40B4-BE49-F238E27FC236}">
-                <a16:creationId xmlns:a16="http://schemas.microsoft.com/office/drawing/2014/main" id="{1812E259-F835-4C5E-8CA9-4D4EFDA7EA82}"/>
+                <a16:creationId xmlns:a16="http://schemas.microsoft.com/office/drawing/2014/main" id="{93C0ADDF-BABA-4EF6-8B74-C9F8107712DD}"/>
               </a:ext>
             </a:extLst>
           </p:cNvPr>
@@ -8187,10 +8415,10 @@
       </p:sp>
       <p:sp>
         <p:nvSpPr>
-          <p:cNvPr id="6" name="Footer Placeholder 5">
+          <p:cNvPr id="8" name="Footer Placeholder 5">
             <a:extLst>
               <a:ext uri="{FF2B5EF4-FFF2-40B4-BE49-F238E27FC236}">
-                <a16:creationId xmlns:a16="http://schemas.microsoft.com/office/drawing/2014/main" id="{2D537FBB-3568-4808-BBD4-FB46BA96EB40}"/>
+                <a16:creationId xmlns:a16="http://schemas.microsoft.com/office/drawing/2014/main" id="{E06F82C7-6505-466B-83B3-C64E65CDB2AC}"/>
               </a:ext>
             </a:extLst>
           </p:cNvPr>
@@ -8218,10 +8446,46 @@
           </a:p>
         </p:txBody>
       </p:sp>
+      <p:pic>
+        <p:nvPicPr>
+          <p:cNvPr id="9" name="Picture 8">
+            <a:extLst>
+              <a:ext uri="{FF2B5EF4-FFF2-40B4-BE49-F238E27FC236}">
+                <a16:creationId xmlns:a16="http://schemas.microsoft.com/office/drawing/2014/main" id="{01831105-89EB-4482-A1B8-33CAE3EAF3EE}"/>
+              </a:ext>
+            </a:extLst>
+          </p:cNvPr>
+          <p:cNvPicPr>
+            <a:picLocks noChangeAspect="1"/>
+          </p:cNvPicPr>
+          <p:nvPr/>
+        </p:nvPicPr>
+        <p:blipFill>
+          <a:blip r:embed="rId4" cstate="print">
+            <a:extLst>
+              <a:ext uri="{28A0092B-C50C-407E-A947-70E740481C1C}">
+                <a14:useLocalDpi xmlns:a14="http://schemas.microsoft.com/office/drawing/2010/main" val="0"/>
+              </a:ext>
+            </a:extLst>
+          </a:blip>
+          <a:stretch>
+            <a:fillRect/>
+          </a:stretch>
+        </p:blipFill>
+        <p:spPr>
+          <a:xfrm>
+            <a:off x="1447800" y="3205361"/>
+            <a:ext cx="5105400" cy="3150989"/>
+          </a:xfrm>
+          <a:prstGeom prst="rect">
+            <a:avLst/>
+          </a:prstGeom>
+        </p:spPr>
+      </p:pic>
     </p:spTree>
     <p:extLst>
       <p:ext uri="{BB962C8B-B14F-4D97-AF65-F5344CB8AC3E}">
-        <p14:creationId xmlns:p14="http://schemas.microsoft.com/office/powerpoint/2010/main" val="1191213919"/>
+        <p14:creationId xmlns:p14="http://schemas.microsoft.com/office/powerpoint/2010/main" val="99756877"/>
       </p:ext>
     </p:extLst>
   </p:cSld>
@@ -8253,7 +8517,7 @@
           <p:cNvPr id="2" name="Title 1">
             <a:extLst>
               <a:ext uri="{FF2B5EF4-FFF2-40B4-BE49-F238E27FC236}">
-                <a16:creationId xmlns:a16="http://schemas.microsoft.com/office/drawing/2014/main" id="{9CBD3FEA-DAAA-4E85-9D60-CF8F5E46AFBA}"/>
+                <a16:creationId xmlns:a16="http://schemas.microsoft.com/office/drawing/2014/main" id="{325D915F-2F40-485E-926D-7CCABF3773EA}"/>
               </a:ext>
             </a:extLst>
           </p:cNvPr>
@@ -8266,9 +8530,7 @@
         </p:nvSpPr>
         <p:spPr/>
         <p:txBody>
-          <a:bodyPr>
-            <a:normAutofit/>
-          </a:bodyPr>
+          <a:bodyPr/>
           <a:lstStyle/>
           <a:p>
             <a:r>
@@ -8276,7 +8538,7 @@
                 <a:latin typeface="Times New Roman" panose="02020603050405020304" pitchFamily="18" charset="0"/>
                 <a:cs typeface="Times New Roman" panose="02020603050405020304" pitchFamily="18" charset="0"/>
               </a:rPr>
-              <a:t>Alternatives</a:t>
+              <a:t>Requirements</a:t>
             </a:r>
             <a:endParaRPr lang="en-US" dirty="0">
               <a:latin typeface="Times New Roman" panose="02020603050405020304" pitchFamily="18" charset="0"/>
@@ -8290,7 +8552,7 @@
           <p:cNvPr id="3" name="Content Placeholder 2">
             <a:extLst>
               <a:ext uri="{FF2B5EF4-FFF2-40B4-BE49-F238E27FC236}">
-                <a16:creationId xmlns:a16="http://schemas.microsoft.com/office/drawing/2014/main" id="{9E3C7773-D7F0-4DE4-96D2-61950A303263}"/>
+                <a16:creationId xmlns:a16="http://schemas.microsoft.com/office/drawing/2014/main" id="{1AD02A7B-7E90-429C-A065-3F40FA8B660B}"/>
               </a:ext>
             </a:extLst>
           </p:cNvPr>
@@ -8301,27 +8563,63 @@
             <p:ph idx="1"/>
           </p:nvPr>
         </p:nvSpPr>
-        <p:spPr>
-          <a:xfrm>
-            <a:off x="457200" y="1600201"/>
-            <a:ext cx="6019800" cy="1295400"/>
-          </a:xfrm>
-        </p:spPr>
+        <p:spPr/>
         <p:txBody>
           <a:bodyPr>
-            <a:normAutofit fontScale="70000" lnSpcReduction="20000"/>
+            <a:normAutofit/>
           </a:bodyPr>
           <a:lstStyle/>
           <a:p>
-            <a:pPr marL="0" indent="0" algn="l">
+            <a:pPr marL="0" marR="0"/>
+            <a:r>
+              <a:rPr lang="en-US" sz="2800" dirty="0">
+                <a:effectLst/>
+                <a:latin typeface="Times New Roman" panose="02020603050405020304" pitchFamily="18" charset="0"/>
+                <a:ea typeface="Times New Roman" panose="02020603050405020304" pitchFamily="18" charset="0"/>
+              </a:rPr>
+              <a:t>Must automatically dispense bird feed when a bird is "detected“</a:t>
+            </a:r>
+          </a:p>
+          <a:p>
+            <a:pPr marL="0" marR="0" indent="0">
               <a:buNone/>
             </a:pPr>
-            <a:r>
-              <a:rPr lang="en-US" dirty="0">
-                <a:latin typeface="Times New Roman" panose="02020603050405020304" pitchFamily="18" charset="0"/>
-                <a:cs typeface="Times New Roman" panose="02020603050405020304" pitchFamily="18" charset="0"/>
-              </a:rPr>
-              <a:t>The existing smart bird feeders are focused on bird watchers with smart cameras – none focus on smart selectivity in using weight to not feed squirrels and crows.</a:t>
+            <a:endParaRPr lang="en-US" sz="2800" dirty="0">
+              <a:effectLst/>
+              <a:latin typeface="Times New Roman" panose="02020603050405020304" pitchFamily="18" charset="0"/>
+              <a:ea typeface="Times New Roman" panose="02020603050405020304" pitchFamily="18" charset="0"/>
+            </a:endParaRPr>
+          </a:p>
+          <a:p>
+            <a:pPr marL="0" marR="0"/>
+            <a:r>
+              <a:rPr lang="en-US" sz="2800" dirty="0">
+                <a:effectLst/>
+                <a:latin typeface="Times New Roman" panose="02020603050405020304" pitchFamily="18" charset="0"/>
+                <a:ea typeface="Times New Roman" panose="02020603050405020304" pitchFamily="18" charset="0"/>
+              </a:rPr>
+              <a:t>Must be able to "feed" only small birds</a:t>
+            </a:r>
+          </a:p>
+          <a:p>
+            <a:pPr marL="0" marR="0" indent="0">
+              <a:buNone/>
+            </a:pPr>
+            <a:endParaRPr lang="en-US" sz="2800" dirty="0">
+              <a:effectLst/>
+              <a:latin typeface="Times New Roman" panose="02020603050405020304" pitchFamily="18" charset="0"/>
+              <a:ea typeface="Times New Roman" panose="02020603050405020304" pitchFamily="18" charset="0"/>
+            </a:endParaRPr>
+          </a:p>
+          <a:p>
+            <a:pPr marL="0" marR="0"/>
+            <a:r>
+              <a:rPr lang="en-US" sz="2800" dirty="0">
+                <a:effectLst/>
+                <a:latin typeface="Times New Roman" panose="02020603050405020304" pitchFamily="18" charset="0"/>
+                <a:ea typeface="Times New Roman" panose="02020603050405020304" pitchFamily="18" charset="0"/>
+              </a:rPr>
+              <a:t>Must use a microcontroller to control servo based on microphone and weight sensor</a:t>
             </a:r>
           </a:p>
         </p:txBody>
@@ -8331,7 +8629,7 @@
           <p:cNvPr id="5" name="Picture 4">
             <a:extLst>
               <a:ext uri="{FF2B5EF4-FFF2-40B4-BE49-F238E27FC236}">
-                <a16:creationId xmlns:a16="http://schemas.microsoft.com/office/drawing/2014/main" id="{978461DD-35BD-4BCE-ABDC-030B6FA99D65}"/>
+                <a16:creationId xmlns:a16="http://schemas.microsoft.com/office/drawing/2014/main" id="{DF9AB3A6-4011-418D-83F4-FA74FF291EF2}"/>
               </a:ext>
             </a:extLst>
           </p:cNvPr>
@@ -8341,7 +8639,7 @@
           <p:nvPr/>
         </p:nvPicPr>
         <p:blipFill>
-          <a:blip r:embed="rId3">
+          <a:blip r:embed="rId2">
             <a:extLst>
               <a:ext uri="{28A0092B-C50C-407E-A947-70E740481C1C}">
                 <a14:useLocalDpi xmlns:a14="http://schemas.microsoft.com/office/drawing/2010/main" val="0"/>
@@ -8362,42 +8660,12 @@
           </a:prstGeom>
         </p:spPr>
       </p:pic>
-      <p:pic>
-        <p:nvPicPr>
-          <p:cNvPr id="7" name="Picture 6">
+      <p:sp>
+        <p:nvSpPr>
+          <p:cNvPr id="4" name="Slide Number Placeholder 3">
             <a:extLst>
               <a:ext uri="{FF2B5EF4-FFF2-40B4-BE49-F238E27FC236}">
-                <a16:creationId xmlns:a16="http://schemas.microsoft.com/office/drawing/2014/main" id="{62E29751-7E9B-4146-A9A2-F5DD0AEA8EE8}"/>
-              </a:ext>
-            </a:extLst>
-          </p:cNvPr>
-          <p:cNvPicPr>
-            <a:picLocks noChangeAspect="1"/>
-          </p:cNvPicPr>
-          <p:nvPr/>
-        </p:nvPicPr>
-        <p:blipFill>
-          <a:blip r:embed="rId4"/>
-          <a:stretch>
-            <a:fillRect/>
-          </a:stretch>
-        </p:blipFill>
-        <p:spPr>
-          <a:xfrm>
-            <a:off x="761999" y="2971768"/>
-            <a:ext cx="7153523" cy="3470390"/>
-          </a:xfrm>
-          <a:prstGeom prst="rect">
-            <a:avLst/>
-          </a:prstGeom>
-        </p:spPr>
-      </p:pic>
-      <p:sp>
-        <p:nvSpPr>
-          <p:cNvPr id="4" name="Slide Number Placeholder 3">
-            <a:extLst>
-              <a:ext uri="{FF2B5EF4-FFF2-40B4-BE49-F238E27FC236}">
-                <a16:creationId xmlns:a16="http://schemas.microsoft.com/office/drawing/2014/main" id="{93C0ADDF-BABA-4EF6-8B74-C9F8107712DD}"/>
+                <a16:creationId xmlns:a16="http://schemas.microsoft.com/office/drawing/2014/main" id="{238AF00E-A8A1-442E-B647-819839D2F61A}"/>
               </a:ext>
             </a:extLst>
           </p:cNvPr>
@@ -8424,10 +8692,10 @@
       </p:sp>
       <p:sp>
         <p:nvSpPr>
-          <p:cNvPr id="8" name="Footer Placeholder 5">
+          <p:cNvPr id="6" name="Footer Placeholder 5">
             <a:extLst>
               <a:ext uri="{FF2B5EF4-FFF2-40B4-BE49-F238E27FC236}">
-                <a16:creationId xmlns:a16="http://schemas.microsoft.com/office/drawing/2014/main" id="{E06F82C7-6505-466B-83B3-C64E65CDB2AC}"/>
+                <a16:creationId xmlns:a16="http://schemas.microsoft.com/office/drawing/2014/main" id="{DF19F39E-CEE0-4601-ADFC-BA2486F79E5F}"/>
               </a:ext>
             </a:extLst>
           </p:cNvPr>
@@ -8458,7 +8726,7 @@
     </p:spTree>
     <p:extLst>
       <p:ext uri="{BB962C8B-B14F-4D97-AF65-F5344CB8AC3E}">
-        <p14:creationId xmlns:p14="http://schemas.microsoft.com/office/powerpoint/2010/main" val="99756877"/>
+        <p14:creationId xmlns:p14="http://schemas.microsoft.com/office/powerpoint/2010/main" val="2803105342"/>
       </p:ext>
     </p:extLst>
   </p:cSld>
@@ -8490,7 +8758,7 @@
           <p:cNvPr id="2" name="Title 1">
             <a:extLst>
               <a:ext uri="{FF2B5EF4-FFF2-40B4-BE49-F238E27FC236}">
-                <a16:creationId xmlns:a16="http://schemas.microsoft.com/office/drawing/2014/main" id="{325D915F-2F40-485E-926D-7CCABF3773EA}"/>
+                <a16:creationId xmlns:a16="http://schemas.microsoft.com/office/drawing/2014/main" id="{921059BB-0DC2-43C2-B023-209B234230BC}"/>
               </a:ext>
             </a:extLst>
           </p:cNvPr>
@@ -8503,17 +8771,25 @@
         </p:nvSpPr>
         <p:spPr/>
         <p:txBody>
-          <a:bodyPr/>
+          <a:bodyPr>
+            <a:normAutofit fontScale="90000"/>
+          </a:bodyPr>
           <a:lstStyle/>
           <a:p>
             <a:r>
               <a:rPr lang="en-US" sz="4400" b="0" i="0" u="none" strike="noStrike" baseline="0" dirty="0">
-                <a:latin typeface="Times New Roman" panose="02020603050405020304" pitchFamily="18" charset="0"/>
-                <a:cs typeface="Times New Roman" panose="02020603050405020304" pitchFamily="18" charset="0"/>
-              </a:rPr>
-              <a:t>Requirements</a:t>
+                <a:solidFill>
+                  <a:schemeClr val="tx1"/>
+                </a:solidFill>
+                <a:latin typeface="Times New Roman" panose="02020603050405020304" pitchFamily="18" charset="0"/>
+                <a:cs typeface="Times New Roman" panose="02020603050405020304" pitchFamily="18" charset="0"/>
+              </a:rPr>
+              <a:t>Design – Hardware – Level 0</a:t>
             </a:r>
             <a:endParaRPr lang="en-US" dirty="0">
+              <a:solidFill>
+                <a:schemeClr val="tx1"/>
+              </a:solidFill>
               <a:latin typeface="Times New Roman" panose="02020603050405020304" pitchFamily="18" charset="0"/>
               <a:cs typeface="Times New Roman" panose="02020603050405020304" pitchFamily="18" charset="0"/>
             </a:endParaRPr>
@@ -8525,7 +8801,7 @@
           <p:cNvPr id="3" name="Content Placeholder 2">
             <a:extLst>
               <a:ext uri="{FF2B5EF4-FFF2-40B4-BE49-F238E27FC236}">
-                <a16:creationId xmlns:a16="http://schemas.microsoft.com/office/drawing/2014/main" id="{1AD02A7B-7E90-429C-A065-3F40FA8B660B}"/>
+                <a16:creationId xmlns:a16="http://schemas.microsoft.com/office/drawing/2014/main" id="{92659F5A-FDC1-4BE8-97AE-6711D7AE2A44}"/>
               </a:ext>
             </a:extLst>
           </p:cNvPr>
@@ -8536,63 +8812,39 @@
             <p:ph idx="1"/>
           </p:nvPr>
         </p:nvSpPr>
-        <p:spPr/>
+        <p:spPr>
+          <a:xfrm>
+            <a:off x="419431" y="1166019"/>
+            <a:ext cx="6604360" cy="1653382"/>
+          </a:xfrm>
+        </p:spPr>
         <p:txBody>
           <a:bodyPr>
-            <a:normAutofit/>
+            <a:normAutofit lnSpcReduction="10000"/>
           </a:bodyPr>
           <a:lstStyle/>
           <a:p>
-            <a:pPr marL="0" marR="0"/>
-            <a:r>
-              <a:rPr lang="en-US" sz="2800" dirty="0">
-                <a:effectLst/>
-                <a:latin typeface="Times New Roman" panose="02020603050405020304" pitchFamily="18" charset="0"/>
-                <a:ea typeface="Times New Roman" panose="02020603050405020304" pitchFamily="18" charset="0"/>
-              </a:rPr>
-              <a:t>Must automatically dispense bird feed when a bird is "detected“</a:t>
-            </a:r>
-          </a:p>
-          <a:p>
-            <a:pPr marL="0" marR="0" indent="0">
+            <a:pPr marL="0" indent="0" algn="l">
               <a:buNone/>
             </a:pPr>
-            <a:endParaRPr lang="en-US" sz="2800" dirty="0">
-              <a:effectLst/>
-              <a:latin typeface="Times New Roman" panose="02020603050405020304" pitchFamily="18" charset="0"/>
-              <a:ea typeface="Times New Roman" panose="02020603050405020304" pitchFamily="18" charset="0"/>
-            </a:endParaRPr>
-          </a:p>
-          <a:p>
-            <a:pPr marL="0" marR="0"/>
-            <a:r>
-              <a:rPr lang="en-US" sz="2800" dirty="0">
-                <a:effectLst/>
-                <a:latin typeface="Times New Roman" panose="02020603050405020304" pitchFamily="18" charset="0"/>
-                <a:ea typeface="Times New Roman" panose="02020603050405020304" pitchFamily="18" charset="0"/>
-              </a:rPr>
-              <a:t>Must be able to "feed" only small birds</a:t>
-            </a:r>
-          </a:p>
-          <a:p>
-            <a:pPr marL="0" marR="0" indent="0">
+            <a:r>
+              <a:rPr lang="en-US" sz="2000" dirty="0">
+                <a:latin typeface="Times New Roman" panose="02020603050405020304" pitchFamily="18" charset="0"/>
+                <a:cs typeface="Times New Roman" panose="02020603050405020304" pitchFamily="18" charset="0"/>
+              </a:rPr>
+              <a:t>We had to redesign to use a weight/force sensor to determine small bird vs crow/squirrel instead of only frequency. There isn’t sufficient difference between frequency of squirrels to birds to only use audio. </a:t>
+            </a:r>
+          </a:p>
+          <a:p>
+            <a:pPr marL="0" indent="0" algn="l">
               <a:buNone/>
             </a:pPr>
-            <a:endParaRPr lang="en-US" sz="2800" dirty="0">
-              <a:effectLst/>
-              <a:latin typeface="Times New Roman" panose="02020603050405020304" pitchFamily="18" charset="0"/>
-              <a:ea typeface="Times New Roman" panose="02020603050405020304" pitchFamily="18" charset="0"/>
-            </a:endParaRPr>
-          </a:p>
-          <a:p>
-            <a:pPr marL="0" marR="0"/>
-            <a:r>
-              <a:rPr lang="en-US" sz="2800" dirty="0">
-                <a:effectLst/>
-                <a:latin typeface="Times New Roman" panose="02020603050405020304" pitchFamily="18" charset="0"/>
-                <a:ea typeface="Times New Roman" panose="02020603050405020304" pitchFamily="18" charset="0"/>
-              </a:rPr>
-              <a:t>Must use a microcontroller to control servo based on microphone and weight sensor</a:t>
+            <a:r>
+              <a:rPr lang="en-US" sz="2000" dirty="0">
+                <a:latin typeface="Times New Roman" panose="02020603050405020304" pitchFamily="18" charset="0"/>
+                <a:cs typeface="Times New Roman" panose="02020603050405020304" pitchFamily="18" charset="0"/>
+              </a:rPr>
+              <a:t> </a:t>
             </a:r>
           </a:p>
         </p:txBody>
@@ -8602,7 +8854,7 @@
           <p:cNvPr id="5" name="Picture 4">
             <a:extLst>
               <a:ext uri="{FF2B5EF4-FFF2-40B4-BE49-F238E27FC236}">
-                <a16:creationId xmlns:a16="http://schemas.microsoft.com/office/drawing/2014/main" id="{DF9AB3A6-4011-418D-83F4-FA74FF291EF2}"/>
+                <a16:creationId xmlns:a16="http://schemas.microsoft.com/office/drawing/2014/main" id="{66655F1A-86C5-47EF-A382-5261D853C429}"/>
               </a:ext>
             </a:extLst>
           </p:cNvPr>
@@ -8638,7 +8890,7 @@
           <p:cNvPr id="4" name="Slide Number Placeholder 3">
             <a:extLst>
               <a:ext uri="{FF2B5EF4-FFF2-40B4-BE49-F238E27FC236}">
-                <a16:creationId xmlns:a16="http://schemas.microsoft.com/office/drawing/2014/main" id="{238AF00E-A8A1-442E-B647-819839D2F61A}"/>
+                <a16:creationId xmlns:a16="http://schemas.microsoft.com/office/drawing/2014/main" id="{4662A9BF-CB90-4AF5-B0B9-FBF186D962EF}"/>
               </a:ext>
             </a:extLst>
           </p:cNvPr>
@@ -8663,12 +8915,42 @@
           </a:p>
         </p:txBody>
       </p:sp>
-      <p:sp>
-        <p:nvSpPr>
-          <p:cNvPr id="6" name="Footer Placeholder 5">
+      <p:pic>
+        <p:nvPicPr>
+          <p:cNvPr id="7" name="Picture 6">
             <a:extLst>
               <a:ext uri="{FF2B5EF4-FFF2-40B4-BE49-F238E27FC236}">
-                <a16:creationId xmlns:a16="http://schemas.microsoft.com/office/drawing/2014/main" id="{DF19F39E-CEE0-4601-ADFC-BA2486F79E5F}"/>
+                <a16:creationId xmlns:a16="http://schemas.microsoft.com/office/drawing/2014/main" id="{EEC7F126-BF2F-4683-A8EC-D1681D09128A}"/>
+              </a:ext>
+            </a:extLst>
+          </p:cNvPr>
+          <p:cNvPicPr>
+            <a:picLocks noChangeAspect="1"/>
+          </p:cNvPicPr>
+          <p:nvPr/>
+        </p:nvPicPr>
+        <p:blipFill>
+          <a:blip r:embed="rId3"/>
+          <a:stretch>
+            <a:fillRect/>
+          </a:stretch>
+        </p:blipFill>
+        <p:spPr>
+          <a:xfrm>
+            <a:off x="1752600" y="2819401"/>
+            <a:ext cx="5264100" cy="3405725"/>
+          </a:xfrm>
+          <a:prstGeom prst="rect">
+            <a:avLst/>
+          </a:prstGeom>
+        </p:spPr>
+      </p:pic>
+      <p:sp>
+        <p:nvSpPr>
+          <p:cNvPr id="8" name="Footer Placeholder 5">
+            <a:extLst>
+              <a:ext uri="{FF2B5EF4-FFF2-40B4-BE49-F238E27FC236}">
+                <a16:creationId xmlns:a16="http://schemas.microsoft.com/office/drawing/2014/main" id="{23B2B4DB-A9C3-4F73-82D8-9F828FF63369}"/>
               </a:ext>
             </a:extLst>
           </p:cNvPr>
@@ -8691,7 +8973,7 @@
           <a:p>
             <a:r>
               <a:rPr lang="en-US" dirty="0"/>
-              <a:t>ST</a:t>
+              <a:t>NS</a:t>
             </a:r>
           </a:p>
         </p:txBody>
@@ -8699,7 +8981,7 @@
     </p:spTree>
     <p:extLst>
       <p:ext uri="{BB962C8B-B14F-4D97-AF65-F5344CB8AC3E}">
-        <p14:creationId xmlns:p14="http://schemas.microsoft.com/office/powerpoint/2010/main" val="2803105342"/>
+        <p14:creationId xmlns:p14="http://schemas.microsoft.com/office/powerpoint/2010/main" val="41588207"/>
       </p:ext>
     </p:extLst>
   </p:cSld>
@@ -8752,73 +9034,20 @@
             <a:r>
               <a:rPr lang="en-US" sz="4400" b="0" i="0" u="none" strike="noStrike" baseline="0" dirty="0">
                 <a:solidFill>
-                  <a:schemeClr val="tx1"/>
+                  <a:srgbClr val="FF0000"/>
                 </a:solidFill>
                 <a:latin typeface="Times New Roman" panose="02020603050405020304" pitchFamily="18" charset="0"/>
                 <a:cs typeface="Times New Roman" panose="02020603050405020304" pitchFamily="18" charset="0"/>
               </a:rPr>
-              <a:t>Design – Hardware – Level 0</a:t>
+              <a:t>Design – Hardware – Level 1</a:t>
             </a:r>
             <a:endParaRPr lang="en-US" dirty="0">
               <a:solidFill>
-                <a:schemeClr val="tx1"/>
+                <a:srgbClr val="FF0000"/>
               </a:solidFill>
               <a:latin typeface="Times New Roman" panose="02020603050405020304" pitchFamily="18" charset="0"/>
               <a:cs typeface="Times New Roman" panose="02020603050405020304" pitchFamily="18" charset="0"/>
             </a:endParaRPr>
-          </a:p>
-        </p:txBody>
-      </p:sp>
-      <p:sp>
-        <p:nvSpPr>
-          <p:cNvPr id="3" name="Content Placeholder 2">
-            <a:extLst>
-              <a:ext uri="{FF2B5EF4-FFF2-40B4-BE49-F238E27FC236}">
-                <a16:creationId xmlns:a16="http://schemas.microsoft.com/office/drawing/2014/main" id="{92659F5A-FDC1-4BE8-97AE-6711D7AE2A44}"/>
-              </a:ext>
-            </a:extLst>
-          </p:cNvPr>
-          <p:cNvSpPr>
-            <a:spLocks noGrp="1"/>
-          </p:cNvSpPr>
-          <p:nvPr>
-            <p:ph idx="1"/>
-          </p:nvPr>
-        </p:nvSpPr>
-        <p:spPr>
-          <a:xfrm>
-            <a:off x="419431" y="1166019"/>
-            <a:ext cx="6604360" cy="1653382"/>
-          </a:xfrm>
-        </p:spPr>
-        <p:txBody>
-          <a:bodyPr>
-            <a:normAutofit lnSpcReduction="10000"/>
-          </a:bodyPr>
-          <a:lstStyle/>
-          <a:p>
-            <a:pPr marL="0" indent="0" algn="l">
-              <a:buNone/>
-            </a:pPr>
-            <a:r>
-              <a:rPr lang="en-US" sz="2000" dirty="0">
-                <a:latin typeface="Times New Roman" panose="02020603050405020304" pitchFamily="18" charset="0"/>
-                <a:cs typeface="Times New Roman" panose="02020603050405020304" pitchFamily="18" charset="0"/>
-              </a:rPr>
-              <a:t>We had to redesign to use a weight/force sensor to determine small bird vs crow/squirrel instead of only frequency. There isn’t sufficient difference between frequency of squirrels to birds to only use audio. </a:t>
-            </a:r>
-          </a:p>
-          <a:p>
-            <a:pPr marL="0" indent="0" algn="l">
-              <a:buNone/>
-            </a:pPr>
-            <a:r>
-              <a:rPr lang="en-US" sz="2000" dirty="0">
-                <a:latin typeface="Times New Roman" panose="02020603050405020304" pitchFamily="18" charset="0"/>
-                <a:cs typeface="Times New Roman" panose="02020603050405020304" pitchFamily="18" charset="0"/>
-              </a:rPr>
-              <a:t> </a:t>
-            </a:r>
           </a:p>
         </p:txBody>
       </p:sp>
@@ -8888,42 +9117,12 @@
           </a:p>
         </p:txBody>
       </p:sp>
-      <p:pic>
-        <p:nvPicPr>
-          <p:cNvPr id="7" name="Picture 6">
+      <p:sp>
+        <p:nvSpPr>
+          <p:cNvPr id="6" name="Footer Placeholder 5">
             <a:extLst>
               <a:ext uri="{FF2B5EF4-FFF2-40B4-BE49-F238E27FC236}">
-                <a16:creationId xmlns:a16="http://schemas.microsoft.com/office/drawing/2014/main" id="{EEC7F126-BF2F-4683-A8EC-D1681D09128A}"/>
-              </a:ext>
-            </a:extLst>
-          </p:cNvPr>
-          <p:cNvPicPr>
-            <a:picLocks noChangeAspect="1"/>
-          </p:cNvPicPr>
-          <p:nvPr/>
-        </p:nvPicPr>
-        <p:blipFill>
-          <a:blip r:embed="rId3"/>
-          <a:stretch>
-            <a:fillRect/>
-          </a:stretch>
-        </p:blipFill>
-        <p:spPr>
-          <a:xfrm>
-            <a:off x="1752600" y="2819401"/>
-            <a:ext cx="5264100" cy="3405725"/>
-          </a:xfrm>
-          <a:prstGeom prst="rect">
-            <a:avLst/>
-          </a:prstGeom>
-        </p:spPr>
-      </p:pic>
-      <p:sp>
-        <p:nvSpPr>
-          <p:cNvPr id="8" name="Footer Placeholder 5">
-            <a:extLst>
-              <a:ext uri="{FF2B5EF4-FFF2-40B4-BE49-F238E27FC236}">
-                <a16:creationId xmlns:a16="http://schemas.microsoft.com/office/drawing/2014/main" id="{23B2B4DB-A9C3-4F73-82D8-9F828FF63369}"/>
+                <a16:creationId xmlns:a16="http://schemas.microsoft.com/office/drawing/2014/main" id="{22E79C5A-5D48-4EF3-913F-D27102483181}"/>
               </a:ext>
             </a:extLst>
           </p:cNvPr>
@@ -8954,7 +9153,7 @@
     </p:spTree>
     <p:extLst>
       <p:ext uri="{BB962C8B-B14F-4D97-AF65-F5344CB8AC3E}">
-        <p14:creationId xmlns:p14="http://schemas.microsoft.com/office/powerpoint/2010/main" val="41588207"/>
+        <p14:creationId xmlns:p14="http://schemas.microsoft.com/office/powerpoint/2010/main" val="4286155860"/>
       </p:ext>
     </p:extLst>
   </p:cSld>
@@ -9012,7 +9211,26 @@
                 <a:latin typeface="Times New Roman" panose="02020603050405020304" pitchFamily="18" charset="0"/>
                 <a:cs typeface="Times New Roman" panose="02020603050405020304" pitchFamily="18" charset="0"/>
               </a:rPr>
-              <a:t>Design – Hardware – Level 1</a:t>
+              <a:t>Design – </a:t>
+            </a:r>
+            <a:br>
+              <a:rPr lang="en-US" sz="4400" b="0" i="0" u="none" strike="noStrike" baseline="0" dirty="0">
+                <a:solidFill>
+                  <a:srgbClr val="FF0000"/>
+                </a:solidFill>
+                <a:latin typeface="Times New Roman" panose="02020603050405020304" pitchFamily="18" charset="0"/>
+                <a:cs typeface="Times New Roman" panose="02020603050405020304" pitchFamily="18" charset="0"/>
+              </a:rPr>
+            </a:br>
+            <a:r>
+              <a:rPr lang="en-US" sz="4400" b="0" i="0" u="none" strike="noStrike" baseline="0" dirty="0">
+                <a:solidFill>
+                  <a:srgbClr val="FF0000"/>
+                </a:solidFill>
+                <a:latin typeface="Times New Roman" panose="02020603050405020304" pitchFamily="18" charset="0"/>
+                <a:cs typeface="Times New Roman" panose="02020603050405020304" pitchFamily="18" charset="0"/>
+              </a:rPr>
+              <a:t>State Transition Diagram</a:t>
             </a:r>
             <a:endParaRPr lang="en-US" dirty="0">
               <a:solidFill>
@@ -9021,6 +9239,47 @@
               <a:latin typeface="Times New Roman" panose="02020603050405020304" pitchFamily="18" charset="0"/>
               <a:cs typeface="Times New Roman" panose="02020603050405020304" pitchFamily="18" charset="0"/>
             </a:endParaRPr>
+          </a:p>
+        </p:txBody>
+      </p:sp>
+      <p:sp>
+        <p:nvSpPr>
+          <p:cNvPr id="3" name="Content Placeholder 2">
+            <a:extLst>
+              <a:ext uri="{FF2B5EF4-FFF2-40B4-BE49-F238E27FC236}">
+                <a16:creationId xmlns:a16="http://schemas.microsoft.com/office/drawing/2014/main" id="{92659F5A-FDC1-4BE8-97AE-6711D7AE2A44}"/>
+              </a:ext>
+            </a:extLst>
+          </p:cNvPr>
+          <p:cNvSpPr>
+            <a:spLocks noGrp="1"/>
+          </p:cNvSpPr>
+          <p:nvPr>
+            <p:ph idx="1"/>
+          </p:nvPr>
+        </p:nvSpPr>
+        <p:spPr/>
+        <p:txBody>
+          <a:bodyPr/>
+          <a:lstStyle/>
+          <a:p>
+            <a:pPr algn="l"/>
+            <a:r>
+              <a:rPr lang="en-US" sz="3200" b="0" i="1" u="none" strike="noStrike" baseline="0" dirty="0">
+                <a:latin typeface="Calibri-Italic"/>
+              </a:rPr>
+              <a:t>Describe design using appropriate methods (e.g. block diagrams, UML models, algorithms)</a:t>
+            </a:r>
+          </a:p>
+          <a:p>
+            <a:pPr algn="l"/>
+            <a:r>
+              <a:rPr lang="en-US" sz="3200" b="0" i="1" u="none" strike="noStrike" baseline="0" dirty="0">
+                <a:latin typeface="Calibri-Italic"/>
+              </a:rPr>
+              <a:t>Discuss design alternatives, trade-offs, decisions made</a:t>
+            </a:r>
+            <a:endParaRPr lang="en-US" dirty="0"/>
           </a:p>
         </p:txBody>
       </p:sp>
@@ -9065,7 +9324,7 @@
           <p:cNvPr id="4" name="Slide Number Placeholder 3">
             <a:extLst>
               <a:ext uri="{FF2B5EF4-FFF2-40B4-BE49-F238E27FC236}">
-                <a16:creationId xmlns:a16="http://schemas.microsoft.com/office/drawing/2014/main" id="{4662A9BF-CB90-4AF5-B0B9-FBF186D962EF}"/>
+                <a16:creationId xmlns:a16="http://schemas.microsoft.com/office/drawing/2014/main" id="{E6E396EA-07E4-4DFA-901F-155030FE1376}"/>
               </a:ext>
             </a:extLst>
           </p:cNvPr>
@@ -9095,7 +9354,7 @@
           <p:cNvPr id="6" name="Footer Placeholder 5">
             <a:extLst>
               <a:ext uri="{FF2B5EF4-FFF2-40B4-BE49-F238E27FC236}">
-                <a16:creationId xmlns:a16="http://schemas.microsoft.com/office/drawing/2014/main" id="{22E79C5A-5D48-4EF3-913F-D27102483181}"/>
+                <a16:creationId xmlns:a16="http://schemas.microsoft.com/office/drawing/2014/main" id="{CC140960-66BE-435F-8C22-EF333883DA66}"/>
               </a:ext>
             </a:extLst>
           </p:cNvPr>
@@ -9126,7 +9385,7 @@
     </p:spTree>
     <p:extLst>
       <p:ext uri="{BB962C8B-B14F-4D97-AF65-F5344CB8AC3E}">
-        <p14:creationId xmlns:p14="http://schemas.microsoft.com/office/powerpoint/2010/main" val="4286155860"/>
+        <p14:creationId xmlns:p14="http://schemas.microsoft.com/office/powerpoint/2010/main" val="4226447215"/>
       </p:ext>
     </p:extLst>
   </p:cSld>

--- a/Smart_Bird_Feeder_Presentation.pptx
+++ b/Smart_Bird_Feeder_Presentation.pptx
@@ -5001,22 +5001,12 @@
           <a:lstStyle/>
           <a:p>
             <a:r>
-              <a:rPr lang="en-US" sz="4400" b="0" i="0" u="none" strike="noStrike" baseline="0" dirty="0">
-                <a:solidFill>
-                  <a:srgbClr val="FF0000"/>
-                </a:solidFill>
+              <a:rPr lang="en-US" dirty="0">
                 <a:latin typeface="Times New Roman" panose="02020603050405020304" pitchFamily="18" charset="0"/>
                 <a:cs typeface="Times New Roman" panose="02020603050405020304" pitchFamily="18" charset="0"/>
               </a:rPr>
               <a:t>Design - CAD</a:t>
             </a:r>
-            <a:endParaRPr lang="en-US" dirty="0">
-              <a:solidFill>
-                <a:srgbClr val="FF0000"/>
-              </a:solidFill>
-              <a:latin typeface="Times New Roman" panose="02020603050405020304" pitchFamily="18" charset="0"/>
-              <a:cs typeface="Times New Roman" panose="02020603050405020304" pitchFamily="18" charset="0"/>
-            </a:endParaRPr>
           </a:p>
         </p:txBody>
       </p:sp>
@@ -5119,6 +5109,77 @@
           </a:p>
         </p:txBody>
       </p:sp>
+      <p:pic>
+        <p:nvPicPr>
+          <p:cNvPr id="7" name="Picture 6" descr="A picture containing indoor&#10;&#10;Description automatically generated">
+            <a:extLst>
+              <a:ext uri="{FF2B5EF4-FFF2-40B4-BE49-F238E27FC236}">
+                <a16:creationId xmlns:a16="http://schemas.microsoft.com/office/drawing/2014/main" id="{9B790636-93E9-4D4F-9D9C-1FF5822BA96B}"/>
+              </a:ext>
+            </a:extLst>
+          </p:cNvPr>
+          <p:cNvPicPr>
+            <a:picLocks noChangeAspect="1"/>
+          </p:cNvPicPr>
+          <p:nvPr/>
+        </p:nvPicPr>
+        <p:blipFill rotWithShape="1">
+          <a:blip r:embed="rId3">
+            <a:extLst>
+              <a:ext uri="{28A0092B-C50C-407E-A947-70E740481C1C}">
+                <a14:useLocalDpi xmlns:a14="http://schemas.microsoft.com/office/drawing/2010/main" val="0"/>
+              </a:ext>
+            </a:extLst>
+          </a:blip>
+          <a:srcRect l="4034" r="6092"/>
+          <a:stretch/>
+        </p:blipFill>
+        <p:spPr>
+          <a:xfrm>
+            <a:off x="1219200" y="1487793"/>
+            <a:ext cx="5410200" cy="2627855"/>
+          </a:xfrm>
+          <a:prstGeom prst="rect">
+            <a:avLst/>
+          </a:prstGeom>
+        </p:spPr>
+      </p:pic>
+      <p:pic>
+        <p:nvPicPr>
+          <p:cNvPr id="9" name="Picture 8" descr="A picture containing table&#10;&#10;Description automatically generated">
+            <a:extLst>
+              <a:ext uri="{FF2B5EF4-FFF2-40B4-BE49-F238E27FC236}">
+                <a16:creationId xmlns:a16="http://schemas.microsoft.com/office/drawing/2014/main" id="{10CFB9D0-F0A6-4288-9792-C6E6D3CC2BD7}"/>
+              </a:ext>
+            </a:extLst>
+          </p:cNvPr>
+          <p:cNvPicPr>
+            <a:picLocks noChangeAspect="1"/>
+          </p:cNvPicPr>
+          <p:nvPr/>
+        </p:nvPicPr>
+        <p:blipFill>
+          <a:blip r:embed="rId4">
+            <a:extLst>
+              <a:ext uri="{28A0092B-C50C-407E-A947-70E740481C1C}">
+                <a14:useLocalDpi xmlns:a14="http://schemas.microsoft.com/office/drawing/2010/main" val="0"/>
+              </a:ext>
+            </a:extLst>
+          </a:blip>
+          <a:stretch>
+            <a:fillRect/>
+          </a:stretch>
+        </p:blipFill>
+        <p:spPr>
+          <a:xfrm>
+            <a:off x="1219200" y="4264272"/>
+            <a:ext cx="5410200" cy="2185808"/>
+          </a:xfrm>
+          <a:prstGeom prst="rect">
+            <a:avLst/>
+          </a:prstGeom>
+        </p:spPr>
+      </p:pic>
     </p:spTree>
     <p:extLst>
       <p:ext uri="{BB962C8B-B14F-4D97-AF65-F5344CB8AC3E}">
@@ -5167,7 +5228,7 @@
         </p:nvSpPr>
         <p:spPr>
           <a:xfrm>
-            <a:off x="344483" y="304800"/>
+            <a:off x="685800" y="-76200"/>
             <a:ext cx="6629400" cy="1143000"/>
           </a:xfrm>
         </p:spPr>
@@ -5227,12 +5288,75 @@
           </a:prstGeom>
         </p:spPr>
       </p:pic>
+      <p:sp>
+        <p:nvSpPr>
+          <p:cNvPr id="3" name="Slide Number Placeholder 2">
+            <a:extLst>
+              <a:ext uri="{FF2B5EF4-FFF2-40B4-BE49-F238E27FC236}">
+                <a16:creationId xmlns:a16="http://schemas.microsoft.com/office/drawing/2014/main" id="{B2CCB504-4FE6-4A97-B95A-9323B1C4A41A}"/>
+              </a:ext>
+            </a:extLst>
+          </p:cNvPr>
+          <p:cNvSpPr>
+            <a:spLocks noGrp="1"/>
+          </p:cNvSpPr>
+          <p:nvPr>
+            <p:ph type="sldNum" sz="quarter" idx="12"/>
+          </p:nvPr>
+        </p:nvSpPr>
+        <p:spPr/>
+        <p:txBody>
+          <a:bodyPr/>
+          <a:lstStyle/>
+          <a:p>
+            <a:fld id="{C806B262-DE4B-41F2-8D27-37F2CF938DE7}" type="slidenum">
+              <a:rPr lang="en-US" smtClean="0"/>
+              <a:pPr/>
+              <a:t>12</a:t>
+            </a:fld>
+            <a:endParaRPr lang="en-US"/>
+          </a:p>
+        </p:txBody>
+      </p:sp>
+      <p:sp>
+        <p:nvSpPr>
+          <p:cNvPr id="6" name="Footer Placeholder 5">
+            <a:extLst>
+              <a:ext uri="{FF2B5EF4-FFF2-40B4-BE49-F238E27FC236}">
+                <a16:creationId xmlns:a16="http://schemas.microsoft.com/office/drawing/2014/main" id="{5297B28E-6707-4B6F-A3E2-983AE0138932}"/>
+              </a:ext>
+            </a:extLst>
+          </p:cNvPr>
+          <p:cNvSpPr>
+            <a:spLocks noGrp="1"/>
+          </p:cNvSpPr>
+          <p:nvPr>
+            <p:ph type="ftr" sz="quarter" idx="11"/>
+          </p:nvPr>
+        </p:nvSpPr>
+        <p:spPr>
+          <a:xfrm>
+            <a:off x="-990600" y="6370637"/>
+            <a:ext cx="2895600" cy="365125"/>
+          </a:xfrm>
+        </p:spPr>
+        <p:txBody>
+          <a:bodyPr/>
+          <a:lstStyle/>
+          <a:p>
+            <a:r>
+              <a:rPr lang="en-US" dirty="0"/>
+              <a:t>CX</a:t>
+            </a:r>
+          </a:p>
+        </p:txBody>
+      </p:sp>
       <p:pic>
         <p:nvPicPr>
-          <p:cNvPr id="11" name="Picture 10" descr="Diagram, schematic&#10;&#10;Description automatically generated">
+          <p:cNvPr id="9" name="Picture 8" descr="Diagram, schematic&#10;&#10;Description automatically generated">
             <a:extLst>
               <a:ext uri="{FF2B5EF4-FFF2-40B4-BE49-F238E27FC236}">
-                <a16:creationId xmlns:a16="http://schemas.microsoft.com/office/drawing/2014/main" id="{E133610F-5107-4C39-B382-B734A3B39988}"/>
+                <a16:creationId xmlns:a16="http://schemas.microsoft.com/office/drawing/2014/main" id="{3A88968B-CAB5-403F-B23C-7E7ED3EDC965}"/>
               </a:ext>
             </a:extLst>
           </p:cNvPr>
@@ -5241,7 +5365,7 @@
           </p:cNvPicPr>
           <p:nvPr/>
         </p:nvPicPr>
-        <p:blipFill>
+        <p:blipFill rotWithShape="1">
           <a:blip r:embed="rId3">
             <a:extLst>
               <a:ext uri="{28A0092B-C50C-407E-A947-70E740481C1C}">
@@ -5249,83 +5373,19 @@
               </a:ext>
             </a:extLst>
           </a:blip>
-          <a:stretch>
-            <a:fillRect/>
-          </a:stretch>
+          <a:srcRect l="2357" t="6593" r="2988" b="8497"/>
+          <a:stretch/>
         </p:blipFill>
         <p:spPr>
           <a:xfrm>
-            <a:off x="533399" y="1189171"/>
-            <a:ext cx="7964485" cy="5532304"/>
+            <a:off x="533401" y="838200"/>
+            <a:ext cx="8153400" cy="5652872"/>
           </a:xfrm>
           <a:prstGeom prst="rect">
             <a:avLst/>
           </a:prstGeom>
         </p:spPr>
       </p:pic>
-      <p:sp>
-        <p:nvSpPr>
-          <p:cNvPr id="3" name="Slide Number Placeholder 2">
-            <a:extLst>
-              <a:ext uri="{FF2B5EF4-FFF2-40B4-BE49-F238E27FC236}">
-                <a16:creationId xmlns:a16="http://schemas.microsoft.com/office/drawing/2014/main" id="{B2CCB504-4FE6-4A97-B95A-9323B1C4A41A}"/>
-              </a:ext>
-            </a:extLst>
-          </p:cNvPr>
-          <p:cNvSpPr>
-            <a:spLocks noGrp="1"/>
-          </p:cNvSpPr>
-          <p:nvPr>
-            <p:ph type="sldNum" sz="quarter" idx="12"/>
-          </p:nvPr>
-        </p:nvSpPr>
-        <p:spPr/>
-        <p:txBody>
-          <a:bodyPr/>
-          <a:lstStyle/>
-          <a:p>
-            <a:fld id="{C806B262-DE4B-41F2-8D27-37F2CF938DE7}" type="slidenum">
-              <a:rPr lang="en-US" smtClean="0"/>
-              <a:pPr/>
-              <a:t>12</a:t>
-            </a:fld>
-            <a:endParaRPr lang="en-US"/>
-          </a:p>
-        </p:txBody>
-      </p:sp>
-      <p:sp>
-        <p:nvSpPr>
-          <p:cNvPr id="6" name="Footer Placeholder 5">
-            <a:extLst>
-              <a:ext uri="{FF2B5EF4-FFF2-40B4-BE49-F238E27FC236}">
-                <a16:creationId xmlns:a16="http://schemas.microsoft.com/office/drawing/2014/main" id="{5297B28E-6707-4B6F-A3E2-983AE0138932}"/>
-              </a:ext>
-            </a:extLst>
-          </p:cNvPr>
-          <p:cNvSpPr>
-            <a:spLocks noGrp="1"/>
-          </p:cNvSpPr>
-          <p:nvPr>
-            <p:ph type="ftr" sz="quarter" idx="11"/>
-          </p:nvPr>
-        </p:nvSpPr>
-        <p:spPr>
-          <a:xfrm>
-            <a:off x="-990600" y="6370637"/>
-            <a:ext cx="2895600" cy="365125"/>
-          </a:xfrm>
-        </p:spPr>
-        <p:txBody>
-          <a:bodyPr/>
-          <a:lstStyle/>
-          <a:p>
-            <a:r>
-              <a:rPr lang="en-US" dirty="0"/>
-              <a:t>CX</a:t>
-            </a:r>
-          </a:p>
-        </p:txBody>
-      </p:sp>
     </p:spTree>
     <p:extLst>
       <p:ext uri="{BB962C8B-B14F-4D97-AF65-F5344CB8AC3E}">
@@ -5409,8 +5469,8 @@
         </p:nvSpPr>
         <p:spPr>
           <a:xfrm>
-            <a:off x="457200" y="1417638"/>
-            <a:ext cx="6553200" cy="5211762"/>
+            <a:off x="685800" y="2385219"/>
+            <a:ext cx="3810000" cy="2087562"/>
           </a:xfrm>
         </p:spPr>
         <p:txBody>
@@ -5458,76 +5518,6 @@
                 <a:cs typeface="Times New Roman" panose="02020603050405020304" pitchFamily="18" charset="0"/>
               </a:rPr>
               <a:t>Power Supply</a:t>
-            </a:r>
-          </a:p>
-          <a:p>
-            <a:pPr marL="0" indent="0" algn="l">
-              <a:buNone/>
-            </a:pPr>
-            <a:r>
-              <a:rPr lang="en-US" sz="3200" b="0" u="none" strike="noStrike" baseline="0" dirty="0">
-                <a:latin typeface="Times New Roman" panose="02020603050405020304" pitchFamily="18" charset="0"/>
-                <a:cs typeface="Times New Roman" panose="02020603050405020304" pitchFamily="18" charset="0"/>
-              </a:rPr>
-              <a:t>Software:</a:t>
-            </a:r>
-          </a:p>
-          <a:p>
-            <a:pPr algn="l"/>
-            <a:r>
-              <a:rPr lang="en-US" dirty="0" err="1">
-                <a:latin typeface="Times New Roman" panose="02020603050405020304" pitchFamily="18" charset="0"/>
-                <a:cs typeface="Times New Roman" panose="02020603050405020304" pitchFamily="18" charset="0"/>
-              </a:rPr>
-              <a:t>EagleCAD</a:t>
-            </a:r>
-            <a:endParaRPr lang="en-US" dirty="0">
-              <a:latin typeface="Times New Roman" panose="02020603050405020304" pitchFamily="18" charset="0"/>
-              <a:cs typeface="Times New Roman" panose="02020603050405020304" pitchFamily="18" charset="0"/>
-            </a:endParaRPr>
-          </a:p>
-          <a:p>
-            <a:pPr algn="l"/>
-            <a:r>
-              <a:rPr lang="en-US" dirty="0">
-                <a:latin typeface="Times New Roman" panose="02020603050405020304" pitchFamily="18" charset="0"/>
-                <a:cs typeface="Times New Roman" panose="02020603050405020304" pitchFamily="18" charset="0"/>
-              </a:rPr>
-              <a:t>Fusion360</a:t>
-            </a:r>
-          </a:p>
-          <a:p>
-            <a:pPr algn="l"/>
-            <a:r>
-              <a:rPr lang="en-US" dirty="0">
-                <a:latin typeface="Times New Roman" panose="02020603050405020304" pitchFamily="18" charset="0"/>
-                <a:cs typeface="Times New Roman" panose="02020603050405020304" pitchFamily="18" charset="0"/>
-              </a:rPr>
-              <a:t>Arduino IDE</a:t>
-            </a:r>
-          </a:p>
-          <a:p>
-            <a:pPr algn="l"/>
-            <a:r>
-              <a:rPr lang="en-US" dirty="0" err="1">
-                <a:latin typeface="Times New Roman" panose="02020603050405020304" pitchFamily="18" charset="0"/>
-                <a:cs typeface="Times New Roman" panose="02020603050405020304" pitchFamily="18" charset="0"/>
-              </a:rPr>
-              <a:t>LTSpice</a:t>
-            </a:r>
-            <a:endParaRPr lang="en-US" dirty="0">
-              <a:latin typeface="Times New Roman" panose="02020603050405020304" pitchFamily="18" charset="0"/>
-              <a:cs typeface="Times New Roman" panose="02020603050405020304" pitchFamily="18" charset="0"/>
-            </a:endParaRPr>
-          </a:p>
-          <a:p>
-            <a:pPr algn="l"/>
-            <a:r>
-              <a:rPr lang="en-US" dirty="0">
-                <a:latin typeface="Times New Roman" panose="02020603050405020304" pitchFamily="18" charset="0"/>
-                <a:cs typeface="Times New Roman" panose="02020603050405020304" pitchFamily="18" charset="0"/>
-              </a:rPr>
-              <a:t>Microsoft Project</a:t>
             </a:r>
           </a:p>
         </p:txBody>
@@ -5627,6 +5617,195 @@
             <a:r>
               <a:rPr lang="en-US" dirty="0"/>
               <a:t>CX</a:t>
+            </a:r>
+          </a:p>
+        </p:txBody>
+      </p:sp>
+      <p:sp>
+        <p:nvSpPr>
+          <p:cNvPr id="7" name="TextBox 6">
+            <a:extLst>
+              <a:ext uri="{FF2B5EF4-FFF2-40B4-BE49-F238E27FC236}">
+                <a16:creationId xmlns:a16="http://schemas.microsoft.com/office/drawing/2014/main" id="{FE9F61AD-AD9F-4FED-9A6D-500FB60B45A1}"/>
+              </a:ext>
+            </a:extLst>
+          </p:cNvPr>
+          <p:cNvSpPr txBox="1"/>
+          <p:nvPr/>
+        </p:nvSpPr>
+        <p:spPr>
+          <a:xfrm>
+            <a:off x="4367706" y="2385219"/>
+            <a:ext cx="3236784" cy="3046988"/>
+          </a:xfrm>
+          <a:prstGeom prst="rect">
+            <a:avLst/>
+          </a:prstGeom>
+          <a:noFill/>
+        </p:spPr>
+        <p:txBody>
+          <a:bodyPr wrap="none" rtlCol="0">
+            <a:spAutoFit/>
+          </a:bodyPr>
+          <a:lstStyle/>
+          <a:p>
+            <a:pPr>
+              <a:lnSpc>
+                <a:spcPct val="90000"/>
+              </a:lnSpc>
+              <a:spcBef>
+                <a:spcPct val="20000"/>
+              </a:spcBef>
+            </a:pPr>
+            <a:r>
+              <a:rPr lang="en-US" sz="3000" dirty="0">
+                <a:solidFill>
+                  <a:schemeClr val="bg2">
+                    <a:lumMod val="25000"/>
+                  </a:schemeClr>
+                </a:solidFill>
+                <a:latin typeface="Times New Roman" panose="02020603050405020304" pitchFamily="18" charset="0"/>
+                <a:cs typeface="Times New Roman" panose="02020603050405020304" pitchFamily="18" charset="0"/>
+              </a:rPr>
+              <a:t>Software:</a:t>
+            </a:r>
+          </a:p>
+          <a:p>
+            <a:pPr marL="342900" indent="-342900">
+              <a:lnSpc>
+                <a:spcPct val="90000"/>
+              </a:lnSpc>
+              <a:spcBef>
+                <a:spcPct val="20000"/>
+              </a:spcBef>
+              <a:buFont typeface="Arial" pitchFamily="34" charset="0"/>
+              <a:buChar char="•"/>
+            </a:pPr>
+            <a:r>
+              <a:rPr lang="en-US" sz="3000" dirty="0" err="1">
+                <a:solidFill>
+                  <a:schemeClr val="bg2">
+                    <a:lumMod val="25000"/>
+                  </a:schemeClr>
+                </a:solidFill>
+                <a:latin typeface="Times New Roman" panose="02020603050405020304" pitchFamily="18" charset="0"/>
+                <a:cs typeface="Times New Roman" panose="02020603050405020304" pitchFamily="18" charset="0"/>
+              </a:rPr>
+              <a:t>EagleCAD</a:t>
+            </a:r>
+            <a:endParaRPr lang="en-US" sz="3000" dirty="0">
+              <a:solidFill>
+                <a:schemeClr val="bg2">
+                  <a:lumMod val="25000"/>
+                </a:schemeClr>
+              </a:solidFill>
+              <a:latin typeface="Times New Roman" panose="02020603050405020304" pitchFamily="18" charset="0"/>
+              <a:cs typeface="Times New Roman" panose="02020603050405020304" pitchFamily="18" charset="0"/>
+            </a:endParaRPr>
+          </a:p>
+          <a:p>
+            <a:pPr marL="342900" indent="-342900">
+              <a:lnSpc>
+                <a:spcPct val="90000"/>
+              </a:lnSpc>
+              <a:spcBef>
+                <a:spcPct val="20000"/>
+              </a:spcBef>
+              <a:buFont typeface="Arial" pitchFamily="34" charset="0"/>
+              <a:buChar char="•"/>
+            </a:pPr>
+            <a:r>
+              <a:rPr lang="en-US" sz="3000" dirty="0">
+                <a:solidFill>
+                  <a:schemeClr val="bg2">
+                    <a:lumMod val="25000"/>
+                  </a:schemeClr>
+                </a:solidFill>
+                <a:latin typeface="Times New Roman" panose="02020603050405020304" pitchFamily="18" charset="0"/>
+                <a:cs typeface="Times New Roman" panose="02020603050405020304" pitchFamily="18" charset="0"/>
+              </a:rPr>
+              <a:t>Fusion360</a:t>
+            </a:r>
+          </a:p>
+          <a:p>
+            <a:pPr marL="342900" indent="-342900">
+              <a:lnSpc>
+                <a:spcPct val="90000"/>
+              </a:lnSpc>
+              <a:spcBef>
+                <a:spcPct val="20000"/>
+              </a:spcBef>
+              <a:buFont typeface="Arial" pitchFamily="34" charset="0"/>
+              <a:buChar char="•"/>
+            </a:pPr>
+            <a:r>
+              <a:rPr lang="en-US" sz="3000" dirty="0">
+                <a:solidFill>
+                  <a:schemeClr val="bg2">
+                    <a:lumMod val="25000"/>
+                  </a:schemeClr>
+                </a:solidFill>
+                <a:latin typeface="Times New Roman" panose="02020603050405020304" pitchFamily="18" charset="0"/>
+                <a:cs typeface="Times New Roman" panose="02020603050405020304" pitchFamily="18" charset="0"/>
+              </a:rPr>
+              <a:t>Arduino IDE</a:t>
+            </a:r>
+          </a:p>
+          <a:p>
+            <a:pPr marL="342900" indent="-342900">
+              <a:lnSpc>
+                <a:spcPct val="90000"/>
+              </a:lnSpc>
+              <a:spcBef>
+                <a:spcPct val="20000"/>
+              </a:spcBef>
+              <a:buFont typeface="Arial" pitchFamily="34" charset="0"/>
+              <a:buChar char="•"/>
+            </a:pPr>
+            <a:r>
+              <a:rPr lang="en-US" sz="3000" dirty="0" err="1">
+                <a:solidFill>
+                  <a:schemeClr val="bg2">
+                    <a:lumMod val="25000"/>
+                  </a:schemeClr>
+                </a:solidFill>
+                <a:latin typeface="Times New Roman" panose="02020603050405020304" pitchFamily="18" charset="0"/>
+                <a:cs typeface="Times New Roman" panose="02020603050405020304" pitchFamily="18" charset="0"/>
+              </a:rPr>
+              <a:t>LTSpice</a:t>
+            </a:r>
+            <a:endParaRPr lang="en-US" sz="3000" dirty="0">
+              <a:solidFill>
+                <a:schemeClr val="bg2">
+                  <a:lumMod val="25000"/>
+                </a:schemeClr>
+              </a:solidFill>
+              <a:latin typeface="Times New Roman" panose="02020603050405020304" pitchFamily="18" charset="0"/>
+              <a:cs typeface="Times New Roman" panose="02020603050405020304" pitchFamily="18" charset="0"/>
+            </a:endParaRPr>
+          </a:p>
+          <a:p>
+            <a:pPr marL="342900" indent="-342900">
+              <a:lnSpc>
+                <a:spcPct val="90000"/>
+              </a:lnSpc>
+              <a:spcBef>
+                <a:spcPct val="20000"/>
+              </a:spcBef>
+              <a:buFont typeface="Arial" pitchFamily="34" charset="0"/>
+              <a:buChar char="•"/>
+            </a:pPr>
+            <a:r>
+              <a:rPr lang="en-US" sz="3000" dirty="0">
+                <a:solidFill>
+                  <a:schemeClr val="bg2">
+                    <a:lumMod val="25000"/>
+                  </a:schemeClr>
+                </a:solidFill>
+                <a:latin typeface="Times New Roman" panose="02020603050405020304" pitchFamily="18" charset="0"/>
+                <a:cs typeface="Times New Roman" panose="02020603050405020304" pitchFamily="18" charset="0"/>
+              </a:rPr>
+              <a:t>Microsoft Project</a:t>
             </a:r>
           </a:p>
         </p:txBody>
@@ -7874,9 +8053,6 @@
           <a:p>
             <a:r>
               <a:rPr lang="en-US" dirty="0">
-                <a:solidFill>
-                  <a:srgbClr val="FF0000"/>
-                </a:solidFill>
                 <a:latin typeface="Times New Roman" panose="02020603050405020304" pitchFamily="18" charset="0"/>
                 <a:cs typeface="Times New Roman" panose="02020603050405020304" pitchFamily="18" charset="0"/>
               </a:rPr>
@@ -7903,210 +8079,203 @@
         </p:nvSpPr>
         <p:spPr>
           <a:xfrm>
-            <a:off x="457200" y="1371600"/>
-            <a:ext cx="5410200" cy="2743200"/>
+            <a:off x="457200" y="1429776"/>
+            <a:ext cx="8305800" cy="4853526"/>
           </a:xfrm>
         </p:spPr>
         <p:txBody>
           <a:bodyPr>
-            <a:normAutofit fontScale="70000" lnSpcReduction="20000"/>
+            <a:normAutofit fontScale="92500" lnSpcReduction="20000"/>
           </a:bodyPr>
           <a:lstStyle/>
           <a:p>
-            <a:pPr>
-              <a:spcBef>
-                <a:spcPts val="0"/>
-              </a:spcBef>
+            <a:pPr marL="0" indent="0">
+              <a:lnSpc>
+                <a:spcPct val="110000"/>
+              </a:lnSpc>
+              <a:buNone/>
             </a:pPr>
             <a:r>
-              <a:rPr lang="en-US" sz="2800" kern="0" dirty="0">
-                <a:solidFill>
-                  <a:srgbClr val="FF0000"/>
-                </a:solidFill>
-                <a:effectLst/>
-                <a:latin typeface="Times New Roman" panose="02020603050405020304" pitchFamily="18" charset="0"/>
-                <a:ea typeface="Times New Roman" panose="02020603050405020304" pitchFamily="18" charset="0"/>
+              <a:rPr lang="en-US" sz="2400" kern="0" dirty="0">
+                <a:latin typeface="Times New Roman" panose="02020603050405020304" pitchFamily="18" charset="0"/>
                 <a:cs typeface="Times New Roman" panose="02020603050405020304" pitchFamily="18" charset="0"/>
               </a:rPr>
-              <a:t>Bird feeder device with the following:</a:t>
-            </a:r>
-          </a:p>
-          <a:p>
-            <a:pPr lvl="1">
-              <a:spcBef>
-                <a:spcPts val="0"/>
-              </a:spcBef>
+              <a:t>The automatic bird feeder was designed to dispense </a:t>
+            </a:r>
+          </a:p>
+          <a:p>
+            <a:pPr marL="0" indent="0">
+              <a:lnSpc>
+                <a:spcPct val="110000"/>
+              </a:lnSpc>
+              <a:buNone/>
             </a:pPr>
             <a:r>
               <a:rPr lang="en-US" sz="2400" kern="0" dirty="0">
-                <a:solidFill>
-                  <a:srgbClr val="FF0000"/>
-                </a:solidFill>
-                <a:effectLst/>
-                <a:latin typeface="Times New Roman" panose="02020603050405020304" pitchFamily="18" charset="0"/>
-                <a:ea typeface="Times New Roman" panose="02020603050405020304" pitchFamily="18" charset="0"/>
+                <a:latin typeface="Times New Roman" panose="02020603050405020304" pitchFamily="18" charset="0"/>
                 <a:cs typeface="Times New Roman" panose="02020603050405020304" pitchFamily="18" charset="0"/>
               </a:rPr>
-              <a:t>Microphone </a:t>
-            </a:r>
-          </a:p>
-          <a:p>
-            <a:pPr lvl="1">
-              <a:spcBef>
-                <a:spcPts val="0"/>
-              </a:spcBef>
+              <a:t>bird feed to birds when a small bird is “detected”.</a:t>
+            </a:r>
+          </a:p>
+          <a:p>
+            <a:pPr marL="0" indent="0">
+              <a:lnSpc>
+                <a:spcPct val="110000"/>
+              </a:lnSpc>
+              <a:buNone/>
             </a:pPr>
-            <a:r>
-              <a:rPr lang="en-US" kern="0" dirty="0">
-                <a:solidFill>
-                  <a:srgbClr val="FF0000"/>
-                </a:solidFill>
-                <a:latin typeface="Times New Roman" panose="02020603050405020304" pitchFamily="18" charset="0"/>
-                <a:ea typeface="Times New Roman" panose="02020603050405020304" pitchFamily="18" charset="0"/>
-                <a:cs typeface="Times New Roman" panose="02020603050405020304" pitchFamily="18" charset="0"/>
-              </a:rPr>
-              <a:t>L</a:t>
-            </a:r>
-            <a:r>
-              <a:rPr lang="en-US" kern="0" dirty="0">
-                <a:solidFill>
-                  <a:srgbClr val="FF0000"/>
-                </a:solidFill>
-                <a:effectLst/>
-                <a:latin typeface="Times New Roman" panose="02020603050405020304" pitchFamily="18" charset="0"/>
-                <a:ea typeface="Times New Roman" panose="02020603050405020304" pitchFamily="18" charset="0"/>
-                <a:cs typeface="Times New Roman" panose="02020603050405020304" pitchFamily="18" charset="0"/>
-              </a:rPr>
-              <a:t>anding spot on or just above the weight sensor</a:t>
-            </a:r>
-          </a:p>
-          <a:p>
-            <a:pPr>
-              <a:spcBef>
-                <a:spcPts val="0"/>
-              </a:spcBef>
-            </a:pPr>
-            <a:r>
-              <a:rPr lang="en-US" sz="2800" kern="0" dirty="0">
-                <a:solidFill>
-                  <a:srgbClr val="FF0000"/>
-                </a:solidFill>
-                <a:latin typeface="Times New Roman" panose="02020603050405020304" pitchFamily="18" charset="0"/>
-                <a:ea typeface="DengXian" panose="02010600030101010101" pitchFamily="2" charset="-122"/>
-                <a:cs typeface="Times New Roman" panose="02020603050405020304" pitchFamily="18" charset="0"/>
-              </a:rPr>
-              <a:t>Device turns on when connected to battery</a:t>
-            </a:r>
-          </a:p>
-          <a:p>
-            <a:pPr>
-              <a:spcBef>
-                <a:spcPts val="0"/>
-              </a:spcBef>
-            </a:pPr>
-            <a:r>
-              <a:rPr lang="en-US" sz="2800" kern="0" dirty="0">
-                <a:solidFill>
-                  <a:srgbClr val="FF0000"/>
-                </a:solidFill>
-                <a:effectLst/>
-                <a:latin typeface="Times New Roman" panose="02020603050405020304" pitchFamily="18" charset="0"/>
-                <a:ea typeface="DengXian" panose="02010600030101010101" pitchFamily="2" charset="-122"/>
-                <a:cs typeface="Times New Roman" panose="02020603050405020304" pitchFamily="18" charset="0"/>
-              </a:rPr>
-              <a:t>Once on, is listening for the microphone</a:t>
-            </a:r>
-          </a:p>
-          <a:p>
-            <a:pPr lvl="1">
-              <a:spcBef>
-                <a:spcPts val="0"/>
-              </a:spcBef>
-            </a:pPr>
-            <a:r>
-              <a:rPr lang="en-US" sz="2400" kern="0" dirty="0">
-                <a:solidFill>
-                  <a:srgbClr val="FF0000"/>
-                </a:solidFill>
-                <a:latin typeface="Times New Roman" panose="02020603050405020304" pitchFamily="18" charset="0"/>
-                <a:ea typeface="DengXian" panose="02010600030101010101" pitchFamily="2" charset="-122"/>
-                <a:cs typeface="Times New Roman" panose="02020603050405020304" pitchFamily="18" charset="0"/>
-              </a:rPr>
-              <a:t>If above the frequency range, checks weight sensor</a:t>
-            </a:r>
-          </a:p>
-          <a:p>
-            <a:pPr lvl="2">
-              <a:spcBef>
-                <a:spcPts val="0"/>
-              </a:spcBef>
-            </a:pPr>
-            <a:r>
-              <a:rPr lang="en-US" sz="2000" kern="0" dirty="0">
-                <a:solidFill>
-                  <a:srgbClr val="FF0000"/>
-                </a:solidFill>
-                <a:effectLst/>
-                <a:latin typeface="Times New Roman" panose="02020603050405020304" pitchFamily="18" charset="0"/>
-                <a:ea typeface="DengXian" panose="02010600030101010101" pitchFamily="2" charset="-122"/>
-                <a:cs typeface="Times New Roman" panose="02020603050405020304" pitchFamily="18" charset="0"/>
-              </a:rPr>
-              <a:t>If weight sensor returns a value under the threshold, </a:t>
-            </a:r>
-            <a:r>
-              <a:rPr lang="en-US" sz="2000" kern="0" dirty="0">
-                <a:solidFill>
-                  <a:srgbClr val="FF0000"/>
-                </a:solidFill>
-                <a:latin typeface="Times New Roman" panose="02020603050405020304" pitchFamily="18" charset="0"/>
-                <a:ea typeface="DengXian" panose="02010600030101010101" pitchFamily="2" charset="-122"/>
-                <a:cs typeface="Times New Roman" panose="02020603050405020304" pitchFamily="18" charset="0"/>
-              </a:rPr>
-              <a:t>runs servo</a:t>
-            </a:r>
-          </a:p>
-          <a:p>
-            <a:pPr lvl="1">
-              <a:spcBef>
-                <a:spcPts val="0"/>
-              </a:spcBef>
-            </a:pPr>
-            <a:r>
-              <a:rPr lang="en-US" sz="2400" kern="0" dirty="0">
-                <a:solidFill>
-                  <a:srgbClr val="FF0000"/>
-                </a:solidFill>
-                <a:latin typeface="Times New Roman" panose="02020603050405020304" pitchFamily="18" charset="0"/>
-                <a:ea typeface="DengXian" panose="02010600030101010101" pitchFamily="2" charset="-122"/>
-                <a:cs typeface="Times New Roman" panose="02020603050405020304" pitchFamily="18" charset="0"/>
-              </a:rPr>
-              <a:t>If below the frequency range, returns to listening mode</a:t>
-            </a:r>
-          </a:p>
-          <a:p>
-            <a:pPr>
-              <a:spcBef>
-                <a:spcPts val="0"/>
-              </a:spcBef>
-            </a:pPr>
-            <a:r>
-              <a:rPr lang="en-US" sz="2800" kern="0" dirty="0">
-                <a:solidFill>
-                  <a:srgbClr val="FF0000"/>
-                </a:solidFill>
-                <a:effectLst/>
-                <a:latin typeface="Times New Roman" panose="02020603050405020304" pitchFamily="18" charset="0"/>
-                <a:ea typeface="DengXian" panose="02010600030101010101" pitchFamily="2" charset="-122"/>
-                <a:cs typeface="Times New Roman" panose="02020603050405020304" pitchFamily="18" charset="0"/>
-              </a:rPr>
-              <a:t>Servo opens and closes, releasing seed</a:t>
-            </a:r>
-            <a:endParaRPr lang="en-US" sz="2800" kern="100" dirty="0">
-              <a:effectLst/>
-              <a:latin typeface="DengXian" panose="02010600030101010101" pitchFamily="2" charset="-122"/>
-              <a:ea typeface="DengXian" panose="02010600030101010101" pitchFamily="2" charset="-122"/>
+            <a:endParaRPr lang="en-US" sz="2400" kern="0" dirty="0">
+              <a:latin typeface="Times New Roman" panose="02020603050405020304" pitchFamily="18" charset="0"/>
               <a:cs typeface="Times New Roman" panose="02020603050405020304" pitchFamily="18" charset="0"/>
             </a:endParaRPr>
+          </a:p>
+          <a:p>
+            <a:pPr marL="0" indent="0">
+              <a:lnSpc>
+                <a:spcPct val="110000"/>
+              </a:lnSpc>
+              <a:buNone/>
+            </a:pPr>
+            <a:r>
+              <a:rPr lang="en-US" sz="2400" kern="0" dirty="0">
+                <a:latin typeface="Times New Roman" panose="02020603050405020304" pitchFamily="18" charset="0"/>
+                <a:cs typeface="Times New Roman" panose="02020603050405020304" pitchFamily="18" charset="0"/>
+              </a:rPr>
+              <a:t>The automatic bird feeder detects the small bird if it </a:t>
+            </a:r>
+          </a:p>
+          <a:p>
+            <a:pPr marL="0" indent="0">
+              <a:lnSpc>
+                <a:spcPct val="110000"/>
+              </a:lnSpc>
+              <a:buNone/>
+            </a:pPr>
+            <a:r>
+              <a:rPr lang="en-US" sz="2400" kern="0" dirty="0">
+                <a:latin typeface="Times New Roman" panose="02020603050405020304" pitchFamily="18" charset="0"/>
+                <a:cs typeface="Times New Roman" panose="02020603050405020304" pitchFamily="18" charset="0"/>
+              </a:rPr>
+              <a:t>mounts onto the perch where the force sensor is affixed if it weighs less</a:t>
+            </a:r>
+          </a:p>
+          <a:p>
+            <a:pPr marL="0" indent="0">
+              <a:lnSpc>
+                <a:spcPct val="110000"/>
+              </a:lnSpc>
+              <a:buNone/>
+            </a:pPr>
+            <a:r>
+              <a:rPr lang="en-US" sz="2400" kern="0" dirty="0">
+                <a:latin typeface="Times New Roman" panose="02020603050405020304" pitchFamily="18" charset="0"/>
+                <a:cs typeface="Times New Roman" panose="02020603050405020304" pitchFamily="18" charset="0"/>
+              </a:rPr>
+              <a:t>than 500g and if the bird’s chirping is audible to the microphone and</a:t>
+            </a:r>
+          </a:p>
+          <a:p>
+            <a:pPr marL="0" indent="0">
+              <a:lnSpc>
+                <a:spcPct val="110000"/>
+              </a:lnSpc>
+              <a:buNone/>
+            </a:pPr>
+            <a:r>
+              <a:rPr lang="en-US" sz="2400" kern="0" dirty="0">
+                <a:latin typeface="Times New Roman" panose="02020603050405020304" pitchFamily="18" charset="0"/>
+                <a:cs typeface="Times New Roman" panose="02020603050405020304" pitchFamily="18" charset="0"/>
+              </a:rPr>
+              <a:t>above 50Hz.</a:t>
+            </a:r>
+          </a:p>
+          <a:p>
+            <a:pPr marL="0" indent="0">
+              <a:lnSpc>
+                <a:spcPct val="110000"/>
+              </a:lnSpc>
+              <a:buNone/>
+            </a:pPr>
+            <a:endParaRPr lang="en-US" sz="2400" kern="0" dirty="0">
+              <a:latin typeface="Times New Roman" panose="02020603050405020304" pitchFamily="18" charset="0"/>
+              <a:cs typeface="Times New Roman" panose="02020603050405020304" pitchFamily="18" charset="0"/>
+            </a:endParaRPr>
+          </a:p>
+          <a:p>
+            <a:pPr marL="0" indent="0">
+              <a:lnSpc>
+                <a:spcPct val="110000"/>
+              </a:lnSpc>
+              <a:buNone/>
+            </a:pPr>
+            <a:r>
+              <a:rPr lang="en-US" sz="2400" kern="0" dirty="0">
+                <a:latin typeface="Times New Roman" panose="02020603050405020304" pitchFamily="18" charset="0"/>
+                <a:cs typeface="Times New Roman" panose="02020603050405020304" pitchFamily="18" charset="0"/>
+              </a:rPr>
+              <a:t>After a bird is detected, the servo motor will rotate +45 degrees to</a:t>
+            </a:r>
+          </a:p>
+          <a:p>
+            <a:pPr marL="0" indent="0">
+              <a:lnSpc>
+                <a:spcPct val="110000"/>
+              </a:lnSpc>
+              <a:buNone/>
+            </a:pPr>
+            <a:r>
+              <a:rPr lang="en-US" sz="2400" kern="0" dirty="0">
+                <a:latin typeface="Times New Roman" panose="02020603050405020304" pitchFamily="18" charset="0"/>
+                <a:cs typeface="Times New Roman" panose="02020603050405020304" pitchFamily="18" charset="0"/>
+              </a:rPr>
+              <a:t>open a gate to the bird feed reservoir, and bird feed will fall into a</a:t>
+            </a:r>
+          </a:p>
+          <a:p>
+            <a:pPr marL="0" indent="0">
+              <a:lnSpc>
+                <a:spcPct val="110000"/>
+              </a:lnSpc>
+              <a:buNone/>
+            </a:pPr>
+            <a:r>
+              <a:rPr lang="en-US" sz="2400" kern="0" dirty="0">
+                <a:latin typeface="Times New Roman" panose="02020603050405020304" pitchFamily="18" charset="0"/>
+                <a:cs typeface="Times New Roman" panose="02020603050405020304" pitchFamily="18" charset="0"/>
+              </a:rPr>
+              <a:t>basin. Less than one second has passed since opening, the motor will</a:t>
+            </a:r>
+          </a:p>
+          <a:p>
+            <a:pPr marL="0" indent="0">
+              <a:lnSpc>
+                <a:spcPct val="110000"/>
+              </a:lnSpc>
+              <a:buNone/>
+            </a:pPr>
+            <a:r>
+              <a:rPr lang="en-US" sz="2400" kern="0" dirty="0">
+                <a:latin typeface="Times New Roman" panose="02020603050405020304" pitchFamily="18" charset="0"/>
+                <a:cs typeface="Times New Roman" panose="02020603050405020304" pitchFamily="18" charset="0"/>
+              </a:rPr>
+              <a:t>close the gate with a -45 degree rotation to stop the flow of bird feed</a:t>
+            </a:r>
+          </a:p>
+          <a:p>
+            <a:pPr marL="0" indent="0">
+              <a:lnSpc>
+                <a:spcPct val="110000"/>
+              </a:lnSpc>
+              <a:buNone/>
+            </a:pPr>
+            <a:r>
+              <a:rPr lang="en-US" sz="2400" kern="0" dirty="0">
+                <a:latin typeface="Times New Roman" panose="02020603050405020304" pitchFamily="18" charset="0"/>
+                <a:cs typeface="Times New Roman" panose="02020603050405020304" pitchFamily="18" charset="0"/>
+              </a:rPr>
+              <a:t>and return to its original position.</a:t>
+            </a:r>
           </a:p>
         </p:txBody>
       </p:sp>
@@ -8176,36 +8345,6 @@
           </a:p>
         </p:txBody>
       </p:sp>
-      <p:pic>
-        <p:nvPicPr>
-          <p:cNvPr id="6" name="Picture 5">
-            <a:extLst>
-              <a:ext uri="{FF2B5EF4-FFF2-40B4-BE49-F238E27FC236}">
-                <a16:creationId xmlns:a16="http://schemas.microsoft.com/office/drawing/2014/main" id="{E777E111-C06A-45AA-A300-9D97279E19E2}"/>
-              </a:ext>
-            </a:extLst>
-          </p:cNvPr>
-          <p:cNvPicPr>
-            <a:picLocks noChangeAspect="1"/>
-          </p:cNvPicPr>
-          <p:nvPr/>
-        </p:nvPicPr>
-        <p:blipFill>
-          <a:blip r:embed="rId3"/>
-          <a:stretch>
-            <a:fillRect/>
-          </a:stretch>
-        </p:blipFill>
-        <p:spPr>
-          <a:xfrm>
-            <a:off x="6096000" y="2853856"/>
-            <a:ext cx="4389100" cy="4038600"/>
-          </a:xfrm>
-          <a:prstGeom prst="rect">
-            <a:avLst/>
-          </a:prstGeom>
-        </p:spPr>
-      </p:pic>
       <p:sp>
         <p:nvSpPr>
           <p:cNvPr id="7" name="Footer Placeholder 5">

--- a/Smart_Bird_Feeder_Presentation.pptx
+++ b/Smart_Bird_Feeder_Presentation.pptx
@@ -9166,27 +9166,20 @@
         <p:spPr/>
         <p:txBody>
           <a:bodyPr>
-            <a:normAutofit fontScale="90000"/>
+            <a:normAutofit/>
           </a:bodyPr>
           <a:lstStyle/>
           <a:p>
             <a:r>
-              <a:rPr lang="en-US" sz="4400" b="0" i="0" u="none" strike="noStrike" baseline="0" dirty="0">
+              <a:rPr lang="en-US" sz="4000" dirty="0">
                 <a:solidFill>
-                  <a:srgbClr val="FF0000"/>
+                  <a:schemeClr val="tx1"/>
                 </a:solidFill>
                 <a:latin typeface="Times New Roman" panose="02020603050405020304" pitchFamily="18" charset="0"/>
                 <a:cs typeface="Times New Roman" panose="02020603050405020304" pitchFamily="18" charset="0"/>
               </a:rPr>
               <a:t>Design – Hardware – Level 1</a:t>
             </a:r>
-            <a:endParaRPr lang="en-US" dirty="0">
-              <a:solidFill>
-                <a:srgbClr val="FF0000"/>
-              </a:solidFill>
-              <a:latin typeface="Times New Roman" panose="02020603050405020304" pitchFamily="18" charset="0"/>
-              <a:cs typeface="Times New Roman" panose="02020603050405020304" pitchFamily="18" charset="0"/>
-            </a:endParaRPr>
           </a:p>
         </p:txBody>
       </p:sp>
@@ -9289,6 +9282,36 @@
           </a:p>
         </p:txBody>
       </p:sp>
+      <p:pic>
+        <p:nvPicPr>
+          <p:cNvPr id="7" name="Picture 6">
+            <a:extLst>
+              <a:ext uri="{FF2B5EF4-FFF2-40B4-BE49-F238E27FC236}">
+                <a16:creationId xmlns:a16="http://schemas.microsoft.com/office/drawing/2014/main" id="{0F0001AC-CAF6-435D-95CC-F2D8F9124965}"/>
+              </a:ext>
+            </a:extLst>
+          </p:cNvPr>
+          <p:cNvPicPr>
+            <a:picLocks noChangeAspect="1"/>
+          </p:cNvPicPr>
+          <p:nvPr/>
+        </p:nvPicPr>
+        <p:blipFill>
+          <a:blip r:embed="rId3"/>
+          <a:stretch>
+            <a:fillRect/>
+          </a:stretch>
+        </p:blipFill>
+        <p:spPr>
+          <a:xfrm>
+            <a:off x="533400" y="2438400"/>
+            <a:ext cx="8369590" cy="3426626"/>
+          </a:xfrm>
+          <a:prstGeom prst="rect">
+            <a:avLst/>
+          </a:prstGeom>
+        </p:spPr>
+      </p:pic>
     </p:spTree>
     <p:extLst>
       <p:ext uri="{BB962C8B-B14F-4D97-AF65-F5344CB8AC3E}">

--- a/Smart_Bird_Feeder_Presentation.pptx
+++ b/Smart_Bird_Feeder_Presentation.pptx
@@ -5,7 +5,7 @@
     <p:sldMasterId id="2147483648" r:id="rId1"/>
   </p:sldMasterIdLst>
   <p:notesMasterIdLst>
-    <p:notesMasterId r:id="rId21"/>
+    <p:notesMasterId r:id="rId22"/>
   </p:notesMasterIdLst>
   <p:sldIdLst>
     <p:sldId id="256" r:id="rId2"/>
@@ -18,15 +18,16 @@
     <p:sldId id="275" r:id="rId9"/>
     <p:sldId id="274" r:id="rId10"/>
     <p:sldId id="280" r:id="rId11"/>
-    <p:sldId id="279" r:id="rId12"/>
-    <p:sldId id="264" r:id="rId13"/>
-    <p:sldId id="271" r:id="rId14"/>
-    <p:sldId id="270" r:id="rId15"/>
-    <p:sldId id="281" r:id="rId16"/>
-    <p:sldId id="268" r:id="rId17"/>
-    <p:sldId id="269" r:id="rId18"/>
-    <p:sldId id="276" r:id="rId19"/>
-    <p:sldId id="278" r:id="rId20"/>
+    <p:sldId id="282" r:id="rId12"/>
+    <p:sldId id="279" r:id="rId13"/>
+    <p:sldId id="264" r:id="rId14"/>
+    <p:sldId id="271" r:id="rId15"/>
+    <p:sldId id="270" r:id="rId16"/>
+    <p:sldId id="281" r:id="rId17"/>
+    <p:sldId id="268" r:id="rId18"/>
+    <p:sldId id="269" r:id="rId19"/>
+    <p:sldId id="276" r:id="rId20"/>
+    <p:sldId id="278" r:id="rId21"/>
   </p:sldIdLst>
   <p:sldSz cx="9144000" cy="6858000" type="screen4x3"/>
   <p:notesSz cx="6858000" cy="9144000"/>
@@ -226,7 +227,7 @@
           <a:p>
             <a:fld id="{7B7A2491-6BC3-4D84-8226-0E26EC5E46DF}" type="datetimeFigureOut">
               <a:rPr lang="en-US" smtClean="0"/>
-              <a:t>12/8/2020</a:t>
+              <a:t>12/9/2020</a:t>
             </a:fld>
             <a:endParaRPr lang="en-US"/>
           </a:p>
@@ -757,7 +758,7 @@
           <a:p>
             <a:fld id="{A771B80B-07BC-4537-8E23-F075034921BE}" type="slidenum">
               <a:rPr lang="en-US" smtClean="0"/>
-              <a:t>14</a:t>
+              <a:t>15</a:t>
             </a:fld>
             <a:endParaRPr lang="en-US"/>
           </a:p>
@@ -841,7 +842,7 @@
           <a:p>
             <a:fld id="{A771B80B-07BC-4537-8E23-F075034921BE}" type="slidenum">
               <a:rPr lang="en-US" smtClean="0"/>
-              <a:t>15</a:t>
+              <a:t>16</a:t>
             </a:fld>
             <a:endParaRPr lang="en-US"/>
           </a:p>
@@ -936,7 +937,7 @@
           <a:p>
             <a:fld id="{A771B80B-07BC-4537-8E23-F075034921BE}" type="slidenum">
               <a:rPr lang="en-US" smtClean="0"/>
-              <a:t>16</a:t>
+              <a:t>17</a:t>
             </a:fld>
             <a:endParaRPr lang="en-US"/>
           </a:p>
@@ -1023,7 +1024,7 @@
           <a:p>
             <a:fld id="{A771B80B-07BC-4537-8E23-F075034921BE}" type="slidenum">
               <a:rPr lang="en-US" smtClean="0"/>
-              <a:t>17</a:t>
+              <a:t>18</a:t>
             </a:fld>
             <a:endParaRPr lang="en-US"/>
           </a:p>
@@ -1110,7 +1111,7 @@
           <a:p>
             <a:fld id="{A771B80B-07BC-4537-8E23-F075034921BE}" type="slidenum">
               <a:rPr lang="en-US" smtClean="0"/>
-              <a:t>18</a:t>
+              <a:t>19</a:t>
             </a:fld>
             <a:endParaRPr lang="en-US"/>
           </a:p>
@@ -1197,7 +1198,7 @@
           <a:p>
             <a:fld id="{A771B80B-07BC-4537-8E23-F075034921BE}" type="slidenum">
               <a:rPr lang="en-US" smtClean="0"/>
-              <a:t>19</a:t>
+              <a:t>20</a:t>
             </a:fld>
             <a:endParaRPr lang="en-US"/>
           </a:p>
@@ -1395,7 +1396,7 @@
           <a:p>
             <a:fld id="{58ADA11F-D028-49FB-82E3-0E1313DD3B63}" type="datetime1">
               <a:rPr lang="en-US" smtClean="0"/>
-              <a:t>12/8/2020</a:t>
+              <a:t>12/9/2020</a:t>
             </a:fld>
             <a:endParaRPr lang="en-US"/>
           </a:p>
@@ -1559,7 +1560,7 @@
           <a:p>
             <a:fld id="{CAF4D56A-C93A-40D2-9141-B9414923C23A}" type="datetime1">
               <a:rPr lang="en-US" smtClean="0"/>
-              <a:t>12/8/2020</a:t>
+              <a:t>12/9/2020</a:t>
             </a:fld>
             <a:endParaRPr lang="en-US"/>
           </a:p>
@@ -1733,7 +1734,7 @@
           <a:p>
             <a:fld id="{0C9DBB5C-B250-4D53-A29E-9F291E5530FC}" type="datetime1">
               <a:rPr lang="en-US" smtClean="0"/>
-              <a:t>12/8/2020</a:t>
+              <a:t>12/9/2020</a:t>
             </a:fld>
             <a:endParaRPr lang="en-US"/>
           </a:p>
@@ -1897,7 +1898,7 @@
           <a:p>
             <a:fld id="{888201D8-B088-4678-984A-FD214388E10A}" type="datetime1">
               <a:rPr lang="en-US" smtClean="0"/>
-              <a:t>12/8/2020</a:t>
+              <a:t>12/9/2020</a:t>
             </a:fld>
             <a:endParaRPr lang="en-US"/>
           </a:p>
@@ -2138,7 +2139,7 @@
           <a:p>
             <a:fld id="{3DA9C1AE-C5FE-403D-9616-252B3E939B9C}" type="datetime1">
               <a:rPr lang="en-US" smtClean="0"/>
-              <a:t>12/8/2020</a:t>
+              <a:t>12/9/2020</a:t>
             </a:fld>
             <a:endParaRPr lang="en-US"/>
           </a:p>
@@ -2419,7 +2420,7 @@
           <a:p>
             <a:fld id="{33D47BFA-4EB7-4294-AD25-3525B2E09DD9}" type="datetime1">
               <a:rPr lang="en-US" smtClean="0"/>
-              <a:t>12/8/2020</a:t>
+              <a:t>12/9/2020</a:t>
             </a:fld>
             <a:endParaRPr lang="en-US"/>
           </a:p>
@@ -2834,7 +2835,7 @@
           <a:p>
             <a:fld id="{3D8E5353-6553-4EBF-9B9C-C3D2CEEE1008}" type="datetime1">
               <a:rPr lang="en-US" smtClean="0"/>
-              <a:t>12/8/2020</a:t>
+              <a:t>12/9/2020</a:t>
             </a:fld>
             <a:endParaRPr lang="en-US"/>
           </a:p>
@@ -2947,7 +2948,7 @@
           <a:p>
             <a:fld id="{84FF4387-5277-4EAA-92B7-DE343033E7F2}" type="datetime1">
               <a:rPr lang="en-US" smtClean="0"/>
-              <a:t>12/8/2020</a:t>
+              <a:t>12/9/2020</a:t>
             </a:fld>
             <a:endParaRPr lang="en-US"/>
           </a:p>
@@ -3038,7 +3039,7 @@
           <a:p>
             <a:fld id="{F5907194-666B-4BD0-A4F4-35EDC7BC0905}" type="datetime1">
               <a:rPr lang="en-US" smtClean="0"/>
-              <a:t>12/8/2020</a:t>
+              <a:t>12/9/2020</a:t>
             </a:fld>
             <a:endParaRPr lang="en-US"/>
           </a:p>
@@ -3309,7 +3310,7 @@
           <a:p>
             <a:fld id="{95D263B9-8873-4D4C-B12E-28C21EBAA17B}" type="datetime1">
               <a:rPr lang="en-US" smtClean="0"/>
-              <a:t>12/8/2020</a:t>
+              <a:t>12/9/2020</a:t>
             </a:fld>
             <a:endParaRPr lang="en-US"/>
           </a:p>
@@ -3560,7 +3561,7 @@
           <a:p>
             <a:fld id="{91466D9D-EA79-4202-9BB1-C077CFDDBA88}" type="datetime1">
               <a:rPr lang="en-US" smtClean="0"/>
-              <a:t>12/8/2020</a:t>
+              <a:t>12/9/2020</a:t>
             </a:fld>
             <a:endParaRPr lang="en-US"/>
           </a:p>
@@ -3778,7 +3779,7 @@
           <a:p>
             <a:fld id="{AB88C5A3-BB6E-4941-9169-FB16EF474FE6}" type="datetime1">
               <a:rPr lang="en-US" smtClean="0"/>
-              <a:t>12/8/2020</a:t>
+              <a:t>12/9/2020</a:t>
             </a:fld>
             <a:endParaRPr lang="en-US"/>
           </a:p>
@@ -4758,14 +4759,14 @@
         <p:spPr/>
         <p:txBody>
           <a:bodyPr>
-            <a:normAutofit/>
+            <a:normAutofit fontScale="90000"/>
           </a:bodyPr>
           <a:lstStyle/>
           <a:p>
             <a:r>
               <a:rPr lang="en-US" sz="4400" b="0" i="0" u="none" strike="noStrike" baseline="0" dirty="0">
                 <a:solidFill>
-                  <a:srgbClr val="FF0000"/>
+                  <a:schemeClr val="tx1"/>
                 </a:solidFill>
                 <a:latin typeface="Times New Roman" panose="02020603050405020304" pitchFamily="18" charset="0"/>
                 <a:cs typeface="Times New Roman" panose="02020603050405020304" pitchFamily="18" charset="0"/>
@@ -4775,7 +4776,7 @@
             <a:r>
               <a:rPr lang="en-US" dirty="0">
                 <a:solidFill>
-                  <a:srgbClr val="FF0000"/>
+                  <a:schemeClr val="tx1"/>
                 </a:solidFill>
                 <a:latin typeface="Times New Roman" panose="02020603050405020304" pitchFamily="18" charset="0"/>
                 <a:cs typeface="Times New Roman" panose="02020603050405020304" pitchFamily="18" charset="0"/>
@@ -4785,16 +4786,16 @@
             <a:r>
               <a:rPr lang="en-US" sz="4400" b="0" i="0" u="none" strike="noStrike" baseline="0" dirty="0">
                 <a:solidFill>
-                  <a:srgbClr val="FF0000"/>
+                  <a:schemeClr val="tx1"/>
                 </a:solidFill>
                 <a:latin typeface="Times New Roman" panose="02020603050405020304" pitchFamily="18" charset="0"/>
                 <a:cs typeface="Times New Roman" panose="02020603050405020304" pitchFamily="18" charset="0"/>
               </a:rPr>
-              <a:t>ware </a:t>
+              <a:t>ware (Overview) </a:t>
             </a:r>
             <a:endParaRPr lang="en-US" dirty="0">
               <a:solidFill>
-                <a:srgbClr val="FF0000"/>
+                <a:schemeClr val="tx1"/>
               </a:solidFill>
               <a:latin typeface="Times New Roman" panose="02020603050405020304" pitchFamily="18" charset="0"/>
               <a:cs typeface="Times New Roman" panose="02020603050405020304" pitchFamily="18" charset="0"/>
@@ -4818,7 +4819,12 @@
             <p:ph idx="1"/>
           </p:nvPr>
         </p:nvSpPr>
-        <p:spPr/>
+        <p:spPr>
+          <a:xfrm>
+            <a:off x="457200" y="1646237"/>
+            <a:ext cx="6324600" cy="4525963"/>
+          </a:xfrm>
+        </p:spPr>
         <p:txBody>
           <a:bodyPr/>
           <a:lstStyle/>
@@ -4828,17 +4834,46 @@
               <a:rPr lang="en-US" sz="3200" b="0" i="1" u="none" strike="noStrike" baseline="0" dirty="0">
                 <a:latin typeface="Calibri-Italic"/>
               </a:rPr>
-              <a:t>Describe design using appropriate methods (e.g. block diagrams, UML models, algorithms)</a:t>
-            </a:r>
-          </a:p>
-          <a:p>
-            <a:pPr algn="l"/>
+              <a:t>Utilized Arduino IDE for its good selection of built-in functions (</a:t>
+            </a:r>
+            <a:r>
+              <a:rPr lang="en-US" sz="3200" b="0" i="1" u="none" strike="noStrike" baseline="0" dirty="0" err="1">
+                <a:latin typeface="Calibri-Italic"/>
+              </a:rPr>
+              <a:t>analogRead</a:t>
+            </a:r>
             <a:r>
               <a:rPr lang="en-US" sz="3200" b="0" i="1" u="none" strike="noStrike" baseline="0" dirty="0">
                 <a:latin typeface="Calibri-Italic"/>
               </a:rPr>
-              <a:t>Discuss design alternatives, trade-offs, decisions made</a:t>
-            </a:r>
+              <a:t>, </a:t>
+            </a:r>
+            <a:r>
+              <a:rPr lang="en-US" sz="3200" b="0" i="1" u="none" strike="noStrike" baseline="0" dirty="0" err="1">
+                <a:latin typeface="Calibri-Italic"/>
+              </a:rPr>
+              <a:t>digitalWrite</a:t>
+            </a:r>
+            <a:r>
+              <a:rPr lang="en-US" sz="3200" b="0" i="1" u="none" strike="noStrike" baseline="0" dirty="0">
+                <a:latin typeface="Calibri-Italic"/>
+              </a:rPr>
+              <a:t>, etc.) as well as prepackaged libraries—namely the Servo library.</a:t>
+            </a:r>
+          </a:p>
+          <a:p>
+            <a:pPr algn="l"/>
+            <a:r>
+              <a:rPr lang="en-US" i="1" dirty="0">
+                <a:latin typeface="Calibri-Italic"/>
+              </a:rPr>
+              <a:t>Fairly simple program with few lines of code when using the IDE.</a:t>
+            </a:r>
+          </a:p>
+          <a:p>
+            <a:pPr marL="0" indent="0" algn="l">
+              <a:buNone/>
+            </a:pPr>
             <a:endParaRPr lang="en-US" dirty="0"/>
           </a:p>
         </p:txBody>
@@ -4977,7 +5012,7 @@
           <p:cNvPr id="2" name="Title 1">
             <a:extLst>
               <a:ext uri="{FF2B5EF4-FFF2-40B4-BE49-F238E27FC236}">
-                <a16:creationId xmlns:a16="http://schemas.microsoft.com/office/drawing/2014/main" id="{8D53AEC3-6004-4BB9-9242-82D16C61B05A}"/>
+                <a16:creationId xmlns:a16="http://schemas.microsoft.com/office/drawing/2014/main" id="{921059BB-0DC2-43C2-B023-209B234230BC}"/>
               </a:ext>
             </a:extLst>
           </p:cNvPr>
@@ -4988,24 +5023,316 @@
             <p:ph type="title"/>
           </p:nvPr>
         </p:nvSpPr>
-        <p:spPr>
-          <a:xfrm>
-            <a:off x="344483" y="304800"/>
-            <a:ext cx="6629400" cy="1143000"/>
-          </a:xfrm>
-        </p:spPr>
+        <p:spPr/>
         <p:txBody>
           <a:bodyPr>
-            <a:normAutofit/>
+            <a:normAutofit fontScale="90000"/>
           </a:bodyPr>
           <a:lstStyle/>
           <a:p>
             <a:r>
-              <a:rPr lang="en-US" dirty="0">
+              <a:rPr lang="en-US" sz="4400" b="0" i="0" u="none" strike="noStrike" baseline="0" dirty="0">
+                <a:solidFill>
+                  <a:schemeClr val="tx1"/>
+                </a:solidFill>
                 <a:latin typeface="Times New Roman" panose="02020603050405020304" pitchFamily="18" charset="0"/>
                 <a:cs typeface="Times New Roman" panose="02020603050405020304" pitchFamily="18" charset="0"/>
               </a:rPr>
-              <a:t>Design - CAD</a:t>
+              <a:t>Design – </a:t>
+            </a:r>
+            <a:r>
+              <a:rPr lang="en-US" dirty="0">
+                <a:solidFill>
+                  <a:schemeClr val="tx1"/>
+                </a:solidFill>
+                <a:latin typeface="Times New Roman" panose="02020603050405020304" pitchFamily="18" charset="0"/>
+                <a:cs typeface="Times New Roman" panose="02020603050405020304" pitchFamily="18" charset="0"/>
+              </a:rPr>
+              <a:t>Soft</a:t>
+            </a:r>
+            <a:r>
+              <a:rPr lang="en-US" sz="4400" b="0" i="0" u="none" strike="noStrike" baseline="0" dirty="0">
+                <a:solidFill>
+                  <a:schemeClr val="tx1"/>
+                </a:solidFill>
+                <a:latin typeface="Times New Roman" panose="02020603050405020304" pitchFamily="18" charset="0"/>
+                <a:cs typeface="Times New Roman" panose="02020603050405020304" pitchFamily="18" charset="0"/>
+              </a:rPr>
+              <a:t>ware</a:t>
+            </a:r>
+            <a:br>
+              <a:rPr lang="en-US" sz="4400" b="0" i="0" u="none" strike="noStrike" baseline="0" dirty="0">
+                <a:solidFill>
+                  <a:schemeClr val="tx1"/>
+                </a:solidFill>
+                <a:latin typeface="Times New Roman" panose="02020603050405020304" pitchFamily="18" charset="0"/>
+                <a:cs typeface="Times New Roman" panose="02020603050405020304" pitchFamily="18" charset="0"/>
+              </a:rPr>
+            </a:br>
+            <a:r>
+              <a:rPr lang="en-US" sz="4400" b="0" i="0" u="none" strike="noStrike" baseline="0" dirty="0">
+                <a:solidFill>
+                  <a:schemeClr val="tx1"/>
+                </a:solidFill>
+                <a:latin typeface="Times New Roman" panose="02020603050405020304" pitchFamily="18" charset="0"/>
+                <a:cs typeface="Times New Roman" panose="02020603050405020304" pitchFamily="18" charset="0"/>
+              </a:rPr>
+              <a:t>(Code)</a:t>
+            </a:r>
+            <a:endParaRPr lang="en-US" dirty="0">
+              <a:solidFill>
+                <a:schemeClr val="tx1"/>
+              </a:solidFill>
+              <a:latin typeface="Times New Roman" panose="02020603050405020304" pitchFamily="18" charset="0"/>
+              <a:cs typeface="Times New Roman" panose="02020603050405020304" pitchFamily="18" charset="0"/>
+            </a:endParaRPr>
+          </a:p>
+        </p:txBody>
+      </p:sp>
+      <p:sp>
+        <p:nvSpPr>
+          <p:cNvPr id="3" name="Content Placeholder 2">
+            <a:extLst>
+              <a:ext uri="{FF2B5EF4-FFF2-40B4-BE49-F238E27FC236}">
+                <a16:creationId xmlns:a16="http://schemas.microsoft.com/office/drawing/2014/main" id="{92659F5A-FDC1-4BE8-97AE-6711D7AE2A44}"/>
+              </a:ext>
+            </a:extLst>
+          </p:cNvPr>
+          <p:cNvSpPr>
+            <a:spLocks noGrp="1"/>
+          </p:cNvSpPr>
+          <p:nvPr>
+            <p:ph idx="1"/>
+          </p:nvPr>
+        </p:nvSpPr>
+        <p:spPr>
+          <a:xfrm>
+            <a:off x="685800" y="1752600"/>
+            <a:ext cx="2590800" cy="4343400"/>
+          </a:xfrm>
+        </p:spPr>
+        <p:txBody>
+          <a:bodyPr>
+            <a:noAutofit/>
+          </a:bodyPr>
+          <a:lstStyle/>
+          <a:p>
+            <a:pPr marL="0" indent="0" algn="l">
+              <a:buNone/>
+            </a:pPr>
+            <a:r>
+              <a:rPr lang="en-US" sz="1100" dirty="0"/>
+              <a:t>// Some useful #defines</a:t>
+            </a:r>
+          </a:p>
+          <a:p>
+            <a:pPr marL="0" indent="0" algn="l">
+              <a:buNone/>
+            </a:pPr>
+            <a:r>
+              <a:rPr lang="en-US" sz="1100" dirty="0"/>
+              <a:t>#define WT_MIN        100</a:t>
+            </a:r>
+          </a:p>
+          <a:p>
+            <a:pPr marL="0" indent="0" algn="l">
+              <a:buNone/>
+            </a:pPr>
+            <a:r>
+              <a:rPr lang="en-US" sz="1100" dirty="0"/>
+              <a:t>#define WT_MAX        450</a:t>
+            </a:r>
+          </a:p>
+          <a:p>
+            <a:pPr marL="0" indent="0" algn="l">
+              <a:buNone/>
+            </a:pPr>
+            <a:r>
+              <a:rPr lang="en-US" sz="1100" dirty="0"/>
+              <a:t>#define MIC_PIN       2</a:t>
+            </a:r>
+          </a:p>
+          <a:p>
+            <a:pPr marL="0" indent="0" algn="l">
+              <a:buNone/>
+            </a:pPr>
+            <a:r>
+              <a:rPr lang="en-US" sz="1100" dirty="0"/>
+              <a:t>#define WEIGHT_PIN    A5</a:t>
+            </a:r>
+          </a:p>
+          <a:p>
+            <a:pPr marL="0" indent="0" algn="l">
+              <a:buNone/>
+            </a:pPr>
+            <a:r>
+              <a:rPr lang="en-US" sz="1100" dirty="0"/>
+              <a:t>#define SERVO_PIN     3</a:t>
+            </a:r>
+          </a:p>
+          <a:p>
+            <a:pPr marL="0" indent="0" algn="l">
+              <a:buNone/>
+            </a:pPr>
+            <a:r>
+              <a:rPr lang="en-US" sz="1100" dirty="0"/>
+              <a:t>#define TRAVEL_ANGLE  90</a:t>
+            </a:r>
+          </a:p>
+          <a:p>
+            <a:pPr marL="0" indent="0" algn="l">
+              <a:buNone/>
+            </a:pPr>
+            <a:r>
+              <a:rPr lang="en-US" sz="1100" dirty="0"/>
+              <a:t>#define ANGLE         TRAVEL_ANGLE / 2</a:t>
+            </a:r>
+          </a:p>
+          <a:p>
+            <a:pPr marL="0" indent="0" algn="l">
+              <a:buNone/>
+            </a:pPr>
+            <a:r>
+              <a:rPr lang="en-US" sz="1100" dirty="0"/>
+              <a:t>#define OPEN_TIME     1500</a:t>
+            </a:r>
+          </a:p>
+          <a:p>
+            <a:pPr marL="0" indent="0" algn="l">
+              <a:buNone/>
+            </a:pPr>
+            <a:r>
+              <a:rPr lang="en-US" sz="1100" dirty="0"/>
+              <a:t>#define WAIT_TIME     30000</a:t>
+            </a:r>
+          </a:p>
+          <a:p>
+            <a:pPr marL="0" indent="0" algn="l">
+              <a:buNone/>
+            </a:pPr>
+            <a:endParaRPr lang="en-US" sz="1100" dirty="0"/>
+          </a:p>
+          <a:p>
+            <a:pPr marL="0" indent="0" algn="l">
+              <a:buNone/>
+            </a:pPr>
+            <a:r>
+              <a:rPr lang="en-US" sz="1100" dirty="0"/>
+              <a:t>// Variables</a:t>
+            </a:r>
+          </a:p>
+          <a:p>
+            <a:pPr marL="0" indent="0" algn="l">
+              <a:buNone/>
+            </a:pPr>
+            <a:r>
+              <a:rPr lang="en-US" sz="1100" dirty="0"/>
+              <a:t>Servo </a:t>
+            </a:r>
+            <a:r>
+              <a:rPr lang="en-US" sz="1100" dirty="0" err="1"/>
+              <a:t>gateServo</a:t>
+            </a:r>
+            <a:r>
+              <a:rPr lang="en-US" sz="1100" dirty="0"/>
+              <a:t>;</a:t>
+            </a:r>
+          </a:p>
+          <a:p>
+            <a:pPr marL="0" indent="0" algn="l">
+              <a:buNone/>
+            </a:pPr>
+            <a:r>
+              <a:rPr lang="en-US" sz="1100" dirty="0"/>
+              <a:t>int </a:t>
+            </a:r>
+            <a:r>
+              <a:rPr lang="en-US" sz="1100" dirty="0" err="1"/>
+              <a:t>weightMeasurement</a:t>
+            </a:r>
+            <a:r>
+              <a:rPr lang="en-US" sz="1100" dirty="0"/>
+              <a:t> = 0; </a:t>
+            </a:r>
+          </a:p>
+          <a:p>
+            <a:pPr marL="0" indent="0" algn="l">
+              <a:buNone/>
+            </a:pPr>
+            <a:endParaRPr lang="en-US" sz="1100" dirty="0"/>
+          </a:p>
+          <a:p>
+            <a:pPr marL="0" indent="0">
+              <a:buFont typeface="Arial" pitchFamily="34" charset="0"/>
+              <a:buNone/>
+            </a:pPr>
+            <a:r>
+              <a:rPr lang="en-US" sz="1100" dirty="0"/>
+              <a:t>void setup() {</a:t>
+            </a:r>
+          </a:p>
+          <a:p>
+            <a:pPr marL="0" indent="0">
+              <a:buFont typeface="Arial" pitchFamily="34" charset="0"/>
+              <a:buNone/>
+            </a:pPr>
+            <a:r>
+              <a:rPr lang="en-US" sz="1100" dirty="0"/>
+              <a:t>    </a:t>
+            </a:r>
+            <a:r>
+              <a:rPr lang="en-US" sz="1100" dirty="0" err="1"/>
+              <a:t>gateServo.attach</a:t>
+            </a:r>
+            <a:r>
+              <a:rPr lang="en-US" sz="1100" dirty="0"/>
+              <a:t>(SERVO_PIN);</a:t>
+            </a:r>
+          </a:p>
+          <a:p>
+            <a:pPr marL="0" indent="0">
+              <a:buFont typeface="Arial" pitchFamily="34" charset="0"/>
+              <a:buNone/>
+            </a:pPr>
+            <a:r>
+              <a:rPr lang="en-US" sz="1100" dirty="0"/>
+              <a:t>    </a:t>
+            </a:r>
+            <a:r>
+              <a:rPr lang="en-US" sz="1100" dirty="0" err="1"/>
+              <a:t>pinMode</a:t>
+            </a:r>
+            <a:r>
+              <a:rPr lang="en-US" sz="1100" dirty="0"/>
+              <a:t>(WEIGHT_PIN, INPUT);</a:t>
+            </a:r>
+          </a:p>
+          <a:p>
+            <a:pPr marL="0" indent="0">
+              <a:buFont typeface="Arial" pitchFamily="34" charset="0"/>
+              <a:buNone/>
+            </a:pPr>
+            <a:r>
+              <a:rPr lang="en-US" sz="1100" dirty="0"/>
+              <a:t>    </a:t>
+            </a:r>
+            <a:r>
+              <a:rPr lang="en-US" sz="1100" dirty="0" err="1"/>
+              <a:t>pinMode</a:t>
+            </a:r>
+            <a:r>
+              <a:rPr lang="en-US" sz="1100" dirty="0"/>
+              <a:t>(MIC_PIN, INPUT);</a:t>
+            </a:r>
+          </a:p>
+          <a:p>
+            <a:pPr marL="0" indent="0">
+              <a:buFont typeface="Arial" pitchFamily="34" charset="0"/>
+              <a:buNone/>
+            </a:pPr>
+            <a:r>
+              <a:rPr lang="en-US" sz="1100" dirty="0"/>
+              <a:t>}</a:t>
             </a:r>
           </a:p>
         </p:txBody>
@@ -5015,7 +5342,7 @@
           <p:cNvPr id="5" name="Picture 4">
             <a:extLst>
               <a:ext uri="{FF2B5EF4-FFF2-40B4-BE49-F238E27FC236}">
-                <a16:creationId xmlns:a16="http://schemas.microsoft.com/office/drawing/2014/main" id="{AD6CF8E9-A73C-463D-AB04-4DA37A3435E0}"/>
+                <a16:creationId xmlns:a16="http://schemas.microsoft.com/office/drawing/2014/main" id="{66655F1A-86C5-47EF-A382-5261D853C429}"/>
               </a:ext>
             </a:extLst>
           </p:cNvPr>
@@ -5048,10 +5375,10 @@
       </p:pic>
       <p:sp>
         <p:nvSpPr>
-          <p:cNvPr id="3" name="Slide Number Placeholder 2">
-            <a:extLst>
-              <a:ext uri="{FF2B5EF4-FFF2-40B4-BE49-F238E27FC236}">
-                <a16:creationId xmlns:a16="http://schemas.microsoft.com/office/drawing/2014/main" id="{B2CCB504-4FE6-4A97-B95A-9323B1C4A41A}"/>
+          <p:cNvPr id="4" name="Slide Number Placeholder 3">
+            <a:extLst>
+              <a:ext uri="{FF2B5EF4-FFF2-40B4-BE49-F238E27FC236}">
+                <a16:creationId xmlns:a16="http://schemas.microsoft.com/office/drawing/2014/main" id="{E6E396EA-07E4-4DFA-901F-155030FE1376}"/>
               </a:ext>
             </a:extLst>
           </p:cNvPr>
@@ -5081,7 +5408,7 @@
           <p:cNvPr id="6" name="Footer Placeholder 5">
             <a:extLst>
               <a:ext uri="{FF2B5EF4-FFF2-40B4-BE49-F238E27FC236}">
-                <a16:creationId xmlns:a16="http://schemas.microsoft.com/office/drawing/2014/main" id="{1FB6E9F7-882F-4D64-BD9B-78E3D1D9B078}"/>
+                <a16:creationId xmlns:a16="http://schemas.microsoft.com/office/drawing/2014/main" id="{3DDAADEE-D706-48C3-80BF-A283C602A016}"/>
               </a:ext>
             </a:extLst>
           </p:cNvPr>
@@ -5109,81 +5436,425 @@
           </a:p>
         </p:txBody>
       </p:sp>
-      <p:pic>
-        <p:nvPicPr>
-          <p:cNvPr id="7" name="Picture 6" descr="A picture containing indoor&#10;&#10;Description automatically generated">
-            <a:extLst>
-              <a:ext uri="{FF2B5EF4-FFF2-40B4-BE49-F238E27FC236}">
-                <a16:creationId xmlns:a16="http://schemas.microsoft.com/office/drawing/2014/main" id="{9B790636-93E9-4D4F-9D9C-1FF5822BA96B}"/>
-              </a:ext>
-            </a:extLst>
-          </p:cNvPr>
-          <p:cNvPicPr>
-            <a:picLocks noChangeAspect="1"/>
-          </p:cNvPicPr>
+      <p:sp>
+        <p:nvSpPr>
+          <p:cNvPr id="7" name="Content Placeholder 2">
+            <a:extLst>
+              <a:ext uri="{FF2B5EF4-FFF2-40B4-BE49-F238E27FC236}">
+                <a16:creationId xmlns:a16="http://schemas.microsoft.com/office/drawing/2014/main" id="{3B558FE0-621B-4452-9E36-FA514CFD100E}"/>
+              </a:ext>
+            </a:extLst>
+          </p:cNvPr>
+          <p:cNvSpPr txBox="1">
+            <a:spLocks/>
+          </p:cNvSpPr>
           <p:nvPr/>
-        </p:nvPicPr>
-        <p:blipFill rotWithShape="1">
-          <a:blip r:embed="rId3">
-            <a:extLst>
-              <a:ext uri="{28A0092B-C50C-407E-A947-70E740481C1C}">
-                <a14:useLocalDpi xmlns:a14="http://schemas.microsoft.com/office/drawing/2010/main" val="0"/>
-              </a:ext>
-            </a:extLst>
-          </a:blip>
-          <a:srcRect l="4034" r="6092"/>
-          <a:stretch/>
-        </p:blipFill>
+        </p:nvSpPr>
         <p:spPr>
           <a:xfrm>
-            <a:off x="1219200" y="1487793"/>
-            <a:ext cx="5410200" cy="2627855"/>
+            <a:off x="3429000" y="1752600"/>
+            <a:ext cx="3352800" cy="4419600"/>
           </a:xfrm>
           <a:prstGeom prst="rect">
             <a:avLst/>
           </a:prstGeom>
         </p:spPr>
-      </p:pic>
-      <p:pic>
-        <p:nvPicPr>
-          <p:cNvPr id="9" name="Picture 8" descr="A picture containing table&#10;&#10;Description automatically generated">
-            <a:extLst>
-              <a:ext uri="{FF2B5EF4-FFF2-40B4-BE49-F238E27FC236}">
-                <a16:creationId xmlns:a16="http://schemas.microsoft.com/office/drawing/2014/main" id="{10CFB9D0-F0A6-4288-9792-C6E6D3CC2BD7}"/>
-              </a:ext>
-            </a:extLst>
-          </p:cNvPr>
-          <p:cNvPicPr>
-            <a:picLocks noChangeAspect="1"/>
-          </p:cNvPicPr>
-          <p:nvPr/>
-        </p:nvPicPr>
-        <p:blipFill>
-          <a:blip r:embed="rId4">
-            <a:extLst>
-              <a:ext uri="{28A0092B-C50C-407E-A947-70E740481C1C}">
-                <a14:useLocalDpi xmlns:a14="http://schemas.microsoft.com/office/drawing/2010/main" val="0"/>
-              </a:ext>
-            </a:extLst>
-          </a:blip>
-          <a:stretch>
-            <a:fillRect/>
-          </a:stretch>
-        </p:blipFill>
-        <p:spPr>
-          <a:xfrm>
-            <a:off x="1219200" y="4264272"/>
-            <a:ext cx="5410200" cy="2185808"/>
-          </a:xfrm>
-          <a:prstGeom prst="rect">
-            <a:avLst/>
-          </a:prstGeom>
-        </p:spPr>
-      </p:pic>
+        <p:txBody>
+          <a:bodyPr vert="horz" lIns="91440" tIns="45720" rIns="91440" bIns="45720" rtlCol="0">
+            <a:noAutofit/>
+          </a:bodyPr>
+          <a:lstStyle>
+            <a:lvl1pPr marL="342900" indent="-342900" algn="l" defTabSz="914400" rtl="0" eaLnBrk="1" latinLnBrk="0" hangingPunct="1">
+              <a:spcBef>
+                <a:spcPct val="20000"/>
+              </a:spcBef>
+              <a:buFont typeface="Arial" pitchFamily="34" charset="0"/>
+              <a:buChar char="•"/>
+              <a:defRPr sz="3200" kern="1200">
+                <a:solidFill>
+                  <a:schemeClr val="bg2">
+                    <a:lumMod val="25000"/>
+                  </a:schemeClr>
+                </a:solidFill>
+                <a:latin typeface="+mn-lt"/>
+                <a:ea typeface="+mn-ea"/>
+                <a:cs typeface="+mn-cs"/>
+              </a:defRPr>
+            </a:lvl1pPr>
+            <a:lvl2pPr marL="742950" indent="-285750" algn="l" defTabSz="914400" rtl="0" eaLnBrk="1" latinLnBrk="0" hangingPunct="1">
+              <a:spcBef>
+                <a:spcPct val="20000"/>
+              </a:spcBef>
+              <a:buFont typeface="Arial" pitchFamily="34" charset="0"/>
+              <a:buChar char="–"/>
+              <a:defRPr sz="2800" kern="1200">
+                <a:solidFill>
+                  <a:schemeClr val="bg2">
+                    <a:lumMod val="25000"/>
+                  </a:schemeClr>
+                </a:solidFill>
+                <a:latin typeface="+mn-lt"/>
+                <a:ea typeface="+mn-ea"/>
+                <a:cs typeface="+mn-cs"/>
+              </a:defRPr>
+            </a:lvl2pPr>
+            <a:lvl3pPr marL="1143000" indent="-228600" algn="l" defTabSz="914400" rtl="0" eaLnBrk="1" latinLnBrk="0" hangingPunct="1">
+              <a:spcBef>
+                <a:spcPct val="20000"/>
+              </a:spcBef>
+              <a:buFont typeface="Arial" pitchFamily="34" charset="0"/>
+              <a:buChar char="•"/>
+              <a:defRPr sz="2400" kern="1200">
+                <a:solidFill>
+                  <a:schemeClr val="bg2">
+                    <a:lumMod val="25000"/>
+                  </a:schemeClr>
+                </a:solidFill>
+                <a:latin typeface="+mn-lt"/>
+                <a:ea typeface="+mn-ea"/>
+                <a:cs typeface="+mn-cs"/>
+              </a:defRPr>
+            </a:lvl3pPr>
+            <a:lvl4pPr marL="1600200" indent="-228600" algn="l" defTabSz="914400" rtl="0" eaLnBrk="1" latinLnBrk="0" hangingPunct="1">
+              <a:spcBef>
+                <a:spcPct val="20000"/>
+              </a:spcBef>
+              <a:buFont typeface="Arial" pitchFamily="34" charset="0"/>
+              <a:buChar char="–"/>
+              <a:defRPr sz="2000" kern="1200">
+                <a:solidFill>
+                  <a:schemeClr val="bg2">
+                    <a:lumMod val="25000"/>
+                  </a:schemeClr>
+                </a:solidFill>
+                <a:latin typeface="+mn-lt"/>
+                <a:ea typeface="+mn-ea"/>
+                <a:cs typeface="+mn-cs"/>
+              </a:defRPr>
+            </a:lvl4pPr>
+            <a:lvl5pPr marL="2057400" indent="-228600" algn="l" defTabSz="914400" rtl="0" eaLnBrk="1" latinLnBrk="0" hangingPunct="1">
+              <a:spcBef>
+                <a:spcPct val="20000"/>
+              </a:spcBef>
+              <a:buFont typeface="Arial" pitchFamily="34" charset="0"/>
+              <a:buChar char="»"/>
+              <a:defRPr sz="2000" kern="1200">
+                <a:solidFill>
+                  <a:schemeClr val="bg2">
+                    <a:lumMod val="25000"/>
+                  </a:schemeClr>
+                </a:solidFill>
+                <a:latin typeface="+mn-lt"/>
+                <a:ea typeface="+mn-ea"/>
+                <a:cs typeface="+mn-cs"/>
+              </a:defRPr>
+            </a:lvl5pPr>
+            <a:lvl6pPr marL="2514600" indent="-228600" algn="l" defTabSz="914400" rtl="0" eaLnBrk="1" latinLnBrk="0" hangingPunct="1">
+              <a:spcBef>
+                <a:spcPct val="20000"/>
+              </a:spcBef>
+              <a:buFont typeface="Arial" pitchFamily="34" charset="0"/>
+              <a:buChar char="•"/>
+              <a:defRPr sz="2000" kern="1200">
+                <a:solidFill>
+                  <a:schemeClr val="tx1"/>
+                </a:solidFill>
+                <a:latin typeface="+mn-lt"/>
+                <a:ea typeface="+mn-ea"/>
+                <a:cs typeface="+mn-cs"/>
+              </a:defRPr>
+            </a:lvl6pPr>
+            <a:lvl7pPr marL="2971800" indent="-228600" algn="l" defTabSz="914400" rtl="0" eaLnBrk="1" latinLnBrk="0" hangingPunct="1">
+              <a:spcBef>
+                <a:spcPct val="20000"/>
+              </a:spcBef>
+              <a:buFont typeface="Arial" pitchFamily="34" charset="0"/>
+              <a:buChar char="•"/>
+              <a:defRPr sz="2000" kern="1200">
+                <a:solidFill>
+                  <a:schemeClr val="tx1"/>
+                </a:solidFill>
+                <a:latin typeface="+mn-lt"/>
+                <a:ea typeface="+mn-ea"/>
+                <a:cs typeface="+mn-cs"/>
+              </a:defRPr>
+            </a:lvl7pPr>
+            <a:lvl8pPr marL="3429000" indent="-228600" algn="l" defTabSz="914400" rtl="0" eaLnBrk="1" latinLnBrk="0" hangingPunct="1">
+              <a:spcBef>
+                <a:spcPct val="20000"/>
+              </a:spcBef>
+              <a:buFont typeface="Arial" pitchFamily="34" charset="0"/>
+              <a:buChar char="•"/>
+              <a:defRPr sz="2000" kern="1200">
+                <a:solidFill>
+                  <a:schemeClr val="tx1"/>
+                </a:solidFill>
+                <a:latin typeface="+mn-lt"/>
+                <a:ea typeface="+mn-ea"/>
+                <a:cs typeface="+mn-cs"/>
+              </a:defRPr>
+            </a:lvl8pPr>
+            <a:lvl9pPr marL="3886200" indent="-228600" algn="l" defTabSz="914400" rtl="0" eaLnBrk="1" latinLnBrk="0" hangingPunct="1">
+              <a:spcBef>
+                <a:spcPct val="20000"/>
+              </a:spcBef>
+              <a:buFont typeface="Arial" pitchFamily="34" charset="0"/>
+              <a:buChar char="•"/>
+              <a:defRPr sz="2000" kern="1200">
+                <a:solidFill>
+                  <a:schemeClr val="tx1"/>
+                </a:solidFill>
+                <a:latin typeface="+mn-lt"/>
+                <a:ea typeface="+mn-ea"/>
+                <a:cs typeface="+mn-cs"/>
+              </a:defRPr>
+            </a:lvl9pPr>
+          </a:lstStyle>
+          <a:p>
+            <a:pPr marL="0" indent="0">
+              <a:buFont typeface="Arial" pitchFamily="34" charset="0"/>
+              <a:buNone/>
+            </a:pPr>
+            <a:r>
+              <a:rPr lang="en-US" sz="1100" dirty="0"/>
+              <a:t>void loop() {</a:t>
+            </a:r>
+          </a:p>
+          <a:p>
+            <a:pPr marL="0" indent="0">
+              <a:buFont typeface="Arial" pitchFamily="34" charset="0"/>
+              <a:buNone/>
+            </a:pPr>
+            <a:r>
+              <a:rPr lang="en-US" sz="1100" dirty="0"/>
+              <a:t>    if(</a:t>
+            </a:r>
+            <a:r>
+              <a:rPr lang="en-US" sz="1100" dirty="0" err="1"/>
+              <a:t>digitalRead</a:t>
+            </a:r>
+            <a:r>
+              <a:rPr lang="en-US" sz="1100" dirty="0"/>
+              <a:t>(MIC_PIN)) {</a:t>
+            </a:r>
+          </a:p>
+          <a:p>
+            <a:pPr marL="0" indent="0">
+              <a:buFont typeface="Arial" pitchFamily="34" charset="0"/>
+              <a:buNone/>
+            </a:pPr>
+            <a:r>
+              <a:rPr lang="en-US" sz="1100" dirty="0"/>
+              <a:t>        </a:t>
+            </a:r>
+            <a:r>
+              <a:rPr lang="en-US" sz="1100" dirty="0" err="1"/>
+              <a:t>weightMeasurement</a:t>
+            </a:r>
+            <a:r>
+              <a:rPr lang="en-US" sz="1100" dirty="0"/>
+              <a:t> = </a:t>
+            </a:r>
+            <a:r>
+              <a:rPr lang="en-US" sz="1100" dirty="0" err="1"/>
+              <a:t>analogRead</a:t>
+            </a:r>
+            <a:r>
+              <a:rPr lang="en-US" sz="1100" dirty="0"/>
+              <a:t>(WEIGHT_PIN);</a:t>
+            </a:r>
+          </a:p>
+          <a:p>
+            <a:pPr marL="0" indent="0">
+              <a:buFont typeface="Arial" pitchFamily="34" charset="0"/>
+              <a:buNone/>
+            </a:pPr>
+            <a:r>
+              <a:rPr lang="en-US" sz="1100" dirty="0"/>
+              <a:t>        if( (WT_MIN &lt;= </a:t>
+            </a:r>
+            <a:r>
+              <a:rPr lang="en-US" sz="1100" dirty="0" err="1"/>
+              <a:t>weightMeasurement</a:t>
+            </a:r>
+            <a:r>
+              <a:rPr lang="en-US" sz="1100" dirty="0"/>
+              <a:t>) &amp;&amp;</a:t>
+            </a:r>
+          </a:p>
+          <a:p>
+            <a:pPr marL="0" indent="0">
+              <a:buFont typeface="Arial" pitchFamily="34" charset="0"/>
+              <a:buNone/>
+            </a:pPr>
+            <a:r>
+              <a:rPr lang="en-US" sz="1100" dirty="0"/>
+              <a:t>             (</a:t>
+            </a:r>
+            <a:r>
+              <a:rPr lang="en-US" sz="1100" dirty="0" err="1"/>
+              <a:t>weightMeasurement</a:t>
+            </a:r>
+            <a:r>
+              <a:rPr lang="en-US" sz="1100" dirty="0"/>
+              <a:t> &lt;= WT_MAX) ) {</a:t>
+            </a:r>
+          </a:p>
+          <a:p>
+            <a:pPr marL="0" indent="0">
+              <a:buFont typeface="Arial" pitchFamily="34" charset="0"/>
+              <a:buNone/>
+            </a:pPr>
+            <a:r>
+              <a:rPr lang="en-US" sz="1100" dirty="0"/>
+              <a:t>            </a:t>
+            </a:r>
+            <a:r>
+              <a:rPr lang="en-US" sz="1100" dirty="0" err="1"/>
+              <a:t>cycleChuteDoor</a:t>
+            </a:r>
+            <a:r>
+              <a:rPr lang="en-US" sz="1100" dirty="0"/>
+              <a:t>();</a:t>
+            </a:r>
+          </a:p>
+          <a:p>
+            <a:pPr marL="0" indent="0">
+              <a:buFont typeface="Arial" pitchFamily="34" charset="0"/>
+              <a:buNone/>
+            </a:pPr>
+            <a:r>
+              <a:rPr lang="en-US" sz="1100" dirty="0"/>
+              <a:t>        }</a:t>
+            </a:r>
+          </a:p>
+          <a:p>
+            <a:pPr marL="0" indent="0">
+              <a:buFont typeface="Arial" pitchFamily="34" charset="0"/>
+              <a:buNone/>
+            </a:pPr>
+            <a:r>
+              <a:rPr lang="en-US" sz="1100" dirty="0"/>
+              <a:t>        else delay(250);</a:t>
+            </a:r>
+          </a:p>
+          <a:p>
+            <a:pPr marL="0" indent="0">
+              <a:buFont typeface="Arial" pitchFamily="34" charset="0"/>
+              <a:buNone/>
+            </a:pPr>
+            <a:r>
+              <a:rPr lang="en-US" sz="1100" dirty="0"/>
+              <a:t>    }</a:t>
+            </a:r>
+          </a:p>
+          <a:p>
+            <a:pPr marL="0" indent="0">
+              <a:buFont typeface="Arial" pitchFamily="34" charset="0"/>
+              <a:buNone/>
+            </a:pPr>
+            <a:r>
+              <a:rPr lang="en-US" sz="1100" dirty="0"/>
+              <a:t>}</a:t>
+            </a:r>
+          </a:p>
+          <a:p>
+            <a:pPr marL="0" indent="0">
+              <a:buFont typeface="Arial" pitchFamily="34" charset="0"/>
+              <a:buNone/>
+            </a:pPr>
+            <a:endParaRPr lang="en-US" sz="1100" dirty="0"/>
+          </a:p>
+          <a:p>
+            <a:pPr marL="0" indent="0">
+              <a:buFont typeface="Arial" pitchFamily="34" charset="0"/>
+              <a:buNone/>
+            </a:pPr>
+            <a:r>
+              <a:rPr lang="en-US" sz="1100" dirty="0"/>
+              <a:t>void </a:t>
+            </a:r>
+            <a:r>
+              <a:rPr lang="en-US" sz="1100" dirty="0" err="1"/>
+              <a:t>cycleChuteDoor</a:t>
+            </a:r>
+            <a:r>
+              <a:rPr lang="en-US" sz="1100" dirty="0"/>
+              <a:t>() {</a:t>
+            </a:r>
+          </a:p>
+          <a:p>
+            <a:pPr marL="0" indent="0">
+              <a:buFont typeface="Arial" pitchFamily="34" charset="0"/>
+              <a:buNone/>
+            </a:pPr>
+            <a:r>
+              <a:rPr lang="en-US" sz="1100" dirty="0"/>
+              <a:t>    </a:t>
+            </a:r>
+            <a:r>
+              <a:rPr lang="en-US" sz="1100" dirty="0" err="1"/>
+              <a:t>myservo.write</a:t>
+            </a:r>
+            <a:r>
+              <a:rPr lang="en-US" sz="1100" dirty="0"/>
+              <a:t>(90-ANGLE);</a:t>
+            </a:r>
+          </a:p>
+          <a:p>
+            <a:pPr marL="0" indent="0">
+              <a:buFont typeface="Arial" pitchFamily="34" charset="0"/>
+              <a:buNone/>
+            </a:pPr>
+            <a:r>
+              <a:rPr lang="en-US" sz="1100" dirty="0"/>
+              <a:t>    delay(OPEN_TIME / 2);</a:t>
+            </a:r>
+          </a:p>
+          <a:p>
+            <a:pPr marL="0" indent="0">
+              <a:buFont typeface="Arial" pitchFamily="34" charset="0"/>
+              <a:buNone/>
+            </a:pPr>
+            <a:r>
+              <a:rPr lang="en-US" sz="1100" dirty="0"/>
+              <a:t>    </a:t>
+            </a:r>
+            <a:r>
+              <a:rPr lang="en-US" sz="1100" dirty="0" err="1"/>
+              <a:t>myservo.write</a:t>
+            </a:r>
+            <a:r>
+              <a:rPr lang="en-US" sz="1100" dirty="0"/>
+              <a:t>(90+ANGLE);</a:t>
+            </a:r>
+          </a:p>
+          <a:p>
+            <a:pPr marL="0" indent="0">
+              <a:buFont typeface="Arial" pitchFamily="34" charset="0"/>
+              <a:buNone/>
+            </a:pPr>
+            <a:r>
+              <a:rPr lang="en-US" sz="1100" dirty="0"/>
+              <a:t>    delay(OPEN_TIME / 2 + WAIT_TIME);</a:t>
+            </a:r>
+          </a:p>
+          <a:p>
+            <a:pPr marL="0" indent="0">
+              <a:buFont typeface="Arial" pitchFamily="34" charset="0"/>
+              <a:buNone/>
+            </a:pPr>
+            <a:r>
+              <a:rPr lang="en-US" sz="1100" dirty="0"/>
+              <a:t>}</a:t>
+            </a:r>
+          </a:p>
+        </p:txBody>
+      </p:sp>
     </p:spTree>
     <p:extLst>
       <p:ext uri="{BB962C8B-B14F-4D97-AF65-F5344CB8AC3E}">
-        <p14:creationId xmlns:p14="http://schemas.microsoft.com/office/powerpoint/2010/main" val="3003600592"/>
+        <p14:creationId xmlns:p14="http://schemas.microsoft.com/office/powerpoint/2010/main" val="3127531230"/>
       </p:ext>
     </p:extLst>
   </p:cSld>
@@ -5228,7 +5899,7 @@
         </p:nvSpPr>
         <p:spPr>
           <a:xfrm>
-            <a:off x="685800" y="-76200"/>
+            <a:off x="344483" y="304800"/>
             <a:ext cx="6629400" cy="1143000"/>
           </a:xfrm>
         </p:spPr>
@@ -5239,16 +5910,12 @@
           <a:lstStyle/>
           <a:p>
             <a:r>
-              <a:rPr lang="en-US" sz="4400" b="0" i="0" u="none" strike="noStrike" baseline="0" dirty="0">
+              <a:rPr lang="en-US" dirty="0">
                 <a:latin typeface="Times New Roman" panose="02020603050405020304" pitchFamily="18" charset="0"/>
                 <a:cs typeface="Times New Roman" panose="02020603050405020304" pitchFamily="18" charset="0"/>
               </a:rPr>
-              <a:t>Implementation - Schematic</a:t>
-            </a:r>
-            <a:endParaRPr lang="en-US" dirty="0">
-              <a:latin typeface="Times New Roman" panose="02020603050405020304" pitchFamily="18" charset="0"/>
-              <a:cs typeface="Times New Roman" panose="02020603050405020304" pitchFamily="18" charset="0"/>
-            </a:endParaRPr>
+              <a:t>Design - CAD</a:t>
+            </a:r>
           </a:p>
         </p:txBody>
       </p:sp>
@@ -5323,7 +5990,7 @@
           <p:cNvPr id="6" name="Footer Placeholder 5">
             <a:extLst>
               <a:ext uri="{FF2B5EF4-FFF2-40B4-BE49-F238E27FC236}">
-                <a16:creationId xmlns:a16="http://schemas.microsoft.com/office/drawing/2014/main" id="{5297B28E-6707-4B6F-A3E2-983AE0138932}"/>
+                <a16:creationId xmlns:a16="http://schemas.microsoft.com/office/drawing/2014/main" id="{1FB6E9F7-882F-4D64-BD9B-78E3D1D9B078}"/>
               </a:ext>
             </a:extLst>
           </p:cNvPr>
@@ -5346,17 +6013,17 @@
           <a:p>
             <a:r>
               <a:rPr lang="en-US" dirty="0"/>
-              <a:t>CX</a:t>
+              <a:t>NS</a:t>
             </a:r>
           </a:p>
         </p:txBody>
       </p:sp>
       <p:pic>
         <p:nvPicPr>
-          <p:cNvPr id="9" name="Picture 8" descr="Diagram, schematic&#10;&#10;Description automatically generated">
-            <a:extLst>
-              <a:ext uri="{FF2B5EF4-FFF2-40B4-BE49-F238E27FC236}">
-                <a16:creationId xmlns:a16="http://schemas.microsoft.com/office/drawing/2014/main" id="{3A88968B-CAB5-403F-B23C-7E7ED3EDC965}"/>
+          <p:cNvPr id="7" name="Picture 6" descr="A picture containing indoor&#10;&#10;Description automatically generated">
+            <a:extLst>
+              <a:ext uri="{FF2B5EF4-FFF2-40B4-BE49-F238E27FC236}">
+                <a16:creationId xmlns:a16="http://schemas.microsoft.com/office/drawing/2014/main" id="{9B790636-93E9-4D4F-9D9C-1FF5822BA96B}"/>
               </a:ext>
             </a:extLst>
           </p:cNvPr>
@@ -5373,13 +6040,49 @@
               </a:ext>
             </a:extLst>
           </a:blip>
-          <a:srcRect l="2357" t="6593" r="2988" b="8497"/>
+          <a:srcRect l="4034" r="6092"/>
           <a:stretch/>
         </p:blipFill>
         <p:spPr>
           <a:xfrm>
-            <a:off x="533401" y="838200"/>
-            <a:ext cx="8153400" cy="5652872"/>
+            <a:off x="1219200" y="1487793"/>
+            <a:ext cx="5410200" cy="2627855"/>
+          </a:xfrm>
+          <a:prstGeom prst="rect">
+            <a:avLst/>
+          </a:prstGeom>
+        </p:spPr>
+      </p:pic>
+      <p:pic>
+        <p:nvPicPr>
+          <p:cNvPr id="9" name="Picture 8" descr="A picture containing table&#10;&#10;Description automatically generated">
+            <a:extLst>
+              <a:ext uri="{FF2B5EF4-FFF2-40B4-BE49-F238E27FC236}">
+                <a16:creationId xmlns:a16="http://schemas.microsoft.com/office/drawing/2014/main" id="{10CFB9D0-F0A6-4288-9792-C6E6D3CC2BD7}"/>
+              </a:ext>
+            </a:extLst>
+          </p:cNvPr>
+          <p:cNvPicPr>
+            <a:picLocks noChangeAspect="1"/>
+          </p:cNvPicPr>
+          <p:nvPr/>
+        </p:nvPicPr>
+        <p:blipFill>
+          <a:blip r:embed="rId4">
+            <a:extLst>
+              <a:ext uri="{28A0092B-C50C-407E-A947-70E740481C1C}">
+                <a14:useLocalDpi xmlns:a14="http://schemas.microsoft.com/office/drawing/2010/main" val="0"/>
+              </a:ext>
+            </a:extLst>
+          </a:blip>
+          <a:stretch>
+            <a:fillRect/>
+          </a:stretch>
+        </p:blipFill>
+        <p:spPr>
+          <a:xfrm>
+            <a:off x="1219200" y="4264272"/>
+            <a:ext cx="5410200" cy="2185808"/>
           </a:xfrm>
           <a:prstGeom prst="rect">
             <a:avLst/>
@@ -5389,7 +6092,7 @@
     </p:spTree>
     <p:extLst>
       <p:ext uri="{BB962C8B-B14F-4D97-AF65-F5344CB8AC3E}">
-        <p14:creationId xmlns:p14="http://schemas.microsoft.com/office/powerpoint/2010/main" val="1729076435"/>
+        <p14:creationId xmlns:p14="http://schemas.microsoft.com/office/powerpoint/2010/main" val="3003600592"/>
       </p:ext>
     </p:extLst>
   </p:cSld>
@@ -5432,9 +6135,16 @@
             <p:ph type="title"/>
           </p:nvPr>
         </p:nvSpPr>
-        <p:spPr/>
-        <p:txBody>
-          <a:bodyPr/>
+        <p:spPr>
+          <a:xfrm>
+            <a:off x="685800" y="-76200"/>
+            <a:ext cx="6629400" cy="1143000"/>
+          </a:xfrm>
+        </p:spPr>
+        <p:txBody>
+          <a:bodyPr>
+            <a:normAutofit/>
+          </a:bodyPr>
           <a:lstStyle/>
           <a:p>
             <a:r>
@@ -5442,7 +6152,7 @@
                 <a:latin typeface="Times New Roman" panose="02020603050405020304" pitchFamily="18" charset="0"/>
                 <a:cs typeface="Times New Roman" panose="02020603050405020304" pitchFamily="18" charset="0"/>
               </a:rPr>
-              <a:t>Implementation - Tools</a:t>
+              <a:t>Implementation - Schematic</a:t>
             </a:r>
             <a:endParaRPr lang="en-US" dirty="0">
               <a:latin typeface="Times New Roman" panose="02020603050405020304" pitchFamily="18" charset="0"/>
@@ -5451,83 +6161,12 @@
           </a:p>
         </p:txBody>
       </p:sp>
-      <p:sp>
-        <p:nvSpPr>
-          <p:cNvPr id="3" name="Content Placeholder 2">
-            <a:extLst>
-              <a:ext uri="{FF2B5EF4-FFF2-40B4-BE49-F238E27FC236}">
-                <a16:creationId xmlns:a16="http://schemas.microsoft.com/office/drawing/2014/main" id="{2CE334AC-69B0-4476-829F-723CA7B2CC1A}"/>
-              </a:ext>
-            </a:extLst>
-          </p:cNvPr>
-          <p:cNvSpPr>
-            <a:spLocks noGrp="1"/>
-          </p:cNvSpPr>
-          <p:nvPr>
-            <p:ph idx="1"/>
-          </p:nvPr>
-        </p:nvSpPr>
-        <p:spPr>
-          <a:xfrm>
-            <a:off x="685800" y="2385219"/>
-            <a:ext cx="3810000" cy="2087562"/>
-          </a:xfrm>
-        </p:spPr>
-        <p:txBody>
-          <a:bodyPr>
-            <a:normAutofit fontScale="92500" lnSpcReduction="10000"/>
-          </a:bodyPr>
-          <a:lstStyle/>
-          <a:p>
-            <a:pPr marL="0" indent="0" algn="l">
-              <a:buNone/>
-            </a:pPr>
-            <a:r>
-              <a:rPr lang="en-US" sz="3200" b="0" u="none" strike="noStrike" baseline="0" dirty="0">
-                <a:latin typeface="Times New Roman" panose="02020603050405020304" pitchFamily="18" charset="0"/>
-                <a:cs typeface="Times New Roman" panose="02020603050405020304" pitchFamily="18" charset="0"/>
-              </a:rPr>
-              <a:t>Hardware:</a:t>
-            </a:r>
-          </a:p>
-          <a:p>
-            <a:pPr algn="l"/>
-            <a:r>
-              <a:rPr lang="en-US" sz="3200" b="0" u="none" strike="noStrike" baseline="0" dirty="0">
-                <a:latin typeface="Times New Roman" panose="02020603050405020304" pitchFamily="18" charset="0"/>
-                <a:cs typeface="Times New Roman" panose="02020603050405020304" pitchFamily="18" charset="0"/>
-              </a:rPr>
-              <a:t>Oscilloscope</a:t>
-            </a:r>
-          </a:p>
-          <a:p>
-            <a:pPr algn="l"/>
-            <a:r>
-              <a:rPr lang="en-US" dirty="0">
-                <a:latin typeface="Times New Roman" panose="02020603050405020304" pitchFamily="18" charset="0"/>
-                <a:cs typeface="Times New Roman" panose="02020603050405020304" pitchFamily="18" charset="0"/>
-              </a:rPr>
-              <a:t>Digital Multimeter</a:t>
-            </a:r>
-          </a:p>
-          <a:p>
-            <a:pPr algn="l"/>
-            <a:r>
-              <a:rPr lang="en-US" dirty="0">
-                <a:latin typeface="Times New Roman" panose="02020603050405020304" pitchFamily="18" charset="0"/>
-                <a:cs typeface="Times New Roman" panose="02020603050405020304" pitchFamily="18" charset="0"/>
-              </a:rPr>
-              <a:t>Power Supply</a:t>
-            </a:r>
-          </a:p>
-        </p:txBody>
-      </p:sp>
       <p:pic>
         <p:nvPicPr>
           <p:cNvPr id="5" name="Picture 4">
             <a:extLst>
               <a:ext uri="{FF2B5EF4-FFF2-40B4-BE49-F238E27FC236}">
-                <a16:creationId xmlns:a16="http://schemas.microsoft.com/office/drawing/2014/main" id="{E85C235A-D39D-4D10-AA4F-046FFC3C035E}"/>
+                <a16:creationId xmlns:a16="http://schemas.microsoft.com/office/drawing/2014/main" id="{AD6CF8E9-A73C-463D-AB04-4DA37A3435E0}"/>
               </a:ext>
             </a:extLst>
           </p:cNvPr>
@@ -5560,10 +6199,10 @@
       </p:pic>
       <p:sp>
         <p:nvSpPr>
-          <p:cNvPr id="4" name="Slide Number Placeholder 3">
-            <a:extLst>
-              <a:ext uri="{FF2B5EF4-FFF2-40B4-BE49-F238E27FC236}">
-                <a16:creationId xmlns:a16="http://schemas.microsoft.com/office/drawing/2014/main" id="{F23543F6-65F1-4CF4-8113-1BE3830D711B}"/>
+          <p:cNvPr id="3" name="Slide Number Placeholder 2">
+            <a:extLst>
+              <a:ext uri="{FF2B5EF4-FFF2-40B4-BE49-F238E27FC236}">
+                <a16:creationId xmlns:a16="http://schemas.microsoft.com/office/drawing/2014/main" id="{B2CCB504-4FE6-4A97-B95A-9323B1C4A41A}"/>
               </a:ext>
             </a:extLst>
           </p:cNvPr>
@@ -5593,7 +6232,7 @@
           <p:cNvPr id="6" name="Footer Placeholder 5">
             <a:extLst>
               <a:ext uri="{FF2B5EF4-FFF2-40B4-BE49-F238E27FC236}">
-                <a16:creationId xmlns:a16="http://schemas.microsoft.com/office/drawing/2014/main" id="{88A6D16B-FADE-4476-BDEB-DEFB11022205}"/>
+                <a16:creationId xmlns:a16="http://schemas.microsoft.com/office/drawing/2014/main" id="{5297B28E-6707-4B6F-A3E2-983AE0138932}"/>
               </a:ext>
             </a:extLst>
           </p:cNvPr>
@@ -5621,199 +6260,45 @@
           </a:p>
         </p:txBody>
       </p:sp>
-      <p:sp>
-        <p:nvSpPr>
-          <p:cNvPr id="7" name="TextBox 6">
-            <a:extLst>
-              <a:ext uri="{FF2B5EF4-FFF2-40B4-BE49-F238E27FC236}">
-                <a16:creationId xmlns:a16="http://schemas.microsoft.com/office/drawing/2014/main" id="{FE9F61AD-AD9F-4FED-9A6D-500FB60B45A1}"/>
-              </a:ext>
-            </a:extLst>
-          </p:cNvPr>
-          <p:cNvSpPr txBox="1"/>
+      <p:pic>
+        <p:nvPicPr>
+          <p:cNvPr id="9" name="Picture 8" descr="Diagram, schematic&#10;&#10;Description automatically generated">
+            <a:extLst>
+              <a:ext uri="{FF2B5EF4-FFF2-40B4-BE49-F238E27FC236}">
+                <a16:creationId xmlns:a16="http://schemas.microsoft.com/office/drawing/2014/main" id="{3A88968B-CAB5-403F-B23C-7E7ED3EDC965}"/>
+              </a:ext>
+            </a:extLst>
+          </p:cNvPr>
+          <p:cNvPicPr>
+            <a:picLocks noChangeAspect="1"/>
+          </p:cNvPicPr>
           <p:nvPr/>
-        </p:nvSpPr>
+        </p:nvPicPr>
+        <p:blipFill rotWithShape="1">
+          <a:blip r:embed="rId3">
+            <a:extLst>
+              <a:ext uri="{28A0092B-C50C-407E-A947-70E740481C1C}">
+                <a14:useLocalDpi xmlns:a14="http://schemas.microsoft.com/office/drawing/2010/main" val="0"/>
+              </a:ext>
+            </a:extLst>
+          </a:blip>
+          <a:srcRect l="2357" t="6593" r="2988" b="8497"/>
+          <a:stretch/>
+        </p:blipFill>
         <p:spPr>
           <a:xfrm>
-            <a:off x="4367706" y="2385219"/>
-            <a:ext cx="3236784" cy="3046988"/>
+            <a:off x="533401" y="838200"/>
+            <a:ext cx="8153400" cy="5652872"/>
           </a:xfrm>
           <a:prstGeom prst="rect">
             <a:avLst/>
           </a:prstGeom>
-          <a:noFill/>
-        </p:spPr>
-        <p:txBody>
-          <a:bodyPr wrap="none" rtlCol="0">
-            <a:spAutoFit/>
-          </a:bodyPr>
-          <a:lstStyle/>
-          <a:p>
-            <a:pPr>
-              <a:lnSpc>
-                <a:spcPct val="90000"/>
-              </a:lnSpc>
-              <a:spcBef>
-                <a:spcPct val="20000"/>
-              </a:spcBef>
-            </a:pPr>
-            <a:r>
-              <a:rPr lang="en-US" sz="3000" dirty="0">
-                <a:solidFill>
-                  <a:schemeClr val="bg2">
-                    <a:lumMod val="25000"/>
-                  </a:schemeClr>
-                </a:solidFill>
-                <a:latin typeface="Times New Roman" panose="02020603050405020304" pitchFamily="18" charset="0"/>
-                <a:cs typeface="Times New Roman" panose="02020603050405020304" pitchFamily="18" charset="0"/>
-              </a:rPr>
-              <a:t>Software:</a:t>
-            </a:r>
-          </a:p>
-          <a:p>
-            <a:pPr marL="342900" indent="-342900">
-              <a:lnSpc>
-                <a:spcPct val="90000"/>
-              </a:lnSpc>
-              <a:spcBef>
-                <a:spcPct val="20000"/>
-              </a:spcBef>
-              <a:buFont typeface="Arial" pitchFamily="34" charset="0"/>
-              <a:buChar char="•"/>
-            </a:pPr>
-            <a:r>
-              <a:rPr lang="en-US" sz="3000" dirty="0" err="1">
-                <a:solidFill>
-                  <a:schemeClr val="bg2">
-                    <a:lumMod val="25000"/>
-                  </a:schemeClr>
-                </a:solidFill>
-                <a:latin typeface="Times New Roman" panose="02020603050405020304" pitchFamily="18" charset="0"/>
-                <a:cs typeface="Times New Roman" panose="02020603050405020304" pitchFamily="18" charset="0"/>
-              </a:rPr>
-              <a:t>EagleCAD</a:t>
-            </a:r>
-            <a:endParaRPr lang="en-US" sz="3000" dirty="0">
-              <a:solidFill>
-                <a:schemeClr val="bg2">
-                  <a:lumMod val="25000"/>
-                </a:schemeClr>
-              </a:solidFill>
-              <a:latin typeface="Times New Roman" panose="02020603050405020304" pitchFamily="18" charset="0"/>
-              <a:cs typeface="Times New Roman" panose="02020603050405020304" pitchFamily="18" charset="0"/>
-            </a:endParaRPr>
-          </a:p>
-          <a:p>
-            <a:pPr marL="342900" indent="-342900">
-              <a:lnSpc>
-                <a:spcPct val="90000"/>
-              </a:lnSpc>
-              <a:spcBef>
-                <a:spcPct val="20000"/>
-              </a:spcBef>
-              <a:buFont typeface="Arial" pitchFamily="34" charset="0"/>
-              <a:buChar char="•"/>
-            </a:pPr>
-            <a:r>
-              <a:rPr lang="en-US" sz="3000" dirty="0">
-                <a:solidFill>
-                  <a:schemeClr val="bg2">
-                    <a:lumMod val="25000"/>
-                  </a:schemeClr>
-                </a:solidFill>
-                <a:latin typeface="Times New Roman" panose="02020603050405020304" pitchFamily="18" charset="0"/>
-                <a:cs typeface="Times New Roman" panose="02020603050405020304" pitchFamily="18" charset="0"/>
-              </a:rPr>
-              <a:t>Fusion360</a:t>
-            </a:r>
-          </a:p>
-          <a:p>
-            <a:pPr marL="342900" indent="-342900">
-              <a:lnSpc>
-                <a:spcPct val="90000"/>
-              </a:lnSpc>
-              <a:spcBef>
-                <a:spcPct val="20000"/>
-              </a:spcBef>
-              <a:buFont typeface="Arial" pitchFamily="34" charset="0"/>
-              <a:buChar char="•"/>
-            </a:pPr>
-            <a:r>
-              <a:rPr lang="en-US" sz="3000" dirty="0">
-                <a:solidFill>
-                  <a:schemeClr val="bg2">
-                    <a:lumMod val="25000"/>
-                  </a:schemeClr>
-                </a:solidFill>
-                <a:latin typeface="Times New Roman" panose="02020603050405020304" pitchFamily="18" charset="0"/>
-                <a:cs typeface="Times New Roman" panose="02020603050405020304" pitchFamily="18" charset="0"/>
-              </a:rPr>
-              <a:t>Arduino IDE</a:t>
-            </a:r>
-          </a:p>
-          <a:p>
-            <a:pPr marL="342900" indent="-342900">
-              <a:lnSpc>
-                <a:spcPct val="90000"/>
-              </a:lnSpc>
-              <a:spcBef>
-                <a:spcPct val="20000"/>
-              </a:spcBef>
-              <a:buFont typeface="Arial" pitchFamily="34" charset="0"/>
-              <a:buChar char="•"/>
-            </a:pPr>
-            <a:r>
-              <a:rPr lang="en-US" sz="3000" dirty="0" err="1">
-                <a:solidFill>
-                  <a:schemeClr val="bg2">
-                    <a:lumMod val="25000"/>
-                  </a:schemeClr>
-                </a:solidFill>
-                <a:latin typeface="Times New Roman" panose="02020603050405020304" pitchFamily="18" charset="0"/>
-                <a:cs typeface="Times New Roman" panose="02020603050405020304" pitchFamily="18" charset="0"/>
-              </a:rPr>
-              <a:t>LTSpice</a:t>
-            </a:r>
-            <a:endParaRPr lang="en-US" sz="3000" dirty="0">
-              <a:solidFill>
-                <a:schemeClr val="bg2">
-                  <a:lumMod val="25000"/>
-                </a:schemeClr>
-              </a:solidFill>
-              <a:latin typeface="Times New Roman" panose="02020603050405020304" pitchFamily="18" charset="0"/>
-              <a:cs typeface="Times New Roman" panose="02020603050405020304" pitchFamily="18" charset="0"/>
-            </a:endParaRPr>
-          </a:p>
-          <a:p>
-            <a:pPr marL="342900" indent="-342900">
-              <a:lnSpc>
-                <a:spcPct val="90000"/>
-              </a:lnSpc>
-              <a:spcBef>
-                <a:spcPct val="20000"/>
-              </a:spcBef>
-              <a:buFont typeface="Arial" pitchFamily="34" charset="0"/>
-              <a:buChar char="•"/>
-            </a:pPr>
-            <a:r>
-              <a:rPr lang="en-US" sz="3000" dirty="0">
-                <a:solidFill>
-                  <a:schemeClr val="bg2">
-                    <a:lumMod val="25000"/>
-                  </a:schemeClr>
-                </a:solidFill>
-                <a:latin typeface="Times New Roman" panose="02020603050405020304" pitchFamily="18" charset="0"/>
-                <a:cs typeface="Times New Roman" panose="02020603050405020304" pitchFamily="18" charset="0"/>
-              </a:rPr>
-              <a:t>Microsoft Project</a:t>
-            </a:r>
-          </a:p>
-        </p:txBody>
-      </p:sp>
+        </p:spPr>
+      </p:pic>
     </p:spTree>
     <p:extLst>
       <p:ext uri="{BB962C8B-B14F-4D97-AF65-F5344CB8AC3E}">
-        <p14:creationId xmlns:p14="http://schemas.microsoft.com/office/powerpoint/2010/main" val="1305333851"/>
+        <p14:creationId xmlns:p14="http://schemas.microsoft.com/office/powerpoint/2010/main" val="1729076435"/>
       </p:ext>
     </p:extLst>
   </p:cSld>
@@ -5866,7 +6351,7 @@
                 <a:latin typeface="Times New Roman" panose="02020603050405020304" pitchFamily="18" charset="0"/>
                 <a:cs typeface="Times New Roman" panose="02020603050405020304" pitchFamily="18" charset="0"/>
               </a:rPr>
-              <a:t>Implementation - BOM</a:t>
+              <a:t>Implementation - Tools</a:t>
             </a:r>
             <a:endParaRPr lang="en-US" dirty="0">
               <a:latin typeface="Times New Roman" panose="02020603050405020304" pitchFamily="18" charset="0"/>
@@ -5875,46 +6360,83 @@
           </a:p>
         </p:txBody>
       </p:sp>
+      <p:sp>
+        <p:nvSpPr>
+          <p:cNvPr id="3" name="Content Placeholder 2">
+            <a:extLst>
+              <a:ext uri="{FF2B5EF4-FFF2-40B4-BE49-F238E27FC236}">
+                <a16:creationId xmlns:a16="http://schemas.microsoft.com/office/drawing/2014/main" id="{2CE334AC-69B0-4476-829F-723CA7B2CC1A}"/>
+              </a:ext>
+            </a:extLst>
+          </p:cNvPr>
+          <p:cNvSpPr>
+            <a:spLocks noGrp="1"/>
+          </p:cNvSpPr>
+          <p:nvPr>
+            <p:ph idx="1"/>
+          </p:nvPr>
+        </p:nvSpPr>
+        <p:spPr>
+          <a:xfrm>
+            <a:off x="685800" y="2385219"/>
+            <a:ext cx="3810000" cy="2087562"/>
+          </a:xfrm>
+        </p:spPr>
+        <p:txBody>
+          <a:bodyPr>
+            <a:normAutofit fontScale="92500" lnSpcReduction="10000"/>
+          </a:bodyPr>
+          <a:lstStyle/>
+          <a:p>
+            <a:pPr marL="0" indent="0" algn="l">
+              <a:buNone/>
+            </a:pPr>
+            <a:r>
+              <a:rPr lang="en-US" sz="3200" b="0" u="none" strike="noStrike" baseline="0" dirty="0">
+                <a:latin typeface="Times New Roman" panose="02020603050405020304" pitchFamily="18" charset="0"/>
+                <a:cs typeface="Times New Roman" panose="02020603050405020304" pitchFamily="18" charset="0"/>
+              </a:rPr>
+              <a:t>Hardware:</a:t>
+            </a:r>
+          </a:p>
+          <a:p>
+            <a:pPr algn="l"/>
+            <a:r>
+              <a:rPr lang="en-US" sz="3200" b="0" u="none" strike="noStrike" baseline="0" dirty="0">
+                <a:latin typeface="Times New Roman" panose="02020603050405020304" pitchFamily="18" charset="0"/>
+                <a:cs typeface="Times New Roman" panose="02020603050405020304" pitchFamily="18" charset="0"/>
+              </a:rPr>
+              <a:t>Oscilloscope</a:t>
+            </a:r>
+          </a:p>
+          <a:p>
+            <a:pPr algn="l"/>
+            <a:r>
+              <a:rPr lang="en-US" dirty="0">
+                <a:latin typeface="Times New Roman" panose="02020603050405020304" pitchFamily="18" charset="0"/>
+                <a:cs typeface="Times New Roman" panose="02020603050405020304" pitchFamily="18" charset="0"/>
+              </a:rPr>
+              <a:t>Digital Multimeter</a:t>
+            </a:r>
+          </a:p>
+          <a:p>
+            <a:pPr algn="l"/>
+            <a:r>
+              <a:rPr lang="en-US" dirty="0">
+                <a:latin typeface="Times New Roman" panose="02020603050405020304" pitchFamily="18" charset="0"/>
+                <a:cs typeface="Times New Roman" panose="02020603050405020304" pitchFamily="18" charset="0"/>
+              </a:rPr>
+              <a:t>Power Supply</a:t>
+            </a:r>
+          </a:p>
+        </p:txBody>
+      </p:sp>
       <p:pic>
         <p:nvPicPr>
-          <p:cNvPr id="8" name="Content Placeholder 7">
-            <a:extLst>
-              <a:ext uri="{FF2B5EF4-FFF2-40B4-BE49-F238E27FC236}">
-                <a16:creationId xmlns:a16="http://schemas.microsoft.com/office/drawing/2014/main" id="{099AFCCB-10C8-45AF-A056-ADF3EB441C48}"/>
-              </a:ext>
-            </a:extLst>
-          </p:cNvPr>
-          <p:cNvPicPr>
-            <a:picLocks noGrp="1" noChangeAspect="1"/>
-          </p:cNvPicPr>
-          <p:nvPr>
-            <p:ph idx="1"/>
-          </p:nvPr>
-        </p:nvPicPr>
-        <p:blipFill>
-          <a:blip r:embed="rId3">
-            <a:extLst>
-              <a:ext uri="{28A0092B-C50C-407E-A947-70E740481C1C}">
-                <a14:useLocalDpi xmlns:a14="http://schemas.microsoft.com/office/drawing/2010/main" val="0"/>
-              </a:ext>
-            </a:extLst>
-          </a:blip>
-          <a:srcRect/>
-          <a:stretch/>
-        </p:blipFill>
-        <p:spPr>
-          <a:xfrm>
-            <a:off x="176984" y="3017049"/>
-            <a:ext cx="8790031" cy="1990196"/>
-          </a:xfrm>
-        </p:spPr>
-      </p:pic>
-      <p:pic>
-        <p:nvPicPr>
-          <p:cNvPr id="6" name="Picture 5">
-            <a:extLst>
-              <a:ext uri="{FF2B5EF4-FFF2-40B4-BE49-F238E27FC236}">
-                <a16:creationId xmlns:a16="http://schemas.microsoft.com/office/drawing/2014/main" id="{D9951B88-79ED-4421-9F1E-A94AB38524F8}"/>
+          <p:cNvPr id="5" name="Picture 4">
+            <a:extLst>
+              <a:ext uri="{FF2B5EF4-FFF2-40B4-BE49-F238E27FC236}">
+                <a16:creationId xmlns:a16="http://schemas.microsoft.com/office/drawing/2014/main" id="{E85C235A-D39D-4D10-AA4F-046FFC3C035E}"/>
               </a:ext>
             </a:extLst>
           </p:cNvPr>
@@ -5924,7 +6446,7 @@
           <p:nvPr/>
         </p:nvPicPr>
         <p:blipFill>
-          <a:blip r:embed="rId4">
+          <a:blip r:embed="rId2">
             <a:extLst>
               <a:ext uri="{28A0092B-C50C-407E-A947-70E740481C1C}">
                 <a14:useLocalDpi xmlns:a14="http://schemas.microsoft.com/office/drawing/2010/main" val="0"/>
@@ -5947,10 +6469,10 @@
       </p:pic>
       <p:sp>
         <p:nvSpPr>
-          <p:cNvPr id="3" name="Slide Number Placeholder 2">
-            <a:extLst>
-              <a:ext uri="{FF2B5EF4-FFF2-40B4-BE49-F238E27FC236}">
-                <a16:creationId xmlns:a16="http://schemas.microsoft.com/office/drawing/2014/main" id="{0227E7FC-AFC2-4451-80CA-79B41D917576}"/>
+          <p:cNvPr id="4" name="Slide Number Placeholder 3">
+            <a:extLst>
+              <a:ext uri="{FF2B5EF4-FFF2-40B4-BE49-F238E27FC236}">
+                <a16:creationId xmlns:a16="http://schemas.microsoft.com/office/drawing/2014/main" id="{F23543F6-65F1-4CF4-8113-1BE3830D711B}"/>
               </a:ext>
             </a:extLst>
           </p:cNvPr>
@@ -5977,10 +6499,10 @@
       </p:sp>
       <p:sp>
         <p:nvSpPr>
-          <p:cNvPr id="7" name="Footer Placeholder 5">
-            <a:extLst>
-              <a:ext uri="{FF2B5EF4-FFF2-40B4-BE49-F238E27FC236}">
-                <a16:creationId xmlns:a16="http://schemas.microsoft.com/office/drawing/2014/main" id="{D694C948-62EF-41DB-8931-6578229A7D59}"/>
+          <p:cNvPr id="6" name="Footer Placeholder 5">
+            <a:extLst>
+              <a:ext uri="{FF2B5EF4-FFF2-40B4-BE49-F238E27FC236}">
+                <a16:creationId xmlns:a16="http://schemas.microsoft.com/office/drawing/2014/main" id="{88A6D16B-FADE-4476-BDEB-DEFB11022205}"/>
               </a:ext>
             </a:extLst>
           </p:cNvPr>
@@ -6008,10 +6530,199 @@
           </a:p>
         </p:txBody>
       </p:sp>
+      <p:sp>
+        <p:nvSpPr>
+          <p:cNvPr id="7" name="TextBox 6">
+            <a:extLst>
+              <a:ext uri="{FF2B5EF4-FFF2-40B4-BE49-F238E27FC236}">
+                <a16:creationId xmlns:a16="http://schemas.microsoft.com/office/drawing/2014/main" id="{FE9F61AD-AD9F-4FED-9A6D-500FB60B45A1}"/>
+              </a:ext>
+            </a:extLst>
+          </p:cNvPr>
+          <p:cNvSpPr txBox="1"/>
+          <p:nvPr/>
+        </p:nvSpPr>
+        <p:spPr>
+          <a:xfrm>
+            <a:off x="4367706" y="2385219"/>
+            <a:ext cx="3236784" cy="3046988"/>
+          </a:xfrm>
+          <a:prstGeom prst="rect">
+            <a:avLst/>
+          </a:prstGeom>
+          <a:noFill/>
+        </p:spPr>
+        <p:txBody>
+          <a:bodyPr wrap="none" rtlCol="0">
+            <a:spAutoFit/>
+          </a:bodyPr>
+          <a:lstStyle/>
+          <a:p>
+            <a:pPr>
+              <a:lnSpc>
+                <a:spcPct val="90000"/>
+              </a:lnSpc>
+              <a:spcBef>
+                <a:spcPct val="20000"/>
+              </a:spcBef>
+            </a:pPr>
+            <a:r>
+              <a:rPr lang="en-US" sz="3000" dirty="0">
+                <a:solidFill>
+                  <a:schemeClr val="bg2">
+                    <a:lumMod val="25000"/>
+                  </a:schemeClr>
+                </a:solidFill>
+                <a:latin typeface="Times New Roman" panose="02020603050405020304" pitchFamily="18" charset="0"/>
+                <a:cs typeface="Times New Roman" panose="02020603050405020304" pitchFamily="18" charset="0"/>
+              </a:rPr>
+              <a:t>Software:</a:t>
+            </a:r>
+          </a:p>
+          <a:p>
+            <a:pPr marL="342900" indent="-342900">
+              <a:lnSpc>
+                <a:spcPct val="90000"/>
+              </a:lnSpc>
+              <a:spcBef>
+                <a:spcPct val="20000"/>
+              </a:spcBef>
+              <a:buFont typeface="Arial" pitchFamily="34" charset="0"/>
+              <a:buChar char="•"/>
+            </a:pPr>
+            <a:r>
+              <a:rPr lang="en-US" sz="3000" dirty="0" err="1">
+                <a:solidFill>
+                  <a:schemeClr val="bg2">
+                    <a:lumMod val="25000"/>
+                  </a:schemeClr>
+                </a:solidFill>
+                <a:latin typeface="Times New Roman" panose="02020603050405020304" pitchFamily="18" charset="0"/>
+                <a:cs typeface="Times New Roman" panose="02020603050405020304" pitchFamily="18" charset="0"/>
+              </a:rPr>
+              <a:t>EagleCAD</a:t>
+            </a:r>
+            <a:endParaRPr lang="en-US" sz="3000" dirty="0">
+              <a:solidFill>
+                <a:schemeClr val="bg2">
+                  <a:lumMod val="25000"/>
+                </a:schemeClr>
+              </a:solidFill>
+              <a:latin typeface="Times New Roman" panose="02020603050405020304" pitchFamily="18" charset="0"/>
+              <a:cs typeface="Times New Roman" panose="02020603050405020304" pitchFamily="18" charset="0"/>
+            </a:endParaRPr>
+          </a:p>
+          <a:p>
+            <a:pPr marL="342900" indent="-342900">
+              <a:lnSpc>
+                <a:spcPct val="90000"/>
+              </a:lnSpc>
+              <a:spcBef>
+                <a:spcPct val="20000"/>
+              </a:spcBef>
+              <a:buFont typeface="Arial" pitchFamily="34" charset="0"/>
+              <a:buChar char="•"/>
+            </a:pPr>
+            <a:r>
+              <a:rPr lang="en-US" sz="3000" dirty="0">
+                <a:solidFill>
+                  <a:schemeClr val="bg2">
+                    <a:lumMod val="25000"/>
+                  </a:schemeClr>
+                </a:solidFill>
+                <a:latin typeface="Times New Roman" panose="02020603050405020304" pitchFamily="18" charset="0"/>
+                <a:cs typeface="Times New Roman" panose="02020603050405020304" pitchFamily="18" charset="0"/>
+              </a:rPr>
+              <a:t>Fusion360</a:t>
+            </a:r>
+          </a:p>
+          <a:p>
+            <a:pPr marL="342900" indent="-342900">
+              <a:lnSpc>
+                <a:spcPct val="90000"/>
+              </a:lnSpc>
+              <a:spcBef>
+                <a:spcPct val="20000"/>
+              </a:spcBef>
+              <a:buFont typeface="Arial" pitchFamily="34" charset="0"/>
+              <a:buChar char="•"/>
+            </a:pPr>
+            <a:r>
+              <a:rPr lang="en-US" sz="3000" dirty="0">
+                <a:solidFill>
+                  <a:schemeClr val="bg2">
+                    <a:lumMod val="25000"/>
+                  </a:schemeClr>
+                </a:solidFill>
+                <a:latin typeface="Times New Roman" panose="02020603050405020304" pitchFamily="18" charset="0"/>
+                <a:cs typeface="Times New Roman" panose="02020603050405020304" pitchFamily="18" charset="0"/>
+              </a:rPr>
+              <a:t>Arduino IDE</a:t>
+            </a:r>
+          </a:p>
+          <a:p>
+            <a:pPr marL="342900" indent="-342900">
+              <a:lnSpc>
+                <a:spcPct val="90000"/>
+              </a:lnSpc>
+              <a:spcBef>
+                <a:spcPct val="20000"/>
+              </a:spcBef>
+              <a:buFont typeface="Arial" pitchFamily="34" charset="0"/>
+              <a:buChar char="•"/>
+            </a:pPr>
+            <a:r>
+              <a:rPr lang="en-US" sz="3000" dirty="0" err="1">
+                <a:solidFill>
+                  <a:schemeClr val="bg2">
+                    <a:lumMod val="25000"/>
+                  </a:schemeClr>
+                </a:solidFill>
+                <a:latin typeface="Times New Roman" panose="02020603050405020304" pitchFamily="18" charset="0"/>
+                <a:cs typeface="Times New Roman" panose="02020603050405020304" pitchFamily="18" charset="0"/>
+              </a:rPr>
+              <a:t>LTSpice</a:t>
+            </a:r>
+            <a:endParaRPr lang="en-US" sz="3000" dirty="0">
+              <a:solidFill>
+                <a:schemeClr val="bg2">
+                  <a:lumMod val="25000"/>
+                </a:schemeClr>
+              </a:solidFill>
+              <a:latin typeface="Times New Roman" panose="02020603050405020304" pitchFamily="18" charset="0"/>
+              <a:cs typeface="Times New Roman" panose="02020603050405020304" pitchFamily="18" charset="0"/>
+            </a:endParaRPr>
+          </a:p>
+          <a:p>
+            <a:pPr marL="342900" indent="-342900">
+              <a:lnSpc>
+                <a:spcPct val="90000"/>
+              </a:lnSpc>
+              <a:spcBef>
+                <a:spcPct val="20000"/>
+              </a:spcBef>
+              <a:buFont typeface="Arial" pitchFamily="34" charset="0"/>
+              <a:buChar char="•"/>
+            </a:pPr>
+            <a:r>
+              <a:rPr lang="en-US" sz="3000" dirty="0">
+                <a:solidFill>
+                  <a:schemeClr val="bg2">
+                    <a:lumMod val="25000"/>
+                  </a:schemeClr>
+                </a:solidFill>
+                <a:latin typeface="Times New Roman" panose="02020603050405020304" pitchFamily="18" charset="0"/>
+                <a:cs typeface="Times New Roman" panose="02020603050405020304" pitchFamily="18" charset="0"/>
+              </a:rPr>
+              <a:t>Microsoft Project</a:t>
+            </a:r>
+          </a:p>
+        </p:txBody>
+      </p:sp>
     </p:spTree>
     <p:extLst>
       <p:ext uri="{BB962C8B-B14F-4D97-AF65-F5344CB8AC3E}">
-        <p14:creationId xmlns:p14="http://schemas.microsoft.com/office/powerpoint/2010/main" val="427551570"/>
+        <p14:creationId xmlns:p14="http://schemas.microsoft.com/office/powerpoint/2010/main" val="1305333851"/>
       </p:ext>
     </p:extLst>
   </p:cSld>
@@ -6043,7 +6754,7 @@
           <p:cNvPr id="2" name="Title 1">
             <a:extLst>
               <a:ext uri="{FF2B5EF4-FFF2-40B4-BE49-F238E27FC236}">
-                <a16:creationId xmlns:a16="http://schemas.microsoft.com/office/drawing/2014/main" id="{9CBD3FEA-DAAA-4E85-9D60-CF8F5E46AFBA}"/>
+                <a16:creationId xmlns:a16="http://schemas.microsoft.com/office/drawing/2014/main" id="{8D53AEC3-6004-4BB9-9242-82D16C61B05A}"/>
               </a:ext>
             </a:extLst>
           </p:cNvPr>
@@ -6056,9 +6767,7 @@
         </p:nvSpPr>
         <p:spPr/>
         <p:txBody>
-          <a:bodyPr>
-            <a:normAutofit/>
-          </a:bodyPr>
+          <a:bodyPr/>
           <a:lstStyle/>
           <a:p>
             <a:r>
@@ -6066,7 +6775,7 @@
                 <a:latin typeface="Times New Roman" panose="02020603050405020304" pitchFamily="18" charset="0"/>
                 <a:cs typeface="Times New Roman" panose="02020603050405020304" pitchFamily="18" charset="0"/>
               </a:rPr>
-              <a:t>Prior Work</a:t>
+              <a:t>Implementation - BOM</a:t>
             </a:r>
             <a:endParaRPr lang="en-US" dirty="0">
               <a:latin typeface="Times New Roman" panose="02020603050405020304" pitchFamily="18" charset="0"/>
@@ -6075,65 +6784,46 @@
           </a:p>
         </p:txBody>
       </p:sp>
-      <p:sp>
-        <p:nvSpPr>
-          <p:cNvPr id="3" name="Content Placeholder 2">
-            <a:extLst>
-              <a:ext uri="{FF2B5EF4-FFF2-40B4-BE49-F238E27FC236}">
-                <a16:creationId xmlns:a16="http://schemas.microsoft.com/office/drawing/2014/main" id="{9E3C7773-D7F0-4DE4-96D2-61950A303263}"/>
-              </a:ext>
-            </a:extLst>
-          </p:cNvPr>
-          <p:cNvSpPr>
-            <a:spLocks noGrp="1"/>
-          </p:cNvSpPr>
-          <p:nvPr>
-            <p:ph idx="1"/>
-          </p:nvPr>
-        </p:nvSpPr>
-        <p:spPr>
-          <a:xfrm>
-            <a:off x="457200" y="1372648"/>
-            <a:ext cx="6629400" cy="1522952"/>
-          </a:xfrm>
-        </p:spPr>
-        <p:txBody>
-          <a:bodyPr>
-            <a:normAutofit fontScale="62500" lnSpcReduction="20000"/>
-          </a:bodyPr>
-          <a:lstStyle/>
-          <a:p>
-            <a:pPr marL="0" indent="0" algn="l">
-              <a:buNone/>
-            </a:pPr>
-            <a:r>
-              <a:rPr lang="en-US" dirty="0">
-                <a:latin typeface="Times New Roman" panose="02020603050405020304" pitchFamily="18" charset="0"/>
-                <a:cs typeface="Times New Roman" panose="02020603050405020304" pitchFamily="18" charset="0"/>
-              </a:rPr>
-              <a:t>The competition for smart bird feeders are focused on bird watchers with smart cameras – none focus on smart selectivity in using weight to not feed squirrels and crows.</a:t>
-            </a:r>
-          </a:p>
-          <a:p>
-            <a:pPr marL="0" indent="0" algn="l">
-              <a:buNone/>
-            </a:pPr>
-            <a:r>
-              <a:rPr lang="en-US" dirty="0">
-                <a:latin typeface="Times New Roman" panose="02020603050405020304" pitchFamily="18" charset="0"/>
-                <a:cs typeface="Times New Roman" panose="02020603050405020304" pitchFamily="18" charset="0"/>
-              </a:rPr>
-              <a:t>These are currently in development, there is no existing smart bird feeder that a user can buy off the market.</a:t>
-            </a:r>
-          </a:p>
-        </p:txBody>
-      </p:sp>
       <p:pic>
         <p:nvPicPr>
-          <p:cNvPr id="5" name="Picture 4">
-            <a:extLst>
-              <a:ext uri="{FF2B5EF4-FFF2-40B4-BE49-F238E27FC236}">
-                <a16:creationId xmlns:a16="http://schemas.microsoft.com/office/drawing/2014/main" id="{978461DD-35BD-4BCE-ABDC-030B6FA99D65}"/>
+          <p:cNvPr id="8" name="Content Placeholder 7">
+            <a:extLst>
+              <a:ext uri="{FF2B5EF4-FFF2-40B4-BE49-F238E27FC236}">
+                <a16:creationId xmlns:a16="http://schemas.microsoft.com/office/drawing/2014/main" id="{099AFCCB-10C8-45AF-A056-ADF3EB441C48}"/>
+              </a:ext>
+            </a:extLst>
+          </p:cNvPr>
+          <p:cNvPicPr>
+            <a:picLocks noGrp="1" noChangeAspect="1"/>
+          </p:cNvPicPr>
+          <p:nvPr>
+            <p:ph idx="1"/>
+          </p:nvPr>
+        </p:nvPicPr>
+        <p:blipFill>
+          <a:blip r:embed="rId3">
+            <a:extLst>
+              <a:ext uri="{28A0092B-C50C-407E-A947-70E740481C1C}">
+                <a14:useLocalDpi xmlns:a14="http://schemas.microsoft.com/office/drawing/2010/main" val="0"/>
+              </a:ext>
+            </a:extLst>
+          </a:blip>
+          <a:srcRect/>
+          <a:stretch/>
+        </p:blipFill>
+        <p:spPr>
+          <a:xfrm>
+            <a:off x="176984" y="3017049"/>
+            <a:ext cx="8790031" cy="1990196"/>
+          </a:xfrm>
+        </p:spPr>
+      </p:pic>
+      <p:pic>
+        <p:nvPicPr>
+          <p:cNvPr id="6" name="Picture 5">
+            <a:extLst>
+              <a:ext uri="{FF2B5EF4-FFF2-40B4-BE49-F238E27FC236}">
+                <a16:creationId xmlns:a16="http://schemas.microsoft.com/office/drawing/2014/main" id="{D9951B88-79ED-4421-9F1E-A94AB38524F8}"/>
               </a:ext>
             </a:extLst>
           </p:cNvPr>
@@ -6143,7 +6833,7 @@
           <p:nvPr/>
         </p:nvPicPr>
         <p:blipFill>
-          <a:blip r:embed="rId3">
+          <a:blip r:embed="rId4">
             <a:extLst>
               <a:ext uri="{28A0092B-C50C-407E-A947-70E740481C1C}">
                 <a14:useLocalDpi xmlns:a14="http://schemas.microsoft.com/office/drawing/2010/main" val="0"/>
@@ -6164,42 +6854,12 @@
           </a:prstGeom>
         </p:spPr>
       </p:pic>
-      <p:pic>
-        <p:nvPicPr>
-          <p:cNvPr id="7" name="Picture 6">
-            <a:extLst>
-              <a:ext uri="{FF2B5EF4-FFF2-40B4-BE49-F238E27FC236}">
-                <a16:creationId xmlns:a16="http://schemas.microsoft.com/office/drawing/2014/main" id="{62E29751-7E9B-4146-A9A2-F5DD0AEA8EE8}"/>
-              </a:ext>
-            </a:extLst>
-          </p:cNvPr>
-          <p:cNvPicPr>
-            <a:picLocks noChangeAspect="1"/>
-          </p:cNvPicPr>
-          <p:nvPr/>
-        </p:nvPicPr>
-        <p:blipFill>
-          <a:blip r:embed="rId4"/>
-          <a:stretch>
-            <a:fillRect/>
-          </a:stretch>
-        </p:blipFill>
-        <p:spPr>
-          <a:xfrm>
-            <a:off x="761999" y="2971768"/>
-            <a:ext cx="7153523" cy="3470390"/>
-          </a:xfrm>
-          <a:prstGeom prst="rect">
-            <a:avLst/>
-          </a:prstGeom>
-        </p:spPr>
-      </p:pic>
-      <p:sp>
-        <p:nvSpPr>
-          <p:cNvPr id="4" name="Slide Number Placeholder 3">
-            <a:extLst>
-              <a:ext uri="{FF2B5EF4-FFF2-40B4-BE49-F238E27FC236}">
-                <a16:creationId xmlns:a16="http://schemas.microsoft.com/office/drawing/2014/main" id="{93C0ADDF-BABA-4EF6-8B74-C9F8107712DD}"/>
+      <p:sp>
+        <p:nvSpPr>
+          <p:cNvPr id="3" name="Slide Number Placeholder 2">
+            <a:extLst>
+              <a:ext uri="{FF2B5EF4-FFF2-40B4-BE49-F238E27FC236}">
+                <a16:creationId xmlns:a16="http://schemas.microsoft.com/office/drawing/2014/main" id="{0227E7FC-AFC2-4451-80CA-79B41D917576}"/>
               </a:ext>
             </a:extLst>
           </p:cNvPr>
@@ -6226,10 +6886,10 @@
       </p:sp>
       <p:sp>
         <p:nvSpPr>
-          <p:cNvPr id="8" name="Footer Placeholder 5">
-            <a:extLst>
-              <a:ext uri="{FF2B5EF4-FFF2-40B4-BE49-F238E27FC236}">
-                <a16:creationId xmlns:a16="http://schemas.microsoft.com/office/drawing/2014/main" id="{E06F82C7-6505-466B-83B3-C64E65CDB2AC}"/>
+          <p:cNvPr id="7" name="Footer Placeholder 5">
+            <a:extLst>
+              <a:ext uri="{FF2B5EF4-FFF2-40B4-BE49-F238E27FC236}">
+                <a16:creationId xmlns:a16="http://schemas.microsoft.com/office/drawing/2014/main" id="{D694C948-62EF-41DB-8931-6578229A7D59}"/>
               </a:ext>
             </a:extLst>
           </p:cNvPr>
@@ -6252,7 +6912,7 @@
           <a:p>
             <a:r>
               <a:rPr lang="en-US" dirty="0"/>
-              <a:t>ST</a:t>
+              <a:t>CX</a:t>
             </a:r>
           </a:p>
         </p:txBody>
@@ -6260,7 +6920,7 @@
     </p:spTree>
     <p:extLst>
       <p:ext uri="{BB962C8B-B14F-4D97-AF65-F5344CB8AC3E}">
-        <p14:creationId xmlns:p14="http://schemas.microsoft.com/office/powerpoint/2010/main" val="3979472189"/>
+        <p14:creationId xmlns:p14="http://schemas.microsoft.com/office/powerpoint/2010/main" val="427551570"/>
       </p:ext>
     </p:extLst>
   </p:cSld>
@@ -6292,7 +6952,7 @@
           <p:cNvPr id="2" name="Title 1">
             <a:extLst>
               <a:ext uri="{FF2B5EF4-FFF2-40B4-BE49-F238E27FC236}">
-                <a16:creationId xmlns:a16="http://schemas.microsoft.com/office/drawing/2014/main" id="{1604D6F3-E18E-42C3-B5C2-4852526B749D}"/>
+                <a16:creationId xmlns:a16="http://schemas.microsoft.com/office/drawing/2014/main" id="{9CBD3FEA-DAAA-4E85-9D60-CF8F5E46AFBA}"/>
               </a:ext>
             </a:extLst>
           </p:cNvPr>
@@ -6305,7 +6965,9 @@
         </p:nvSpPr>
         <p:spPr/>
         <p:txBody>
-          <a:bodyPr/>
+          <a:bodyPr>
+            <a:normAutofit/>
+          </a:bodyPr>
           <a:lstStyle/>
           <a:p>
             <a:r>
@@ -6313,7 +6975,7 @@
                 <a:latin typeface="Times New Roman" panose="02020603050405020304" pitchFamily="18" charset="0"/>
                 <a:cs typeface="Times New Roman" panose="02020603050405020304" pitchFamily="18" charset="0"/>
               </a:rPr>
-              <a:t>Contributions</a:t>
+              <a:t>Prior Work</a:t>
             </a:r>
             <a:endParaRPr lang="en-US" dirty="0">
               <a:latin typeface="Times New Roman" panose="02020603050405020304" pitchFamily="18" charset="0"/>
@@ -6327,7 +6989,7 @@
           <p:cNvPr id="3" name="Content Placeholder 2">
             <a:extLst>
               <a:ext uri="{FF2B5EF4-FFF2-40B4-BE49-F238E27FC236}">
-                <a16:creationId xmlns:a16="http://schemas.microsoft.com/office/drawing/2014/main" id="{7994B5ED-F394-4538-A156-ED91E6DDE6DC}"/>
+                <a16:creationId xmlns:a16="http://schemas.microsoft.com/office/drawing/2014/main" id="{9E3C7773-D7F0-4DE4-96D2-61950A303263}"/>
               </a:ext>
             </a:extLst>
           </p:cNvPr>
@@ -6340,137 +7002,47 @@
         </p:nvSpPr>
         <p:spPr>
           <a:xfrm>
-            <a:off x="457200" y="1600200"/>
-            <a:ext cx="6705600" cy="4191000"/>
+            <a:off x="457200" y="1372648"/>
+            <a:ext cx="6629400" cy="1522952"/>
           </a:xfrm>
         </p:spPr>
         <p:txBody>
           <a:bodyPr>
-            <a:normAutofit fontScale="77500" lnSpcReduction="20000"/>
+            <a:normAutofit fontScale="62500" lnSpcReduction="20000"/>
           </a:bodyPr>
           <a:lstStyle/>
           <a:p>
-            <a:r>
-              <a:rPr lang="en-US" sz="3200" b="0" i="1" u="none" strike="noStrike" baseline="0" dirty="0">
-                <a:latin typeface="Times New Roman" panose="02020603050405020304" pitchFamily="18" charset="0"/>
-                <a:cs typeface="Times New Roman" panose="02020603050405020304" pitchFamily="18" charset="0"/>
-              </a:rPr>
-              <a:t>Calvin – </a:t>
-            </a:r>
-            <a:r>
-              <a:rPr lang="en-US" sz="3200" b="0" u="none" strike="noStrike" baseline="0" dirty="0">
-                <a:latin typeface="Times New Roman" panose="02020603050405020304" pitchFamily="18" charset="0"/>
-                <a:cs typeface="Times New Roman" panose="02020603050405020304" pitchFamily="18" charset="0"/>
-              </a:rPr>
-              <a:t>Schematic, </a:t>
-            </a:r>
+            <a:pPr marL="0" indent="0" algn="l">
+              <a:buNone/>
+            </a:pPr>
             <a:r>
               <a:rPr lang="en-US" dirty="0">
                 <a:latin typeface="Times New Roman" panose="02020603050405020304" pitchFamily="18" charset="0"/>
                 <a:cs typeface="Times New Roman" panose="02020603050405020304" pitchFamily="18" charset="0"/>
               </a:rPr>
-              <a:t>board design, prototyping the </a:t>
-            </a:r>
-            <a:r>
-              <a:rPr lang="en-US" dirty="0" err="1">
-                <a:latin typeface="Times New Roman" panose="02020603050405020304" pitchFamily="18" charset="0"/>
-                <a:cs typeface="Times New Roman" panose="02020603050405020304" pitchFamily="18" charset="0"/>
-              </a:rPr>
-              <a:t>ATTiny</a:t>
-            </a:r>
+              <a:t>The competition for smart bird feeders are focused on bird watchers with smart cameras – none focus on smart selectivity in using weight to not feed squirrels and crows.</a:t>
+            </a:r>
+          </a:p>
+          <a:p>
+            <a:pPr marL="0" indent="0" algn="l">
+              <a:buNone/>
+            </a:pPr>
             <a:r>
               <a:rPr lang="en-US" dirty="0">
                 <a:latin typeface="Times New Roman" panose="02020603050405020304" pitchFamily="18" charset="0"/>
                 <a:cs typeface="Times New Roman" panose="02020603050405020304" pitchFamily="18" charset="0"/>
               </a:rPr>
-              <a:t> to control the servo motor</a:t>
-            </a:r>
-            <a:endParaRPr lang="en-US" sz="3200" b="0" u="none" strike="noStrike" baseline="0" dirty="0">
-              <a:latin typeface="Times New Roman" panose="02020603050405020304" pitchFamily="18" charset="0"/>
-              <a:cs typeface="Times New Roman" panose="02020603050405020304" pitchFamily="18" charset="0"/>
-            </a:endParaRPr>
-          </a:p>
-          <a:p>
-            <a:endParaRPr lang="en-US" i="1" dirty="0">
-              <a:latin typeface="Times New Roman" panose="02020603050405020304" pitchFamily="18" charset="0"/>
-              <a:cs typeface="Times New Roman" panose="02020603050405020304" pitchFamily="18" charset="0"/>
-            </a:endParaRPr>
-          </a:p>
-          <a:p>
-            <a:r>
-              <a:rPr lang="en-US" i="1" dirty="0">
-                <a:latin typeface="Times New Roman" panose="02020603050405020304" pitchFamily="18" charset="0"/>
-                <a:cs typeface="Times New Roman" panose="02020603050405020304" pitchFamily="18" charset="0"/>
-              </a:rPr>
-              <a:t>Stevie – </a:t>
-            </a:r>
-            <a:r>
-              <a:rPr lang="en-US" dirty="0">
-                <a:latin typeface="Times New Roman" panose="02020603050405020304" pitchFamily="18" charset="0"/>
-                <a:cs typeface="Times New Roman" panose="02020603050405020304" pitchFamily="18" charset="0"/>
-              </a:rPr>
-              <a:t>Organizing, ordering parts, prototyping, writing</a:t>
-            </a:r>
-          </a:p>
-          <a:p>
-            <a:endParaRPr lang="en-US" i="1" dirty="0">
-              <a:latin typeface="Times New Roman" panose="02020603050405020304" pitchFamily="18" charset="0"/>
-              <a:cs typeface="Times New Roman" panose="02020603050405020304" pitchFamily="18" charset="0"/>
-            </a:endParaRPr>
-          </a:p>
-          <a:p>
-            <a:r>
-              <a:rPr lang="en-US" i="1" dirty="0" err="1">
-                <a:latin typeface="Times New Roman" panose="02020603050405020304" pitchFamily="18" charset="0"/>
-                <a:cs typeface="Times New Roman" panose="02020603050405020304" pitchFamily="18" charset="0"/>
-              </a:rPr>
-              <a:t>Zeming</a:t>
-            </a:r>
-            <a:r>
-              <a:rPr lang="en-US" i="1" dirty="0">
-                <a:latin typeface="Times New Roman" panose="02020603050405020304" pitchFamily="18" charset="0"/>
-                <a:cs typeface="Times New Roman" panose="02020603050405020304" pitchFamily="18" charset="0"/>
-              </a:rPr>
-              <a:t> – </a:t>
-            </a:r>
-            <a:r>
-              <a:rPr lang="en-US" dirty="0">
-                <a:latin typeface="Times New Roman" panose="02020603050405020304" pitchFamily="18" charset="0"/>
-                <a:cs typeface="Times New Roman" panose="02020603050405020304" pitchFamily="18" charset="0"/>
-              </a:rPr>
-              <a:t>Ordering parts, prototyping, writing</a:t>
-            </a:r>
-          </a:p>
-          <a:p>
-            <a:endParaRPr lang="en-US" dirty="0">
-              <a:latin typeface="Times New Roman" panose="02020603050405020304" pitchFamily="18" charset="0"/>
-              <a:cs typeface="Times New Roman" panose="02020603050405020304" pitchFamily="18" charset="0"/>
-            </a:endParaRPr>
-          </a:p>
-          <a:p>
-            <a:r>
-              <a:rPr lang="en-US" i="1" dirty="0">
-                <a:latin typeface="Times New Roman" panose="02020603050405020304" pitchFamily="18" charset="0"/>
-                <a:cs typeface="Times New Roman" panose="02020603050405020304" pitchFamily="18" charset="0"/>
-              </a:rPr>
-              <a:t>Nick – </a:t>
-            </a:r>
-            <a:r>
-              <a:rPr lang="en-US" dirty="0">
-                <a:latin typeface="Times New Roman" panose="02020603050405020304" pitchFamily="18" charset="0"/>
-                <a:cs typeface="Times New Roman" panose="02020603050405020304" pitchFamily="18" charset="0"/>
-              </a:rPr>
-              <a:t>Prototyping, coding, testing, board layout</a:t>
+              <a:t>These are currently in development, there is no existing smart bird feeder that a user can buy off the market.</a:t>
             </a:r>
           </a:p>
         </p:txBody>
       </p:sp>
       <p:pic>
         <p:nvPicPr>
-          <p:cNvPr id="4" name="Picture 3">
-            <a:extLst>
-              <a:ext uri="{FF2B5EF4-FFF2-40B4-BE49-F238E27FC236}">
-                <a16:creationId xmlns:a16="http://schemas.microsoft.com/office/drawing/2014/main" id="{1277042D-0BD1-4AB7-AD37-CA22BD1261AF}"/>
+          <p:cNvPr id="5" name="Picture 4">
+            <a:extLst>
+              <a:ext uri="{FF2B5EF4-FFF2-40B4-BE49-F238E27FC236}">
+                <a16:creationId xmlns:a16="http://schemas.microsoft.com/office/drawing/2014/main" id="{978461DD-35BD-4BCE-ABDC-030B6FA99D65}"/>
               </a:ext>
             </a:extLst>
           </p:cNvPr>
@@ -6501,12 +7073,42 @@
           </a:prstGeom>
         </p:spPr>
       </p:pic>
-      <p:sp>
-        <p:nvSpPr>
-          <p:cNvPr id="5" name="Slide Number Placeholder 4">
-            <a:extLst>
-              <a:ext uri="{FF2B5EF4-FFF2-40B4-BE49-F238E27FC236}">
-                <a16:creationId xmlns:a16="http://schemas.microsoft.com/office/drawing/2014/main" id="{74C9E313-DE36-46CD-8A03-E0AC827CBBEC}"/>
+      <p:pic>
+        <p:nvPicPr>
+          <p:cNvPr id="7" name="Picture 6">
+            <a:extLst>
+              <a:ext uri="{FF2B5EF4-FFF2-40B4-BE49-F238E27FC236}">
+                <a16:creationId xmlns:a16="http://schemas.microsoft.com/office/drawing/2014/main" id="{62E29751-7E9B-4146-A9A2-F5DD0AEA8EE8}"/>
+              </a:ext>
+            </a:extLst>
+          </p:cNvPr>
+          <p:cNvPicPr>
+            <a:picLocks noChangeAspect="1"/>
+          </p:cNvPicPr>
+          <p:nvPr/>
+        </p:nvPicPr>
+        <p:blipFill>
+          <a:blip r:embed="rId4"/>
+          <a:stretch>
+            <a:fillRect/>
+          </a:stretch>
+        </p:blipFill>
+        <p:spPr>
+          <a:xfrm>
+            <a:off x="761999" y="2971768"/>
+            <a:ext cx="7153523" cy="3470390"/>
+          </a:xfrm>
+          <a:prstGeom prst="rect">
+            <a:avLst/>
+          </a:prstGeom>
+        </p:spPr>
+      </p:pic>
+      <p:sp>
+        <p:nvSpPr>
+          <p:cNvPr id="4" name="Slide Number Placeholder 3">
+            <a:extLst>
+              <a:ext uri="{FF2B5EF4-FFF2-40B4-BE49-F238E27FC236}">
+                <a16:creationId xmlns:a16="http://schemas.microsoft.com/office/drawing/2014/main" id="{93C0ADDF-BABA-4EF6-8B74-C9F8107712DD}"/>
               </a:ext>
             </a:extLst>
           </p:cNvPr>
@@ -6533,10 +7135,10 @@
       </p:sp>
       <p:sp>
         <p:nvSpPr>
-          <p:cNvPr id="6" name="Footer Placeholder 5">
-            <a:extLst>
-              <a:ext uri="{FF2B5EF4-FFF2-40B4-BE49-F238E27FC236}">
-                <a16:creationId xmlns:a16="http://schemas.microsoft.com/office/drawing/2014/main" id="{9706436D-3FD8-4E31-8693-A9804BD05C59}"/>
+          <p:cNvPr id="8" name="Footer Placeholder 5">
+            <a:extLst>
+              <a:ext uri="{FF2B5EF4-FFF2-40B4-BE49-F238E27FC236}">
+                <a16:creationId xmlns:a16="http://schemas.microsoft.com/office/drawing/2014/main" id="{E06F82C7-6505-466B-83B3-C64E65CDB2AC}"/>
               </a:ext>
             </a:extLst>
           </p:cNvPr>
@@ -6559,7 +7161,7 @@
           <a:p>
             <a:r>
               <a:rPr lang="en-US" dirty="0"/>
-              <a:t>ZZ</a:t>
+              <a:t>ST</a:t>
             </a:r>
           </a:p>
         </p:txBody>
@@ -6567,7 +7169,7 @@
     </p:spTree>
     <p:extLst>
       <p:ext uri="{BB962C8B-B14F-4D97-AF65-F5344CB8AC3E}">
-        <p14:creationId xmlns:p14="http://schemas.microsoft.com/office/powerpoint/2010/main" val="95278259"/>
+        <p14:creationId xmlns:p14="http://schemas.microsoft.com/office/powerpoint/2010/main" val="3979472189"/>
       </p:ext>
     </p:extLst>
   </p:cSld>
@@ -6599,7 +7201,7 @@
           <p:cNvPr id="2" name="Title 1">
             <a:extLst>
               <a:ext uri="{FF2B5EF4-FFF2-40B4-BE49-F238E27FC236}">
-                <a16:creationId xmlns:a16="http://schemas.microsoft.com/office/drawing/2014/main" id="{ACDD6BBA-DAD5-4495-86CC-1991D3C4CE9D}"/>
+                <a16:creationId xmlns:a16="http://schemas.microsoft.com/office/drawing/2014/main" id="{1604D6F3-E18E-42C3-B5C2-4852526B749D}"/>
               </a:ext>
             </a:extLst>
           </p:cNvPr>
@@ -6615,79 +7217,117 @@
           <a:bodyPr/>
           <a:lstStyle/>
           <a:p>
+            <a:r>
+              <a:rPr lang="en-US" sz="4400" b="0" i="0" u="none" strike="noStrike" baseline="0" dirty="0">
+                <a:latin typeface="Times New Roman" panose="02020603050405020304" pitchFamily="18" charset="0"/>
+                <a:cs typeface="Times New Roman" panose="02020603050405020304" pitchFamily="18" charset="0"/>
+              </a:rPr>
+              <a:t>Contributions</a:t>
+            </a:r>
+            <a:endParaRPr lang="en-US" dirty="0">
+              <a:latin typeface="Times New Roman" panose="02020603050405020304" pitchFamily="18" charset="0"/>
+              <a:cs typeface="Times New Roman" panose="02020603050405020304" pitchFamily="18" charset="0"/>
+            </a:endParaRPr>
+          </a:p>
+        </p:txBody>
+      </p:sp>
+      <p:sp>
+        <p:nvSpPr>
+          <p:cNvPr id="3" name="Content Placeholder 2">
+            <a:extLst>
+              <a:ext uri="{FF2B5EF4-FFF2-40B4-BE49-F238E27FC236}">
+                <a16:creationId xmlns:a16="http://schemas.microsoft.com/office/drawing/2014/main" id="{7994B5ED-F394-4538-A156-ED91E6DDE6DC}"/>
+              </a:ext>
+            </a:extLst>
+          </p:cNvPr>
+          <p:cNvSpPr>
+            <a:spLocks noGrp="1"/>
+          </p:cNvSpPr>
+          <p:nvPr>
+            <p:ph idx="1"/>
+          </p:nvPr>
+        </p:nvSpPr>
+        <p:spPr>
+          <a:xfrm>
+            <a:off x="457200" y="1600200"/>
+            <a:ext cx="6705600" cy="4191000"/>
+          </a:xfrm>
+        </p:spPr>
+        <p:txBody>
+          <a:bodyPr>
+            <a:normAutofit fontScale="77500" lnSpcReduction="20000"/>
+          </a:bodyPr>
+          <a:lstStyle/>
+          <a:p>
+            <a:r>
+              <a:rPr lang="en-US" sz="3200" b="0" i="1" u="none" strike="noStrike" baseline="0" dirty="0">
+                <a:latin typeface="Times New Roman" panose="02020603050405020304" pitchFamily="18" charset="0"/>
+                <a:cs typeface="Times New Roman" panose="02020603050405020304" pitchFamily="18" charset="0"/>
+              </a:rPr>
+              <a:t>Calvin – </a:t>
+            </a:r>
+            <a:r>
+              <a:rPr lang="en-US" sz="3200" b="0" u="none" strike="noStrike" baseline="0" dirty="0">
+                <a:latin typeface="Times New Roman" panose="02020603050405020304" pitchFamily="18" charset="0"/>
+                <a:cs typeface="Times New Roman" panose="02020603050405020304" pitchFamily="18" charset="0"/>
+              </a:rPr>
+              <a:t>Schematic, </a:t>
+            </a:r>
             <a:r>
               <a:rPr lang="en-US" dirty="0">
                 <a:latin typeface="Times New Roman" panose="02020603050405020304" pitchFamily="18" charset="0"/>
                 <a:cs typeface="Times New Roman" panose="02020603050405020304" pitchFamily="18" charset="0"/>
               </a:rPr>
-              <a:t>Lessons Learned</a:t>
-            </a:r>
-          </a:p>
-        </p:txBody>
-      </p:sp>
-      <p:sp>
-        <p:nvSpPr>
-          <p:cNvPr id="3" name="Content Placeholder 2">
-            <a:extLst>
-              <a:ext uri="{FF2B5EF4-FFF2-40B4-BE49-F238E27FC236}">
-                <a16:creationId xmlns:a16="http://schemas.microsoft.com/office/drawing/2014/main" id="{CA270141-D2BB-44ED-B917-2F0F25B353EF}"/>
-              </a:ext>
-            </a:extLst>
-          </p:cNvPr>
-          <p:cNvSpPr>
-            <a:spLocks noGrp="1"/>
-          </p:cNvSpPr>
-          <p:nvPr>
-            <p:ph idx="1"/>
-          </p:nvPr>
-        </p:nvSpPr>
-        <p:spPr>
-          <a:xfrm>
-            <a:off x="457200" y="1600200"/>
-            <a:ext cx="6324600" cy="5105400"/>
-          </a:xfrm>
-        </p:spPr>
-        <p:txBody>
-          <a:bodyPr>
-            <a:normAutofit fontScale="77500" lnSpcReduction="20000"/>
-          </a:bodyPr>
-          <a:lstStyle/>
-          <a:p>
-            <a:pPr algn="l"/>
-            <a:r>
-              <a:rPr lang="en-US" sz="3200" b="0" i="1" u="none" strike="noStrike" baseline="0" dirty="0">
+              <a:t>board design, prototyping the </a:t>
+            </a:r>
+            <a:r>
+              <a:rPr lang="en-US" dirty="0" err="1">
                 <a:latin typeface="Times New Roman" panose="02020603050405020304" pitchFamily="18" charset="0"/>
                 <a:cs typeface="Times New Roman" panose="02020603050405020304" pitchFamily="18" charset="0"/>
               </a:rPr>
-              <a:t>Calvin – </a:t>
+              <a:t>ATTiny</a:t>
             </a:r>
             <a:r>
               <a:rPr lang="en-US" dirty="0">
                 <a:latin typeface="Times New Roman" panose="02020603050405020304" pitchFamily="18" charset="0"/>
                 <a:cs typeface="Times New Roman" panose="02020603050405020304" pitchFamily="18" charset="0"/>
               </a:rPr>
-              <a:t>Always view the datasheet of a part before purchasing it and use parts more suitable for prototyping. </a:t>
-            </a:r>
-          </a:p>
-          <a:p>
-            <a:pPr algn="l"/>
+              <a:t> to control the servo motor</a:t>
+            </a:r>
+            <a:endParaRPr lang="en-US" sz="3200" b="0" u="none" strike="noStrike" baseline="0" dirty="0">
+              <a:latin typeface="Times New Roman" panose="02020603050405020304" pitchFamily="18" charset="0"/>
+              <a:cs typeface="Times New Roman" panose="02020603050405020304" pitchFamily="18" charset="0"/>
+            </a:endParaRPr>
+          </a:p>
+          <a:p>
+            <a:endParaRPr lang="en-US" i="1" dirty="0">
+              <a:latin typeface="Times New Roman" panose="02020603050405020304" pitchFamily="18" charset="0"/>
+              <a:cs typeface="Times New Roman" panose="02020603050405020304" pitchFamily="18" charset="0"/>
+            </a:endParaRPr>
+          </a:p>
+          <a:p>
             <a:r>
               <a:rPr lang="en-US" i="1" dirty="0">
                 <a:latin typeface="Times New Roman" panose="02020603050405020304" pitchFamily="18" charset="0"/>
                 <a:cs typeface="Times New Roman" panose="02020603050405020304" pitchFamily="18" charset="0"/>
               </a:rPr>
-              <a:t>Stevie</a:t>
+              <a:t>Stevie – </a:t>
             </a:r>
             <a:r>
               <a:rPr lang="en-US" dirty="0">
                 <a:latin typeface="Times New Roman" panose="02020603050405020304" pitchFamily="18" charset="0"/>
                 <a:cs typeface="Times New Roman" panose="02020603050405020304" pitchFamily="18" charset="0"/>
               </a:rPr>
-              <a:t> – Do better research on parts before purchasing and check rubrics (i.e. client emails, paperwork explaining the requirements) before turning in homework (paperwork the client asked for).</a:t>
-            </a:r>
-          </a:p>
-          <a:p>
-            <a:pPr algn="l"/>
+              <a:t>Organizing, ordering parts, prototyping, writing</a:t>
+            </a:r>
+          </a:p>
+          <a:p>
+            <a:endParaRPr lang="en-US" i="1" dirty="0">
+              <a:latin typeface="Times New Roman" panose="02020603050405020304" pitchFamily="18" charset="0"/>
+              <a:cs typeface="Times New Roman" panose="02020603050405020304" pitchFamily="18" charset="0"/>
+            </a:endParaRPr>
+          </a:p>
+          <a:p>
             <a:r>
               <a:rPr lang="en-US" i="1" dirty="0" err="1">
                 <a:latin typeface="Times New Roman" panose="02020603050405020304" pitchFamily="18" charset="0"/>
@@ -6696,12 +7336,25 @@
               <a:t>Zeming</a:t>
             </a:r>
             <a:r>
+              <a:rPr lang="en-US" i="1" dirty="0">
+                <a:latin typeface="Times New Roman" panose="02020603050405020304" pitchFamily="18" charset="0"/>
+                <a:cs typeface="Times New Roman" panose="02020603050405020304" pitchFamily="18" charset="0"/>
+              </a:rPr>
+              <a:t> – </a:t>
+            </a:r>
+            <a:r>
               <a:rPr lang="en-US" dirty="0">
                 <a:latin typeface="Times New Roman" panose="02020603050405020304" pitchFamily="18" charset="0"/>
                 <a:cs typeface="Times New Roman" panose="02020603050405020304" pitchFamily="18" charset="0"/>
               </a:rPr>
-              <a:t> - How to communicate effectively with teammates, look for electrical components, and design some simple PCBs.</a:t>
-            </a:r>
+              <a:t>Ordering parts, prototyping, writing</a:t>
+            </a:r>
+          </a:p>
+          <a:p>
+            <a:endParaRPr lang="en-US" dirty="0">
+              <a:latin typeface="Times New Roman" panose="02020603050405020304" pitchFamily="18" charset="0"/>
+              <a:cs typeface="Times New Roman" panose="02020603050405020304" pitchFamily="18" charset="0"/>
+            </a:endParaRPr>
           </a:p>
           <a:p>
             <a:r>
@@ -6709,18 +7362,14 @@
                 <a:latin typeface="Times New Roman" panose="02020603050405020304" pitchFamily="18" charset="0"/>
                 <a:cs typeface="Times New Roman" panose="02020603050405020304" pitchFamily="18" charset="0"/>
               </a:rPr>
-              <a:t>Nick</a:t>
+              <a:t>Nick – </a:t>
             </a:r>
             <a:r>
               <a:rPr lang="en-US" dirty="0">
                 <a:latin typeface="Times New Roman" panose="02020603050405020304" pitchFamily="18" charset="0"/>
                 <a:cs typeface="Times New Roman" panose="02020603050405020304" pitchFamily="18" charset="0"/>
               </a:rPr>
-              <a:t> –I</a:t>
-            </a:r>
-            <a:r>
-              <a:rPr lang="en-US" dirty="0"/>
-              <a:t>mplement the 1-wire Debug functionality in the device to allow for outputting register values. </a:t>
+              <a:t>Prototyping, coding, testing, board layout</a:t>
             </a:r>
           </a:p>
         </p:txBody>
@@ -6730,7 +7379,7 @@
           <p:cNvPr id="4" name="Picture 3">
             <a:extLst>
               <a:ext uri="{FF2B5EF4-FFF2-40B4-BE49-F238E27FC236}">
-                <a16:creationId xmlns:a16="http://schemas.microsoft.com/office/drawing/2014/main" id="{426FF380-471C-4574-A280-A8AEFB776DC5}"/>
+                <a16:creationId xmlns:a16="http://schemas.microsoft.com/office/drawing/2014/main" id="{1277042D-0BD1-4AB7-AD37-CA22BD1261AF}"/>
               </a:ext>
             </a:extLst>
           </p:cNvPr>
@@ -6766,7 +7415,7 @@
           <p:cNvPr id="5" name="Slide Number Placeholder 4">
             <a:extLst>
               <a:ext uri="{FF2B5EF4-FFF2-40B4-BE49-F238E27FC236}">
-                <a16:creationId xmlns:a16="http://schemas.microsoft.com/office/drawing/2014/main" id="{5DE65BDC-5E62-416A-BBE6-A9C175D17A0D}"/>
+                <a16:creationId xmlns:a16="http://schemas.microsoft.com/office/drawing/2014/main" id="{74C9E313-DE36-46CD-8A03-E0AC827CBBEC}"/>
               </a:ext>
             </a:extLst>
           </p:cNvPr>
@@ -6796,7 +7445,7 @@
           <p:cNvPr id="6" name="Footer Placeholder 5">
             <a:extLst>
               <a:ext uri="{FF2B5EF4-FFF2-40B4-BE49-F238E27FC236}">
-                <a16:creationId xmlns:a16="http://schemas.microsoft.com/office/drawing/2014/main" id="{4E25BE10-08B6-40FA-921D-6C5BAA2A2EE4}"/>
+                <a16:creationId xmlns:a16="http://schemas.microsoft.com/office/drawing/2014/main" id="{9706436D-3FD8-4E31-8693-A9804BD05C59}"/>
               </a:ext>
             </a:extLst>
           </p:cNvPr>
@@ -6827,7 +7476,7 @@
     </p:spTree>
     <p:extLst>
       <p:ext uri="{BB962C8B-B14F-4D97-AF65-F5344CB8AC3E}">
-        <p14:creationId xmlns:p14="http://schemas.microsoft.com/office/powerpoint/2010/main" val="1961006897"/>
+        <p14:creationId xmlns:p14="http://schemas.microsoft.com/office/powerpoint/2010/main" val="95278259"/>
       </p:ext>
     </p:extLst>
   </p:cSld>
@@ -6872,9 +7521,7 @@
         </p:nvSpPr>
         <p:spPr/>
         <p:txBody>
-          <a:bodyPr>
-            <a:normAutofit fontScale="90000"/>
-          </a:bodyPr>
+          <a:bodyPr/>
           <a:lstStyle/>
           <a:p>
             <a:r>
@@ -6882,203 +7529,107 @@
                 <a:latin typeface="Times New Roman" panose="02020603050405020304" pitchFamily="18" charset="0"/>
                 <a:cs typeface="Times New Roman" panose="02020603050405020304" pitchFamily="18" charset="0"/>
               </a:rPr>
-              <a:t>Lessons Learned – </a:t>
-            </a:r>
-            <a:br>
+              <a:t>Lessons Learned</a:t>
+            </a:r>
+          </a:p>
+        </p:txBody>
+      </p:sp>
+      <p:sp>
+        <p:nvSpPr>
+          <p:cNvPr id="3" name="Content Placeholder 2">
+            <a:extLst>
+              <a:ext uri="{FF2B5EF4-FFF2-40B4-BE49-F238E27FC236}">
+                <a16:creationId xmlns:a16="http://schemas.microsoft.com/office/drawing/2014/main" id="{CA270141-D2BB-44ED-B917-2F0F25B353EF}"/>
+              </a:ext>
+            </a:extLst>
+          </p:cNvPr>
+          <p:cNvSpPr>
+            <a:spLocks noGrp="1"/>
+          </p:cNvSpPr>
+          <p:nvPr>
+            <p:ph idx="1"/>
+          </p:nvPr>
+        </p:nvSpPr>
+        <p:spPr>
+          <a:xfrm>
+            <a:off x="457200" y="1600200"/>
+            <a:ext cx="6324600" cy="5105400"/>
+          </a:xfrm>
+        </p:spPr>
+        <p:txBody>
+          <a:bodyPr>
+            <a:normAutofit fontScale="77500" lnSpcReduction="20000"/>
+          </a:bodyPr>
+          <a:lstStyle/>
+          <a:p>
+            <a:pPr algn="l"/>
+            <a:r>
+              <a:rPr lang="en-US" sz="3200" b="0" i="1" u="none" strike="noStrike" baseline="0" dirty="0">
+                <a:latin typeface="Times New Roman" panose="02020603050405020304" pitchFamily="18" charset="0"/>
+                <a:cs typeface="Times New Roman" panose="02020603050405020304" pitchFamily="18" charset="0"/>
+              </a:rPr>
+              <a:t>Calvin – </a:t>
+            </a:r>
+            <a:r>
               <a:rPr lang="en-US" dirty="0">
                 <a:latin typeface="Times New Roman" panose="02020603050405020304" pitchFamily="18" charset="0"/>
                 <a:cs typeface="Times New Roman" panose="02020603050405020304" pitchFamily="18" charset="0"/>
               </a:rPr>
-            </a:br>
+              <a:t>Always view the datasheet of a part before purchasing it and use parts more suitable for prototyping. </a:t>
+            </a:r>
+          </a:p>
+          <a:p>
+            <a:pPr algn="l"/>
+            <a:r>
+              <a:rPr lang="en-US" i="1" dirty="0">
+                <a:latin typeface="Times New Roman" panose="02020603050405020304" pitchFamily="18" charset="0"/>
+                <a:cs typeface="Times New Roman" panose="02020603050405020304" pitchFamily="18" charset="0"/>
+              </a:rPr>
+              <a:t>Stevie</a:t>
+            </a:r>
             <a:r>
               <a:rPr lang="en-US" dirty="0">
                 <a:latin typeface="Times New Roman" panose="02020603050405020304" pitchFamily="18" charset="0"/>
                 <a:cs typeface="Times New Roman" panose="02020603050405020304" pitchFamily="18" charset="0"/>
               </a:rPr>
-              <a:t>Design Review</a:t>
-            </a:r>
-          </a:p>
-        </p:txBody>
-      </p:sp>
-      <p:sp>
-        <p:nvSpPr>
-          <p:cNvPr id="3" name="Content Placeholder 2">
-            <a:extLst>
-              <a:ext uri="{FF2B5EF4-FFF2-40B4-BE49-F238E27FC236}">
-                <a16:creationId xmlns:a16="http://schemas.microsoft.com/office/drawing/2014/main" id="{CA270141-D2BB-44ED-B917-2F0F25B353EF}"/>
-              </a:ext>
-            </a:extLst>
-          </p:cNvPr>
-          <p:cNvSpPr>
-            <a:spLocks noGrp="1"/>
-          </p:cNvSpPr>
-          <p:nvPr>
-            <p:ph idx="1"/>
-          </p:nvPr>
-        </p:nvSpPr>
-        <p:spPr>
-          <a:xfrm>
-            <a:off x="457200" y="1600200"/>
-            <a:ext cx="6324600" cy="5105400"/>
-          </a:xfrm>
-        </p:spPr>
-        <p:txBody>
-          <a:bodyPr>
-            <a:normAutofit/>
-          </a:bodyPr>
-          <a:lstStyle/>
-          <a:p>
-            <a:pPr marL="742950" marR="0" lvl="1" indent="-285750">
-              <a:lnSpc>
-                <a:spcPct val="107000"/>
-              </a:lnSpc>
-              <a:spcBef>
-                <a:spcPts val="0"/>
-              </a:spcBef>
-              <a:spcAft>
-                <a:spcPts val="0"/>
-              </a:spcAft>
-              <a:buFont typeface="Courier New" panose="02070309020205020404" pitchFamily="49" charset="0"/>
-              <a:buChar char="o"/>
-            </a:pPr>
-            <a:r>
-              <a:rPr lang="en-US" sz="2500" dirty="0">
+              <a:t> – Do better research on parts before purchasing and check rubrics (i.e. client emails, paperwork explaining the requirements) before turning in homework (paperwork the client asked for).</a:t>
+            </a:r>
+          </a:p>
+          <a:p>
+            <a:pPr algn="l"/>
+            <a:r>
+              <a:rPr lang="en-US" i="1" dirty="0" err="1">
                 <a:latin typeface="Times New Roman" panose="02020603050405020304" pitchFamily="18" charset="0"/>
                 <a:cs typeface="Times New Roman" panose="02020603050405020304" pitchFamily="18" charset="0"/>
               </a:rPr>
-              <a:t>Schematic:</a:t>
-            </a:r>
-          </a:p>
-          <a:p>
-            <a:pPr marL="1143000" marR="0" lvl="2" indent="-228600">
-              <a:lnSpc>
-                <a:spcPct val="107000"/>
-              </a:lnSpc>
-              <a:spcBef>
-                <a:spcPts val="0"/>
-              </a:spcBef>
-              <a:spcAft>
-                <a:spcPts val="0"/>
-              </a:spcAft>
-              <a:buFont typeface="Wingdings" panose="05000000000000000000" pitchFamily="2" charset="2"/>
-              <a:buChar char=""/>
-            </a:pPr>
-            <a:r>
-              <a:rPr lang="en-US" sz="2500" dirty="0">
+              <a:t>Zeming</a:t>
+            </a:r>
+            <a:r>
+              <a:rPr lang="en-US" dirty="0">
                 <a:latin typeface="Times New Roman" panose="02020603050405020304" pitchFamily="18" charset="0"/>
                 <a:cs typeface="Times New Roman" panose="02020603050405020304" pitchFamily="18" charset="0"/>
               </a:rPr>
-              <a:t>Need to add linear regulator and make sure voltage nets are applied properly.</a:t>
-            </a:r>
-          </a:p>
-          <a:p>
-            <a:pPr marL="1143000" marR="0" lvl="2" indent="-228600">
-              <a:lnSpc>
-                <a:spcPct val="107000"/>
-              </a:lnSpc>
-              <a:spcBef>
-                <a:spcPts val="0"/>
-              </a:spcBef>
-              <a:spcAft>
-                <a:spcPts val="0"/>
-              </a:spcAft>
-              <a:buFont typeface="Wingdings" panose="05000000000000000000" pitchFamily="2" charset="2"/>
-              <a:buChar char=""/>
-            </a:pPr>
-            <a:r>
-              <a:rPr lang="en-US" sz="2500" dirty="0">
+              <a:t> - How to communicate effectively with teammates, look for electrical components, and design some simple PCBs.</a:t>
+            </a:r>
+          </a:p>
+          <a:p>
+            <a:r>
+              <a:rPr lang="en-US" i="1" dirty="0">
                 <a:latin typeface="Times New Roman" panose="02020603050405020304" pitchFamily="18" charset="0"/>
                 <a:cs typeface="Times New Roman" panose="02020603050405020304" pitchFamily="18" charset="0"/>
               </a:rPr>
-              <a:t>Add ISP header.</a:t>
-            </a:r>
-          </a:p>
-          <a:p>
-            <a:pPr marL="742950" marR="0" lvl="1" indent="-285750">
-              <a:lnSpc>
-                <a:spcPct val="107000"/>
-              </a:lnSpc>
-              <a:spcBef>
-                <a:spcPts val="0"/>
-              </a:spcBef>
-              <a:spcAft>
-                <a:spcPts val="0"/>
-              </a:spcAft>
-              <a:buFont typeface="Courier New" panose="02070309020205020404" pitchFamily="49" charset="0"/>
-              <a:buChar char="o"/>
-            </a:pPr>
-            <a:r>
-              <a:rPr lang="en-US" sz="2500" dirty="0">
+              <a:t>Nick</a:t>
+            </a:r>
+            <a:r>
+              <a:rPr lang="en-US" dirty="0">
                 <a:latin typeface="Times New Roman" panose="02020603050405020304" pitchFamily="18" charset="0"/>
                 <a:cs typeface="Times New Roman" panose="02020603050405020304" pitchFamily="18" charset="0"/>
               </a:rPr>
-              <a:t>Board:</a:t>
-            </a:r>
-          </a:p>
-          <a:p>
-            <a:pPr marL="1143000" marR="0" lvl="2" indent="-228600">
-              <a:lnSpc>
-                <a:spcPct val="107000"/>
-              </a:lnSpc>
-              <a:spcBef>
-                <a:spcPts val="0"/>
-              </a:spcBef>
-              <a:spcAft>
-                <a:spcPts val="0"/>
-              </a:spcAft>
-              <a:buFont typeface="Wingdings" panose="05000000000000000000" pitchFamily="2" charset="2"/>
-              <a:buChar char=""/>
-            </a:pPr>
-            <a:r>
-              <a:rPr lang="en-US" sz="2500" dirty="0">
-                <a:latin typeface="Times New Roman" panose="02020603050405020304" pitchFamily="18" charset="0"/>
-                <a:cs typeface="Times New Roman" panose="02020603050405020304" pitchFamily="18" charset="0"/>
-              </a:rPr>
-              <a:t>Need thicker traces all around.</a:t>
-            </a:r>
-          </a:p>
-          <a:p>
-            <a:pPr marL="1143000" marR="0" lvl="2" indent="-228600">
-              <a:lnSpc>
-                <a:spcPct val="107000"/>
-              </a:lnSpc>
-              <a:spcBef>
-                <a:spcPts val="0"/>
-              </a:spcBef>
-              <a:spcAft>
-                <a:spcPts val="800"/>
-              </a:spcAft>
-              <a:buFont typeface="Wingdings" panose="05000000000000000000" pitchFamily="2" charset="2"/>
-              <a:buChar char=""/>
-            </a:pPr>
-            <a:r>
-              <a:rPr lang="en-US" sz="2500" dirty="0">
-                <a:latin typeface="Times New Roman" panose="02020603050405020304" pitchFamily="18" charset="0"/>
-                <a:cs typeface="Times New Roman" panose="02020603050405020304" pitchFamily="18" charset="0"/>
-              </a:rPr>
-              <a:t>Primarily surface mount components.</a:t>
-            </a:r>
-          </a:p>
-          <a:p>
-            <a:pPr marL="1143000" marR="0" lvl="2" indent="-228600">
-              <a:lnSpc>
-                <a:spcPct val="107000"/>
-              </a:lnSpc>
-              <a:spcBef>
-                <a:spcPts val="0"/>
-              </a:spcBef>
-              <a:spcAft>
-                <a:spcPts val="800"/>
-              </a:spcAft>
-              <a:buFont typeface="Wingdings" panose="05000000000000000000" pitchFamily="2" charset="2"/>
-              <a:buChar char=""/>
-            </a:pPr>
-            <a:r>
-              <a:rPr lang="en-US" sz="2500" dirty="0">
-                <a:latin typeface="Times New Roman" panose="02020603050405020304" pitchFamily="18" charset="0"/>
-                <a:cs typeface="Times New Roman" panose="02020603050405020304" pitchFamily="18" charset="0"/>
-              </a:rPr>
-              <a:t>Need to add stitching vias.</a:t>
+              <a:t> –I</a:t>
+            </a:r>
+            <a:r>
+              <a:rPr lang="en-US" dirty="0"/>
+              <a:t>mplement the 1-wire Debug functionality in the device to allow for outputting register values. </a:t>
             </a:r>
           </a:p>
         </p:txBody>
@@ -7154,7 +7705,7 @@
           <p:cNvPr id="6" name="Footer Placeholder 5">
             <a:extLst>
               <a:ext uri="{FF2B5EF4-FFF2-40B4-BE49-F238E27FC236}">
-                <a16:creationId xmlns:a16="http://schemas.microsoft.com/office/drawing/2014/main" id="{FC5CE9E1-3554-451F-8981-7785F5DB01D7}"/>
+                <a16:creationId xmlns:a16="http://schemas.microsoft.com/office/drawing/2014/main" id="{4E25BE10-08B6-40FA-921D-6C5BAA2A2EE4}"/>
               </a:ext>
             </a:extLst>
           </p:cNvPr>
@@ -7185,7 +7736,7 @@
     </p:spTree>
     <p:extLst>
       <p:ext uri="{BB962C8B-B14F-4D97-AF65-F5344CB8AC3E}">
-        <p14:creationId xmlns:p14="http://schemas.microsoft.com/office/powerpoint/2010/main" val="2126547274"/>
+        <p14:creationId xmlns:p14="http://schemas.microsoft.com/office/powerpoint/2010/main" val="1961006897"/>
       </p:ext>
     </p:extLst>
   </p:cSld>
@@ -7228,12 +7779,7 @@
             <p:ph type="title"/>
           </p:nvPr>
         </p:nvSpPr>
-        <p:spPr>
-          <a:xfrm>
-            <a:off x="762000" y="2362200"/>
-            <a:ext cx="6324600" cy="1143000"/>
-          </a:xfrm>
-        </p:spPr>
+        <p:spPr/>
         <p:txBody>
           <a:bodyPr>
             <a:normAutofit fontScale="90000"/>
@@ -7245,7 +7791,7 @@
                 <a:latin typeface="Times New Roman" panose="02020603050405020304" pitchFamily="18" charset="0"/>
                 <a:cs typeface="Times New Roman" panose="02020603050405020304" pitchFamily="18" charset="0"/>
               </a:rPr>
-              <a:t>Questions?</a:t>
+              <a:t>Lessons Learned – </a:t>
             </a:r>
             <a:br>
               <a:rPr lang="en-US" dirty="0">
@@ -7253,24 +7799,195 @@
                 <a:cs typeface="Times New Roman" panose="02020603050405020304" pitchFamily="18" charset="0"/>
               </a:rPr>
             </a:br>
-            <a:br>
+            <a:r>
               <a:rPr lang="en-US" dirty="0">
                 <a:latin typeface="Times New Roman" panose="02020603050405020304" pitchFamily="18" charset="0"/>
                 <a:cs typeface="Times New Roman" panose="02020603050405020304" pitchFamily="18" charset="0"/>
               </a:rPr>
-            </a:br>
-            <a:br>
-              <a:rPr lang="en-US" dirty="0">
+              <a:t>Design Review</a:t>
+            </a:r>
+          </a:p>
+        </p:txBody>
+      </p:sp>
+      <p:sp>
+        <p:nvSpPr>
+          <p:cNvPr id="3" name="Content Placeholder 2">
+            <a:extLst>
+              <a:ext uri="{FF2B5EF4-FFF2-40B4-BE49-F238E27FC236}">
+                <a16:creationId xmlns:a16="http://schemas.microsoft.com/office/drawing/2014/main" id="{CA270141-D2BB-44ED-B917-2F0F25B353EF}"/>
+              </a:ext>
+            </a:extLst>
+          </p:cNvPr>
+          <p:cNvSpPr>
+            <a:spLocks noGrp="1"/>
+          </p:cNvSpPr>
+          <p:nvPr>
+            <p:ph idx="1"/>
+          </p:nvPr>
+        </p:nvSpPr>
+        <p:spPr>
+          <a:xfrm>
+            <a:off x="457200" y="1600200"/>
+            <a:ext cx="6324600" cy="5105400"/>
+          </a:xfrm>
+        </p:spPr>
+        <p:txBody>
+          <a:bodyPr>
+            <a:normAutofit/>
+          </a:bodyPr>
+          <a:lstStyle/>
+          <a:p>
+            <a:pPr marL="742950" marR="0" lvl="1" indent="-285750">
+              <a:lnSpc>
+                <a:spcPct val="107000"/>
+              </a:lnSpc>
+              <a:spcBef>
+                <a:spcPts val="0"/>
+              </a:spcBef>
+              <a:spcAft>
+                <a:spcPts val="0"/>
+              </a:spcAft>
+              <a:buFont typeface="Courier New" panose="02070309020205020404" pitchFamily="49" charset="0"/>
+              <a:buChar char="o"/>
+            </a:pPr>
+            <a:r>
+              <a:rPr lang="en-US" sz="2500" dirty="0">
                 <a:latin typeface="Times New Roman" panose="02020603050405020304" pitchFamily="18" charset="0"/>
                 <a:cs typeface="Times New Roman" panose="02020603050405020304" pitchFamily="18" charset="0"/>
               </a:rPr>
-            </a:br>
-            <a:r>
-              <a:rPr lang="en-US" dirty="0">
+              <a:t>Schematic:</a:t>
+            </a:r>
+          </a:p>
+          <a:p>
+            <a:pPr marL="1143000" marR="0" lvl="2" indent="-228600">
+              <a:lnSpc>
+                <a:spcPct val="107000"/>
+              </a:lnSpc>
+              <a:spcBef>
+                <a:spcPts val="0"/>
+              </a:spcBef>
+              <a:spcAft>
+                <a:spcPts val="0"/>
+              </a:spcAft>
+              <a:buFont typeface="Wingdings" panose="05000000000000000000" pitchFamily="2" charset="2"/>
+              <a:buChar char=""/>
+            </a:pPr>
+            <a:r>
+              <a:rPr lang="en-US" sz="2500" dirty="0">
                 <a:latin typeface="Times New Roman" panose="02020603050405020304" pitchFamily="18" charset="0"/>
                 <a:cs typeface="Times New Roman" panose="02020603050405020304" pitchFamily="18" charset="0"/>
               </a:rPr>
-              <a:t>…On to the demo!</a:t>
+              <a:t>Need to add linear regulator and make sure voltage nets are applied properly.</a:t>
+            </a:r>
+          </a:p>
+          <a:p>
+            <a:pPr marL="1143000" marR="0" lvl="2" indent="-228600">
+              <a:lnSpc>
+                <a:spcPct val="107000"/>
+              </a:lnSpc>
+              <a:spcBef>
+                <a:spcPts val="0"/>
+              </a:spcBef>
+              <a:spcAft>
+                <a:spcPts val="0"/>
+              </a:spcAft>
+              <a:buFont typeface="Wingdings" panose="05000000000000000000" pitchFamily="2" charset="2"/>
+              <a:buChar char=""/>
+            </a:pPr>
+            <a:r>
+              <a:rPr lang="en-US" sz="2500" dirty="0">
+                <a:latin typeface="Times New Roman" panose="02020603050405020304" pitchFamily="18" charset="0"/>
+                <a:cs typeface="Times New Roman" panose="02020603050405020304" pitchFamily="18" charset="0"/>
+              </a:rPr>
+              <a:t>Add ISP header.</a:t>
+            </a:r>
+          </a:p>
+          <a:p>
+            <a:pPr marL="742950" marR="0" lvl="1" indent="-285750">
+              <a:lnSpc>
+                <a:spcPct val="107000"/>
+              </a:lnSpc>
+              <a:spcBef>
+                <a:spcPts val="0"/>
+              </a:spcBef>
+              <a:spcAft>
+                <a:spcPts val="0"/>
+              </a:spcAft>
+              <a:buFont typeface="Courier New" panose="02070309020205020404" pitchFamily="49" charset="0"/>
+              <a:buChar char="o"/>
+            </a:pPr>
+            <a:r>
+              <a:rPr lang="en-US" sz="2500" dirty="0">
+                <a:latin typeface="Times New Roman" panose="02020603050405020304" pitchFamily="18" charset="0"/>
+                <a:cs typeface="Times New Roman" panose="02020603050405020304" pitchFamily="18" charset="0"/>
+              </a:rPr>
+              <a:t>Board:</a:t>
+            </a:r>
+          </a:p>
+          <a:p>
+            <a:pPr marL="1143000" marR="0" lvl="2" indent="-228600">
+              <a:lnSpc>
+                <a:spcPct val="107000"/>
+              </a:lnSpc>
+              <a:spcBef>
+                <a:spcPts val="0"/>
+              </a:spcBef>
+              <a:spcAft>
+                <a:spcPts val="0"/>
+              </a:spcAft>
+              <a:buFont typeface="Wingdings" panose="05000000000000000000" pitchFamily="2" charset="2"/>
+              <a:buChar char=""/>
+            </a:pPr>
+            <a:r>
+              <a:rPr lang="en-US" sz="2500" dirty="0">
+                <a:latin typeface="Times New Roman" panose="02020603050405020304" pitchFamily="18" charset="0"/>
+                <a:cs typeface="Times New Roman" panose="02020603050405020304" pitchFamily="18" charset="0"/>
+              </a:rPr>
+              <a:t>Need thicker traces all around.</a:t>
+            </a:r>
+          </a:p>
+          <a:p>
+            <a:pPr marL="1143000" marR="0" lvl="2" indent="-228600">
+              <a:lnSpc>
+                <a:spcPct val="107000"/>
+              </a:lnSpc>
+              <a:spcBef>
+                <a:spcPts val="0"/>
+              </a:spcBef>
+              <a:spcAft>
+                <a:spcPts val="800"/>
+              </a:spcAft>
+              <a:buFont typeface="Wingdings" panose="05000000000000000000" pitchFamily="2" charset="2"/>
+              <a:buChar char=""/>
+            </a:pPr>
+            <a:r>
+              <a:rPr lang="en-US" sz="2500" dirty="0">
+                <a:latin typeface="Times New Roman" panose="02020603050405020304" pitchFamily="18" charset="0"/>
+                <a:cs typeface="Times New Roman" panose="02020603050405020304" pitchFamily="18" charset="0"/>
+              </a:rPr>
+              <a:t>Primarily surface mount components.</a:t>
+            </a:r>
+          </a:p>
+          <a:p>
+            <a:pPr marL="1143000" marR="0" lvl="2" indent="-228600">
+              <a:lnSpc>
+                <a:spcPct val="107000"/>
+              </a:lnSpc>
+              <a:spcBef>
+                <a:spcPts val="0"/>
+              </a:spcBef>
+              <a:spcAft>
+                <a:spcPts val="800"/>
+              </a:spcAft>
+              <a:buFont typeface="Wingdings" panose="05000000000000000000" pitchFamily="2" charset="2"/>
+              <a:buChar char=""/>
+            </a:pPr>
+            <a:r>
+              <a:rPr lang="en-US" sz="2500" dirty="0">
+                <a:latin typeface="Times New Roman" panose="02020603050405020304" pitchFamily="18" charset="0"/>
+                <a:cs typeface="Times New Roman" panose="02020603050405020304" pitchFamily="18" charset="0"/>
+              </a:rPr>
+              <a:t>Need to add stitching vias.</a:t>
             </a:r>
           </a:p>
         </p:txBody>
@@ -7346,7 +8063,7 @@
           <p:cNvPr id="6" name="Footer Placeholder 5">
             <a:extLst>
               <a:ext uri="{FF2B5EF4-FFF2-40B4-BE49-F238E27FC236}">
-                <a16:creationId xmlns:a16="http://schemas.microsoft.com/office/drawing/2014/main" id="{4C2FEDDF-8F1A-4C35-B137-C3F01FF32137}"/>
+                <a16:creationId xmlns:a16="http://schemas.microsoft.com/office/drawing/2014/main" id="{FC5CE9E1-3554-451F-8981-7785F5DB01D7}"/>
               </a:ext>
             </a:extLst>
           </p:cNvPr>
@@ -7377,7 +8094,7 @@
     </p:spTree>
     <p:extLst>
       <p:ext uri="{BB962C8B-B14F-4D97-AF65-F5344CB8AC3E}">
-        <p14:creationId xmlns:p14="http://schemas.microsoft.com/office/powerpoint/2010/main" val="118471771"/>
+        <p14:creationId xmlns:p14="http://schemas.microsoft.com/office/powerpoint/2010/main" val="2126547274"/>
       </p:ext>
     </p:extLst>
   </p:cSld>
@@ -7679,6 +8396,198 @@
         </p:txBody>
       </p:sp>
     </p:spTree>
+  </p:cSld>
+  <p:clrMapOvr>
+    <a:masterClrMapping/>
+  </p:clrMapOvr>
+</p:sld>
+</file>
+
+<file path=ppt/slides/slide20.xml><?xml version="1.0" encoding="utf-8"?>
+<p:sld xmlns:a="http://schemas.openxmlformats.org/drawingml/2006/main" xmlns:r="http://schemas.openxmlformats.org/officeDocument/2006/relationships" xmlns:p="http://schemas.openxmlformats.org/presentationml/2006/main">
+  <p:cSld>
+    <p:spTree>
+      <p:nvGrpSpPr>
+        <p:cNvPr id="1" name=""/>
+        <p:cNvGrpSpPr/>
+        <p:nvPr/>
+      </p:nvGrpSpPr>
+      <p:grpSpPr>
+        <a:xfrm>
+          <a:off x="0" y="0"/>
+          <a:ext cx="0" cy="0"/>
+          <a:chOff x="0" y="0"/>
+          <a:chExt cx="0" cy="0"/>
+        </a:xfrm>
+      </p:grpSpPr>
+      <p:sp>
+        <p:nvSpPr>
+          <p:cNvPr id="2" name="Title 1">
+            <a:extLst>
+              <a:ext uri="{FF2B5EF4-FFF2-40B4-BE49-F238E27FC236}">
+                <a16:creationId xmlns:a16="http://schemas.microsoft.com/office/drawing/2014/main" id="{ACDD6BBA-DAD5-4495-86CC-1991D3C4CE9D}"/>
+              </a:ext>
+            </a:extLst>
+          </p:cNvPr>
+          <p:cNvSpPr>
+            <a:spLocks noGrp="1"/>
+          </p:cNvSpPr>
+          <p:nvPr>
+            <p:ph type="title"/>
+          </p:nvPr>
+        </p:nvSpPr>
+        <p:spPr>
+          <a:xfrm>
+            <a:off x="762000" y="2362200"/>
+            <a:ext cx="6324600" cy="1143000"/>
+          </a:xfrm>
+        </p:spPr>
+        <p:txBody>
+          <a:bodyPr>
+            <a:normAutofit fontScale="90000"/>
+          </a:bodyPr>
+          <a:lstStyle/>
+          <a:p>
+            <a:r>
+              <a:rPr lang="en-US" dirty="0">
+                <a:latin typeface="Times New Roman" panose="02020603050405020304" pitchFamily="18" charset="0"/>
+                <a:cs typeface="Times New Roman" panose="02020603050405020304" pitchFamily="18" charset="0"/>
+              </a:rPr>
+              <a:t>Questions?</a:t>
+            </a:r>
+            <a:br>
+              <a:rPr lang="en-US" dirty="0">
+                <a:latin typeface="Times New Roman" panose="02020603050405020304" pitchFamily="18" charset="0"/>
+                <a:cs typeface="Times New Roman" panose="02020603050405020304" pitchFamily="18" charset="0"/>
+              </a:rPr>
+            </a:br>
+            <a:br>
+              <a:rPr lang="en-US" dirty="0">
+                <a:latin typeface="Times New Roman" panose="02020603050405020304" pitchFamily="18" charset="0"/>
+                <a:cs typeface="Times New Roman" panose="02020603050405020304" pitchFamily="18" charset="0"/>
+              </a:rPr>
+            </a:br>
+            <a:br>
+              <a:rPr lang="en-US" dirty="0">
+                <a:latin typeface="Times New Roman" panose="02020603050405020304" pitchFamily="18" charset="0"/>
+                <a:cs typeface="Times New Roman" panose="02020603050405020304" pitchFamily="18" charset="0"/>
+              </a:rPr>
+            </a:br>
+            <a:r>
+              <a:rPr lang="en-US" dirty="0">
+                <a:latin typeface="Times New Roman" panose="02020603050405020304" pitchFamily="18" charset="0"/>
+                <a:cs typeface="Times New Roman" panose="02020603050405020304" pitchFamily="18" charset="0"/>
+              </a:rPr>
+              <a:t>…On to the demo!</a:t>
+            </a:r>
+          </a:p>
+        </p:txBody>
+      </p:sp>
+      <p:pic>
+        <p:nvPicPr>
+          <p:cNvPr id="4" name="Picture 3">
+            <a:extLst>
+              <a:ext uri="{FF2B5EF4-FFF2-40B4-BE49-F238E27FC236}">
+                <a16:creationId xmlns:a16="http://schemas.microsoft.com/office/drawing/2014/main" id="{426FF380-471C-4574-A280-A8AEFB776DC5}"/>
+              </a:ext>
+            </a:extLst>
+          </p:cNvPr>
+          <p:cNvPicPr>
+            <a:picLocks noChangeAspect="1"/>
+          </p:cNvPicPr>
+          <p:nvPr/>
+        </p:nvPicPr>
+        <p:blipFill>
+          <a:blip r:embed="rId3">
+            <a:extLst>
+              <a:ext uri="{28A0092B-C50C-407E-A947-70E740481C1C}">
+                <a14:useLocalDpi xmlns:a14="http://schemas.microsoft.com/office/drawing/2010/main" val="0"/>
+              </a:ext>
+            </a:extLst>
+          </a:blip>
+          <a:stretch>
+            <a:fillRect/>
+          </a:stretch>
+        </p:blipFill>
+        <p:spPr>
+          <a:xfrm>
+            <a:off x="6477000" y="6543810"/>
+            <a:ext cx="2667000" cy="308889"/>
+          </a:xfrm>
+          <a:prstGeom prst="rect">
+            <a:avLst/>
+          </a:prstGeom>
+        </p:spPr>
+      </p:pic>
+      <p:sp>
+        <p:nvSpPr>
+          <p:cNvPr id="5" name="Slide Number Placeholder 4">
+            <a:extLst>
+              <a:ext uri="{FF2B5EF4-FFF2-40B4-BE49-F238E27FC236}">
+                <a16:creationId xmlns:a16="http://schemas.microsoft.com/office/drawing/2014/main" id="{5DE65BDC-5E62-416A-BBE6-A9C175D17A0D}"/>
+              </a:ext>
+            </a:extLst>
+          </p:cNvPr>
+          <p:cNvSpPr>
+            <a:spLocks noGrp="1"/>
+          </p:cNvSpPr>
+          <p:nvPr>
+            <p:ph type="sldNum" sz="quarter" idx="12"/>
+          </p:nvPr>
+        </p:nvSpPr>
+        <p:spPr/>
+        <p:txBody>
+          <a:bodyPr/>
+          <a:lstStyle/>
+          <a:p>
+            <a:fld id="{C806B262-DE4B-41F2-8D27-37F2CF938DE7}" type="slidenum">
+              <a:rPr lang="en-US" smtClean="0"/>
+              <a:pPr/>
+              <a:t>20</a:t>
+            </a:fld>
+            <a:endParaRPr lang="en-US"/>
+          </a:p>
+        </p:txBody>
+      </p:sp>
+      <p:sp>
+        <p:nvSpPr>
+          <p:cNvPr id="6" name="Footer Placeholder 5">
+            <a:extLst>
+              <a:ext uri="{FF2B5EF4-FFF2-40B4-BE49-F238E27FC236}">
+                <a16:creationId xmlns:a16="http://schemas.microsoft.com/office/drawing/2014/main" id="{4C2FEDDF-8F1A-4C35-B137-C3F01FF32137}"/>
+              </a:ext>
+            </a:extLst>
+          </p:cNvPr>
+          <p:cNvSpPr>
+            <a:spLocks noGrp="1"/>
+          </p:cNvSpPr>
+          <p:nvPr>
+            <p:ph type="ftr" sz="quarter" idx="11"/>
+          </p:nvPr>
+        </p:nvSpPr>
+        <p:spPr>
+          <a:xfrm>
+            <a:off x="-990600" y="6370637"/>
+            <a:ext cx="2895600" cy="365125"/>
+          </a:xfrm>
+        </p:spPr>
+        <p:txBody>
+          <a:bodyPr/>
+          <a:lstStyle/>
+          <a:p>
+            <a:r>
+              <a:rPr lang="en-US" dirty="0"/>
+              <a:t>ZZ</a:t>
+            </a:r>
+          </a:p>
+        </p:txBody>
+      </p:sp>
+    </p:spTree>
+    <p:extLst>
+      <p:ext uri="{BB962C8B-B14F-4D97-AF65-F5344CB8AC3E}">
+        <p14:creationId xmlns:p14="http://schemas.microsoft.com/office/powerpoint/2010/main" val="118471771"/>
+      </p:ext>
+    </p:extLst>
   </p:cSld>
   <p:clrMapOvr>
     <a:masterClrMapping/>
@@ -9368,7 +10277,7 @@
             <a:r>
               <a:rPr lang="en-US" sz="4400" b="0" i="0" u="none" strike="noStrike" baseline="0" dirty="0">
                 <a:solidFill>
-                  <a:srgbClr val="FF0000"/>
+                  <a:schemeClr val="tx1"/>
                 </a:solidFill>
                 <a:latin typeface="Times New Roman" panose="02020603050405020304" pitchFamily="18" charset="0"/>
                 <a:cs typeface="Times New Roman" panose="02020603050405020304" pitchFamily="18" charset="0"/>
@@ -9378,7 +10287,7 @@
             <a:br>
               <a:rPr lang="en-US" sz="4400" b="0" i="0" u="none" strike="noStrike" baseline="0" dirty="0">
                 <a:solidFill>
-                  <a:srgbClr val="FF0000"/>
+                  <a:schemeClr val="tx1"/>
                 </a:solidFill>
                 <a:latin typeface="Times New Roman" panose="02020603050405020304" pitchFamily="18" charset="0"/>
                 <a:cs typeface="Times New Roman" panose="02020603050405020304" pitchFamily="18" charset="0"/>
@@ -9387,7 +10296,7 @@
             <a:r>
               <a:rPr lang="en-US" sz="4400" b="0" i="0" u="none" strike="noStrike" baseline="0" dirty="0">
                 <a:solidFill>
-                  <a:srgbClr val="FF0000"/>
+                  <a:schemeClr val="tx1"/>
                 </a:solidFill>
                 <a:latin typeface="Times New Roman" panose="02020603050405020304" pitchFamily="18" charset="0"/>
                 <a:cs typeface="Times New Roman" panose="02020603050405020304" pitchFamily="18" charset="0"/>
@@ -9396,52 +10305,11 @@
             </a:r>
             <a:endParaRPr lang="en-US" dirty="0">
               <a:solidFill>
-                <a:srgbClr val="FF0000"/>
+                <a:schemeClr val="tx1"/>
               </a:solidFill>
               <a:latin typeface="Times New Roman" panose="02020603050405020304" pitchFamily="18" charset="0"/>
               <a:cs typeface="Times New Roman" panose="02020603050405020304" pitchFamily="18" charset="0"/>
             </a:endParaRPr>
-          </a:p>
-        </p:txBody>
-      </p:sp>
-      <p:sp>
-        <p:nvSpPr>
-          <p:cNvPr id="3" name="Content Placeholder 2">
-            <a:extLst>
-              <a:ext uri="{FF2B5EF4-FFF2-40B4-BE49-F238E27FC236}">
-                <a16:creationId xmlns:a16="http://schemas.microsoft.com/office/drawing/2014/main" id="{92659F5A-FDC1-4BE8-97AE-6711D7AE2A44}"/>
-              </a:ext>
-            </a:extLst>
-          </p:cNvPr>
-          <p:cNvSpPr>
-            <a:spLocks noGrp="1"/>
-          </p:cNvSpPr>
-          <p:nvPr>
-            <p:ph idx="1"/>
-          </p:nvPr>
-        </p:nvSpPr>
-        <p:spPr/>
-        <p:txBody>
-          <a:bodyPr/>
-          <a:lstStyle/>
-          <a:p>
-            <a:pPr algn="l"/>
-            <a:r>
-              <a:rPr lang="en-US" sz="3200" b="0" i="1" u="none" strike="noStrike" baseline="0" dirty="0">
-                <a:latin typeface="Calibri-Italic"/>
-              </a:rPr>
-              <a:t>Describe design using appropriate methods (e.g. block diagrams, UML models, algorithms)</a:t>
-            </a:r>
-          </a:p>
-          <a:p>
-            <a:pPr algn="l"/>
-            <a:r>
-              <a:rPr lang="en-US" sz="3200" b="0" i="1" u="none" strike="noStrike" baseline="0" dirty="0">
-                <a:latin typeface="Calibri-Italic"/>
-              </a:rPr>
-              <a:t>Discuss design alternatives, trade-offs, decisions made</a:t>
-            </a:r>
-            <a:endParaRPr lang="en-US" dirty="0"/>
           </a:p>
         </p:txBody>
       </p:sp>
@@ -9540,6 +10408,950 @@
             <a:r>
               <a:rPr lang="en-US" dirty="0"/>
               <a:t>NS</a:t>
+            </a:r>
+          </a:p>
+        </p:txBody>
+      </p:sp>
+      <p:sp>
+        <p:nvSpPr>
+          <p:cNvPr id="7" name="Oval 6">
+            <a:extLst>
+              <a:ext uri="{FF2B5EF4-FFF2-40B4-BE49-F238E27FC236}">
+                <a16:creationId xmlns:a16="http://schemas.microsoft.com/office/drawing/2014/main" id="{47B02129-2E42-4D1B-8B8D-ACA0117EDBDE}"/>
+              </a:ext>
+            </a:extLst>
+          </p:cNvPr>
+          <p:cNvSpPr/>
+          <p:nvPr/>
+        </p:nvSpPr>
+        <p:spPr>
+          <a:xfrm>
+            <a:off x="2057400" y="2304074"/>
+            <a:ext cx="1066800" cy="1066800"/>
+          </a:xfrm>
+          <a:prstGeom prst="ellipse">
+            <a:avLst/>
+          </a:prstGeom>
+        </p:spPr>
+        <p:style>
+          <a:lnRef idx="2">
+            <a:schemeClr val="accent1">
+              <a:shade val="50000"/>
+            </a:schemeClr>
+          </a:lnRef>
+          <a:fillRef idx="1">
+            <a:schemeClr val="accent1"/>
+          </a:fillRef>
+          <a:effectRef idx="0">
+            <a:schemeClr val="accent1"/>
+          </a:effectRef>
+          <a:fontRef idx="minor">
+            <a:schemeClr val="lt1"/>
+          </a:fontRef>
+        </p:style>
+        <p:txBody>
+          <a:bodyPr rtlCol="0" anchor="ctr"/>
+          <a:lstStyle/>
+          <a:p>
+            <a:pPr algn="ctr"/>
+            <a:r>
+              <a:rPr lang="en-US" dirty="0"/>
+              <a:t>IDLE</a:t>
+            </a:r>
+          </a:p>
+        </p:txBody>
+      </p:sp>
+      <p:sp>
+        <p:nvSpPr>
+          <p:cNvPr id="8" name="Oval 7">
+            <a:extLst>
+              <a:ext uri="{FF2B5EF4-FFF2-40B4-BE49-F238E27FC236}">
+                <a16:creationId xmlns:a16="http://schemas.microsoft.com/office/drawing/2014/main" id="{B4A8968D-A561-44E3-8DA4-5791659BCB11}"/>
+              </a:ext>
+            </a:extLst>
+          </p:cNvPr>
+          <p:cNvSpPr/>
+          <p:nvPr/>
+        </p:nvSpPr>
+        <p:spPr>
+          <a:xfrm>
+            <a:off x="4191000" y="2304074"/>
+            <a:ext cx="1066800" cy="1066800"/>
+          </a:xfrm>
+          <a:prstGeom prst="ellipse">
+            <a:avLst/>
+          </a:prstGeom>
+        </p:spPr>
+        <p:style>
+          <a:lnRef idx="2">
+            <a:schemeClr val="accent1">
+              <a:shade val="50000"/>
+            </a:schemeClr>
+          </a:lnRef>
+          <a:fillRef idx="1">
+            <a:schemeClr val="accent1"/>
+          </a:fillRef>
+          <a:effectRef idx="0">
+            <a:schemeClr val="accent1"/>
+          </a:effectRef>
+          <a:fontRef idx="minor">
+            <a:schemeClr val="lt1"/>
+          </a:fontRef>
+        </p:style>
+        <p:txBody>
+          <a:bodyPr rtlCol="0" anchor="ctr"/>
+          <a:lstStyle/>
+          <a:p>
+            <a:pPr algn="ctr"/>
+            <a:r>
+              <a:rPr lang="en-US" dirty="0"/>
+              <a:t>ADC</a:t>
+            </a:r>
+          </a:p>
+        </p:txBody>
+      </p:sp>
+      <p:sp>
+        <p:nvSpPr>
+          <p:cNvPr id="10" name="Oval 9">
+            <a:extLst>
+              <a:ext uri="{FF2B5EF4-FFF2-40B4-BE49-F238E27FC236}">
+                <a16:creationId xmlns:a16="http://schemas.microsoft.com/office/drawing/2014/main" id="{C739B665-05A0-4283-A988-5352CA296181}"/>
+              </a:ext>
+            </a:extLst>
+          </p:cNvPr>
+          <p:cNvSpPr/>
+          <p:nvPr/>
+        </p:nvSpPr>
+        <p:spPr>
+          <a:xfrm>
+            <a:off x="2057400" y="4449706"/>
+            <a:ext cx="1066800" cy="1066800"/>
+          </a:xfrm>
+          <a:prstGeom prst="ellipse">
+            <a:avLst/>
+          </a:prstGeom>
+        </p:spPr>
+        <p:style>
+          <a:lnRef idx="2">
+            <a:schemeClr val="accent1">
+              <a:shade val="50000"/>
+            </a:schemeClr>
+          </a:lnRef>
+          <a:fillRef idx="1">
+            <a:schemeClr val="accent1"/>
+          </a:fillRef>
+          <a:effectRef idx="0">
+            <a:schemeClr val="accent1"/>
+          </a:effectRef>
+          <a:fontRef idx="minor">
+            <a:schemeClr val="lt1"/>
+          </a:fontRef>
+        </p:style>
+        <p:txBody>
+          <a:bodyPr rtlCol="0" anchor="ctr"/>
+          <a:lstStyle/>
+          <a:p>
+            <a:pPr algn="ctr"/>
+            <a:r>
+              <a:rPr lang="en-US" dirty="0"/>
+              <a:t>WAIT</a:t>
+            </a:r>
+          </a:p>
+        </p:txBody>
+      </p:sp>
+      <p:cxnSp>
+        <p:nvCxnSpPr>
+          <p:cNvPr id="17" name="Connector: Curved 16">
+            <a:extLst>
+              <a:ext uri="{FF2B5EF4-FFF2-40B4-BE49-F238E27FC236}">
+                <a16:creationId xmlns:a16="http://schemas.microsoft.com/office/drawing/2014/main" id="{F7926D0D-84DF-4095-A200-BB237E57B875}"/>
+              </a:ext>
+            </a:extLst>
+          </p:cNvPr>
+          <p:cNvCxnSpPr>
+            <a:stCxn id="7" idx="2"/>
+            <a:endCxn id="7" idx="0"/>
+          </p:cNvCxnSpPr>
+          <p:nvPr/>
+        </p:nvCxnSpPr>
+        <p:spPr>
+          <a:xfrm rot="10800000" flipH="1">
+            <a:off x="2057400" y="2304074"/>
+            <a:ext cx="533400" cy="533400"/>
+          </a:xfrm>
+          <a:prstGeom prst="curvedConnector4">
+            <a:avLst>
+              <a:gd name="adj1" fmla="val -42857"/>
+              <a:gd name="adj2" fmla="val 142857"/>
+            </a:avLst>
+          </a:prstGeom>
+          <a:ln>
+            <a:tailEnd type="triangle"/>
+          </a:ln>
+        </p:spPr>
+        <p:style>
+          <a:lnRef idx="1">
+            <a:schemeClr val="accent1"/>
+          </a:lnRef>
+          <a:fillRef idx="0">
+            <a:schemeClr val="accent1"/>
+          </a:fillRef>
+          <a:effectRef idx="0">
+            <a:schemeClr val="accent1"/>
+          </a:effectRef>
+          <a:fontRef idx="minor">
+            <a:schemeClr val="tx1"/>
+          </a:fontRef>
+        </p:style>
+      </p:cxnSp>
+      <p:sp>
+        <p:nvSpPr>
+          <p:cNvPr id="18" name="Oval 17">
+            <a:extLst>
+              <a:ext uri="{FF2B5EF4-FFF2-40B4-BE49-F238E27FC236}">
+                <a16:creationId xmlns:a16="http://schemas.microsoft.com/office/drawing/2014/main" id="{450E2D8F-3B36-4434-97D1-0D2F8279DDD2}"/>
+              </a:ext>
+            </a:extLst>
+          </p:cNvPr>
+          <p:cNvSpPr/>
+          <p:nvPr/>
+        </p:nvSpPr>
+        <p:spPr>
+          <a:xfrm>
+            <a:off x="4191000" y="4449706"/>
+            <a:ext cx="1066800" cy="1066800"/>
+          </a:xfrm>
+          <a:prstGeom prst="ellipse">
+            <a:avLst/>
+          </a:prstGeom>
+        </p:spPr>
+        <p:style>
+          <a:lnRef idx="2">
+            <a:schemeClr val="accent1">
+              <a:shade val="50000"/>
+            </a:schemeClr>
+          </a:lnRef>
+          <a:fillRef idx="1">
+            <a:schemeClr val="accent1"/>
+          </a:fillRef>
+          <a:effectRef idx="0">
+            <a:schemeClr val="accent1"/>
+          </a:effectRef>
+          <a:fontRef idx="minor">
+            <a:schemeClr val="lt1"/>
+          </a:fontRef>
+        </p:style>
+        <p:txBody>
+          <a:bodyPr rtlCol="0" anchor="ctr"/>
+          <a:lstStyle/>
+          <a:p>
+            <a:pPr algn="ctr"/>
+            <a:r>
+              <a:rPr lang="en-US" dirty="0"/>
+              <a:t>DOOR</a:t>
+            </a:r>
+          </a:p>
+        </p:txBody>
+      </p:sp>
+      <p:cxnSp>
+        <p:nvCxnSpPr>
+          <p:cNvPr id="20" name="Connector: Curved 19">
+            <a:extLst>
+              <a:ext uri="{FF2B5EF4-FFF2-40B4-BE49-F238E27FC236}">
+                <a16:creationId xmlns:a16="http://schemas.microsoft.com/office/drawing/2014/main" id="{23E993D5-A159-4861-B90F-0F9F30B6C7BC}"/>
+              </a:ext>
+            </a:extLst>
+          </p:cNvPr>
+          <p:cNvCxnSpPr>
+            <a:stCxn id="7" idx="7"/>
+            <a:endCxn id="8" idx="1"/>
+          </p:cNvCxnSpPr>
+          <p:nvPr/>
+        </p:nvCxnSpPr>
+        <p:spPr>
+          <a:xfrm rot="5400000" flipH="1" flipV="1">
+            <a:off x="3657600" y="1770674"/>
+            <a:ext cx="12700" cy="1379258"/>
+          </a:xfrm>
+          <a:prstGeom prst="curvedConnector3">
+            <a:avLst>
+              <a:gd name="adj1" fmla="val 3030150"/>
+            </a:avLst>
+          </a:prstGeom>
+          <a:ln>
+            <a:tailEnd type="triangle"/>
+          </a:ln>
+        </p:spPr>
+        <p:style>
+          <a:lnRef idx="1">
+            <a:schemeClr val="accent1"/>
+          </a:lnRef>
+          <a:fillRef idx="0">
+            <a:schemeClr val="accent1"/>
+          </a:fillRef>
+          <a:effectRef idx="0">
+            <a:schemeClr val="accent1"/>
+          </a:effectRef>
+          <a:fontRef idx="minor">
+            <a:schemeClr val="tx1"/>
+          </a:fontRef>
+        </p:style>
+      </p:cxnSp>
+      <p:cxnSp>
+        <p:nvCxnSpPr>
+          <p:cNvPr id="22" name="Connector: Curved 21">
+            <a:extLst>
+              <a:ext uri="{FF2B5EF4-FFF2-40B4-BE49-F238E27FC236}">
+                <a16:creationId xmlns:a16="http://schemas.microsoft.com/office/drawing/2014/main" id="{F6BF1A3D-BA09-44A3-83AD-7E0B361F258F}"/>
+              </a:ext>
+            </a:extLst>
+          </p:cNvPr>
+          <p:cNvCxnSpPr>
+            <a:stCxn id="8" idx="0"/>
+            <a:endCxn id="8" idx="6"/>
+          </p:cNvCxnSpPr>
+          <p:nvPr/>
+        </p:nvCxnSpPr>
+        <p:spPr>
+          <a:xfrm rot="16200000" flipH="1">
+            <a:off x="4724400" y="2304074"/>
+            <a:ext cx="533400" cy="533400"/>
+          </a:xfrm>
+          <a:prstGeom prst="curvedConnector4">
+            <a:avLst>
+              <a:gd name="adj1" fmla="val -42857"/>
+              <a:gd name="adj2" fmla="val 142857"/>
+            </a:avLst>
+          </a:prstGeom>
+          <a:ln>
+            <a:tailEnd type="triangle"/>
+          </a:ln>
+        </p:spPr>
+        <p:style>
+          <a:lnRef idx="1">
+            <a:schemeClr val="accent1"/>
+          </a:lnRef>
+          <a:fillRef idx="0">
+            <a:schemeClr val="accent1"/>
+          </a:fillRef>
+          <a:effectRef idx="0">
+            <a:schemeClr val="accent1"/>
+          </a:effectRef>
+          <a:fontRef idx="minor">
+            <a:schemeClr val="tx1"/>
+          </a:fontRef>
+        </p:style>
+      </p:cxnSp>
+      <p:cxnSp>
+        <p:nvCxnSpPr>
+          <p:cNvPr id="27" name="Connector: Curved 26">
+            <a:extLst>
+              <a:ext uri="{FF2B5EF4-FFF2-40B4-BE49-F238E27FC236}">
+                <a16:creationId xmlns:a16="http://schemas.microsoft.com/office/drawing/2014/main" id="{736B3372-63C8-4D4E-93D6-3455E5557ADA}"/>
+              </a:ext>
+            </a:extLst>
+          </p:cNvPr>
+          <p:cNvCxnSpPr>
+            <a:cxnSpLocks/>
+          </p:cNvCxnSpPr>
+          <p:nvPr/>
+        </p:nvCxnSpPr>
+        <p:spPr>
+          <a:xfrm rot="10800000" flipH="1" flipV="1">
+            <a:off x="5092700" y="3232693"/>
+            <a:ext cx="12700" cy="1379258"/>
+          </a:xfrm>
+          <a:prstGeom prst="curvedConnector3">
+            <a:avLst>
+              <a:gd name="adj1" fmla="val 3030150"/>
+            </a:avLst>
+          </a:prstGeom>
+          <a:ln>
+            <a:tailEnd type="triangle"/>
+          </a:ln>
+        </p:spPr>
+        <p:style>
+          <a:lnRef idx="1">
+            <a:schemeClr val="accent1"/>
+          </a:lnRef>
+          <a:fillRef idx="0">
+            <a:schemeClr val="accent1"/>
+          </a:fillRef>
+          <a:effectRef idx="0">
+            <a:schemeClr val="accent1"/>
+          </a:effectRef>
+          <a:fontRef idx="minor">
+            <a:schemeClr val="tx1"/>
+          </a:fontRef>
+        </p:style>
+      </p:cxnSp>
+      <p:cxnSp>
+        <p:nvCxnSpPr>
+          <p:cNvPr id="29" name="Connector: Curved 28">
+            <a:extLst>
+              <a:ext uri="{FF2B5EF4-FFF2-40B4-BE49-F238E27FC236}">
+                <a16:creationId xmlns:a16="http://schemas.microsoft.com/office/drawing/2014/main" id="{2B65632E-B1CB-4FE1-B1F7-632190E63382}"/>
+              </a:ext>
+            </a:extLst>
+          </p:cNvPr>
+          <p:cNvCxnSpPr>
+            <a:stCxn id="8" idx="3"/>
+            <a:endCxn id="7" idx="5"/>
+          </p:cNvCxnSpPr>
+          <p:nvPr/>
+        </p:nvCxnSpPr>
+        <p:spPr>
+          <a:xfrm rot="5400000">
+            <a:off x="3657600" y="2525016"/>
+            <a:ext cx="12700" cy="1379258"/>
+          </a:xfrm>
+          <a:prstGeom prst="curvedConnector3">
+            <a:avLst>
+              <a:gd name="adj1" fmla="val 3030150"/>
+            </a:avLst>
+          </a:prstGeom>
+          <a:ln>
+            <a:tailEnd type="triangle"/>
+          </a:ln>
+        </p:spPr>
+        <p:style>
+          <a:lnRef idx="1">
+            <a:schemeClr val="accent1"/>
+          </a:lnRef>
+          <a:fillRef idx="0">
+            <a:schemeClr val="accent1"/>
+          </a:fillRef>
+          <a:effectRef idx="0">
+            <a:schemeClr val="accent1"/>
+          </a:effectRef>
+          <a:fontRef idx="minor">
+            <a:schemeClr val="tx1"/>
+          </a:fontRef>
+        </p:style>
+      </p:cxnSp>
+      <p:cxnSp>
+        <p:nvCxnSpPr>
+          <p:cNvPr id="31" name="Connector: Curved 30">
+            <a:extLst>
+              <a:ext uri="{FF2B5EF4-FFF2-40B4-BE49-F238E27FC236}">
+                <a16:creationId xmlns:a16="http://schemas.microsoft.com/office/drawing/2014/main" id="{C701AAF9-261C-4D9F-B600-DABE356962EB}"/>
+              </a:ext>
+            </a:extLst>
+          </p:cNvPr>
+          <p:cNvCxnSpPr>
+            <a:stCxn id="18" idx="6"/>
+            <a:endCxn id="18" idx="4"/>
+          </p:cNvCxnSpPr>
+          <p:nvPr/>
+        </p:nvCxnSpPr>
+        <p:spPr>
+          <a:xfrm flipH="1">
+            <a:off x="4724400" y="4983106"/>
+            <a:ext cx="533400" cy="533400"/>
+          </a:xfrm>
+          <a:prstGeom prst="curvedConnector4">
+            <a:avLst>
+              <a:gd name="adj1" fmla="val -42857"/>
+              <a:gd name="adj2" fmla="val 142857"/>
+            </a:avLst>
+          </a:prstGeom>
+          <a:ln>
+            <a:tailEnd type="triangle"/>
+          </a:ln>
+        </p:spPr>
+        <p:style>
+          <a:lnRef idx="1">
+            <a:schemeClr val="accent1"/>
+          </a:lnRef>
+          <a:fillRef idx="0">
+            <a:schemeClr val="accent1"/>
+          </a:fillRef>
+          <a:effectRef idx="0">
+            <a:schemeClr val="accent1"/>
+          </a:effectRef>
+          <a:fontRef idx="minor">
+            <a:schemeClr val="tx1"/>
+          </a:fontRef>
+        </p:style>
+      </p:cxnSp>
+      <p:cxnSp>
+        <p:nvCxnSpPr>
+          <p:cNvPr id="33" name="Connector: Curved 32">
+            <a:extLst>
+              <a:ext uri="{FF2B5EF4-FFF2-40B4-BE49-F238E27FC236}">
+                <a16:creationId xmlns:a16="http://schemas.microsoft.com/office/drawing/2014/main" id="{94CE3A93-72B7-49F8-81D6-7178CA8B6591}"/>
+              </a:ext>
+            </a:extLst>
+          </p:cNvPr>
+          <p:cNvCxnSpPr>
+            <a:stCxn id="18" idx="3"/>
+            <a:endCxn id="10" idx="5"/>
+          </p:cNvCxnSpPr>
+          <p:nvPr/>
+        </p:nvCxnSpPr>
+        <p:spPr>
+          <a:xfrm rot="5400000">
+            <a:off x="3657600" y="4670648"/>
+            <a:ext cx="12700" cy="1379258"/>
+          </a:xfrm>
+          <a:prstGeom prst="curvedConnector3">
+            <a:avLst>
+              <a:gd name="adj1" fmla="val 3030150"/>
+            </a:avLst>
+          </a:prstGeom>
+          <a:ln>
+            <a:tailEnd type="triangle"/>
+          </a:ln>
+        </p:spPr>
+        <p:style>
+          <a:lnRef idx="1">
+            <a:schemeClr val="accent1"/>
+          </a:lnRef>
+          <a:fillRef idx="0">
+            <a:schemeClr val="accent1"/>
+          </a:fillRef>
+          <a:effectRef idx="0">
+            <a:schemeClr val="accent1"/>
+          </a:effectRef>
+          <a:fontRef idx="minor">
+            <a:schemeClr val="tx1"/>
+          </a:fontRef>
+        </p:style>
+      </p:cxnSp>
+      <p:cxnSp>
+        <p:nvCxnSpPr>
+          <p:cNvPr id="35" name="Connector: Curved 34">
+            <a:extLst>
+              <a:ext uri="{FF2B5EF4-FFF2-40B4-BE49-F238E27FC236}">
+                <a16:creationId xmlns:a16="http://schemas.microsoft.com/office/drawing/2014/main" id="{15659E19-CADA-431E-BAFD-C288D15B5419}"/>
+              </a:ext>
+            </a:extLst>
+          </p:cNvPr>
+          <p:cNvCxnSpPr>
+            <a:stCxn id="10" idx="4"/>
+            <a:endCxn id="10" idx="2"/>
+          </p:cNvCxnSpPr>
+          <p:nvPr/>
+        </p:nvCxnSpPr>
+        <p:spPr>
+          <a:xfrm rot="5400000" flipH="1">
+            <a:off x="2057400" y="4983106"/>
+            <a:ext cx="533400" cy="533400"/>
+          </a:xfrm>
+          <a:prstGeom prst="curvedConnector4">
+            <a:avLst>
+              <a:gd name="adj1" fmla="val -42857"/>
+              <a:gd name="adj2" fmla="val 142857"/>
+            </a:avLst>
+          </a:prstGeom>
+          <a:ln>
+            <a:tailEnd type="triangle"/>
+          </a:ln>
+        </p:spPr>
+        <p:style>
+          <a:lnRef idx="1">
+            <a:schemeClr val="accent1"/>
+          </a:lnRef>
+          <a:fillRef idx="0">
+            <a:schemeClr val="accent1"/>
+          </a:fillRef>
+          <a:effectRef idx="0">
+            <a:schemeClr val="accent1"/>
+          </a:effectRef>
+          <a:fontRef idx="minor">
+            <a:schemeClr val="tx1"/>
+          </a:fontRef>
+        </p:style>
+      </p:cxnSp>
+      <p:cxnSp>
+        <p:nvCxnSpPr>
+          <p:cNvPr id="40" name="Connector: Curved 39">
+            <a:extLst>
+              <a:ext uri="{FF2B5EF4-FFF2-40B4-BE49-F238E27FC236}">
+                <a16:creationId xmlns:a16="http://schemas.microsoft.com/office/drawing/2014/main" id="{EF7E34E9-C93F-4E8A-B0A4-D228218ED597}"/>
+              </a:ext>
+            </a:extLst>
+          </p:cNvPr>
+          <p:cNvCxnSpPr>
+            <a:cxnSpLocks/>
+          </p:cNvCxnSpPr>
+          <p:nvPr/>
+        </p:nvCxnSpPr>
+        <p:spPr>
+          <a:xfrm flipH="1" flipV="1">
+            <a:off x="2209800" y="3208295"/>
+            <a:ext cx="12700" cy="1379258"/>
+          </a:xfrm>
+          <a:prstGeom prst="curvedConnector3">
+            <a:avLst>
+              <a:gd name="adj1" fmla="val 3030150"/>
+            </a:avLst>
+          </a:prstGeom>
+          <a:ln>
+            <a:tailEnd type="triangle"/>
+          </a:ln>
+        </p:spPr>
+        <p:style>
+          <a:lnRef idx="1">
+            <a:schemeClr val="accent1"/>
+          </a:lnRef>
+          <a:fillRef idx="0">
+            <a:schemeClr val="accent1"/>
+          </a:fillRef>
+          <a:effectRef idx="0">
+            <a:schemeClr val="accent1"/>
+          </a:effectRef>
+          <a:fontRef idx="minor">
+            <a:schemeClr val="tx1"/>
+          </a:fontRef>
+        </p:style>
+      </p:cxnSp>
+      <p:sp>
+        <p:nvSpPr>
+          <p:cNvPr id="41" name="TextBox 40">
+            <a:extLst>
+              <a:ext uri="{FF2B5EF4-FFF2-40B4-BE49-F238E27FC236}">
+                <a16:creationId xmlns:a16="http://schemas.microsoft.com/office/drawing/2014/main" id="{47DDEC18-9BFF-4F02-83FC-A9E729FEDBFC}"/>
+              </a:ext>
+            </a:extLst>
+          </p:cNvPr>
+          <p:cNvSpPr txBox="1"/>
+          <p:nvPr/>
+        </p:nvSpPr>
+        <p:spPr>
+          <a:xfrm rot="18900000">
+            <a:off x="1363771" y="1990963"/>
+            <a:ext cx="930063" cy="276999"/>
+          </a:xfrm>
+          <a:prstGeom prst="rect">
+            <a:avLst/>
+          </a:prstGeom>
+          <a:noFill/>
+        </p:spPr>
+        <p:txBody>
+          <a:bodyPr wrap="none" rtlCol="0">
+            <a:spAutoFit/>
+          </a:bodyPr>
+          <a:lstStyle/>
+          <a:p>
+            <a:r>
+              <a:rPr lang="en-US" sz="1200" dirty="0"/>
+              <a:t>NO_SOUND</a:t>
+            </a:r>
+          </a:p>
+        </p:txBody>
+      </p:sp>
+      <p:sp>
+        <p:nvSpPr>
+          <p:cNvPr id="42" name="TextBox 41">
+            <a:extLst>
+              <a:ext uri="{FF2B5EF4-FFF2-40B4-BE49-F238E27FC236}">
+                <a16:creationId xmlns:a16="http://schemas.microsoft.com/office/drawing/2014/main" id="{10F39A27-DAF9-4279-B00C-1D508E8ADCC9}"/>
+              </a:ext>
+            </a:extLst>
+          </p:cNvPr>
+          <p:cNvSpPr txBox="1"/>
+          <p:nvPr/>
+        </p:nvSpPr>
+        <p:spPr>
+          <a:xfrm>
+            <a:off x="3338380" y="1846874"/>
+            <a:ext cx="651140" cy="276999"/>
+          </a:xfrm>
+          <a:prstGeom prst="rect">
+            <a:avLst/>
+          </a:prstGeom>
+          <a:noFill/>
+        </p:spPr>
+        <p:txBody>
+          <a:bodyPr wrap="none" rtlCol="0">
+            <a:spAutoFit/>
+          </a:bodyPr>
+          <a:lstStyle/>
+          <a:p>
+            <a:r>
+              <a:rPr lang="en-US" sz="1200" dirty="0"/>
+              <a:t>SOUND</a:t>
+            </a:r>
+          </a:p>
+        </p:txBody>
+      </p:sp>
+      <p:sp>
+        <p:nvSpPr>
+          <p:cNvPr id="43" name="TextBox 42">
+            <a:extLst>
+              <a:ext uri="{FF2B5EF4-FFF2-40B4-BE49-F238E27FC236}">
+                <a16:creationId xmlns:a16="http://schemas.microsoft.com/office/drawing/2014/main" id="{E93BB439-CD6E-4E60-91BF-1C542231CF5A}"/>
+              </a:ext>
+            </a:extLst>
+          </p:cNvPr>
+          <p:cNvSpPr txBox="1"/>
+          <p:nvPr/>
+        </p:nvSpPr>
+        <p:spPr>
+          <a:xfrm rot="2700000">
+            <a:off x="5085437" y="1948225"/>
+            <a:ext cx="761683" cy="276999"/>
+          </a:xfrm>
+          <a:prstGeom prst="rect">
+            <a:avLst/>
+          </a:prstGeom>
+          <a:noFill/>
+        </p:spPr>
+        <p:txBody>
+          <a:bodyPr wrap="none" rtlCol="0">
+            <a:spAutoFit/>
+          </a:bodyPr>
+          <a:lstStyle/>
+          <a:p>
+            <a:r>
+              <a:rPr lang="en-US" sz="1200" dirty="0"/>
+              <a:t>READING</a:t>
+            </a:r>
+          </a:p>
+        </p:txBody>
+      </p:sp>
+      <p:sp>
+        <p:nvSpPr>
+          <p:cNvPr id="44" name="TextBox 43">
+            <a:extLst>
+              <a:ext uri="{FF2B5EF4-FFF2-40B4-BE49-F238E27FC236}">
+                <a16:creationId xmlns:a16="http://schemas.microsoft.com/office/drawing/2014/main" id="{F6151F0A-A205-4BF6-A8FF-11631F60C65F}"/>
+              </a:ext>
+            </a:extLst>
+          </p:cNvPr>
+          <p:cNvSpPr txBox="1"/>
+          <p:nvPr/>
+        </p:nvSpPr>
+        <p:spPr>
+          <a:xfrm>
+            <a:off x="3086706" y="3567445"/>
+            <a:ext cx="1141787" cy="276999"/>
+          </a:xfrm>
+          <a:prstGeom prst="rect">
+            <a:avLst/>
+          </a:prstGeom>
+          <a:noFill/>
+        </p:spPr>
+        <p:txBody>
+          <a:bodyPr wrap="none" rtlCol="0">
+            <a:spAutoFit/>
+          </a:bodyPr>
+          <a:lstStyle/>
+          <a:p>
+            <a:r>
+              <a:rPr lang="en-US" sz="1200" dirty="0"/>
+              <a:t>WRONG_MASS</a:t>
+            </a:r>
+          </a:p>
+        </p:txBody>
+      </p:sp>
+      <p:sp>
+        <p:nvSpPr>
+          <p:cNvPr id="45" name="TextBox 44">
+            <a:extLst>
+              <a:ext uri="{FF2B5EF4-FFF2-40B4-BE49-F238E27FC236}">
+                <a16:creationId xmlns:a16="http://schemas.microsoft.com/office/drawing/2014/main" id="{C27D773C-EA62-4829-B766-A6F6F731138C}"/>
+              </a:ext>
+            </a:extLst>
+          </p:cNvPr>
+          <p:cNvSpPr txBox="1"/>
+          <p:nvPr/>
+        </p:nvSpPr>
+        <p:spPr>
+          <a:xfrm>
+            <a:off x="3338380" y="1843821"/>
+            <a:ext cx="651140" cy="276999"/>
+          </a:xfrm>
+          <a:prstGeom prst="rect">
+            <a:avLst/>
+          </a:prstGeom>
+          <a:noFill/>
+        </p:spPr>
+        <p:txBody>
+          <a:bodyPr wrap="none" rtlCol="0">
+            <a:spAutoFit/>
+          </a:bodyPr>
+          <a:lstStyle/>
+          <a:p>
+            <a:r>
+              <a:rPr lang="en-US" sz="1200" dirty="0"/>
+              <a:t>SOUND</a:t>
+            </a:r>
+          </a:p>
+        </p:txBody>
+      </p:sp>
+      <p:sp>
+        <p:nvSpPr>
+          <p:cNvPr id="46" name="TextBox 45">
+            <a:extLst>
+              <a:ext uri="{FF2B5EF4-FFF2-40B4-BE49-F238E27FC236}">
+                <a16:creationId xmlns:a16="http://schemas.microsoft.com/office/drawing/2014/main" id="{B0FA0C9C-2AF3-4FE7-8702-90C22776951C}"/>
+              </a:ext>
+            </a:extLst>
+          </p:cNvPr>
+          <p:cNvSpPr txBox="1"/>
+          <p:nvPr/>
+        </p:nvSpPr>
+        <p:spPr>
+          <a:xfrm rot="5400000">
+            <a:off x="5117388" y="3759424"/>
+            <a:ext cx="1015021" cy="276999"/>
+          </a:xfrm>
+          <a:prstGeom prst="rect">
+            <a:avLst/>
+          </a:prstGeom>
+          <a:noFill/>
+        </p:spPr>
+        <p:txBody>
+          <a:bodyPr wrap="none" rtlCol="0">
+            <a:spAutoFit/>
+          </a:bodyPr>
+          <a:lstStyle/>
+          <a:p>
+            <a:r>
+              <a:rPr lang="en-US" sz="1200" dirty="0"/>
+              <a:t>RIGHT_MASS</a:t>
+            </a:r>
+          </a:p>
+        </p:txBody>
+      </p:sp>
+      <p:sp>
+        <p:nvSpPr>
+          <p:cNvPr id="47" name="TextBox 46">
+            <a:extLst>
+              <a:ext uri="{FF2B5EF4-FFF2-40B4-BE49-F238E27FC236}">
+                <a16:creationId xmlns:a16="http://schemas.microsoft.com/office/drawing/2014/main" id="{2E7B980D-72D8-4D0A-B9FD-28F0655969ED}"/>
+              </a:ext>
+            </a:extLst>
+          </p:cNvPr>
+          <p:cNvSpPr txBox="1"/>
+          <p:nvPr/>
+        </p:nvSpPr>
+        <p:spPr>
+          <a:xfrm rot="18900000">
+            <a:off x="4886843" y="5550236"/>
+            <a:ext cx="1199111" cy="276999"/>
+          </a:xfrm>
+          <a:prstGeom prst="rect">
+            <a:avLst/>
+          </a:prstGeom>
+          <a:noFill/>
+        </p:spPr>
+        <p:txBody>
+          <a:bodyPr wrap="none" rtlCol="0">
+            <a:spAutoFit/>
+          </a:bodyPr>
+          <a:lstStyle/>
+          <a:p>
+            <a:r>
+              <a:rPr lang="en-US" sz="1200" dirty="0"/>
+              <a:t>DOOR_MOVING</a:t>
+            </a:r>
+          </a:p>
+        </p:txBody>
+      </p:sp>
+      <p:sp>
+        <p:nvSpPr>
+          <p:cNvPr id="48" name="TextBox 47">
+            <a:extLst>
+              <a:ext uri="{FF2B5EF4-FFF2-40B4-BE49-F238E27FC236}">
+                <a16:creationId xmlns:a16="http://schemas.microsoft.com/office/drawing/2014/main" id="{9338BC17-D7B1-4F08-BB2C-33FE7C1F6CC4}"/>
+              </a:ext>
+            </a:extLst>
+          </p:cNvPr>
+          <p:cNvSpPr txBox="1"/>
+          <p:nvPr/>
+        </p:nvSpPr>
+        <p:spPr>
+          <a:xfrm>
+            <a:off x="3086706" y="5724831"/>
+            <a:ext cx="1130246" cy="276999"/>
+          </a:xfrm>
+          <a:prstGeom prst="rect">
+            <a:avLst/>
+          </a:prstGeom>
+          <a:noFill/>
+        </p:spPr>
+        <p:txBody>
+          <a:bodyPr wrap="none" rtlCol="0">
+            <a:spAutoFit/>
+          </a:bodyPr>
+          <a:lstStyle/>
+          <a:p>
+            <a:r>
+              <a:rPr lang="en-US" sz="1200" dirty="0"/>
+              <a:t>DOOR_CLOSED</a:t>
+            </a:r>
+          </a:p>
+        </p:txBody>
+      </p:sp>
+      <p:sp>
+        <p:nvSpPr>
+          <p:cNvPr id="49" name="TextBox 48">
+            <a:extLst>
+              <a:ext uri="{FF2B5EF4-FFF2-40B4-BE49-F238E27FC236}">
+                <a16:creationId xmlns:a16="http://schemas.microsoft.com/office/drawing/2014/main" id="{1645346B-6DF2-4C85-9061-89FF9CBF1118}"/>
+              </a:ext>
+            </a:extLst>
+          </p:cNvPr>
+          <p:cNvSpPr txBox="1"/>
+          <p:nvPr/>
+        </p:nvSpPr>
+        <p:spPr>
+          <a:xfrm rot="2700000">
+            <a:off x="1259812" y="5521655"/>
+            <a:ext cx="1130246" cy="276999"/>
+          </a:xfrm>
+          <a:prstGeom prst="rect">
+            <a:avLst/>
+          </a:prstGeom>
+          <a:noFill/>
+        </p:spPr>
+        <p:txBody>
+          <a:bodyPr wrap="none" rtlCol="0">
+            <a:spAutoFit/>
+          </a:bodyPr>
+          <a:lstStyle/>
+          <a:p>
+            <a:r>
+              <a:rPr lang="en-US" sz="1200" dirty="0"/>
+              <a:t>DOOR_CLOSED</a:t>
+            </a:r>
+          </a:p>
+        </p:txBody>
+      </p:sp>
+      <p:sp>
+        <p:nvSpPr>
+          <p:cNvPr id="50" name="TextBox 49">
+            <a:extLst>
+              <a:ext uri="{FF2B5EF4-FFF2-40B4-BE49-F238E27FC236}">
+                <a16:creationId xmlns:a16="http://schemas.microsoft.com/office/drawing/2014/main" id="{66AE78CC-DDB5-4FD0-8456-4145CB086CE9}"/>
+              </a:ext>
+            </a:extLst>
+          </p:cNvPr>
+          <p:cNvSpPr txBox="1"/>
+          <p:nvPr/>
+        </p:nvSpPr>
+        <p:spPr>
+          <a:xfrm rot="16200000">
+            <a:off x="1194589" y="3784098"/>
+            <a:ext cx="991425" cy="276999"/>
+          </a:xfrm>
+          <a:prstGeom prst="rect">
+            <a:avLst/>
+          </a:prstGeom>
+          <a:noFill/>
+        </p:spPr>
+        <p:txBody>
+          <a:bodyPr wrap="none" rtlCol="0">
+            <a:spAutoFit/>
+          </a:bodyPr>
+          <a:lstStyle/>
+          <a:p>
+            <a:r>
+              <a:rPr lang="en-US" sz="1200" dirty="0"/>
+              <a:t>FEED_AGAIN</a:t>
             </a:r>
           </a:p>
         </p:txBody>

--- a/Smart_Bird_Feeder_Presentation.pptx
+++ b/Smart_Bird_Feeder_Presentation.pptx
@@ -4829,43 +4829,62 @@
           <a:bodyPr/>
           <a:lstStyle/>
           <a:p>
-            <a:pPr algn="l"/>
-            <a:r>
-              <a:rPr lang="en-US" sz="3200" b="0" i="1" u="none" strike="noStrike" baseline="0" dirty="0">
-                <a:latin typeface="Calibri-Italic"/>
+            <a:pPr marL="0" indent="0" algn="l">
+              <a:buNone/>
+            </a:pPr>
+            <a:r>
+              <a:rPr lang="en-US" sz="2800" dirty="0">
+                <a:latin typeface="Times New Roman" panose="02020603050405020304" pitchFamily="18" charset="0"/>
+                <a:cs typeface="Times New Roman" panose="02020603050405020304" pitchFamily="18" charset="0"/>
               </a:rPr>
               <a:t>Utilized Arduino IDE for its good selection of built-in functions (</a:t>
             </a:r>
             <a:r>
-              <a:rPr lang="en-US" sz="3200" b="0" i="1" u="none" strike="noStrike" baseline="0" dirty="0" err="1">
-                <a:latin typeface="Calibri-Italic"/>
+              <a:rPr lang="en-US" sz="2800" dirty="0" err="1">
+                <a:latin typeface="Times New Roman" panose="02020603050405020304" pitchFamily="18" charset="0"/>
+                <a:cs typeface="Times New Roman" panose="02020603050405020304" pitchFamily="18" charset="0"/>
               </a:rPr>
               <a:t>analogRead</a:t>
             </a:r>
             <a:r>
-              <a:rPr lang="en-US" sz="3200" b="0" i="1" u="none" strike="noStrike" baseline="0" dirty="0">
-                <a:latin typeface="Calibri-Italic"/>
+              <a:rPr lang="en-US" sz="2800" dirty="0">
+                <a:latin typeface="Times New Roman" panose="02020603050405020304" pitchFamily="18" charset="0"/>
+                <a:cs typeface="Times New Roman" panose="02020603050405020304" pitchFamily="18" charset="0"/>
               </a:rPr>
               <a:t>, </a:t>
             </a:r>
             <a:r>
-              <a:rPr lang="en-US" sz="3200" b="0" i="1" u="none" strike="noStrike" baseline="0" dirty="0" err="1">
-                <a:latin typeface="Calibri-Italic"/>
+              <a:rPr lang="en-US" sz="2800" dirty="0" err="1">
+                <a:latin typeface="Times New Roman" panose="02020603050405020304" pitchFamily="18" charset="0"/>
+                <a:cs typeface="Times New Roman" panose="02020603050405020304" pitchFamily="18" charset="0"/>
               </a:rPr>
               <a:t>digitalWrite</a:t>
             </a:r>
             <a:r>
-              <a:rPr lang="en-US" sz="3200" b="0" i="1" u="none" strike="noStrike" baseline="0" dirty="0">
-                <a:latin typeface="Calibri-Italic"/>
+              <a:rPr lang="en-US" sz="2800" dirty="0">
+                <a:latin typeface="Times New Roman" panose="02020603050405020304" pitchFamily="18" charset="0"/>
+                <a:cs typeface="Times New Roman" panose="02020603050405020304" pitchFamily="18" charset="0"/>
               </a:rPr>
               <a:t>, etc.) as well as prepackaged libraries—namely the Servo library.</a:t>
             </a:r>
           </a:p>
           <a:p>
-            <a:pPr algn="l"/>
-            <a:r>
-              <a:rPr lang="en-US" i="1" dirty="0">
-                <a:latin typeface="Calibri-Italic"/>
+            <a:pPr marL="0" indent="0" algn="l">
+              <a:buNone/>
+            </a:pPr>
+            <a:endParaRPr lang="en-US" sz="2800" dirty="0">
+              <a:latin typeface="Times New Roman" panose="02020603050405020304" pitchFamily="18" charset="0"/>
+              <a:cs typeface="Times New Roman" panose="02020603050405020304" pitchFamily="18" charset="0"/>
+            </a:endParaRPr>
+          </a:p>
+          <a:p>
+            <a:pPr marL="0" indent="0" algn="l">
+              <a:buNone/>
+            </a:pPr>
+            <a:r>
+              <a:rPr lang="en-US" sz="2800" dirty="0">
+                <a:latin typeface="Times New Roman" panose="02020603050405020304" pitchFamily="18" charset="0"/>
+                <a:cs typeface="Times New Roman" panose="02020603050405020304" pitchFamily="18" charset="0"/>
               </a:rPr>
               <a:t>Fairly simple program with few lines of code when using the IDE.</a:t>
             </a:r>
@@ -7161,7 +7180,7 @@
           <a:p>
             <a:r>
               <a:rPr lang="en-US" dirty="0"/>
-              <a:t>ST</a:t>
+              <a:t>ZZ</a:t>
             </a:r>
           </a:p>
         </p:txBody>
@@ -7552,26 +7571,26 @@
         </p:nvSpPr>
         <p:spPr>
           <a:xfrm>
-            <a:off x="457200" y="1600200"/>
-            <a:ext cx="6324600" cy="5105400"/>
+            <a:off x="310869" y="1428024"/>
+            <a:ext cx="7289575" cy="5105400"/>
           </a:xfrm>
         </p:spPr>
         <p:txBody>
           <a:bodyPr>
-            <a:normAutofit fontScale="77500" lnSpcReduction="20000"/>
+            <a:normAutofit fontScale="92500" lnSpcReduction="10000"/>
           </a:bodyPr>
           <a:lstStyle/>
           <a:p>
             <a:pPr algn="l"/>
             <a:r>
-              <a:rPr lang="en-US" sz="3200" b="0" i="1" u="none" strike="noStrike" baseline="0" dirty="0">
+              <a:rPr lang="en-US" sz="2400" b="0" i="1" u="none" strike="noStrike" baseline="0" dirty="0">
                 <a:latin typeface="Times New Roman" panose="02020603050405020304" pitchFamily="18" charset="0"/>
                 <a:cs typeface="Times New Roman" panose="02020603050405020304" pitchFamily="18" charset="0"/>
               </a:rPr>
               <a:t>Calvin – </a:t>
             </a:r>
             <a:r>
-              <a:rPr lang="en-US" dirty="0">
+              <a:rPr lang="en-US" sz="2400" dirty="0">
                 <a:latin typeface="Times New Roman" panose="02020603050405020304" pitchFamily="18" charset="0"/>
                 <a:cs typeface="Times New Roman" panose="02020603050405020304" pitchFamily="18" charset="0"/>
               </a:rPr>
@@ -7579,16 +7598,25 @@
             </a:r>
           </a:p>
           <a:p>
+            <a:pPr marL="0" indent="0" algn="l">
+              <a:buNone/>
+            </a:pPr>
+            <a:endParaRPr lang="en-US" sz="2400" dirty="0">
+              <a:latin typeface="Times New Roman" panose="02020603050405020304" pitchFamily="18" charset="0"/>
+              <a:cs typeface="Times New Roman" panose="02020603050405020304" pitchFamily="18" charset="0"/>
+            </a:endParaRPr>
+          </a:p>
+          <a:p>
             <a:pPr algn="l"/>
             <a:r>
-              <a:rPr lang="en-US" i="1" dirty="0">
+              <a:rPr lang="en-US" sz="2400" i="1" dirty="0">
                 <a:latin typeface="Times New Roman" panose="02020603050405020304" pitchFamily="18" charset="0"/>
                 <a:cs typeface="Times New Roman" panose="02020603050405020304" pitchFamily="18" charset="0"/>
               </a:rPr>
               <a:t>Stevie</a:t>
             </a:r>
             <a:r>
-              <a:rPr lang="en-US" dirty="0">
+              <a:rPr lang="en-US" sz="2400" dirty="0">
                 <a:latin typeface="Times New Roman" panose="02020603050405020304" pitchFamily="18" charset="0"/>
                 <a:cs typeface="Times New Roman" panose="02020603050405020304" pitchFamily="18" charset="0"/>
               </a:rPr>
@@ -7596,16 +7624,25 @@
             </a:r>
           </a:p>
           <a:p>
+            <a:pPr marL="0" indent="0" algn="l">
+              <a:buNone/>
+            </a:pPr>
+            <a:endParaRPr lang="en-US" sz="2400" dirty="0">
+              <a:latin typeface="Times New Roman" panose="02020603050405020304" pitchFamily="18" charset="0"/>
+              <a:cs typeface="Times New Roman" panose="02020603050405020304" pitchFamily="18" charset="0"/>
+            </a:endParaRPr>
+          </a:p>
+          <a:p>
             <a:pPr algn="l"/>
             <a:r>
-              <a:rPr lang="en-US" i="1" dirty="0" err="1">
+              <a:rPr lang="en-US" sz="2400" i="1" dirty="0" err="1">
                 <a:latin typeface="Times New Roman" panose="02020603050405020304" pitchFamily="18" charset="0"/>
                 <a:cs typeface="Times New Roman" panose="02020603050405020304" pitchFamily="18" charset="0"/>
               </a:rPr>
               <a:t>Zeming</a:t>
             </a:r>
             <a:r>
-              <a:rPr lang="en-US" dirty="0">
+              <a:rPr lang="en-US" sz="2400" dirty="0">
                 <a:latin typeface="Times New Roman" panose="02020603050405020304" pitchFamily="18" charset="0"/>
                 <a:cs typeface="Times New Roman" panose="02020603050405020304" pitchFamily="18" charset="0"/>
               </a:rPr>
@@ -7613,23 +7650,28 @@
             </a:r>
           </a:p>
           <a:p>
-            <a:r>
-              <a:rPr lang="en-US" i="1" dirty="0">
+            <a:pPr marL="0" indent="0" algn="l">
+              <a:buNone/>
+            </a:pPr>
+            <a:endParaRPr lang="en-US" sz="2400" dirty="0">
+              <a:latin typeface="Times New Roman" panose="02020603050405020304" pitchFamily="18" charset="0"/>
+              <a:cs typeface="Times New Roman" panose="02020603050405020304" pitchFamily="18" charset="0"/>
+            </a:endParaRPr>
+          </a:p>
+          <a:p>
+            <a:r>
+              <a:rPr lang="en-US" sz="2400" i="1" dirty="0">
                 <a:latin typeface="Times New Roman" panose="02020603050405020304" pitchFamily="18" charset="0"/>
                 <a:cs typeface="Times New Roman" panose="02020603050405020304" pitchFamily="18" charset="0"/>
               </a:rPr>
               <a:t>Nick</a:t>
             </a:r>
             <a:r>
-              <a:rPr lang="en-US" dirty="0">
+              <a:rPr lang="en-US" sz="2400" dirty="0">
                 <a:latin typeface="Times New Roman" panose="02020603050405020304" pitchFamily="18" charset="0"/>
                 <a:cs typeface="Times New Roman" panose="02020603050405020304" pitchFamily="18" charset="0"/>
               </a:rPr>
-              <a:t> –I</a:t>
-            </a:r>
-            <a:r>
-              <a:rPr lang="en-US" dirty="0"/>
-              <a:t>mplement the 1-wire Debug functionality in the device to allow for outputting register values. </a:t>
+              <a:t> –Implement the 1-wire Debug functionality in the device to allow for outputting register values. </a:t>
             </a:r>
           </a:p>
         </p:txBody>
@@ -7837,21 +7879,16 @@
           </a:bodyPr>
           <a:lstStyle/>
           <a:p>
-            <a:pPr marL="742950" marR="0" lvl="1" indent="-285750">
+            <a:pPr marL="514350" indent="-457200">
               <a:lnSpc>
                 <a:spcPct val="107000"/>
               </a:lnSpc>
               <a:spcBef>
                 <a:spcPts val="0"/>
               </a:spcBef>
-              <a:spcAft>
-                <a:spcPts val="0"/>
-              </a:spcAft>
-              <a:buFont typeface="Courier New" panose="02070309020205020404" pitchFamily="49" charset="0"/>
-              <a:buChar char="o"/>
             </a:pPr>
             <a:r>
-              <a:rPr lang="en-US" sz="2500" dirty="0">
+              <a:rPr lang="en-US" dirty="0">
                 <a:latin typeface="Times New Roman" panose="02020603050405020304" pitchFamily="18" charset="0"/>
                 <a:cs typeface="Times New Roman" panose="02020603050405020304" pitchFamily="18" charset="0"/>
               </a:rPr>
@@ -7859,21 +7896,16 @@
             </a:r>
           </a:p>
           <a:p>
-            <a:pPr marL="1143000" marR="0" lvl="2" indent="-228600">
+            <a:pPr marL="914400" lvl="1" indent="-457200">
               <a:lnSpc>
                 <a:spcPct val="107000"/>
               </a:lnSpc>
               <a:spcBef>
                 <a:spcPts val="0"/>
               </a:spcBef>
-              <a:spcAft>
-                <a:spcPts val="0"/>
-              </a:spcAft>
-              <a:buFont typeface="Wingdings" panose="05000000000000000000" pitchFamily="2" charset="2"/>
-              <a:buChar char=""/>
             </a:pPr>
             <a:r>
-              <a:rPr lang="en-US" sz="2500" dirty="0">
+              <a:rPr lang="en-US" dirty="0">
                 <a:latin typeface="Times New Roman" panose="02020603050405020304" pitchFamily="18" charset="0"/>
                 <a:cs typeface="Times New Roman" panose="02020603050405020304" pitchFamily="18" charset="0"/>
               </a:rPr>
@@ -7881,21 +7913,16 @@
             </a:r>
           </a:p>
           <a:p>
-            <a:pPr marL="1143000" marR="0" lvl="2" indent="-228600">
+            <a:pPr marL="914400" lvl="1" indent="-457200">
               <a:lnSpc>
                 <a:spcPct val="107000"/>
               </a:lnSpc>
               <a:spcBef>
                 <a:spcPts val="0"/>
               </a:spcBef>
-              <a:spcAft>
-                <a:spcPts val="0"/>
-              </a:spcAft>
-              <a:buFont typeface="Wingdings" panose="05000000000000000000" pitchFamily="2" charset="2"/>
-              <a:buChar char=""/>
             </a:pPr>
             <a:r>
-              <a:rPr lang="en-US" sz="2500" dirty="0">
+              <a:rPr lang="en-US" dirty="0">
                 <a:latin typeface="Times New Roman" panose="02020603050405020304" pitchFamily="18" charset="0"/>
                 <a:cs typeface="Times New Roman" panose="02020603050405020304" pitchFamily="18" charset="0"/>
               </a:rPr>
@@ -7903,21 +7930,16 @@
             </a:r>
           </a:p>
           <a:p>
-            <a:pPr marL="742950" marR="0" lvl="1" indent="-285750">
+            <a:pPr marL="514350" indent="-457200">
               <a:lnSpc>
                 <a:spcPct val="107000"/>
               </a:lnSpc>
               <a:spcBef>
                 <a:spcPts val="0"/>
               </a:spcBef>
-              <a:spcAft>
-                <a:spcPts val="0"/>
-              </a:spcAft>
-              <a:buFont typeface="Courier New" panose="02070309020205020404" pitchFamily="49" charset="0"/>
-              <a:buChar char="o"/>
             </a:pPr>
             <a:r>
-              <a:rPr lang="en-US" sz="2500" dirty="0">
+              <a:rPr lang="en-US" dirty="0">
                 <a:latin typeface="Times New Roman" panose="02020603050405020304" pitchFamily="18" charset="0"/>
                 <a:cs typeface="Times New Roman" panose="02020603050405020304" pitchFamily="18" charset="0"/>
               </a:rPr>
@@ -7925,21 +7947,16 @@
             </a:r>
           </a:p>
           <a:p>
-            <a:pPr marL="1143000" marR="0" lvl="2" indent="-228600">
+            <a:pPr marL="914400" lvl="1" indent="-457200">
               <a:lnSpc>
                 <a:spcPct val="107000"/>
               </a:lnSpc>
               <a:spcBef>
                 <a:spcPts val="0"/>
               </a:spcBef>
-              <a:spcAft>
-                <a:spcPts val="0"/>
-              </a:spcAft>
-              <a:buFont typeface="Wingdings" panose="05000000000000000000" pitchFamily="2" charset="2"/>
-              <a:buChar char=""/>
             </a:pPr>
             <a:r>
-              <a:rPr lang="en-US" sz="2500" dirty="0">
+              <a:rPr lang="en-US" dirty="0">
                 <a:latin typeface="Times New Roman" panose="02020603050405020304" pitchFamily="18" charset="0"/>
                 <a:cs typeface="Times New Roman" panose="02020603050405020304" pitchFamily="18" charset="0"/>
               </a:rPr>
@@ -7947,21 +7964,16 @@
             </a:r>
           </a:p>
           <a:p>
-            <a:pPr marL="1143000" marR="0" lvl="2" indent="-228600">
+            <a:pPr marL="914400" lvl="1" indent="-457200">
               <a:lnSpc>
                 <a:spcPct val="107000"/>
               </a:lnSpc>
               <a:spcBef>
                 <a:spcPts val="0"/>
               </a:spcBef>
-              <a:spcAft>
-                <a:spcPts val="800"/>
-              </a:spcAft>
-              <a:buFont typeface="Wingdings" panose="05000000000000000000" pitchFamily="2" charset="2"/>
-              <a:buChar char=""/>
             </a:pPr>
             <a:r>
-              <a:rPr lang="en-US" sz="2500" dirty="0">
+              <a:rPr lang="en-US" dirty="0">
                 <a:latin typeface="Times New Roman" panose="02020603050405020304" pitchFamily="18" charset="0"/>
                 <a:cs typeface="Times New Roman" panose="02020603050405020304" pitchFamily="18" charset="0"/>
               </a:rPr>
@@ -7969,21 +7981,16 @@
             </a:r>
           </a:p>
           <a:p>
-            <a:pPr marL="1143000" marR="0" lvl="2" indent="-228600">
+            <a:pPr marL="914400" lvl="1" indent="-457200">
               <a:lnSpc>
                 <a:spcPct val="107000"/>
               </a:lnSpc>
               <a:spcBef>
                 <a:spcPts val="0"/>
               </a:spcBef>
-              <a:spcAft>
-                <a:spcPts val="800"/>
-              </a:spcAft>
-              <a:buFont typeface="Wingdings" panose="05000000000000000000" pitchFamily="2" charset="2"/>
-              <a:buChar char=""/>
             </a:pPr>
             <a:r>
-              <a:rPr lang="en-US" sz="2500" dirty="0">
+              <a:rPr lang="en-US" dirty="0">
                 <a:latin typeface="Times New Roman" panose="02020603050405020304" pitchFamily="18" charset="0"/>
                 <a:cs typeface="Times New Roman" panose="02020603050405020304" pitchFamily="18" charset="0"/>
               </a:rPr>

--- a/Smart_Bird_Feeder_Presentation.pptx
+++ b/Smart_Bird_Feeder_Presentation.pptx
@@ -10220,8 +10220,8 @@
         </p:blipFill>
         <p:spPr>
           <a:xfrm>
-            <a:off x="533400" y="2438400"/>
-            <a:ext cx="8369590" cy="3426626"/>
+            <a:off x="76200" y="1855802"/>
+            <a:ext cx="9038129" cy="3700335"/>
           </a:xfrm>
           <a:prstGeom prst="rect">
             <a:avLst/>

--- a/Smart_Bird_Feeder_Presentation.pptx
+++ b/Smart_Bird_Feeder_Presentation.pptx
@@ -4588,7 +4588,7 @@
                 <a:ea typeface="+mj-ea"/>
                 <a:cs typeface="Times New Roman" panose="02020603050405020304" pitchFamily="18" charset="0"/>
               </a:rPr>
-              <a:t>Calvin </a:t>
+              <a:t>Stephanie “Stevie” Taylor, Calvin </a:t>
             </a:r>
             <a:r>
               <a:rPr kumimoji="0" lang="en-US" sz="2000" i="0" u="none" strike="noStrike" kern="1200" cap="none" spc="0" normalizeH="0" noProof="0" dirty="0" err="1">
@@ -4634,7 +4634,7 @@
                 <a:ea typeface="+mj-ea"/>
                 <a:cs typeface="Times New Roman" panose="02020603050405020304" pitchFamily="18" charset="0"/>
               </a:rPr>
-              <a:t>, Stephanie “Stevie” Taylor, </a:t>
+              <a:t>, </a:t>
             </a:r>
             <a:r>
               <a:rPr kumimoji="0" lang="en-US" sz="2000" i="0" u="none" strike="noStrike" kern="1200" cap="none" spc="0" normalizeH="0" noProof="0" dirty="0" err="1">
@@ -8193,7 +8193,15 @@
                 <a:ea typeface="Times New Roman" panose="02020603050405020304" pitchFamily="18" charset="0"/>
                 <a:cs typeface="Times New Roman" panose="02020603050405020304" pitchFamily="18" charset="0"/>
               </a:rPr>
-              <a:t>The problem is that crows and squirrels eat the seed meant for small birds, and that this decreases the ability of bird feeder owners to increase the species richness of birds in their area. </a:t>
+              <a:t>Crows and squirrels eat the seed meant for small birds in most commercial bird feeders on the market today</a:t>
+            </a:r>
+            <a:r>
+              <a:rPr lang="en-US" sz="2400" kern="0" dirty="0">
+                <a:latin typeface="Times New Roman" panose="02020603050405020304" pitchFamily="18" charset="0"/>
+                <a:ea typeface="Times New Roman" panose="02020603050405020304" pitchFamily="18" charset="0"/>
+                <a:cs typeface="Times New Roman" panose="02020603050405020304" pitchFamily="18" charset="0"/>
+              </a:rPr>
+              <a:t>. </a:t>
             </a:r>
           </a:p>
           <a:p>
@@ -8223,81 +8231,10 @@
               </a:spcAft>
               <a:buNone/>
             </a:pPr>
-            <a:r>
-              <a:rPr lang="en-US" sz="2400" kern="0" dirty="0">
-                <a:effectLst/>
-                <a:latin typeface="Times New Roman" panose="02020603050405020304" pitchFamily="18" charset="0"/>
-                <a:ea typeface="Times New Roman" panose="02020603050405020304" pitchFamily="18" charset="0"/>
-                <a:cs typeface="Times New Roman" panose="02020603050405020304" pitchFamily="18" charset="0"/>
-              </a:rPr>
-              <a:t>If squirrels and crows </a:t>
-            </a:r>
-            <a:r>
-              <a:rPr lang="en-US" sz="2400" kern="0" dirty="0">
-                <a:latin typeface="Times New Roman" panose="02020603050405020304" pitchFamily="18" charset="0"/>
-                <a:ea typeface="Times New Roman" panose="02020603050405020304" pitchFamily="18" charset="0"/>
-                <a:cs typeface="Times New Roman" panose="02020603050405020304" pitchFamily="18" charset="0"/>
-              </a:rPr>
-              <a:t>learned</a:t>
-            </a:r>
-            <a:r>
-              <a:rPr lang="en-US" sz="2400" kern="0" dirty="0">
-                <a:effectLst/>
-                <a:latin typeface="Times New Roman" panose="02020603050405020304" pitchFamily="18" charset="0"/>
-                <a:ea typeface="Times New Roman" panose="02020603050405020304" pitchFamily="18" charset="0"/>
-                <a:cs typeface="Times New Roman" panose="02020603050405020304" pitchFamily="18" charset="0"/>
-              </a:rPr>
-              <a:t> the device will not feed them, they will keep away from the smart bird feeder and that will satisfy </a:t>
-            </a:r>
-            <a:r>
-              <a:rPr lang="en-US" sz="2400" kern="100" dirty="0">
-                <a:effectLst/>
-                <a:latin typeface="Times New Roman" panose="02020603050405020304" pitchFamily="18" charset="0"/>
-                <a:ea typeface="DengXian" panose="02010600030101010101" pitchFamily="2" charset="-122"/>
-                <a:cs typeface="Times New Roman" panose="02020603050405020304" pitchFamily="18" charset="0"/>
-              </a:rPr>
-              <a:t>bird watchers.</a:t>
-            </a:r>
-          </a:p>
-          <a:p>
-            <a:pPr marL="0" marR="0" indent="0" algn="just">
-              <a:spcBef>
-                <a:spcPts val="0"/>
-              </a:spcBef>
-              <a:spcAft>
-                <a:spcPts val="0"/>
-              </a:spcAft>
-              <a:buNone/>
-            </a:pPr>
-            <a:endParaRPr lang="en-US" sz="2400" kern="100" dirty="0">
+            <a:endParaRPr lang="en-US" sz="2400" kern="0" dirty="0">
               <a:effectLst/>
               <a:latin typeface="Times New Roman" panose="02020603050405020304" pitchFamily="18" charset="0"/>
-              <a:ea typeface="DengXian" panose="02010600030101010101" pitchFamily="2" charset="-122"/>
-              <a:cs typeface="Times New Roman" panose="02020603050405020304" pitchFamily="18" charset="0"/>
-            </a:endParaRPr>
-          </a:p>
-          <a:p>
-            <a:pPr marL="0" marR="0" indent="0" algn="just">
-              <a:spcBef>
-                <a:spcPts val="0"/>
-              </a:spcBef>
-              <a:spcAft>
-                <a:spcPts val="0"/>
-              </a:spcAft>
-              <a:buNone/>
-            </a:pPr>
-            <a:r>
-              <a:rPr lang="en-US" sz="2400" kern="100" dirty="0">
-                <a:latin typeface="Times New Roman" panose="02020603050405020304" pitchFamily="18" charset="0"/>
-                <a:ea typeface="DengXian" panose="02010600030101010101" pitchFamily="2" charset="-122"/>
-                <a:cs typeface="Times New Roman" panose="02020603050405020304" pitchFamily="18" charset="0"/>
-              </a:rPr>
-              <a:t>Concerned ecologists would also rest easier if more species were able to compete.</a:t>
-            </a:r>
-            <a:endParaRPr lang="en-US" sz="2400" kern="100" dirty="0">
-              <a:effectLst/>
-              <a:latin typeface="Times New Roman" panose="02020603050405020304" pitchFamily="18" charset="0"/>
-              <a:ea typeface="DengXian" panose="02010600030101010101" pitchFamily="2" charset="-122"/>
+              <a:ea typeface="Times New Roman" panose="02020603050405020304" pitchFamily="18" charset="0"/>
               <a:cs typeface="Times New Roman" panose="02020603050405020304" pitchFamily="18" charset="0"/>
             </a:endParaRPr>
           </a:p>
@@ -8398,6 +8335,248 @@
             <a:r>
               <a:rPr lang="en-US" dirty="0"/>
               <a:t>ST</a:t>
+            </a:r>
+          </a:p>
+        </p:txBody>
+      </p:sp>
+      <p:sp>
+        <p:nvSpPr>
+          <p:cNvPr id="9" name="Content Placeholder 2">
+            <a:extLst>
+              <a:ext uri="{FF2B5EF4-FFF2-40B4-BE49-F238E27FC236}">
+                <a16:creationId xmlns:a16="http://schemas.microsoft.com/office/drawing/2014/main" id="{093835DD-07B0-4498-940D-769BFBC68439}"/>
+              </a:ext>
+            </a:extLst>
+          </p:cNvPr>
+          <p:cNvSpPr txBox="1">
+            <a:spLocks/>
+          </p:cNvSpPr>
+          <p:nvPr/>
+        </p:nvSpPr>
+        <p:spPr>
+          <a:xfrm>
+            <a:off x="559324" y="2869608"/>
+            <a:ext cx="8127476" cy="3547793"/>
+          </a:xfrm>
+          <a:prstGeom prst="rect">
+            <a:avLst/>
+          </a:prstGeom>
+        </p:spPr>
+        <p:txBody>
+          <a:bodyPr vert="horz" lIns="91440" tIns="45720" rIns="91440" bIns="45720" rtlCol="0">
+            <a:noAutofit/>
+          </a:bodyPr>
+          <a:lstStyle>
+            <a:lvl1pPr marL="342900" indent="-342900" algn="l" defTabSz="914400" rtl="0" eaLnBrk="1" latinLnBrk="0" hangingPunct="1">
+              <a:spcBef>
+                <a:spcPct val="20000"/>
+              </a:spcBef>
+              <a:buFont typeface="Arial" pitchFamily="34" charset="0"/>
+              <a:buChar char="•"/>
+              <a:defRPr sz="3200" kern="1200">
+                <a:solidFill>
+                  <a:schemeClr val="bg2">
+                    <a:lumMod val="25000"/>
+                  </a:schemeClr>
+                </a:solidFill>
+                <a:latin typeface="+mn-lt"/>
+                <a:ea typeface="+mn-ea"/>
+                <a:cs typeface="+mn-cs"/>
+              </a:defRPr>
+            </a:lvl1pPr>
+            <a:lvl2pPr marL="742950" indent="-285750" algn="l" defTabSz="914400" rtl="0" eaLnBrk="1" latinLnBrk="0" hangingPunct="1">
+              <a:spcBef>
+                <a:spcPct val="20000"/>
+              </a:spcBef>
+              <a:buFont typeface="Arial" pitchFamily="34" charset="0"/>
+              <a:buChar char="–"/>
+              <a:defRPr sz="2800" kern="1200">
+                <a:solidFill>
+                  <a:schemeClr val="bg2">
+                    <a:lumMod val="25000"/>
+                  </a:schemeClr>
+                </a:solidFill>
+                <a:latin typeface="+mn-lt"/>
+                <a:ea typeface="+mn-ea"/>
+                <a:cs typeface="+mn-cs"/>
+              </a:defRPr>
+            </a:lvl2pPr>
+            <a:lvl3pPr marL="1143000" indent="-228600" algn="l" defTabSz="914400" rtl="0" eaLnBrk="1" latinLnBrk="0" hangingPunct="1">
+              <a:spcBef>
+                <a:spcPct val="20000"/>
+              </a:spcBef>
+              <a:buFont typeface="Arial" pitchFamily="34" charset="0"/>
+              <a:buChar char="•"/>
+              <a:defRPr sz="2400" kern="1200">
+                <a:solidFill>
+                  <a:schemeClr val="bg2">
+                    <a:lumMod val="25000"/>
+                  </a:schemeClr>
+                </a:solidFill>
+                <a:latin typeface="+mn-lt"/>
+                <a:ea typeface="+mn-ea"/>
+                <a:cs typeface="+mn-cs"/>
+              </a:defRPr>
+            </a:lvl3pPr>
+            <a:lvl4pPr marL="1600200" indent="-228600" algn="l" defTabSz="914400" rtl="0" eaLnBrk="1" latinLnBrk="0" hangingPunct="1">
+              <a:spcBef>
+                <a:spcPct val="20000"/>
+              </a:spcBef>
+              <a:buFont typeface="Arial" pitchFamily="34" charset="0"/>
+              <a:buChar char="–"/>
+              <a:defRPr sz="2000" kern="1200">
+                <a:solidFill>
+                  <a:schemeClr val="bg2">
+                    <a:lumMod val="25000"/>
+                  </a:schemeClr>
+                </a:solidFill>
+                <a:latin typeface="+mn-lt"/>
+                <a:ea typeface="+mn-ea"/>
+                <a:cs typeface="+mn-cs"/>
+              </a:defRPr>
+            </a:lvl4pPr>
+            <a:lvl5pPr marL="2057400" indent="-228600" algn="l" defTabSz="914400" rtl="0" eaLnBrk="1" latinLnBrk="0" hangingPunct="1">
+              <a:spcBef>
+                <a:spcPct val="20000"/>
+              </a:spcBef>
+              <a:buFont typeface="Arial" pitchFamily="34" charset="0"/>
+              <a:buChar char="»"/>
+              <a:defRPr sz="2000" kern="1200">
+                <a:solidFill>
+                  <a:schemeClr val="bg2">
+                    <a:lumMod val="25000"/>
+                  </a:schemeClr>
+                </a:solidFill>
+                <a:latin typeface="+mn-lt"/>
+                <a:ea typeface="+mn-ea"/>
+                <a:cs typeface="+mn-cs"/>
+              </a:defRPr>
+            </a:lvl5pPr>
+            <a:lvl6pPr marL="2514600" indent="-228600" algn="l" defTabSz="914400" rtl="0" eaLnBrk="1" latinLnBrk="0" hangingPunct="1">
+              <a:spcBef>
+                <a:spcPct val="20000"/>
+              </a:spcBef>
+              <a:buFont typeface="Arial" pitchFamily="34" charset="0"/>
+              <a:buChar char="•"/>
+              <a:defRPr sz="2000" kern="1200">
+                <a:solidFill>
+                  <a:schemeClr val="tx1"/>
+                </a:solidFill>
+                <a:latin typeface="+mn-lt"/>
+                <a:ea typeface="+mn-ea"/>
+                <a:cs typeface="+mn-cs"/>
+              </a:defRPr>
+            </a:lvl6pPr>
+            <a:lvl7pPr marL="2971800" indent="-228600" algn="l" defTabSz="914400" rtl="0" eaLnBrk="1" latinLnBrk="0" hangingPunct="1">
+              <a:spcBef>
+                <a:spcPct val="20000"/>
+              </a:spcBef>
+              <a:buFont typeface="Arial" pitchFamily="34" charset="0"/>
+              <a:buChar char="•"/>
+              <a:defRPr sz="2000" kern="1200">
+                <a:solidFill>
+                  <a:schemeClr val="tx1"/>
+                </a:solidFill>
+                <a:latin typeface="+mn-lt"/>
+                <a:ea typeface="+mn-ea"/>
+                <a:cs typeface="+mn-cs"/>
+              </a:defRPr>
+            </a:lvl7pPr>
+            <a:lvl8pPr marL="3429000" indent="-228600" algn="l" defTabSz="914400" rtl="0" eaLnBrk="1" latinLnBrk="0" hangingPunct="1">
+              <a:spcBef>
+                <a:spcPct val="20000"/>
+              </a:spcBef>
+              <a:buFont typeface="Arial" pitchFamily="34" charset="0"/>
+              <a:buChar char="•"/>
+              <a:defRPr sz="2000" kern="1200">
+                <a:solidFill>
+                  <a:schemeClr val="tx1"/>
+                </a:solidFill>
+                <a:latin typeface="+mn-lt"/>
+                <a:ea typeface="+mn-ea"/>
+                <a:cs typeface="+mn-cs"/>
+              </a:defRPr>
+            </a:lvl8pPr>
+            <a:lvl9pPr marL="3886200" indent="-228600" algn="l" defTabSz="914400" rtl="0" eaLnBrk="1" latinLnBrk="0" hangingPunct="1">
+              <a:spcBef>
+                <a:spcPct val="20000"/>
+              </a:spcBef>
+              <a:buFont typeface="Arial" pitchFamily="34" charset="0"/>
+              <a:buChar char="•"/>
+              <a:defRPr sz="2000" kern="1200">
+                <a:solidFill>
+                  <a:schemeClr val="tx1"/>
+                </a:solidFill>
+                <a:latin typeface="+mn-lt"/>
+                <a:ea typeface="+mn-ea"/>
+                <a:cs typeface="+mn-cs"/>
+              </a:defRPr>
+            </a:lvl9pPr>
+          </a:lstStyle>
+          <a:p>
+            <a:pPr marL="0" indent="0" algn="just">
+              <a:spcBef>
+                <a:spcPts val="0"/>
+              </a:spcBef>
+              <a:buFont typeface="Arial" pitchFamily="34" charset="0"/>
+              <a:buNone/>
+            </a:pPr>
+            <a:endParaRPr lang="en-US" sz="2400" kern="0" dirty="0">
+              <a:latin typeface="Times New Roman" panose="02020603050405020304" pitchFamily="18" charset="0"/>
+              <a:ea typeface="Times New Roman" panose="02020603050405020304" pitchFamily="18" charset="0"/>
+              <a:cs typeface="Times New Roman" panose="02020603050405020304" pitchFamily="18" charset="0"/>
+            </a:endParaRPr>
+          </a:p>
+          <a:p>
+            <a:pPr marL="0" indent="0" algn="just">
+              <a:spcBef>
+                <a:spcPts val="0"/>
+              </a:spcBef>
+              <a:buFont typeface="Arial" pitchFamily="34" charset="0"/>
+              <a:buNone/>
+            </a:pPr>
+            <a:r>
+              <a:rPr lang="en-US" kern="0" dirty="0">
+                <a:latin typeface="Times New Roman" panose="02020603050405020304" pitchFamily="18" charset="0"/>
+                <a:ea typeface="Times New Roman" panose="02020603050405020304" pitchFamily="18" charset="0"/>
+                <a:cs typeface="Times New Roman" panose="02020603050405020304" pitchFamily="18" charset="0"/>
+              </a:rPr>
+              <a:t>Who is this a problem for?</a:t>
+            </a:r>
+            <a:endParaRPr lang="en-US" sz="2400" kern="0" dirty="0">
+              <a:latin typeface="Times New Roman" panose="02020603050405020304" pitchFamily="18" charset="0"/>
+              <a:ea typeface="Times New Roman" panose="02020603050405020304" pitchFamily="18" charset="0"/>
+              <a:cs typeface="Times New Roman" panose="02020603050405020304" pitchFamily="18" charset="0"/>
+            </a:endParaRPr>
+          </a:p>
+          <a:p>
+            <a:pPr algn="just">
+              <a:spcBef>
+                <a:spcPts val="0"/>
+              </a:spcBef>
+            </a:pPr>
+            <a:r>
+              <a:rPr lang="en-US" sz="2400" kern="0" dirty="0">
+                <a:latin typeface="Times New Roman" panose="02020603050405020304" pitchFamily="18" charset="0"/>
+                <a:ea typeface="Times New Roman" panose="02020603050405020304" pitchFamily="18" charset="0"/>
+                <a:cs typeface="Times New Roman" panose="02020603050405020304" pitchFamily="18" charset="0"/>
+              </a:rPr>
+              <a:t>Bird watchers</a:t>
+            </a:r>
+          </a:p>
+          <a:p>
+            <a:pPr algn="just">
+              <a:spcBef>
+                <a:spcPts val="0"/>
+              </a:spcBef>
+            </a:pPr>
+            <a:r>
+              <a:rPr lang="en-US" sz="2400" kern="0" dirty="0">
+                <a:latin typeface="Times New Roman" panose="02020603050405020304" pitchFamily="18" charset="0"/>
+                <a:ea typeface="Times New Roman" panose="02020603050405020304" pitchFamily="18" charset="0"/>
+                <a:cs typeface="Times New Roman" panose="02020603050405020304" pitchFamily="18" charset="0"/>
+              </a:rPr>
+              <a:t>Urbanites who suffer from inflammatory diseases or asthma</a:t>
             </a:r>
           </a:p>
         </p:txBody>
@@ -9130,7 +9309,7 @@
                 <a:latin typeface="Times New Roman" panose="02020603050405020304" pitchFamily="18" charset="0"/>
                 <a:cs typeface="Times New Roman" panose="02020603050405020304" pitchFamily="18" charset="0"/>
               </a:rPr>
-              <a:t>After a bird is detected, the servo motor will rotate +45 degrees to</a:t>
+              <a:t>After a bird is detected, the servo motor will rotate +90 degrees to</a:t>
             </a:r>
           </a:p>
           <a:p>
@@ -9160,7 +9339,7 @@
                 <a:latin typeface="Times New Roman" panose="02020603050405020304" pitchFamily="18" charset="0"/>
                 <a:cs typeface="Times New Roman" panose="02020603050405020304" pitchFamily="18" charset="0"/>
               </a:rPr>
-              <a:t>basin. Less than one second has passed since opening, the motor will</a:t>
+              <a:t>basin. Less than one second after the gate has opened, the motor will</a:t>
             </a:r>
           </a:p>
           <a:p>
@@ -9175,7 +9354,7 @@
                 <a:latin typeface="Times New Roman" panose="02020603050405020304" pitchFamily="18" charset="0"/>
                 <a:cs typeface="Times New Roman" panose="02020603050405020304" pitchFamily="18" charset="0"/>
               </a:rPr>
-              <a:t>close the gate with a -45 degree rotation to stop the flow of bird feed</a:t>
+              <a:t>close the gate with a -90 degree rotation to stop the flow of bird feed</a:t>
             </a:r>
           </a:p>
           <a:p>

--- a/Smart_Bird_Feeder_Presentation.pptx
+++ b/Smart_Bird_Feeder_Presentation.pptx
@@ -5,7 +5,7 @@
     <p:sldMasterId id="2147483648" r:id="rId1"/>
   </p:sldMasterIdLst>
   <p:notesMasterIdLst>
-    <p:notesMasterId r:id="rId22"/>
+    <p:notesMasterId r:id="rId23"/>
   </p:notesMasterIdLst>
   <p:sldIdLst>
     <p:sldId id="256" r:id="rId2"/>
@@ -28,6 +28,7 @@
     <p:sldId id="269" r:id="rId19"/>
     <p:sldId id="276" r:id="rId20"/>
     <p:sldId id="278" r:id="rId21"/>
+    <p:sldId id="283" r:id="rId22"/>
   </p:sldIdLst>
   <p:sldSz cx="9144000" cy="6858000" type="screen4x3"/>
   <p:notesSz cx="6858000" cy="9144000"/>
@@ -1208,6 +1209,93 @@
     <p:extLst>
       <p:ext uri="{BB962C8B-B14F-4D97-AF65-F5344CB8AC3E}">
         <p14:creationId xmlns:p14="http://schemas.microsoft.com/office/powerpoint/2010/main" val="2080745144"/>
+      </p:ext>
+    </p:extLst>
+  </p:cSld>
+  <p:clrMapOvr>
+    <a:masterClrMapping/>
+  </p:clrMapOvr>
+</p:notes>
+</file>
+
+<file path=ppt/notesSlides/notesSlide9.xml><?xml version="1.0" encoding="utf-8"?>
+<p:notes xmlns:a="http://schemas.openxmlformats.org/drawingml/2006/main" xmlns:r="http://schemas.openxmlformats.org/officeDocument/2006/relationships" xmlns:p="http://schemas.openxmlformats.org/presentationml/2006/main">
+  <p:cSld>
+    <p:spTree>
+      <p:nvGrpSpPr>
+        <p:cNvPr id="1" name=""/>
+        <p:cNvGrpSpPr/>
+        <p:nvPr/>
+      </p:nvGrpSpPr>
+      <p:grpSpPr>
+        <a:xfrm>
+          <a:off x="0" y="0"/>
+          <a:ext cx="0" cy="0"/>
+          <a:chOff x="0" y="0"/>
+          <a:chExt cx="0" cy="0"/>
+        </a:xfrm>
+      </p:grpSpPr>
+      <p:sp>
+        <p:nvSpPr>
+          <p:cNvPr id="2" name="Slide Image Placeholder 1"/>
+          <p:cNvSpPr>
+            <a:spLocks noGrp="1" noRot="1" noChangeAspect="1"/>
+          </p:cNvSpPr>
+          <p:nvPr>
+            <p:ph type="sldImg"/>
+          </p:nvPr>
+        </p:nvSpPr>
+        <p:spPr/>
+      </p:sp>
+      <p:sp>
+        <p:nvSpPr>
+          <p:cNvPr id="3" name="Notes Placeholder 2"/>
+          <p:cNvSpPr>
+            <a:spLocks noGrp="1"/>
+          </p:cNvSpPr>
+          <p:nvPr>
+            <p:ph type="body" idx="1"/>
+          </p:nvPr>
+        </p:nvSpPr>
+        <p:spPr/>
+        <p:txBody>
+          <a:bodyPr/>
+          <a:lstStyle/>
+          <a:p>
+            <a:r>
+              <a:rPr lang="en-US" dirty="0"/>
+              <a:t>Calvin - I learned that you should always view the datasheet of a part before purchasing it, unless it is not provided. I would definitely change some parts to be more suited to prototyping. For example, the continuous rotation servo motor changed to a normal servo, and ATTiny13 to a different controller IC with more I/O pins, and more allocated memory for uploading programs.</a:t>
+            </a:r>
+          </a:p>
+        </p:txBody>
+      </p:sp>
+      <p:sp>
+        <p:nvSpPr>
+          <p:cNvPr id="4" name="Slide Number Placeholder 3"/>
+          <p:cNvSpPr>
+            <a:spLocks noGrp="1"/>
+          </p:cNvSpPr>
+          <p:nvPr>
+            <p:ph type="sldNum" sz="quarter" idx="5"/>
+          </p:nvPr>
+        </p:nvSpPr>
+        <p:spPr/>
+        <p:txBody>
+          <a:bodyPr/>
+          <a:lstStyle/>
+          <a:p>
+            <a:fld id="{A771B80B-07BC-4537-8E23-F075034921BE}" type="slidenum">
+              <a:rPr lang="en-US" smtClean="0"/>
+              <a:t>21</a:t>
+            </a:fld>
+            <a:endParaRPr lang="en-US"/>
+          </a:p>
+        </p:txBody>
+      </p:sp>
+    </p:spTree>
+    <p:extLst>
+      <p:ext uri="{BB962C8B-B14F-4D97-AF65-F5344CB8AC3E}">
+        <p14:creationId xmlns:p14="http://schemas.microsoft.com/office/powerpoint/2010/main" val="2806534408"/>
       </p:ext>
     </p:extLst>
   </p:cSld>
@@ -5278,7 +5366,7 @@
             <a:pPr marL="0" indent="0" algn="l">
               <a:buNone/>
             </a:pPr>
-            <a:endParaRPr lang="en-US" sz="1100" dirty="0"/>
+            <a:endParaRPr lang="en-US" sz="1100" b="1" dirty="0"/>
           </a:p>
           <a:p>
             <a:pPr marL="0" indent="0">
@@ -5635,6 +5723,16 @@
               <a:buNone/>
             </a:pPr>
             <a:r>
+              <a:rPr lang="en-US" sz="1100" b="1" dirty="0"/>
+              <a:t>//in the loop the sensors are read and open the gate if requirements are met</a:t>
+            </a:r>
+          </a:p>
+          <a:p>
+            <a:pPr marL="0" indent="0">
+              <a:buFont typeface="Arial" pitchFamily="34" charset="0"/>
+              <a:buNone/>
+            </a:pPr>
+            <a:r>
               <a:rPr lang="en-US" sz="1100" dirty="0"/>
               <a:t>void loop() {</a:t>
             </a:r>
@@ -5783,6 +5881,16 @@
               <a:buNone/>
             </a:pPr>
             <a:endParaRPr lang="en-US" sz="1100" dirty="0"/>
+          </a:p>
+          <a:p>
+            <a:pPr marL="0" indent="0">
+              <a:buFont typeface="Arial" pitchFamily="34" charset="0"/>
+              <a:buNone/>
+            </a:pPr>
+            <a:r>
+              <a:rPr lang="en-US" sz="1100" b="1" dirty="0"/>
+              <a:t>//for cycle chute door function the servo opens and closes</a:t>
+            </a:r>
           </a:p>
           <a:p>
             <a:pPr marL="0" indent="0">
@@ -6032,7 +6140,7 @@
           <a:p>
             <a:r>
               <a:rPr lang="en-US" dirty="0"/>
-              <a:t>NS</a:t>
+              <a:t>CX</a:t>
             </a:r>
           </a:p>
         </p:txBody>
@@ -6564,7 +6672,7 @@
         <p:spPr>
           <a:xfrm>
             <a:off x="4367706" y="2385219"/>
-            <a:ext cx="3236784" cy="3046988"/>
+            <a:ext cx="3236784" cy="2539157"/>
           </a:xfrm>
           <a:prstGeom prst="rect">
             <a:avLst/>
@@ -6678,39 +6786,6 @@
               </a:rPr>
               <a:t>Arduino IDE</a:t>
             </a:r>
-          </a:p>
-          <a:p>
-            <a:pPr marL="342900" indent="-342900">
-              <a:lnSpc>
-                <a:spcPct val="90000"/>
-              </a:lnSpc>
-              <a:spcBef>
-                <a:spcPct val="20000"/>
-              </a:spcBef>
-              <a:buFont typeface="Arial" pitchFamily="34" charset="0"/>
-              <a:buChar char="•"/>
-            </a:pPr>
-            <a:r>
-              <a:rPr lang="en-US" sz="3000" dirty="0" err="1">
-                <a:solidFill>
-                  <a:schemeClr val="bg2">
-                    <a:lumMod val="25000"/>
-                  </a:schemeClr>
-                </a:solidFill>
-                <a:latin typeface="Times New Roman" panose="02020603050405020304" pitchFamily="18" charset="0"/>
-                <a:cs typeface="Times New Roman" panose="02020603050405020304" pitchFamily="18" charset="0"/>
-              </a:rPr>
-              <a:t>LTSpice</a:t>
-            </a:r>
-            <a:endParaRPr lang="en-US" sz="3000" dirty="0">
-              <a:solidFill>
-                <a:schemeClr val="bg2">
-                  <a:lumMod val="25000"/>
-                </a:schemeClr>
-              </a:solidFill>
-              <a:latin typeface="Times New Roman" panose="02020603050405020304" pitchFamily="18" charset="0"/>
-              <a:cs typeface="Times New Roman" panose="02020603050405020304" pitchFamily="18" charset="0"/>
-            </a:endParaRPr>
           </a:p>
           <a:p>
             <a:pPr marL="342900" indent="-342900">
@@ -8624,13 +8699,13 @@
         </p:nvSpPr>
         <p:spPr>
           <a:xfrm>
-            <a:off x="762000" y="2362200"/>
-            <a:ext cx="6324600" cy="1143000"/>
+            <a:off x="1066800" y="1219200"/>
+            <a:ext cx="6781800" cy="4648200"/>
           </a:xfrm>
         </p:spPr>
         <p:txBody>
           <a:bodyPr>
-            <a:normAutofit fontScale="90000"/>
+            <a:normAutofit/>
           </a:bodyPr>
           <a:lstStyle/>
           <a:p>
@@ -8640,6 +8715,189 @@
                 <a:cs typeface="Times New Roman" panose="02020603050405020304" pitchFamily="18" charset="0"/>
               </a:rPr>
               <a:t>Questions?</a:t>
+            </a:r>
+            <a:br>
+              <a:rPr lang="en-US" dirty="0">
+                <a:latin typeface="Times New Roman" panose="02020603050405020304" pitchFamily="18" charset="0"/>
+                <a:cs typeface="Times New Roman" panose="02020603050405020304" pitchFamily="18" charset="0"/>
+              </a:rPr>
+            </a:br>
+            <a:endParaRPr lang="en-US" dirty="0">
+              <a:latin typeface="Times New Roman" panose="02020603050405020304" pitchFamily="18" charset="0"/>
+              <a:cs typeface="Times New Roman" panose="02020603050405020304" pitchFamily="18" charset="0"/>
+            </a:endParaRPr>
+          </a:p>
+        </p:txBody>
+      </p:sp>
+      <p:pic>
+        <p:nvPicPr>
+          <p:cNvPr id="4" name="Picture 3">
+            <a:extLst>
+              <a:ext uri="{FF2B5EF4-FFF2-40B4-BE49-F238E27FC236}">
+                <a16:creationId xmlns:a16="http://schemas.microsoft.com/office/drawing/2014/main" id="{426FF380-471C-4574-A280-A8AEFB776DC5}"/>
+              </a:ext>
+            </a:extLst>
+          </p:cNvPr>
+          <p:cNvPicPr>
+            <a:picLocks noChangeAspect="1"/>
+          </p:cNvPicPr>
+          <p:nvPr/>
+        </p:nvPicPr>
+        <p:blipFill>
+          <a:blip r:embed="rId3">
+            <a:extLst>
+              <a:ext uri="{28A0092B-C50C-407E-A947-70E740481C1C}">
+                <a14:useLocalDpi xmlns:a14="http://schemas.microsoft.com/office/drawing/2010/main" val="0"/>
+              </a:ext>
+            </a:extLst>
+          </a:blip>
+          <a:stretch>
+            <a:fillRect/>
+          </a:stretch>
+        </p:blipFill>
+        <p:spPr>
+          <a:xfrm>
+            <a:off x="6477000" y="6543810"/>
+            <a:ext cx="2667000" cy="308889"/>
+          </a:xfrm>
+          <a:prstGeom prst="rect">
+            <a:avLst/>
+          </a:prstGeom>
+        </p:spPr>
+      </p:pic>
+      <p:sp>
+        <p:nvSpPr>
+          <p:cNvPr id="5" name="Slide Number Placeholder 4">
+            <a:extLst>
+              <a:ext uri="{FF2B5EF4-FFF2-40B4-BE49-F238E27FC236}">
+                <a16:creationId xmlns:a16="http://schemas.microsoft.com/office/drawing/2014/main" id="{5DE65BDC-5E62-416A-BBE6-A9C175D17A0D}"/>
+              </a:ext>
+            </a:extLst>
+          </p:cNvPr>
+          <p:cNvSpPr>
+            <a:spLocks noGrp="1"/>
+          </p:cNvSpPr>
+          <p:nvPr>
+            <p:ph type="sldNum" sz="quarter" idx="12"/>
+          </p:nvPr>
+        </p:nvSpPr>
+        <p:spPr/>
+        <p:txBody>
+          <a:bodyPr/>
+          <a:lstStyle/>
+          <a:p>
+            <a:fld id="{C806B262-DE4B-41F2-8D27-37F2CF938DE7}" type="slidenum">
+              <a:rPr lang="en-US" smtClean="0"/>
+              <a:pPr/>
+              <a:t>20</a:t>
+            </a:fld>
+            <a:endParaRPr lang="en-US"/>
+          </a:p>
+        </p:txBody>
+      </p:sp>
+      <p:sp>
+        <p:nvSpPr>
+          <p:cNvPr id="6" name="Footer Placeholder 5">
+            <a:extLst>
+              <a:ext uri="{FF2B5EF4-FFF2-40B4-BE49-F238E27FC236}">
+                <a16:creationId xmlns:a16="http://schemas.microsoft.com/office/drawing/2014/main" id="{4C2FEDDF-8F1A-4C35-B137-C3F01FF32137}"/>
+              </a:ext>
+            </a:extLst>
+          </p:cNvPr>
+          <p:cNvSpPr>
+            <a:spLocks noGrp="1"/>
+          </p:cNvSpPr>
+          <p:nvPr>
+            <p:ph type="ftr" sz="quarter" idx="11"/>
+          </p:nvPr>
+        </p:nvSpPr>
+        <p:spPr>
+          <a:xfrm>
+            <a:off x="-990600" y="6370637"/>
+            <a:ext cx="2895600" cy="365125"/>
+          </a:xfrm>
+        </p:spPr>
+        <p:txBody>
+          <a:bodyPr/>
+          <a:lstStyle/>
+          <a:p>
+            <a:r>
+              <a:rPr lang="en-US" dirty="0"/>
+              <a:t>ZZ</a:t>
+            </a:r>
+          </a:p>
+        </p:txBody>
+      </p:sp>
+    </p:spTree>
+    <p:extLst>
+      <p:ext uri="{BB962C8B-B14F-4D97-AF65-F5344CB8AC3E}">
+        <p14:creationId xmlns:p14="http://schemas.microsoft.com/office/powerpoint/2010/main" val="118471771"/>
+      </p:ext>
+    </p:extLst>
+  </p:cSld>
+  <p:clrMapOvr>
+    <a:masterClrMapping/>
+  </p:clrMapOvr>
+</p:sld>
+</file>
+
+<file path=ppt/slides/slide21.xml><?xml version="1.0" encoding="utf-8"?>
+<p:sld xmlns:a="http://schemas.openxmlformats.org/drawingml/2006/main" xmlns:r="http://schemas.openxmlformats.org/officeDocument/2006/relationships" xmlns:p="http://schemas.openxmlformats.org/presentationml/2006/main">
+  <p:cSld>
+    <p:spTree>
+      <p:nvGrpSpPr>
+        <p:cNvPr id="1" name=""/>
+        <p:cNvGrpSpPr/>
+        <p:nvPr/>
+      </p:nvGrpSpPr>
+      <p:grpSpPr>
+        <a:xfrm>
+          <a:off x="0" y="0"/>
+          <a:ext cx="0" cy="0"/>
+          <a:chOff x="0" y="0"/>
+          <a:chExt cx="0" cy="0"/>
+        </a:xfrm>
+      </p:grpSpPr>
+      <p:sp>
+        <p:nvSpPr>
+          <p:cNvPr id="2" name="Title 1">
+            <a:extLst>
+              <a:ext uri="{FF2B5EF4-FFF2-40B4-BE49-F238E27FC236}">
+                <a16:creationId xmlns:a16="http://schemas.microsoft.com/office/drawing/2014/main" id="{ACDD6BBA-DAD5-4495-86CC-1991D3C4CE9D}"/>
+              </a:ext>
+            </a:extLst>
+          </p:cNvPr>
+          <p:cNvSpPr>
+            <a:spLocks noGrp="1"/>
+          </p:cNvSpPr>
+          <p:nvPr>
+            <p:ph type="title"/>
+          </p:nvPr>
+        </p:nvSpPr>
+        <p:spPr>
+          <a:xfrm>
+            <a:off x="1066800" y="1219200"/>
+            <a:ext cx="6781800" cy="4648200"/>
+          </a:xfrm>
+        </p:spPr>
+        <p:txBody>
+          <a:bodyPr>
+            <a:normAutofit fontScale="90000"/>
+          </a:bodyPr>
+          <a:lstStyle/>
+          <a:p>
+            <a:br>
+              <a:rPr lang="en-US" dirty="0">
+                <a:latin typeface="Times New Roman" panose="02020603050405020304" pitchFamily="18" charset="0"/>
+                <a:cs typeface="Times New Roman" panose="02020603050405020304" pitchFamily="18" charset="0"/>
+              </a:rPr>
+            </a:br>
+            <a:r>
+              <a:rPr lang="en-US" dirty="0">
+                <a:latin typeface="Times New Roman" panose="02020603050405020304" pitchFamily="18" charset="0"/>
+                <a:cs typeface="Times New Roman" panose="02020603050405020304" pitchFamily="18" charset="0"/>
+              </a:rPr>
+              <a:t>…On to the demo!</a:t>
             </a:r>
             <a:br>
               <a:rPr lang="en-US" dirty="0">
@@ -8653,18 +8911,31 @@
                 <a:cs typeface="Times New Roman" panose="02020603050405020304" pitchFamily="18" charset="0"/>
               </a:rPr>
             </a:br>
+            <a:r>
+              <a:rPr lang="en-US" dirty="0">
+                <a:latin typeface="Times New Roman" panose="02020603050405020304" pitchFamily="18" charset="0"/>
+                <a:cs typeface="Times New Roman" panose="02020603050405020304" pitchFamily="18" charset="0"/>
+              </a:rPr>
+              <a:t>https://youtu.be/FhXBFi9wiv4</a:t>
+            </a:r>
             <a:br>
               <a:rPr lang="en-US" dirty="0">
                 <a:latin typeface="Times New Roman" panose="02020603050405020304" pitchFamily="18" charset="0"/>
                 <a:cs typeface="Times New Roman" panose="02020603050405020304" pitchFamily="18" charset="0"/>
               </a:rPr>
             </a:br>
-            <a:r>
+            <a:br>
               <a:rPr lang="en-US" dirty="0">
                 <a:latin typeface="Times New Roman" panose="02020603050405020304" pitchFamily="18" charset="0"/>
                 <a:cs typeface="Times New Roman" panose="02020603050405020304" pitchFamily="18" charset="0"/>
               </a:rPr>
-              <a:t>…On to the demo!</a:t>
+            </a:br>
+            <a:r>
+              <a:rPr lang="en-US" dirty="0">
+                <a:latin typeface="Times New Roman" panose="02020603050405020304" pitchFamily="18" charset="0"/>
+                <a:cs typeface="Times New Roman" panose="02020603050405020304" pitchFamily="18" charset="0"/>
+              </a:rPr>
+              <a:t>https://youtu.be/82VhC-g9Ptc</a:t>
             </a:r>
           </a:p>
         </p:txBody>
@@ -8729,7 +9000,7 @@
             <a:fld id="{C806B262-DE4B-41F2-8D27-37F2CF938DE7}" type="slidenum">
               <a:rPr lang="en-US" smtClean="0"/>
               <a:pPr/>
-              <a:t>20</a:t>
+              <a:t>21</a:t>
             </a:fld>
             <a:endParaRPr lang="en-US"/>
           </a:p>
@@ -8771,7 +9042,7 @@
     </p:spTree>
     <p:extLst>
       <p:ext uri="{BB962C8B-B14F-4D97-AF65-F5344CB8AC3E}">
-        <p14:creationId xmlns:p14="http://schemas.microsoft.com/office/powerpoint/2010/main" val="118471771"/>
+        <p14:creationId xmlns:p14="http://schemas.microsoft.com/office/powerpoint/2010/main" val="2088325001"/>
       </p:ext>
     </p:extLst>
   </p:cSld>
@@ -10054,21 +10325,9 @@
         </p:spPr>
         <p:txBody>
           <a:bodyPr>
-            <a:normAutofit lnSpcReduction="10000"/>
+            <a:normAutofit/>
           </a:bodyPr>
           <a:lstStyle/>
-          <a:p>
-            <a:pPr marL="0" indent="0" algn="l">
-              <a:buNone/>
-            </a:pPr>
-            <a:r>
-              <a:rPr lang="en-US" sz="2000" dirty="0">
-                <a:latin typeface="Times New Roman" panose="02020603050405020304" pitchFamily="18" charset="0"/>
-                <a:cs typeface="Times New Roman" panose="02020603050405020304" pitchFamily="18" charset="0"/>
-              </a:rPr>
-              <a:t>We had to redesign to use a weight/force sensor to determine small bird vs crow/squirrel instead of only frequency. There isn’t sufficient difference between frequency of squirrels to birds to only use audio. </a:t>
-            </a:r>
-          </a:p>
           <a:p>
             <a:pPr marL="0" indent="0" algn="l">
               <a:buNone/>
@@ -10171,8 +10430,8 @@
         </p:blipFill>
         <p:spPr>
           <a:xfrm>
-            <a:off x="1752600" y="2819401"/>
-            <a:ext cx="5264100" cy="3405725"/>
+            <a:off x="1269103" y="1871832"/>
+            <a:ext cx="6698182" cy="4333536"/>
           </a:xfrm>
           <a:prstGeom prst="rect">
             <a:avLst/>
@@ -10379,10 +10638,10 @@
       </p:sp>
       <p:pic>
         <p:nvPicPr>
-          <p:cNvPr id="7" name="Picture 6">
-            <a:extLst>
-              <a:ext uri="{FF2B5EF4-FFF2-40B4-BE49-F238E27FC236}">
-                <a16:creationId xmlns:a16="http://schemas.microsoft.com/office/drawing/2014/main" id="{0F0001AC-CAF6-435D-95CC-F2D8F9124965}"/>
+          <p:cNvPr id="8" name="Picture 7">
+            <a:extLst>
+              <a:ext uri="{FF2B5EF4-FFF2-40B4-BE49-F238E27FC236}">
+                <a16:creationId xmlns:a16="http://schemas.microsoft.com/office/drawing/2014/main" id="{8B7CB94E-6AAC-434F-B7D2-4F62FA180358}"/>
               </a:ext>
             </a:extLst>
           </p:cNvPr>
@@ -10399,8 +10658,8 @@
         </p:blipFill>
         <p:spPr>
           <a:xfrm>
-            <a:off x="76200" y="1855802"/>
-            <a:ext cx="9038129" cy="3700335"/>
+            <a:off x="38100" y="1828800"/>
+            <a:ext cx="9067800" cy="3805740"/>
           </a:xfrm>
           <a:prstGeom prst="rect">
             <a:avLst/>
